--- a/classes/dm2018_2/dm2_2.pptx
+++ b/classes/dm2018_2/dm2_2.pptx
@@ -44,7 +44,7 @@
     <p:sldId id="312" r:id="rId35"/>
   </p:sldIdLst>
   <p:sldSz cx="12192000" cy="6858000"/>
-  <p:notesSz cx="6858000" cy="9144000"/>
+  <p:notesSz cx="7099300" cy="10234613"/>
   <p:defaultTextStyle>
     <a:defPPr>
       <a:defRPr lang="ja-JP"/>
@@ -183,17 +183,17 @@
         <p:spPr>
           <a:xfrm>
             <a:off x="0" y="0"/>
-            <a:ext cx="2971800" cy="458788"/>
+            <a:ext cx="3076363" cy="513508"/>
           </a:xfrm>
           <a:prstGeom prst="rect">
             <a:avLst/>
           </a:prstGeom>
         </p:spPr>
         <p:txBody>
-          <a:bodyPr vert="horz" lIns="91440" tIns="45720" rIns="91440" bIns="45720" rtlCol="0"/>
+          <a:bodyPr vert="horz" lIns="99048" tIns="49524" rIns="99048" bIns="49524" rtlCol="0"/>
           <a:lstStyle>
             <a:lvl1pPr algn="l">
-              <a:defRPr sz="1200"/>
+              <a:defRPr sz="1300"/>
             </a:lvl1pPr>
           </a:lstStyle>
           <a:p>
@@ -213,24 +213,24 @@
         </p:nvSpPr>
         <p:spPr>
           <a:xfrm>
-            <a:off x="3884613" y="0"/>
-            <a:ext cx="2971800" cy="458788"/>
+            <a:off x="4021294" y="0"/>
+            <a:ext cx="3076363" cy="513508"/>
           </a:xfrm>
           <a:prstGeom prst="rect">
             <a:avLst/>
           </a:prstGeom>
         </p:spPr>
         <p:txBody>
-          <a:bodyPr vert="horz" lIns="91440" tIns="45720" rIns="91440" bIns="45720" rtlCol="0"/>
+          <a:bodyPr vert="horz" lIns="99048" tIns="49524" rIns="99048" bIns="49524" rtlCol="0"/>
           <a:lstStyle>
             <a:lvl1pPr algn="r">
-              <a:defRPr sz="1200"/>
+              <a:defRPr sz="1300"/>
             </a:lvl1pPr>
           </a:lstStyle>
           <a:p>
             <a:fld id="{B5D18E4F-8904-49F0-A966-ED8BC304F0DA}" type="datetimeFigureOut">
               <a:rPr kumimoji="1" lang="ja-JP" altLang="en-US" smtClean="0"/>
-              <a:t>2018/2/11</a:t>
+              <a:t>2018/3/19</a:t>
             </a:fld>
             <a:endParaRPr kumimoji="1" lang="ja-JP" altLang="en-US"/>
           </a:p>
@@ -248,8 +248,8 @@
         </p:nvSpPr>
         <p:spPr>
           <a:xfrm>
-            <a:off x="685800" y="1143000"/>
-            <a:ext cx="5486400" cy="3086100"/>
+            <a:off x="479425" y="1279525"/>
+            <a:ext cx="6140450" cy="3454400"/>
           </a:xfrm>
           <a:prstGeom prst="rect">
             <a:avLst/>
@@ -262,7 +262,7 @@
           </a:ln>
         </p:spPr>
         <p:txBody>
-          <a:bodyPr vert="horz" lIns="91440" tIns="45720" rIns="91440" bIns="45720" rtlCol="0" anchor="ctr"/>
+          <a:bodyPr vert="horz" lIns="99048" tIns="49524" rIns="99048" bIns="49524" rtlCol="0" anchor="ctr"/>
           <a:lstStyle/>
           <a:p>
             <a:endParaRPr lang="ja-JP" altLang="en-US"/>
@@ -281,15 +281,15 @@
         </p:nvSpPr>
         <p:spPr>
           <a:xfrm>
-            <a:off x="685800" y="4400550"/>
-            <a:ext cx="5486400" cy="3600450"/>
+            <a:off x="709930" y="4925407"/>
+            <a:ext cx="5679440" cy="4029879"/>
           </a:xfrm>
           <a:prstGeom prst="rect">
             <a:avLst/>
           </a:prstGeom>
         </p:spPr>
         <p:txBody>
-          <a:bodyPr vert="horz" lIns="91440" tIns="45720" rIns="91440" bIns="45720" rtlCol="0"/>
+          <a:bodyPr vert="horz" lIns="99048" tIns="49524" rIns="99048" bIns="49524" rtlCol="0"/>
           <a:lstStyle/>
           <a:p>
             <a:pPr lvl="0"/>
@@ -373,18 +373,18 @@
         </p:nvSpPr>
         <p:spPr>
           <a:xfrm>
-            <a:off x="0" y="8685213"/>
-            <a:ext cx="2971800" cy="458787"/>
+            <a:off x="0" y="9721107"/>
+            <a:ext cx="3076363" cy="513507"/>
           </a:xfrm>
           <a:prstGeom prst="rect">
             <a:avLst/>
           </a:prstGeom>
         </p:spPr>
         <p:txBody>
-          <a:bodyPr vert="horz" lIns="91440" tIns="45720" rIns="91440" bIns="45720" rtlCol="0" anchor="b"/>
+          <a:bodyPr vert="horz" lIns="99048" tIns="49524" rIns="99048" bIns="49524" rtlCol="0" anchor="b"/>
           <a:lstStyle>
             <a:lvl1pPr algn="l">
-              <a:defRPr sz="1200"/>
+              <a:defRPr sz="1300"/>
             </a:lvl1pPr>
           </a:lstStyle>
           <a:p>
@@ -404,18 +404,18 @@
         </p:nvSpPr>
         <p:spPr>
           <a:xfrm>
-            <a:off x="3884613" y="8685213"/>
-            <a:ext cx="2971800" cy="458787"/>
+            <a:off x="4021294" y="9721107"/>
+            <a:ext cx="3076363" cy="513507"/>
           </a:xfrm>
           <a:prstGeom prst="rect">
             <a:avLst/>
           </a:prstGeom>
         </p:spPr>
         <p:txBody>
-          <a:bodyPr vert="horz" lIns="91440" tIns="45720" rIns="91440" bIns="45720" rtlCol="0" anchor="b"/>
+          <a:bodyPr vert="horz" lIns="99048" tIns="49524" rIns="99048" bIns="49524" rtlCol="0" anchor="b"/>
           <a:lstStyle>
             <a:lvl1pPr algn="r">
-              <a:defRPr sz="1200"/>
+              <a:defRPr sz="1300"/>
             </a:lvl1pPr>
           </a:lstStyle>
           <a:p>
@@ -1362,9 +1362,6 @@
           <a:bodyPr/>
           <a:lstStyle/>
           <a:p>
-            <a:pPr marL="0" indent="0">
-              <a:buNone/>
-            </a:pPr>
             <a:r>
               <a:rPr lang="ja-JP" altLang="en-US" dirty="0" smtClean="0"/>
               <a:t>最近読んだ・見た面白かった論文紹介</a:t>
@@ -1372,48 +1369,30 @@
             <a:endParaRPr lang="en-US" altLang="ja-JP" dirty="0" smtClean="0"/>
           </a:p>
           <a:p>
-            <a:pPr marL="0" indent="0">
-              <a:buNone/>
-            </a:pPr>
             <a:r>
               <a:rPr kumimoji="1" lang="en-US" altLang="ja-JP" dirty="0" smtClean="0"/>
               <a:t>Texture Synthesis</a:t>
             </a:r>
           </a:p>
           <a:p>
-            <a:pPr marL="0" indent="0">
-              <a:buNone/>
-            </a:pPr>
             <a:r>
               <a:rPr lang="en-US" altLang="ja-JP" dirty="0" smtClean="0"/>
               <a:t>Seam Curving</a:t>
             </a:r>
           </a:p>
           <a:p>
-            <a:pPr marL="0" indent="0">
-              <a:buNone/>
-            </a:pPr>
             <a:r>
               <a:rPr kumimoji="1" lang="en-US" altLang="ja-JP" dirty="0" smtClean="0"/>
               <a:t>Visual Microphone</a:t>
             </a:r>
           </a:p>
           <a:p>
-            <a:pPr marL="0" indent="0">
-              <a:buNone/>
-            </a:pPr>
             <a:endParaRPr lang="en-US" altLang="ja-JP" dirty="0" smtClean="0"/>
           </a:p>
           <a:p>
-            <a:pPr marL="0" indent="0">
-              <a:buNone/>
-            </a:pPr>
             <a:endParaRPr lang="en-US" altLang="ja-JP" dirty="0" smtClean="0"/>
           </a:p>
           <a:p>
-            <a:pPr marL="0" indent="0">
-              <a:buNone/>
-            </a:pPr>
             <a:r>
               <a:rPr lang="en-US" altLang="ja-JP" dirty="0" smtClean="0"/>
               <a:t>SIGGRAPH 2016</a:t>
@@ -1425,41 +1404,29 @@
             <a:endParaRPr lang="en-US" altLang="ja-JP" dirty="0" smtClean="0"/>
           </a:p>
           <a:p>
-            <a:pPr marL="0" indent="0">
-              <a:buNone/>
-            </a:pPr>
             <a:endParaRPr kumimoji="1" lang="en-US" altLang="ja-JP" dirty="0" smtClean="0"/>
           </a:p>
           <a:p>
-            <a:pPr marL="0" indent="0">
-              <a:buNone/>
-            </a:pPr>
-            <a:r>
-              <a:rPr lang="en-US" altLang="ja-JP" sz="1200" dirty="0" smtClean="0"/>
+            <a:r>
+              <a:rPr lang="en-US" altLang="ja-JP" sz="1300" dirty="0"/>
               <a:t> </a:t>
             </a:r>
             <a:r>
-              <a:rPr lang="ja-JP" altLang="en-US" sz="1200" dirty="0" smtClean="0"/>
+              <a:rPr lang="ja-JP" altLang="en-US" sz="1300" dirty="0"/>
               <a:t>ガウシアン畳み込みのはなし</a:t>
             </a:r>
-            <a:endParaRPr lang="en-US" altLang="ja-JP" sz="1200" dirty="0" smtClean="0"/>
+            <a:endParaRPr lang="en-US" altLang="ja-JP" sz="1300" dirty="0"/>
           </a:p>
           <a:p>
-            <a:pPr marL="0" indent="0">
-              <a:buNone/>
-            </a:pPr>
-            <a:r>
-              <a:rPr kumimoji="1" lang="ja-JP" altLang="en-US" sz="1200" dirty="0" smtClean="0"/>
+            <a:r>
+              <a:rPr lang="ja-JP" altLang="en-US" sz="1300" dirty="0"/>
               <a:t>線形フィルタのセパレート実装のはなし</a:t>
             </a:r>
-            <a:endParaRPr kumimoji="1" lang="en-US" altLang="ja-JP" sz="1200" dirty="0" smtClean="0"/>
+            <a:endParaRPr lang="en-US" altLang="ja-JP" sz="1300" dirty="0"/>
           </a:p>
           <a:p>
-            <a:pPr marL="0" indent="0">
-              <a:buNone/>
-            </a:pPr>
-            <a:r>
-              <a:rPr lang="ja-JP" altLang="en-US" sz="1200" dirty="0" smtClean="0"/>
+            <a:r>
+              <a:rPr lang="ja-JP" altLang="en-US" sz="1300" dirty="0"/>
               <a:t>ガウシアンピラミッドのはなし</a:t>
             </a:r>
             <a:endParaRPr kumimoji="1" lang="ja-JP" altLang="en-US" dirty="0" smtClean="0"/>
@@ -1644,7 +1611,7 @@
           <a:p>
             <a:fld id="{B10875E1-285E-4E62-A15A-65F7A0855A09}" type="datetimeFigureOut">
               <a:rPr kumimoji="1" lang="ja-JP" altLang="en-US" smtClean="0"/>
-              <a:t>2018/2/11</a:t>
+              <a:t>2018/3/19</a:t>
             </a:fld>
             <a:endParaRPr kumimoji="1" lang="ja-JP" altLang="en-US"/>
           </a:p>
@@ -1870,7 +1837,7 @@
           <a:p>
             <a:fld id="{B10875E1-285E-4E62-A15A-65F7A0855A09}" type="datetimeFigureOut">
               <a:rPr kumimoji="1" lang="ja-JP" altLang="en-US" smtClean="0"/>
-              <a:t>2018/2/11</a:t>
+              <a:t>2018/3/19</a:t>
             </a:fld>
             <a:endParaRPr kumimoji="1" lang="ja-JP" altLang="en-US"/>
           </a:p>
@@ -2106,7 +2073,7 @@
           <a:p>
             <a:fld id="{B10875E1-285E-4E62-A15A-65F7A0855A09}" type="datetimeFigureOut">
               <a:rPr kumimoji="1" lang="ja-JP" altLang="en-US" smtClean="0"/>
-              <a:t>2018/2/11</a:t>
+              <a:t>2018/3/19</a:t>
             </a:fld>
             <a:endParaRPr kumimoji="1" lang="ja-JP" altLang="en-US"/>
           </a:p>
@@ -2332,7 +2299,7 @@
           <a:p>
             <a:fld id="{B10875E1-285E-4E62-A15A-65F7A0855A09}" type="datetimeFigureOut">
               <a:rPr kumimoji="1" lang="ja-JP" altLang="en-US" smtClean="0"/>
-              <a:t>2018/2/11</a:t>
+              <a:t>2018/3/19</a:t>
             </a:fld>
             <a:endParaRPr kumimoji="1" lang="ja-JP" altLang="en-US"/>
           </a:p>
@@ -2602,7 +2569,7 @@
           <a:p>
             <a:fld id="{B10875E1-285E-4E62-A15A-65F7A0855A09}" type="datetimeFigureOut">
               <a:rPr kumimoji="1" lang="ja-JP" altLang="en-US" smtClean="0"/>
-              <a:t>2018/2/11</a:t>
+              <a:t>2018/3/19</a:t>
             </a:fld>
             <a:endParaRPr kumimoji="1" lang="ja-JP" altLang="en-US"/>
           </a:p>
@@ -3011,7 +2978,7 @@
             <a:fld id="{B10875E1-285E-4E62-A15A-65F7A0855A09}" type="datetimeFigureOut">
               <a:rPr lang="ja-JP" altLang="en-US" smtClean="0"/>
               <a:pPr/>
-              <a:t>2018/2/11</a:t>
+              <a:t>2018/3/19</a:t>
             </a:fld>
             <a:endParaRPr lang="ja-JP" altLang="en-US"/>
           </a:p>
@@ -3580,7 +3547,7 @@
             <a:fld id="{B10875E1-285E-4E62-A15A-65F7A0855A09}" type="datetimeFigureOut">
               <a:rPr lang="ja-JP" altLang="en-US" smtClean="0"/>
               <a:pPr/>
-              <a:t>2018/2/11</a:t>
+              <a:t>2018/3/19</a:t>
             </a:fld>
             <a:endParaRPr lang="ja-JP" altLang="en-US"/>
           </a:p>
@@ -3739,7 +3706,7 @@
           <a:p>
             <a:fld id="{B10875E1-285E-4E62-A15A-65F7A0855A09}" type="datetimeFigureOut">
               <a:rPr kumimoji="1" lang="ja-JP" altLang="en-US" smtClean="0"/>
-              <a:t>2018/2/11</a:t>
+              <a:t>2018/3/19</a:t>
             </a:fld>
             <a:endParaRPr kumimoji="1" lang="ja-JP" altLang="en-US"/>
           </a:p>
@@ -3858,7 +3825,7 @@
           <a:p>
             <a:fld id="{B10875E1-285E-4E62-A15A-65F7A0855A09}" type="datetimeFigureOut">
               <a:rPr kumimoji="1" lang="ja-JP" altLang="en-US" smtClean="0"/>
-              <a:t>2018/2/11</a:t>
+              <a:t>2018/3/19</a:t>
             </a:fld>
             <a:endParaRPr kumimoji="1" lang="ja-JP" altLang="en-US"/>
           </a:p>
@@ -4191,7 +4158,7 @@
           <a:p>
             <a:fld id="{B10875E1-285E-4E62-A15A-65F7A0855A09}" type="datetimeFigureOut">
               <a:rPr kumimoji="1" lang="ja-JP" altLang="en-US" smtClean="0"/>
-              <a:t>2018/2/11</a:t>
+              <a:t>2018/3/19</a:t>
             </a:fld>
             <a:endParaRPr kumimoji="1" lang="ja-JP" altLang="en-US"/>
           </a:p>
@@ -4468,7 +4435,7 @@
           <a:p>
             <a:fld id="{B10875E1-285E-4E62-A15A-65F7A0855A09}" type="datetimeFigureOut">
               <a:rPr kumimoji="1" lang="ja-JP" altLang="en-US" smtClean="0"/>
-              <a:t>2018/2/11</a:t>
+              <a:t>2018/3/19</a:t>
             </a:fld>
             <a:endParaRPr kumimoji="1" lang="ja-JP" altLang="en-US"/>
           </a:p>
@@ -18408,7 +18375,11 @@
             </a:r>
             <a:r>
               <a:rPr lang="ja-JP" altLang="en-US" sz="3600" b="1" dirty="0" smtClean="0"/>
-              <a:t>（前期）</a:t>
+              <a:t>（</a:t>
+            </a:r>
+            <a:r>
+              <a:rPr lang="ja-JP" altLang="en-US" sz="3600" b="1" smtClean="0"/>
+              <a:t>前期）</a:t>
             </a:r>
             <a:endParaRPr kumimoji="1" lang="ja-JP" altLang="en-US" sz="3600" b="1" dirty="0"/>
           </a:p>
@@ -18669,43 +18640,31 @@
               <a:buNone/>
             </a:pPr>
             <a:r>
-              <a:rPr kumimoji="1" lang="en-US" altLang="ja-JP" sz="1800" dirty="0" smtClean="0">
-                <a:solidFill>
-                  <a:srgbClr val="0070C0"/>
-                </a:solidFill>
-              </a:rPr>
+              <a:rPr kumimoji="1" lang="en-US" altLang="ja-JP" sz="1800" dirty="0" smtClean="0"/>
               <a:t>5/31</a:t>
             </a:r>
             <a:r>
-              <a:rPr kumimoji="1" lang="ja-JP" altLang="en-US" sz="1800" dirty="0" smtClean="0">
-                <a:solidFill>
-                  <a:srgbClr val="0070C0"/>
-                </a:solidFill>
-              </a:rPr>
+              <a:rPr kumimoji="1" lang="ja-JP" altLang="en-US" sz="1800" dirty="0" smtClean="0"/>
               <a:t>　</a:t>
             </a:r>
             <a:r>
-              <a:rPr lang="ja-JP" altLang="en-US" sz="1800" dirty="0" smtClean="0">
-                <a:solidFill>
-                  <a:srgbClr val="0070C0"/>
-                </a:solidFill>
-              </a:rPr>
-              <a:t>プログラミング</a:t>
-            </a:r>
-            <a:r>
-              <a:rPr lang="ja-JP" altLang="en-US" sz="1800" dirty="0">
-                <a:solidFill>
-                  <a:srgbClr val="0070C0"/>
-                </a:solidFill>
-              </a:rPr>
-              <a:t>演習</a:t>
-            </a:r>
-            <a:r>
-              <a:rPr kumimoji="1" lang="en-US" altLang="ja-JP" sz="1800" dirty="0" smtClean="0">
-                <a:solidFill>
-                  <a:srgbClr val="0070C0"/>
-                </a:solidFill>
-              </a:rPr>
+              <a:rPr lang="ja-JP" altLang="en-US" sz="1800" dirty="0"/>
+              <a:t>パターン認識基礎</a:t>
+            </a:r>
+            <a:r>
+              <a:rPr lang="en-US" altLang="ja-JP" sz="1800" dirty="0"/>
+              <a:t>1	: </a:t>
+            </a:r>
+            <a:r>
+              <a:rPr lang="ja-JP" altLang="en-US" sz="1800" dirty="0"/>
+              <a:t>パターン認識概論，</a:t>
+            </a:r>
+            <a:r>
+              <a:rPr lang="ja-JP" altLang="en-US" sz="1800" dirty="0" smtClean="0"/>
+              <a:t>サポートベクタマシン</a:t>
+            </a:r>
+            <a:r>
+              <a:rPr kumimoji="1" lang="en-US" altLang="ja-JP" sz="1800" dirty="0" smtClean="0"/>
               <a:t>	</a:t>
             </a:r>
           </a:p>
@@ -18723,125 +18682,28 @@
               <a:buNone/>
             </a:pPr>
             <a:r>
-              <a:rPr lang="en-US" altLang="ja-JP" sz="1800" dirty="0" smtClean="0">
-                <a:solidFill>
-                  <a:srgbClr val="0070C0"/>
-                </a:solidFill>
-              </a:rPr>
+              <a:rPr lang="en-US" altLang="ja-JP" sz="1800" dirty="0" smtClean="0"/>
               <a:t>6/07</a:t>
             </a:r>
             <a:r>
-              <a:rPr lang="ja-JP" altLang="en-US" sz="1800" dirty="0" smtClean="0">
-                <a:solidFill>
-                  <a:srgbClr val="0070C0"/>
-                </a:solidFill>
-              </a:rPr>
-              <a:t>　プログラミング</a:t>
-            </a:r>
-            <a:r>
-              <a:rPr lang="ja-JP" altLang="en-US" sz="1800" dirty="0">
-                <a:solidFill>
-                  <a:srgbClr val="0070C0"/>
-                </a:solidFill>
-              </a:rPr>
-              <a:t>演習</a:t>
-            </a:r>
-            <a:endParaRPr lang="en-US" altLang="ja-JP" sz="1800" dirty="0" smtClean="0">
-              <a:solidFill>
-                <a:srgbClr val="0070C0"/>
-              </a:solidFill>
-            </a:endParaRPr>
-          </a:p>
-          <a:p>
-            <a:pPr marL="0" indent="0">
-              <a:lnSpc>
-                <a:spcPct val="100000"/>
-              </a:lnSpc>
-              <a:spcBef>
-                <a:spcPts val="600"/>
-              </a:spcBef>
-              <a:spcAft>
-                <a:spcPts val="600"/>
-              </a:spcAft>
-              <a:buNone/>
-            </a:pPr>
-            <a:r>
-              <a:rPr lang="en-US" altLang="ja-JP" sz="1800" b="1" dirty="0" smtClean="0">
-                <a:solidFill>
-                  <a:srgbClr val="FF0000"/>
-                </a:solidFill>
-              </a:rPr>
-              <a:t>6/14</a:t>
-            </a:r>
-            <a:r>
-              <a:rPr lang="ja-JP" altLang="en-US" sz="1800" b="1" dirty="0" smtClean="0">
-                <a:solidFill>
-                  <a:srgbClr val="FF0000"/>
-                </a:solidFill>
-              </a:rPr>
+              <a:rPr lang="ja-JP" altLang="en-US" sz="1800" dirty="0" smtClean="0"/>
               <a:t>　</a:t>
             </a:r>
             <a:r>
-              <a:rPr lang="ja-JP" altLang="en-US" sz="1800" b="1" dirty="0">
-                <a:solidFill>
-                  <a:srgbClr val="FF0000"/>
-                </a:solidFill>
-              </a:rPr>
-              <a:t>中間</a:t>
-            </a:r>
-            <a:r>
-              <a:rPr lang="ja-JP" altLang="en-US" sz="1800" b="1" dirty="0" smtClean="0">
-                <a:solidFill>
-                  <a:srgbClr val="FF0000"/>
-                </a:solidFill>
-              </a:rPr>
-              <a:t>試験</a:t>
+              <a:rPr lang="ja-JP" altLang="en-US" sz="1800" dirty="0"/>
+              <a:t>パターン認識基礎</a:t>
             </a:r>
             <a:r>
               <a:rPr lang="en-US" altLang="ja-JP" sz="1800" dirty="0"/>
-              <a:t>	</a:t>
-            </a:r>
-            <a:r>
-              <a:rPr lang="en-US" altLang="ja-JP" sz="1800" dirty="0" smtClean="0"/>
-              <a:t>		</a:t>
-            </a:r>
-          </a:p>
-          <a:p>
-            <a:pPr marL="0" indent="0">
-              <a:lnSpc>
-                <a:spcPct val="100000"/>
-              </a:lnSpc>
-              <a:spcBef>
-                <a:spcPts val="600"/>
-              </a:spcBef>
-              <a:spcAft>
-                <a:spcPts val="600"/>
-              </a:spcAft>
-              <a:buNone/>
-            </a:pPr>
-            <a:r>
-              <a:rPr lang="en-US" altLang="ja-JP" sz="1800" dirty="0" smtClean="0"/>
-              <a:t>6/21</a:t>
+              <a:t>2	: </a:t>
+            </a:r>
+            <a:r>
+              <a:rPr lang="ja-JP" altLang="en-US" sz="1800" dirty="0"/>
+              <a:t>ニューラルネットワーク、深層</a:t>
             </a:r>
             <a:r>
               <a:rPr lang="ja-JP" altLang="en-US" sz="1800" dirty="0" smtClean="0"/>
-              <a:t>　パターン</a:t>
-            </a:r>
-            <a:r>
-              <a:rPr lang="ja-JP" altLang="en-US" sz="1800" dirty="0"/>
-              <a:t>認識基礎</a:t>
-            </a:r>
-            <a:r>
-              <a:rPr lang="en-US" altLang="ja-JP" sz="1800" dirty="0"/>
-              <a:t>1	: </a:t>
-            </a:r>
-            <a:r>
-              <a:rPr lang="ja-JP" altLang="en-US" sz="1800" dirty="0"/>
-              <a:t>パターン認識概論，サポートベクタマシン</a:t>
-            </a:r>
-            <a:r>
-              <a:rPr lang="en-US" altLang="ja-JP" sz="1800" dirty="0"/>
-              <a:t>		</a:t>
+              <a:t>学習</a:t>
             </a:r>
             <a:endParaRPr lang="en-US" altLang="ja-JP" sz="1800" dirty="0" smtClean="0"/>
           </a:p>
@@ -18860,27 +18722,31 @@
             </a:pPr>
             <a:r>
               <a:rPr lang="en-US" altLang="ja-JP" sz="1800" dirty="0" smtClean="0"/>
-              <a:t>6/28</a:t>
+              <a:t>6/14</a:t>
             </a:r>
             <a:r>
               <a:rPr lang="ja-JP" altLang="en-US" sz="1800" dirty="0" smtClean="0"/>
-              <a:t>　パターン</a:t>
+              <a:t>　</a:t>
             </a:r>
             <a:r>
               <a:rPr lang="ja-JP" altLang="en-US" sz="1800" dirty="0"/>
-              <a:t>認識基礎</a:t>
+              <a:t>パターン認識基礎</a:t>
             </a:r>
             <a:r>
               <a:rPr lang="en-US" altLang="ja-JP" sz="1800" dirty="0"/>
-              <a:t>2	: </a:t>
-            </a:r>
-            <a:r>
-              <a:rPr lang="ja-JP" altLang="en-US" sz="1800" dirty="0"/>
-              <a:t>ニューラルネットワーク、深層学習</a:t>
+              <a:t>3: </a:t>
+            </a:r>
+            <a:r>
+              <a:rPr lang="ja-JP" altLang="en-US" sz="1800" dirty="0" smtClean="0"/>
+              <a:t>オートエンコーダ</a:t>
+            </a:r>
+            <a:r>
+              <a:rPr lang="en-US" altLang="ja-JP" sz="1800" dirty="0"/>
+              <a:t>	</a:t>
             </a:r>
             <a:r>
               <a:rPr lang="en-US" altLang="ja-JP" sz="1800" dirty="0" smtClean="0"/>
-              <a:t>	</a:t>
+              <a:t>		</a:t>
             </a:r>
           </a:p>
           <a:p>
@@ -18897,33 +18763,78 @@
               <a:buNone/>
             </a:pPr>
             <a:r>
+              <a:rPr lang="en-US" altLang="ja-JP" sz="1800" b="1" dirty="0" smtClean="0">
+                <a:solidFill>
+                  <a:srgbClr val="FF0000"/>
+                </a:solidFill>
+              </a:rPr>
+              <a:t>6/21</a:t>
+            </a:r>
+            <a:r>
+              <a:rPr lang="ja-JP" altLang="en-US" sz="1800" b="1" dirty="0" smtClean="0">
+                <a:solidFill>
+                  <a:srgbClr val="FF0000"/>
+                </a:solidFill>
+              </a:rPr>
+              <a:t>　</a:t>
+            </a:r>
+            <a:r>
+              <a:rPr lang="ja-JP" altLang="en-US" sz="1800" b="1" dirty="0">
+                <a:solidFill>
+                  <a:srgbClr val="FF0000"/>
+                </a:solidFill>
+              </a:rPr>
+              <a:t>筆記</a:t>
+            </a:r>
+            <a:r>
+              <a:rPr lang="ja-JP" altLang="en-US" sz="1800" b="1" dirty="0" smtClean="0">
+                <a:solidFill>
+                  <a:srgbClr val="FF0000"/>
+                </a:solidFill>
+              </a:rPr>
+              <a:t>試験（</a:t>
+            </a:r>
+            <a:r>
+              <a:rPr lang="en-US" altLang="ja-JP" sz="1800" b="1" dirty="0" smtClean="0">
+                <a:solidFill>
+                  <a:srgbClr val="FF0000"/>
+                </a:solidFill>
+              </a:rPr>
+              <a:t>50</a:t>
+            </a:r>
+            <a:r>
+              <a:rPr lang="ja-JP" altLang="en-US" sz="1800" b="1" dirty="0" smtClean="0">
+                <a:solidFill>
+                  <a:srgbClr val="FF0000"/>
+                </a:solidFill>
+              </a:rPr>
+              <a:t>点満点</a:t>
+            </a:r>
+            <a:r>
+              <a:rPr lang="en-US" altLang="ja-JP" sz="1800" b="1" dirty="0" smtClean="0">
+                <a:solidFill>
+                  <a:srgbClr val="FF0000"/>
+                </a:solidFill>
+              </a:rPr>
+              <a:t>)</a:t>
+            </a:r>
+            <a:r>
               <a:rPr lang="en-US" altLang="ja-JP" sz="1800" dirty="0" smtClean="0"/>
-              <a:t>7/05</a:t>
+              <a:t>(</a:t>
+            </a:r>
+            <a:r>
+              <a:rPr lang="en-US" altLang="ja-JP" sz="1800" i="1" dirty="0" smtClean="0"/>
+              <a:t>n</a:t>
             </a:r>
             <a:r>
               <a:rPr lang="ja-JP" altLang="en-US" sz="1800" dirty="0" smtClean="0"/>
-              <a:t>　パターン</a:t>
-            </a:r>
-            <a:r>
-              <a:rPr lang="ja-JP" altLang="en-US" sz="1800" dirty="0"/>
-              <a:t>認識基礎</a:t>
-            </a:r>
-            <a:r>
-              <a:rPr lang="en-US" altLang="ja-JP" sz="1800" dirty="0"/>
-              <a:t>3: </a:t>
-            </a:r>
-            <a:r>
-              <a:rPr lang="ja-JP" altLang="en-US" sz="1800" dirty="0"/>
-              <a:t>オートエンコーダ</a:t>
-            </a:r>
-            <a:r>
-              <a:rPr lang="en-US" altLang="ja-JP" sz="1800" dirty="0"/>
-              <a:t> </a:t>
-            </a:r>
-            <a:r>
-              <a:rPr lang="en-US" altLang="ja-JP" sz="1800" dirty="0" smtClean="0"/>
+              <a:t>点以下の場合レポート出すかも）</a:t>
+            </a:r>
+            <a:r>
+              <a:rPr lang="en-US" altLang="ja-JP" sz="1800" b="1" dirty="0"/>
               <a:t>	</a:t>
             </a:r>
+            <a:endParaRPr lang="en-US" altLang="ja-JP" sz="1800" b="1" dirty="0" smtClean="0"/>
           </a:p>
           <a:p>
             <a:pPr marL="0" indent="0">
@@ -18939,28 +18850,140 @@
               <a:buNone/>
             </a:pPr>
             <a:r>
-              <a:rPr lang="en-US" altLang="ja-JP" sz="1800" dirty="0" smtClean="0">
+              <a:rPr lang="en-US" altLang="ja-JP" sz="1800" b="1" dirty="0" smtClean="0">
                 <a:solidFill>
                   <a:srgbClr val="0070C0"/>
                 </a:solidFill>
               </a:rPr>
-              <a:t>7/12   </a:t>
-            </a:r>
-            <a:r>
-              <a:rPr lang="ja-JP" altLang="en-US" sz="1800" dirty="0" smtClean="0">
+              <a:t>6/28</a:t>
+            </a:r>
+            <a:r>
+              <a:rPr lang="ja-JP" altLang="en-US" sz="1800" b="1" dirty="0" smtClean="0">
                 <a:solidFill>
                   <a:srgbClr val="0070C0"/>
                 </a:solidFill>
               </a:rPr>
-              <a:t>プログラミング演習</a:t>
-            </a:r>
-            <a:r>
-              <a:rPr lang="en-US" altLang="ja-JP" sz="1800" dirty="0">
+              <a:t>　</a:t>
+            </a:r>
+            <a:r>
+              <a:rPr lang="ja-JP" altLang="en-US" sz="1800" b="1" dirty="0">
                 <a:solidFill>
                   <a:srgbClr val="0070C0"/>
                 </a:solidFill>
               </a:rPr>
-              <a:t>	</a:t>
+              <a:t>プログラミング</a:t>
+            </a:r>
+            <a:r>
+              <a:rPr lang="ja-JP" altLang="en-US" sz="1800" b="1" dirty="0" smtClean="0">
+                <a:solidFill>
+                  <a:srgbClr val="0070C0"/>
+                </a:solidFill>
+              </a:rPr>
+              <a:t>演習  </a:t>
+            </a:r>
+            <a:r>
+              <a:rPr lang="en-US" altLang="ja-JP" sz="1800" b="1" dirty="0" smtClean="0">
+                <a:solidFill>
+                  <a:srgbClr val="0070C0"/>
+                </a:solidFill>
+              </a:rPr>
+              <a:t>1</a:t>
+            </a:r>
+            <a:r>
+              <a:rPr lang="en-US" altLang="ja-JP" sz="1800" b="1" dirty="0">
+                <a:solidFill>
+                  <a:srgbClr val="0070C0"/>
+                </a:solidFill>
+              </a:rPr>
+              <a:t> </a:t>
+            </a:r>
+            <a:r>
+              <a:rPr lang="en-US" altLang="ja-JP" sz="1800" b="1" dirty="0" smtClean="0">
+                <a:solidFill>
+                  <a:srgbClr val="0070C0"/>
+                </a:solidFill>
+              </a:rPr>
+              <a:t>(</a:t>
+            </a:r>
+            <a:r>
+              <a:rPr lang="ja-JP" altLang="en-US" sz="1800" b="1" dirty="0" smtClean="0">
+                <a:solidFill>
+                  <a:srgbClr val="0070C0"/>
+                </a:solidFill>
+              </a:rPr>
+              <a:t>基礎的な課題</a:t>
+            </a:r>
+            <a:r>
+              <a:rPr lang="en-US" altLang="ja-JP" sz="1800" b="1" dirty="0">
+                <a:solidFill>
+                  <a:srgbClr val="0070C0"/>
+                </a:solidFill>
+              </a:rPr>
+              <a:t>4</a:t>
+            </a:r>
+            <a:r>
+              <a:rPr lang="en-US" altLang="ja-JP" sz="1800" b="1" dirty="0" smtClean="0">
+                <a:solidFill>
+                  <a:srgbClr val="0070C0"/>
+                </a:solidFill>
+              </a:rPr>
+              <a:t>0</a:t>
+            </a:r>
+            <a:r>
+              <a:rPr lang="ja-JP" altLang="en-US" sz="1800" b="1" dirty="0" smtClean="0">
+                <a:solidFill>
+                  <a:srgbClr val="0070C0"/>
+                </a:solidFill>
+              </a:rPr>
+              <a:t>点</a:t>
+            </a:r>
+            <a:r>
+              <a:rPr lang="en-US" altLang="ja-JP" sz="1800" b="1" dirty="0" smtClean="0">
+                <a:solidFill>
+                  <a:srgbClr val="0070C0"/>
+                </a:solidFill>
+              </a:rPr>
+              <a:t>, </a:t>
+            </a:r>
+            <a:r>
+              <a:rPr lang="ja-JP" altLang="en-US" sz="1800" b="1" dirty="0" smtClean="0">
+                <a:solidFill>
+                  <a:srgbClr val="0070C0"/>
+                </a:solidFill>
+              </a:rPr>
+              <a:t>発展的な課題 </a:t>
+            </a:r>
+            <a:r>
+              <a:rPr lang="en-US" altLang="ja-JP" sz="1800" b="1" dirty="0">
+                <a:solidFill>
+                  <a:srgbClr val="0070C0"/>
+                </a:solidFill>
+              </a:rPr>
+              <a:t>2</a:t>
+            </a:r>
+            <a:r>
+              <a:rPr lang="en-US" altLang="ja-JP" sz="1800" b="1" dirty="0" smtClean="0">
+                <a:solidFill>
+                  <a:srgbClr val="0070C0"/>
+                </a:solidFill>
+              </a:rPr>
+              <a:t>0</a:t>
+            </a:r>
+            <a:r>
+              <a:rPr lang="ja-JP" altLang="en-US" sz="1800" b="1" dirty="0" smtClean="0">
+                <a:solidFill>
+                  <a:srgbClr val="0070C0"/>
+                </a:solidFill>
+              </a:rPr>
+              <a:t>点</a:t>
+            </a:r>
+            <a:r>
+              <a:rPr lang="en-US" altLang="ja-JP" sz="1800" b="1" dirty="0" smtClean="0">
+                <a:solidFill>
+                  <a:srgbClr val="0070C0"/>
+                </a:solidFill>
+              </a:rPr>
+              <a:t>)</a:t>
             </a:r>
           </a:p>
           <a:p>
@@ -18977,23 +19000,31 @@
               <a:buNone/>
             </a:pPr>
             <a:r>
-              <a:rPr lang="en-US" altLang="ja-JP" sz="1800" dirty="0" smtClean="0">
+              <a:rPr lang="en-US" altLang="ja-JP" sz="1800" b="1" dirty="0" smtClean="0">
                 <a:solidFill>
                   <a:srgbClr val="0070C0"/>
                 </a:solidFill>
               </a:rPr>
-              <a:t>7/19</a:t>
-            </a:r>
-            <a:r>
-              <a:rPr lang="ja-JP" altLang="en-US" sz="1800" dirty="0" smtClean="0">
+              <a:t>7/05</a:t>
+            </a:r>
+            <a:r>
+              <a:rPr lang="ja-JP" altLang="en-US" sz="1800" b="1" dirty="0" smtClean="0">
                 <a:solidFill>
                   <a:srgbClr val="0070C0"/>
                 </a:solidFill>
               </a:rPr>
-              <a:t>　プログラミング</a:t>
-            </a:r>
-            <a:r>
-              <a:rPr lang="ja-JP" altLang="en-US" sz="1800" dirty="0">
+              <a:t>　</a:t>
+            </a:r>
+            <a:r>
+              <a:rPr lang="ja-JP" altLang="en-US" sz="1800" b="1" dirty="0">
+                <a:solidFill>
+                  <a:srgbClr val="0070C0"/>
+                </a:solidFill>
+              </a:rPr>
+              <a:t>プログラミング</a:t>
+            </a:r>
+            <a:r>
+              <a:rPr lang="ja-JP" altLang="en-US" sz="1800" b="1" dirty="0" smtClean="0">
                 <a:solidFill>
                   <a:srgbClr val="0070C0"/>
                 </a:solidFill>
@@ -19001,8 +19032,12 @@
               <a:t>演習</a:t>
             </a:r>
             <a:r>
-              <a:rPr lang="en-US" altLang="ja-JP" sz="1800" dirty="0" smtClean="0"/>
-              <a:t>			</a:t>
+              <a:rPr lang="en-US" altLang="ja-JP" sz="1800" b="1" dirty="0" smtClean="0">
+                <a:solidFill>
+                  <a:srgbClr val="0070C0"/>
+                </a:solidFill>
+              </a:rPr>
+              <a:t>  2	</a:t>
             </a:r>
           </a:p>
           <a:p>
@@ -19021,39 +19056,126 @@
             <a:r>
               <a:rPr lang="en-US" altLang="ja-JP" sz="1800" b="1" dirty="0" smtClean="0">
                 <a:solidFill>
-                  <a:srgbClr val="FF0000"/>
+                  <a:srgbClr val="0070C0"/>
                 </a:solidFill>
               </a:rPr>
-              <a:t>7/26   </a:t>
+              <a:t>7/12   </a:t>
             </a:r>
             <a:r>
               <a:rPr lang="ja-JP" altLang="en-US" sz="1800" b="1" dirty="0" smtClean="0">
                 <a:solidFill>
-                  <a:srgbClr val="FF0000"/>
+                  <a:srgbClr val="0070C0"/>
                 </a:solidFill>
               </a:rPr>
-              <a:t>期末</a:t>
+              <a:t>プログラミング演習  </a:t>
+            </a:r>
+            <a:r>
+              <a:rPr lang="en-US" altLang="ja-JP" sz="1800" b="1" dirty="0" smtClean="0">
+                <a:solidFill>
+                  <a:srgbClr val="0070C0"/>
+                </a:solidFill>
+              </a:rPr>
+              <a:t>3	</a:t>
+            </a:r>
+          </a:p>
+          <a:p>
+            <a:pPr marL="0" indent="0">
+              <a:lnSpc>
+                <a:spcPct val="100000"/>
+              </a:lnSpc>
+              <a:spcBef>
+                <a:spcPts val="600"/>
+              </a:spcBef>
+              <a:spcAft>
+                <a:spcPts val="600"/>
+              </a:spcAft>
+              <a:buNone/>
+            </a:pPr>
+            <a:r>
+              <a:rPr lang="en-US" altLang="ja-JP" sz="1800" b="1" dirty="0" smtClean="0">
+                <a:solidFill>
+                  <a:srgbClr val="0070C0"/>
+                </a:solidFill>
+              </a:rPr>
+              <a:t>7/19</a:t>
             </a:r>
             <a:r>
               <a:rPr lang="ja-JP" altLang="en-US" sz="1800" b="1" dirty="0" smtClean="0">
                 <a:solidFill>
-                  <a:srgbClr val="FF0000"/>
+                  <a:srgbClr val="0070C0"/>
                 </a:solidFill>
               </a:rPr>
-              <a:t>試験</a:t>
-            </a:r>
-            <a:endParaRPr lang="en-US" altLang="ja-JP" sz="1800" b="1" dirty="0" smtClean="0">
-              <a:solidFill>
-                <a:srgbClr val="FF0000"/>
-              </a:solidFill>
-            </a:endParaRPr>
+              <a:t>　プログラミング演習  </a:t>
+            </a:r>
+            <a:r>
+              <a:rPr lang="en-US" altLang="ja-JP" sz="1800" b="1" dirty="0" smtClean="0">
+                <a:solidFill>
+                  <a:srgbClr val="0070C0"/>
+                </a:solidFill>
+              </a:rPr>
+              <a:t>4			</a:t>
+            </a:r>
+          </a:p>
+          <a:p>
+            <a:pPr marL="0" indent="0">
+              <a:lnSpc>
+                <a:spcPct val="100000"/>
+              </a:lnSpc>
+              <a:spcBef>
+                <a:spcPts val="600"/>
+              </a:spcBef>
+              <a:spcAft>
+                <a:spcPts val="600"/>
+              </a:spcAft>
+              <a:buNone/>
+            </a:pPr>
+            <a:r>
+              <a:rPr lang="en-US" altLang="ja-JP" sz="1800" b="1" dirty="0" smtClean="0">
+                <a:solidFill>
+                  <a:srgbClr val="0070C0"/>
+                </a:solidFill>
+              </a:rPr>
+              <a:t>7/26</a:t>
+            </a:r>
+            <a:r>
+              <a:rPr lang="ja-JP" altLang="en-US" sz="1800" b="1" dirty="0" smtClean="0">
+                <a:solidFill>
+                  <a:srgbClr val="0070C0"/>
+                </a:solidFill>
+              </a:rPr>
+              <a:t>　</a:t>
+            </a:r>
+            <a:r>
+              <a:rPr lang="ja-JP" altLang="en-US" sz="1800" b="1" dirty="0">
+                <a:solidFill>
+                  <a:srgbClr val="0070C0"/>
+                </a:solidFill>
+              </a:rPr>
+              <a:t>プログラミング</a:t>
+            </a:r>
+            <a:r>
+              <a:rPr lang="ja-JP" altLang="en-US" sz="1800" b="1" dirty="0" smtClean="0">
+                <a:solidFill>
+                  <a:srgbClr val="0070C0"/>
+                </a:solidFill>
+              </a:rPr>
+              <a:t>演習  </a:t>
+            </a:r>
+            <a:r>
+              <a:rPr lang="en-US" altLang="ja-JP" sz="1800" b="1" dirty="0" smtClean="0">
+                <a:solidFill>
+                  <a:srgbClr val="0070C0"/>
+                </a:solidFill>
+              </a:rPr>
+              <a:t>5</a:t>
+            </a:r>
           </a:p>
         </p:txBody>
       </p:sp>
     </p:spTree>
     <p:extLst>
       <p:ext uri="{BB962C8B-B14F-4D97-AF65-F5344CB8AC3E}">
-        <p14:creationId xmlns:p14="http://schemas.microsoft.com/office/powerpoint/2010/main" val="444144316"/>
+        <p14:creationId xmlns:p14="http://schemas.microsoft.com/office/powerpoint/2010/main" val="1282163702"/>
       </p:ext>
     </p:extLst>
   </p:cSld>

--- a/classes/dm2018_2/dm2_2.pptx
+++ b/classes/dm2018_2/dm2_2.pptx
@@ -5,7 +5,7 @@
     <p:sldMasterId id="2147483648" r:id="rId1"/>
   </p:sldMasterIdLst>
   <p:notesMasterIdLst>
-    <p:notesMasterId r:id="rId36"/>
+    <p:notesMasterId r:id="rId34"/>
   </p:notesMasterIdLst>
   <p:sldIdLst>
     <p:sldId id="269" r:id="rId2"/>
@@ -31,17 +31,15 @@
     <p:sldId id="300" r:id="rId22"/>
     <p:sldId id="302" r:id="rId23"/>
     <p:sldId id="303" r:id="rId24"/>
-    <p:sldId id="305" r:id="rId25"/>
-    <p:sldId id="306" r:id="rId26"/>
-    <p:sldId id="307" r:id="rId27"/>
-    <p:sldId id="320" r:id="rId28"/>
-    <p:sldId id="308" r:id="rId29"/>
-    <p:sldId id="309" r:id="rId30"/>
-    <p:sldId id="318" r:id="rId31"/>
-    <p:sldId id="321" r:id="rId32"/>
-    <p:sldId id="313" r:id="rId33"/>
-    <p:sldId id="311" r:id="rId34"/>
-    <p:sldId id="312" r:id="rId35"/>
+    <p:sldId id="306" r:id="rId25"/>
+    <p:sldId id="307" r:id="rId26"/>
+    <p:sldId id="320" r:id="rId27"/>
+    <p:sldId id="308" r:id="rId28"/>
+    <p:sldId id="309" r:id="rId29"/>
+    <p:sldId id="318" r:id="rId30"/>
+    <p:sldId id="321" r:id="rId31"/>
+    <p:sldId id="323" r:id="rId32"/>
+    <p:sldId id="324" r:id="rId33"/>
   </p:sldIdLst>
   <p:sldSz cx="12192000" cy="6858000"/>
   <p:notesSz cx="7099300" cy="10234613"/>
@@ -230,7 +228,7 @@
           <a:p>
             <a:fld id="{B5D18E4F-8904-49F0-A966-ED8BC304F0DA}" type="datetimeFigureOut">
               <a:rPr kumimoji="1" lang="ja-JP" altLang="en-US" smtClean="0"/>
-              <a:t>2018/3/19</a:t>
+              <a:t>2018/4/26</a:t>
             </a:fld>
             <a:endParaRPr kumimoji="1" lang="ja-JP" altLang="en-US"/>
           </a:p>
@@ -706,11 +704,23 @@
           <a:p>
             <a:r>
               <a:rPr kumimoji="1" lang="en-US" altLang="ja-JP" dirty="0" smtClean="0"/>
-              <a:t>X =</a:t>
+              <a:t>1: X =</a:t>
             </a:r>
             <a:r>
               <a:rPr kumimoji="1" lang="en-US" altLang="ja-JP" baseline="0" dirty="0" smtClean="0"/>
               <a:t> ½ (f1 – f-1) / (f0 – f-1)      f-1 &gt; f1</a:t>
+            </a:r>
+          </a:p>
+          <a:p>
+            <a:r>
+              <a:rPr kumimoji="1" lang="en-US" altLang="ja-JP" baseline="0" dirty="0" smtClean="0"/>
+              <a:t>1: X = ½ (f1 – f-1) / (f0 – f-1)      otherwise</a:t>
+            </a:r>
+          </a:p>
+          <a:p>
+            <a:r>
+              <a:rPr kumimoji="1" lang="en-US" altLang="ja-JP" baseline="0" dirty="0" smtClean="0"/>
+              <a:t>2: X = (f-1 – f1) / (2f-1 – 4f0 + 2f1)</a:t>
             </a:r>
           </a:p>
           <a:p>
@@ -719,26 +729,100 @@
           <a:p>
             <a:r>
               <a:rPr kumimoji="1" lang="en-US" altLang="ja-JP" baseline="0" dirty="0" smtClean="0"/>
-              <a:t>X = ½ (f1 – f-1) / (f0 – f-1)      otherwise</a:t>
+              <a:t>1) y = (f0-f-1)x + f0,  y = -(f0-f-1)(x-1) + f1 </a:t>
+            </a:r>
+            <a:r>
+              <a:rPr kumimoji="1" lang="en-US" altLang="ja-JP" baseline="0" dirty="0" smtClean="0">
+                <a:sym typeface="Wingdings" panose="05000000000000000000" pitchFamily="2" charset="2"/>
+              </a:rPr>
+              <a:t> </a:t>
+            </a:r>
+          </a:p>
+          <a:p>
+            <a:r>
+              <a:rPr kumimoji="1" lang="en-US" altLang="ja-JP" baseline="0" dirty="0" smtClean="0"/>
+              <a:t>(f0-f-1)x + f0 = -(f0-f-1)x + (f0-f-1) + f1</a:t>
+            </a:r>
+          </a:p>
+          <a:p>
+            <a:r>
+              <a:rPr kumimoji="1" lang="en-US" altLang="ja-JP" dirty="0" smtClean="0"/>
+              <a:t>2</a:t>
+            </a:r>
+            <a:r>
+              <a:rPr kumimoji="1" lang="en-US" altLang="ja-JP" baseline="0" dirty="0" smtClean="0"/>
+              <a:t>(f0-f-1)x = f1-f-1</a:t>
             </a:r>
           </a:p>
           <a:p>
             <a:endParaRPr kumimoji="1" lang="en-US" altLang="ja-JP" baseline="0" dirty="0" smtClean="0"/>
           </a:p>
           <a:p>
-            <a:endParaRPr kumimoji="1" lang="en-US" altLang="ja-JP" baseline="0" dirty="0" smtClean="0"/>
+            <a:r>
+              <a:rPr kumimoji="1" lang="en-US" altLang="ja-JP" baseline="0" dirty="0" smtClean="0"/>
+              <a:t>2) y = ax^2 + </a:t>
+            </a:r>
+            <a:r>
+              <a:rPr kumimoji="1" lang="en-US" altLang="ja-JP" baseline="0" dirty="0" err="1" smtClean="0"/>
+              <a:t>bx</a:t>
+            </a:r>
+            <a:r>
+              <a:rPr kumimoji="1" lang="en-US" altLang="ja-JP" baseline="0" dirty="0" smtClean="0"/>
+              <a:t> + c </a:t>
+            </a:r>
           </a:p>
           <a:p>
             <a:r>
               <a:rPr kumimoji="1" lang="en-US" altLang="ja-JP" baseline="0" dirty="0" smtClean="0"/>
-              <a:t>X = (f-1 – f1) / (2f-1 – 4f0 + 2f1)</a:t>
+              <a:t>c = f0</a:t>
             </a:r>
           </a:p>
           <a:p>
-            <a:endParaRPr kumimoji="1" lang="en-US" altLang="ja-JP" baseline="0" dirty="0" smtClean="0"/>
+            <a:r>
+              <a:rPr kumimoji="1" lang="en-US" altLang="ja-JP" baseline="0" dirty="0" smtClean="0"/>
+              <a:t>a – b + f0 = f-1</a:t>
+            </a:r>
           </a:p>
           <a:p>
-            <a:endParaRPr kumimoji="1" lang="en-US" altLang="ja-JP" baseline="0" dirty="0" smtClean="0"/>
+            <a:pPr marL="0" marR="0" indent="0" algn="l" defTabSz="914400" rtl="0" eaLnBrk="1" fontAlgn="auto" latinLnBrk="0" hangingPunct="1">
+              <a:lnSpc>
+                <a:spcPct val="100000"/>
+              </a:lnSpc>
+              <a:spcBef>
+                <a:spcPts val="0"/>
+              </a:spcBef>
+              <a:spcAft>
+                <a:spcPts val="0"/>
+              </a:spcAft>
+              <a:buClrTx/>
+              <a:buSzTx/>
+              <a:buFontTx/>
+              <a:buNone/>
+              <a:tabLst/>
+              <a:defRPr/>
+            </a:pPr>
+            <a:r>
+              <a:rPr kumimoji="1" lang="en-US" altLang="ja-JP" baseline="0" dirty="0" smtClean="0"/>
+              <a:t>a + b + f0 = f1</a:t>
+            </a:r>
+          </a:p>
+          <a:p>
+            <a:r>
+              <a:rPr kumimoji="1" lang="en-US" altLang="ja-JP" baseline="0" dirty="0" smtClean="0"/>
+              <a:t>a = (f-1 – 2f0 + f1)/2</a:t>
+            </a:r>
+          </a:p>
+          <a:p>
+            <a:r>
+              <a:rPr kumimoji="1" lang="en-US" altLang="ja-JP" baseline="0" dirty="0" smtClean="0"/>
+              <a:t>b = (f1 - f-1)/2</a:t>
+            </a:r>
+          </a:p>
+          <a:p>
+            <a:r>
+              <a:rPr kumimoji="1" lang="en-US" altLang="ja-JP" baseline="0" dirty="0" smtClean="0"/>
+              <a:t>x = b/2a = ½ * (f1-f-1)/(f-1-2f0+f1)</a:t>
+            </a:r>
           </a:p>
           <a:p>
             <a:endParaRPr kumimoji="1" lang="ja-JP" altLang="en-US" dirty="0"/>
@@ -1010,56 +1094,220 @@
           <a:lstStyle/>
           <a:p>
             <a:r>
+              <a:rPr kumimoji="1" lang="ja-JP" altLang="en-US" baseline="0" dirty="0" smtClean="0"/>
+              <a:t>∇</a:t>
+            </a:r>
+            <a:r>
+              <a:rPr kumimoji="1" lang="en-US" altLang="ja-JP" baseline="0" dirty="0" smtClean="0"/>
+              <a:t>I </a:t>
+            </a:r>
+            <a:r>
+              <a:rPr kumimoji="1" lang="ja-JP" altLang="en-US" baseline="0" dirty="0" smtClean="0"/>
+              <a:t>∇</a:t>
+            </a:r>
+            <a:r>
+              <a:rPr kumimoji="1" lang="en-US" altLang="ja-JP" baseline="0" dirty="0" smtClean="0"/>
+              <a:t>It </a:t>
+            </a:r>
+            <a:r>
+              <a:rPr kumimoji="1" lang="ja-JP" altLang="en-US" baseline="0" dirty="0" smtClean="0"/>
+              <a:t>の </a:t>
+            </a:r>
+            <a:r>
               <a:rPr kumimoji="1" lang="ja-JP" altLang="en-US" dirty="0" smtClean="0"/>
-              <a:t>実装を分かりやすくするため、ガウシアンかけてから、微分をとると説明しているけど。</a:t>
-            </a:r>
-            <a:endParaRPr kumimoji="1" lang="en-US" altLang="ja-JP" dirty="0" smtClean="0"/>
-          </a:p>
-          <a:p>
-            <a:r>
-              <a:rPr kumimoji="1" lang="ja-JP" altLang="en-US" dirty="0" smtClean="0"/>
-              <a:t>本当は　</a:t>
-            </a:r>
-            <a:r>
-              <a:rPr kumimoji="1" lang="en-US" altLang="ja-JP" dirty="0" err="1" smtClean="0"/>
-              <a:t>Gx</a:t>
-            </a:r>
-            <a:r>
-              <a:rPr kumimoji="1" lang="en-US" altLang="ja-JP" dirty="0" smtClean="0"/>
-              <a:t> * I</a:t>
-            </a:r>
-            <a:r>
-              <a:rPr kumimoji="1" lang="ja-JP" altLang="en-US" dirty="0" smtClean="0"/>
-              <a:t>　と　</a:t>
-            </a:r>
-            <a:r>
-              <a:rPr kumimoji="1" lang="en-US" altLang="ja-JP" dirty="0" err="1" smtClean="0"/>
-              <a:t>Gy</a:t>
-            </a:r>
-            <a:r>
-              <a:rPr kumimoji="1" lang="ja-JP" altLang="en-US" baseline="0" dirty="0" smtClean="0"/>
-              <a:t> </a:t>
-            </a:r>
-            <a:r>
-              <a:rPr kumimoji="1" lang="en-US" altLang="ja-JP" dirty="0" smtClean="0"/>
-              <a:t>*</a:t>
-            </a:r>
-            <a:r>
-              <a:rPr kumimoji="1" lang="ja-JP" altLang="en-US" baseline="0" dirty="0" smtClean="0"/>
-              <a:t> </a:t>
-            </a:r>
-            <a:r>
-              <a:rPr kumimoji="1" lang="en-US" altLang="ja-JP" dirty="0" smtClean="0"/>
-              <a:t>I </a:t>
-            </a:r>
-            <a:r>
-              <a:rPr kumimoji="1" lang="ja-JP" altLang="en-US" dirty="0" smtClean="0"/>
-              <a:t>を計算する．</a:t>
+              <a:t>半正定値性について</a:t>
+            </a:r>
+            <a:r>
+              <a:rPr kumimoji="1" lang="ja-JP" altLang="en-US" dirty="0" err="1" smtClean="0"/>
+              <a:t>。。。</a:t>
             </a:r>
             <a:endParaRPr kumimoji="1" lang="en-US" altLang="ja-JP" dirty="0" smtClean="0"/>
           </a:p>
           <a:p>
             <a:endParaRPr kumimoji="1" lang="en-US" altLang="ja-JP" dirty="0" smtClean="0"/>
+          </a:p>
+          <a:p>
+            <a:r>
+              <a:rPr kumimoji="1" lang="en-US" altLang="ja-JP" baseline="0" dirty="0" smtClean="0"/>
+              <a:t>a b</a:t>
+            </a:r>
+            <a:endParaRPr kumimoji="1" lang="en-US" altLang="ja-JP" dirty="0" smtClean="0"/>
+          </a:p>
+          <a:p>
+            <a:r>
+              <a:rPr kumimoji="1" lang="en-US" altLang="ja-JP" dirty="0" smtClean="0"/>
+              <a:t>b c   </a:t>
+            </a:r>
+            <a:r>
+              <a:rPr kumimoji="1" lang="ja-JP" altLang="en-US" dirty="0" smtClean="0"/>
+              <a:t>について</a:t>
+            </a:r>
+            <a:endParaRPr kumimoji="1" lang="en-US" altLang="ja-JP" dirty="0" smtClean="0"/>
+          </a:p>
+          <a:p>
+            <a:r>
+              <a:rPr kumimoji="1" lang="en-US" altLang="ja-JP" dirty="0" smtClean="0"/>
+              <a:t>          a  b     x</a:t>
+            </a:r>
+          </a:p>
+          <a:p>
+            <a:r>
+              <a:rPr kumimoji="1" lang="en-US" altLang="ja-JP" dirty="0" smtClean="0"/>
+              <a:t>(</a:t>
+            </a:r>
+            <a:r>
+              <a:rPr kumimoji="1" lang="en-US" altLang="ja-JP" dirty="0" err="1" smtClean="0"/>
+              <a:t>x,y</a:t>
+            </a:r>
+            <a:r>
+              <a:rPr kumimoji="1" lang="en-US" altLang="ja-JP" dirty="0" smtClean="0"/>
+              <a:t>)   b  c     y</a:t>
+            </a:r>
+          </a:p>
+          <a:p>
+            <a:endParaRPr kumimoji="1" lang="en-US" altLang="ja-JP" dirty="0" smtClean="0"/>
+          </a:p>
+          <a:p>
+            <a:pPr algn="l"/>
+            <a:r>
+              <a:rPr kumimoji="1" lang="en-US" altLang="ja-JP" dirty="0" smtClean="0"/>
+              <a:t>= a x</a:t>
+            </a:r>
+            <a:r>
+              <a:rPr kumimoji="1" lang="en-US" altLang="ja-JP" baseline="30000" dirty="0" smtClean="0"/>
+              <a:t>2 </a:t>
+            </a:r>
+            <a:r>
+              <a:rPr kumimoji="1" lang="en-US" altLang="ja-JP" baseline="0" dirty="0" smtClean="0"/>
+              <a:t>+ 2b </a:t>
+            </a:r>
+            <a:r>
+              <a:rPr kumimoji="1" lang="en-US" altLang="ja-JP" baseline="0" dirty="0" err="1" smtClean="0"/>
+              <a:t>xy</a:t>
+            </a:r>
+            <a:r>
+              <a:rPr kumimoji="1" lang="en-US" altLang="ja-JP" baseline="0" dirty="0" smtClean="0"/>
+              <a:t> + cy</a:t>
+            </a:r>
+            <a:r>
+              <a:rPr kumimoji="1" lang="en-US" altLang="ja-JP" baseline="30000" dirty="0" smtClean="0"/>
+              <a:t>2</a:t>
+            </a:r>
+          </a:p>
+          <a:p>
+            <a:pPr algn="l"/>
+            <a:r>
+              <a:rPr kumimoji="1" lang="en-US" altLang="ja-JP" baseline="0" dirty="0" smtClean="0"/>
+              <a:t>= a( (x - b/a y)</a:t>
+            </a:r>
+            <a:r>
+              <a:rPr kumimoji="1" lang="en-US" altLang="ja-JP" baseline="30000" dirty="0" smtClean="0"/>
+              <a:t>2</a:t>
+            </a:r>
+            <a:r>
+              <a:rPr kumimoji="1" lang="en-US" altLang="ja-JP" baseline="0" dirty="0" smtClean="0"/>
+              <a:t> + (ac-b</a:t>
+            </a:r>
+            <a:r>
+              <a:rPr kumimoji="1" lang="en-US" altLang="ja-JP" baseline="30000" dirty="0" smtClean="0"/>
+              <a:t>2</a:t>
+            </a:r>
+            <a:r>
+              <a:rPr kumimoji="1" lang="en-US" altLang="ja-JP" baseline="0" dirty="0" smtClean="0"/>
+              <a:t>)y</a:t>
+            </a:r>
+            <a:r>
+              <a:rPr kumimoji="1" lang="en-US" altLang="ja-JP" baseline="30000" dirty="0" smtClean="0"/>
+              <a:t>2</a:t>
+            </a:r>
+            <a:r>
+              <a:rPr kumimoji="1" lang="en-US" altLang="ja-JP" baseline="0" dirty="0" smtClean="0"/>
+              <a:t>/a )</a:t>
+            </a:r>
+          </a:p>
+          <a:p>
+            <a:pPr algn="l"/>
+            <a:r>
+              <a:rPr kumimoji="1" lang="ja-JP" altLang="en-US" baseline="0" dirty="0" smtClean="0"/>
+              <a:t>このため，</a:t>
+            </a:r>
+            <a:r>
+              <a:rPr kumimoji="1" lang="en-US" altLang="ja-JP" baseline="0" dirty="0" smtClean="0"/>
+              <a:t>ac-b &gt;= 0</a:t>
+            </a:r>
+            <a:r>
+              <a:rPr kumimoji="1" lang="ja-JP" altLang="en-US" baseline="0" dirty="0" smtClean="0"/>
+              <a:t>なら</a:t>
+            </a:r>
+            <a:r>
+              <a:rPr kumimoji="1" lang="ja-JP" altLang="en-US" dirty="0" smtClean="0"/>
+              <a:t>半正定値</a:t>
+            </a:r>
+            <a:r>
+              <a:rPr kumimoji="1" lang="ja-JP" altLang="en-US" baseline="0" dirty="0" smtClean="0"/>
+              <a:t>となる</a:t>
+            </a:r>
+            <a:endParaRPr kumimoji="1" lang="en-US" altLang="ja-JP" baseline="0" dirty="0" smtClean="0"/>
+          </a:p>
+          <a:p>
+            <a:pPr algn="l"/>
+            <a:endParaRPr kumimoji="1" lang="en-US" altLang="ja-JP" baseline="0" dirty="0" smtClean="0"/>
+          </a:p>
+          <a:p>
+            <a:pPr algn="l"/>
+            <a:r>
+              <a:rPr kumimoji="1" lang="ja-JP" altLang="en-US" baseline="0" dirty="0" smtClean="0"/>
+              <a:t>∇</a:t>
+            </a:r>
+            <a:r>
+              <a:rPr kumimoji="1" lang="en-US" altLang="ja-JP" baseline="0" dirty="0" smtClean="0"/>
+              <a:t>I </a:t>
+            </a:r>
+            <a:r>
+              <a:rPr kumimoji="1" lang="ja-JP" altLang="en-US" baseline="0" dirty="0" smtClean="0"/>
+              <a:t>∇</a:t>
+            </a:r>
+            <a:r>
+              <a:rPr kumimoji="1" lang="en-US" altLang="ja-JP" baseline="0" dirty="0" smtClean="0"/>
+              <a:t>I</a:t>
+            </a:r>
+            <a:r>
+              <a:rPr kumimoji="1" lang="en-US" altLang="ja-JP" baseline="30000" dirty="0" smtClean="0"/>
+              <a:t>T</a:t>
+            </a:r>
+            <a:r>
+              <a:rPr kumimoji="1" lang="ja-JP" altLang="en-US" baseline="0" dirty="0" smtClean="0"/>
+              <a:t>は，</a:t>
+            </a:r>
+            <a:r>
+              <a:rPr kumimoji="1" lang="en-US" altLang="ja-JP" baseline="0" dirty="0" smtClean="0"/>
+              <a:t>ac-b</a:t>
+            </a:r>
+            <a:r>
+              <a:rPr kumimoji="1" lang="en-US" altLang="ja-JP" baseline="30000" dirty="0" smtClean="0"/>
+              <a:t>2</a:t>
+            </a:r>
+            <a:r>
+              <a:rPr kumimoji="1" lang="en-US" altLang="ja-JP" baseline="0" dirty="0" smtClean="0"/>
+              <a:t> = 0</a:t>
+            </a:r>
+            <a:r>
+              <a:rPr kumimoji="1" lang="ja-JP" altLang="en-US" baseline="0" dirty="0" err="1" smtClean="0"/>
+              <a:t>なので</a:t>
+            </a:r>
+            <a:r>
+              <a:rPr kumimoji="1" lang="ja-JP" altLang="en-US" baseline="0" dirty="0" smtClean="0"/>
+              <a:t>半正定置である．</a:t>
+            </a:r>
+            <a:endParaRPr kumimoji="1" lang="en-US" altLang="ja-JP" baseline="0" dirty="0" smtClean="0"/>
+          </a:p>
+          <a:p>
+            <a:pPr algn="l"/>
+            <a:endParaRPr kumimoji="1" lang="en-US" altLang="ja-JP" baseline="0" dirty="0" smtClean="0"/>
+          </a:p>
+          <a:p>
+            <a:pPr algn="l"/>
+            <a:endParaRPr kumimoji="1" lang="en-US" altLang="ja-JP" baseline="0" dirty="0" smtClean="0"/>
           </a:p>
         </p:txBody>
       </p:sp>
@@ -1080,7 +1328,7 @@
           <a:p>
             <a:fld id="{315B3230-1262-4AAB-8ECE-8CE048B285BF}" type="slidenum">
               <a:rPr kumimoji="1" lang="ja-JP" altLang="en-US" smtClean="0"/>
-              <a:t>28</a:t>
+              <a:t>23</a:t>
             </a:fld>
             <a:endParaRPr kumimoji="1" lang="ja-JP" altLang="en-US"/>
           </a:p>
@@ -1089,7 +1337,7 @@
     </p:spTree>
     <p:extLst>
       <p:ext uri="{BB962C8B-B14F-4D97-AF65-F5344CB8AC3E}">
-        <p14:creationId xmlns:p14="http://schemas.microsoft.com/office/powerpoint/2010/main" val="4047525304"/>
+        <p14:creationId xmlns:p14="http://schemas.microsoft.com/office/powerpoint/2010/main" val="1267780008"/>
       </p:ext>
     </p:extLst>
   </p:cSld>
@@ -1144,141 +1392,56 @@
           <a:lstStyle/>
           <a:p>
             <a:r>
-              <a:rPr kumimoji="1" lang="en-US" altLang="ja-JP" dirty="0" smtClean="0"/>
-              <a:t>3.</a:t>
-            </a:r>
-            <a:r>
-              <a:rPr kumimoji="1" lang="en-US" altLang="ja-JP" baseline="0" dirty="0" smtClean="0"/>
-              <a:t> Non maximum suppression</a:t>
-            </a:r>
-          </a:p>
-          <a:p>
-            <a:r>
               <a:rPr kumimoji="1" lang="ja-JP" altLang="en-US" dirty="0" smtClean="0"/>
-              <a:t>　　</a:t>
-            </a:r>
-            <a:r>
-              <a:rPr kumimoji="1" lang="en-US" altLang="ja-JP" dirty="0" smtClean="0"/>
-              <a:t>8</a:t>
-            </a:r>
-            <a:r>
-              <a:rPr kumimoji="1" lang="ja-JP" altLang="en-US" dirty="0" smtClean="0"/>
-              <a:t>近傍の極大を見てはだめ。</a:t>
+              <a:t>実装を分かりやすくするため、ガウシアンかけてから、微分をとると説明しているけど。</a:t>
             </a:r>
             <a:endParaRPr kumimoji="1" lang="en-US" altLang="ja-JP" dirty="0" smtClean="0"/>
           </a:p>
           <a:p>
             <a:r>
               <a:rPr kumimoji="1" lang="ja-JP" altLang="en-US" dirty="0" smtClean="0"/>
-              <a:t>　　エッジ方向を考えて、エッジと垂直な方向のみを考慮して極大を計算しないとだめ</a:t>
-            </a:r>
-            <a:endParaRPr kumimoji="1" lang="en-US" altLang="ja-JP" dirty="0" smtClean="0"/>
-          </a:p>
-          <a:p>
+              <a:t>本当は　</a:t>
+            </a:r>
+            <a:r>
+              <a:rPr kumimoji="1" lang="en-US" altLang="ja-JP" dirty="0" err="1" smtClean="0"/>
+              <a:t>Gx</a:t>
+            </a:r>
+            <a:r>
+              <a:rPr kumimoji="1" lang="en-US" altLang="ja-JP" dirty="0" smtClean="0"/>
+              <a:t> * I</a:t>
+            </a:r>
             <a:r>
               <a:rPr kumimoji="1" lang="ja-JP" altLang="en-US" dirty="0" smtClean="0"/>
-              <a:t>　　図を描いて説明したほうが良いかも</a:t>
+              <a:t>　と　</a:t>
+            </a:r>
+            <a:r>
+              <a:rPr kumimoji="1" lang="en-US" altLang="ja-JP" dirty="0" err="1" smtClean="0"/>
+              <a:t>Gy</a:t>
+            </a:r>
+            <a:r>
+              <a:rPr kumimoji="1" lang="ja-JP" altLang="en-US" baseline="0" dirty="0" smtClean="0"/>
+              <a:t> </a:t>
+            </a:r>
+            <a:r>
+              <a:rPr kumimoji="1" lang="en-US" altLang="ja-JP" dirty="0" smtClean="0"/>
+              <a:t>*</a:t>
+            </a:r>
+            <a:r>
+              <a:rPr kumimoji="1" lang="ja-JP" altLang="en-US" baseline="0" dirty="0" smtClean="0"/>
+              <a:t> </a:t>
+            </a:r>
+            <a:r>
+              <a:rPr kumimoji="1" lang="en-US" altLang="ja-JP" dirty="0" smtClean="0"/>
+              <a:t>I </a:t>
+            </a:r>
+            <a:r>
+              <a:rPr kumimoji="1" lang="ja-JP" altLang="en-US" dirty="0" smtClean="0"/>
+              <a:t>を計算する．</a:t>
             </a:r>
             <a:endParaRPr kumimoji="1" lang="en-US" altLang="ja-JP" dirty="0" smtClean="0"/>
           </a:p>
           <a:p>
             <a:endParaRPr kumimoji="1" lang="en-US" altLang="ja-JP" dirty="0" smtClean="0"/>
-          </a:p>
-          <a:p>
-            <a:endParaRPr kumimoji="1" lang="en-US" altLang="ja-JP" dirty="0" smtClean="0"/>
-          </a:p>
-          <a:p>
-            <a:r>
-              <a:rPr kumimoji="1" lang="en-US" altLang="ja-JP" dirty="0" smtClean="0"/>
-              <a:t>4</a:t>
-            </a:r>
-            <a:r>
-              <a:rPr kumimoji="1" lang="ja-JP" altLang="en-US" dirty="0" smtClean="0"/>
-              <a:t>閾値処理</a:t>
-            </a:r>
-            <a:r>
-              <a:rPr kumimoji="1" lang="en-US" altLang="ja-JP" dirty="0" smtClean="0"/>
-              <a:t>: </a:t>
-            </a:r>
-            <a:r>
-              <a:rPr kumimoji="1" lang="ja-JP" altLang="en-US" dirty="0" smtClean="0"/>
-              <a:t>なぜ二つの閾値を利用するかが大切。</a:t>
-            </a:r>
-            <a:endParaRPr kumimoji="1" lang="en-US" altLang="ja-JP" dirty="0" smtClean="0"/>
-          </a:p>
-          <a:p>
-            <a:r>
-              <a:rPr kumimoji="1" lang="ja-JP" altLang="en-US" dirty="0" smtClean="0"/>
-              <a:t>　本当のエッジとノイズによるエッジが存在する。</a:t>
-            </a:r>
-            <a:endParaRPr kumimoji="1" lang="en-US" altLang="ja-JP" dirty="0" smtClean="0"/>
-          </a:p>
-          <a:p>
-            <a:r>
-              <a:rPr kumimoji="1" lang="ja-JP" altLang="en-US" dirty="0" smtClean="0"/>
-              <a:t>　</a:t>
-            </a:r>
-            <a:r>
-              <a:rPr kumimoji="1" lang="en-US" altLang="ja-JP" dirty="0" smtClean="0"/>
-              <a:t>Week edge</a:t>
-            </a:r>
-            <a:r>
-              <a:rPr kumimoji="1" lang="ja-JP" altLang="en-US" dirty="0" smtClean="0"/>
-              <a:t>は両者を含んでしまう。</a:t>
-            </a:r>
-            <a:endParaRPr kumimoji="1" lang="en-US" altLang="ja-JP" dirty="0" smtClean="0"/>
-          </a:p>
-          <a:p>
-            <a:r>
-              <a:rPr kumimoji="1" lang="ja-JP" altLang="en-US" dirty="0" smtClean="0"/>
-              <a:t>　本当のエッジなのに、ノイズや陰影など何かしらの影響で勾配強度が弱い画素は</a:t>
-            </a:r>
-            <a:r>
-              <a:rPr kumimoji="1" lang="en-US" altLang="ja-JP" dirty="0" smtClean="0"/>
-              <a:t>week</a:t>
-            </a:r>
-            <a:r>
-              <a:rPr kumimoji="1" lang="ja-JP" altLang="en-US" dirty="0" smtClean="0"/>
-              <a:t>エッジになる。</a:t>
-            </a:r>
-            <a:endParaRPr kumimoji="1" lang="en-US" altLang="ja-JP" dirty="0" smtClean="0"/>
-          </a:p>
-          <a:p>
-            <a:r>
-              <a:rPr kumimoji="1" lang="ja-JP" altLang="en-US" dirty="0" smtClean="0"/>
-              <a:t>　ただしそのような</a:t>
-            </a:r>
-            <a:r>
-              <a:rPr kumimoji="1" lang="en-US" altLang="ja-JP" dirty="0" smtClean="0"/>
-              <a:t>week edge</a:t>
-            </a:r>
-            <a:r>
-              <a:rPr kumimoji="1" lang="ja-JP" altLang="en-US" dirty="0" smtClean="0"/>
-              <a:t>は</a:t>
-            </a:r>
-            <a:r>
-              <a:rPr kumimoji="1" lang="en-US" altLang="ja-JP" dirty="0" smtClean="0"/>
-              <a:t>Strong edge</a:t>
-            </a:r>
-            <a:r>
-              <a:rPr kumimoji="1" lang="ja-JP" altLang="en-US" dirty="0" smtClean="0"/>
-              <a:t>に隣接していることが多い。そのため</a:t>
-            </a:r>
-            <a:r>
-              <a:rPr kumimoji="1" lang="en-US" altLang="ja-JP" dirty="0" smtClean="0"/>
-              <a:t>Strong edge</a:t>
-            </a:r>
-            <a:r>
-              <a:rPr kumimoji="1" lang="ja-JP" altLang="en-US" dirty="0" smtClean="0"/>
-              <a:t>が近傍にあればエッジとして受け入れる．</a:t>
-            </a:r>
-            <a:endParaRPr kumimoji="1" lang="en-US" altLang="ja-JP" dirty="0" smtClean="0"/>
-          </a:p>
-          <a:p>
-            <a:endParaRPr kumimoji="1" lang="en-US" altLang="ja-JP" dirty="0" smtClean="0"/>
-          </a:p>
-          <a:p>
-            <a:endParaRPr kumimoji="1" lang="ja-JP" altLang="en-US" dirty="0"/>
           </a:p>
         </p:txBody>
       </p:sp>
@@ -1299,7 +1462,7 @@
           <a:p>
             <a:fld id="{315B3230-1262-4AAB-8ECE-8CE048B285BF}" type="slidenum">
               <a:rPr kumimoji="1" lang="ja-JP" altLang="en-US" smtClean="0"/>
-              <a:t>29</a:t>
+              <a:t>27</a:t>
             </a:fld>
             <a:endParaRPr kumimoji="1" lang="ja-JP" altLang="en-US"/>
           </a:p>
@@ -1308,7 +1471,7 @@
     </p:spTree>
     <p:extLst>
       <p:ext uri="{BB962C8B-B14F-4D97-AF65-F5344CB8AC3E}">
-        <p14:creationId xmlns:p14="http://schemas.microsoft.com/office/powerpoint/2010/main" val="2787350382"/>
+        <p14:creationId xmlns:p14="http://schemas.microsoft.com/office/powerpoint/2010/main" val="4047525304"/>
       </p:ext>
     </p:extLst>
   </p:cSld>
@@ -1363,76 +1526,340 @@
           <a:lstStyle/>
           <a:p>
             <a:r>
-              <a:rPr lang="ja-JP" altLang="en-US" dirty="0" smtClean="0"/>
-              <a:t>最近読んだ・見た面白かった論文紹介</a:t>
-            </a:r>
-            <a:endParaRPr lang="en-US" altLang="ja-JP" dirty="0" smtClean="0"/>
+              <a:rPr kumimoji="1" lang="en-US" altLang="ja-JP" dirty="0" smtClean="0"/>
+              <a:t>3.</a:t>
+            </a:r>
+            <a:r>
+              <a:rPr kumimoji="1" lang="en-US" altLang="ja-JP" baseline="0" dirty="0" smtClean="0"/>
+              <a:t> Non maximum suppression</a:t>
+            </a:r>
           </a:p>
           <a:p>
             <a:r>
+              <a:rPr kumimoji="1" lang="ja-JP" altLang="en-US" dirty="0" smtClean="0"/>
+              <a:t>　　</a:t>
+            </a:r>
+            <a:r>
               <a:rPr kumimoji="1" lang="en-US" altLang="ja-JP" dirty="0" smtClean="0"/>
-              <a:t>Texture Synthesis</a:t>
-            </a:r>
+              <a:t>8</a:t>
+            </a:r>
+            <a:r>
+              <a:rPr kumimoji="1" lang="ja-JP" altLang="en-US" dirty="0" smtClean="0"/>
+              <a:t>近傍の極大を見てはだめ。</a:t>
+            </a:r>
+            <a:endParaRPr kumimoji="1" lang="en-US" altLang="ja-JP" dirty="0" smtClean="0"/>
           </a:p>
           <a:p>
             <a:r>
-              <a:rPr lang="en-US" altLang="ja-JP" dirty="0" smtClean="0"/>
-              <a:t>Seam Curving</a:t>
-            </a:r>
+              <a:rPr kumimoji="1" lang="ja-JP" altLang="en-US" dirty="0" smtClean="0"/>
+              <a:t>　　エッジ方向を考えて、エッジと垂直な方向のみを考慮して極大を計算しないとだめ</a:t>
+            </a:r>
+            <a:endParaRPr kumimoji="1" lang="en-US" altLang="ja-JP" dirty="0" smtClean="0"/>
           </a:p>
           <a:p>
             <a:r>
-              <a:rPr kumimoji="1" lang="en-US" altLang="ja-JP" dirty="0" smtClean="0"/>
-              <a:t>Visual Microphone</a:t>
-            </a:r>
-          </a:p>
-          <a:p>
-            <a:endParaRPr lang="en-US" altLang="ja-JP" dirty="0" smtClean="0"/>
-          </a:p>
-          <a:p>
-            <a:endParaRPr lang="en-US" altLang="ja-JP" dirty="0" smtClean="0"/>
-          </a:p>
-          <a:p>
-            <a:r>
-              <a:rPr lang="en-US" altLang="ja-JP" dirty="0" smtClean="0"/>
-              <a:t>SIGGRAPH 2016</a:t>
-            </a:r>
-            <a:r>
-              <a:rPr lang="ja-JP" altLang="en-US" dirty="0" smtClean="0"/>
-              <a:t>全部読み</a:t>
-            </a:r>
-            <a:endParaRPr lang="en-US" altLang="ja-JP" dirty="0" smtClean="0"/>
+              <a:rPr kumimoji="1" lang="ja-JP" altLang="en-US" dirty="0" smtClean="0"/>
+              <a:t>　　図を描いて説明したほうが良いかも</a:t>
+            </a:r>
+            <a:endParaRPr kumimoji="1" lang="en-US" altLang="ja-JP" dirty="0" smtClean="0"/>
           </a:p>
           <a:p>
             <a:endParaRPr kumimoji="1" lang="en-US" altLang="ja-JP" dirty="0" smtClean="0"/>
           </a:p>
           <a:p>
-            <a:r>
-              <a:rPr lang="en-US" altLang="ja-JP" sz="1300" dirty="0"/>
-              <a:t> </a:t>
-            </a:r>
-            <a:r>
-              <a:rPr lang="ja-JP" altLang="en-US" sz="1300" dirty="0"/>
-              <a:t>ガウシアン畳み込みのはなし</a:t>
-            </a:r>
-            <a:endParaRPr lang="en-US" altLang="ja-JP" sz="1300" dirty="0"/>
+            <a:endParaRPr kumimoji="1" lang="en-US" altLang="ja-JP" dirty="0" smtClean="0"/>
           </a:p>
           <a:p>
             <a:r>
-              <a:rPr lang="ja-JP" altLang="en-US" sz="1300" dirty="0"/>
-              <a:t>線形フィルタのセパレート実装のはなし</a:t>
-            </a:r>
-            <a:endParaRPr lang="en-US" altLang="ja-JP" sz="1300" dirty="0"/>
+              <a:rPr kumimoji="1" lang="en-US" altLang="ja-JP" dirty="0" smtClean="0"/>
+              <a:t>4</a:t>
+            </a:r>
+            <a:r>
+              <a:rPr kumimoji="1" lang="ja-JP" altLang="en-US" dirty="0" smtClean="0"/>
+              <a:t>閾値処理</a:t>
+            </a:r>
+            <a:r>
+              <a:rPr kumimoji="1" lang="en-US" altLang="ja-JP" dirty="0" smtClean="0"/>
+              <a:t>: </a:t>
+            </a:r>
+            <a:r>
+              <a:rPr kumimoji="1" lang="ja-JP" altLang="en-US" dirty="0" smtClean="0"/>
+              <a:t>なぜ二つの閾値を利用するかが大切。</a:t>
+            </a:r>
+            <a:endParaRPr kumimoji="1" lang="en-US" altLang="ja-JP" dirty="0" smtClean="0"/>
           </a:p>
           <a:p>
             <a:r>
-              <a:rPr lang="ja-JP" altLang="en-US" sz="1300" dirty="0"/>
-              <a:t>ガウシアンピラミッドのはなし</a:t>
-            </a:r>
-            <a:endParaRPr kumimoji="1" lang="ja-JP" altLang="en-US" dirty="0" smtClean="0"/>
+              <a:rPr kumimoji="1" lang="ja-JP" altLang="en-US" dirty="0" smtClean="0"/>
+              <a:t>　本当のエッジとノイズによるエッジが存在する。</a:t>
+            </a:r>
+            <a:endParaRPr kumimoji="1" lang="en-US" altLang="ja-JP" dirty="0" smtClean="0"/>
+          </a:p>
+          <a:p>
+            <a:r>
+              <a:rPr kumimoji="1" lang="ja-JP" altLang="en-US" dirty="0" smtClean="0"/>
+              <a:t>　</a:t>
+            </a:r>
+            <a:r>
+              <a:rPr kumimoji="1" lang="en-US" altLang="ja-JP" dirty="0" smtClean="0"/>
+              <a:t>Week edge</a:t>
+            </a:r>
+            <a:r>
+              <a:rPr kumimoji="1" lang="ja-JP" altLang="en-US" dirty="0" smtClean="0"/>
+              <a:t>は両者を含んでしまう。</a:t>
+            </a:r>
+            <a:endParaRPr kumimoji="1" lang="en-US" altLang="ja-JP" dirty="0" smtClean="0"/>
+          </a:p>
+          <a:p>
+            <a:r>
+              <a:rPr kumimoji="1" lang="ja-JP" altLang="en-US" dirty="0" smtClean="0"/>
+              <a:t>　本当のエッジなのに、ノイズや陰影など何かしらの影響で勾配強度が弱い画素は</a:t>
+            </a:r>
+            <a:r>
+              <a:rPr kumimoji="1" lang="en-US" altLang="ja-JP" dirty="0" smtClean="0"/>
+              <a:t>week</a:t>
+            </a:r>
+            <a:r>
+              <a:rPr kumimoji="1" lang="ja-JP" altLang="en-US" dirty="0" smtClean="0"/>
+              <a:t>エッジになる。</a:t>
+            </a:r>
+            <a:endParaRPr kumimoji="1" lang="en-US" altLang="ja-JP" dirty="0" smtClean="0"/>
+          </a:p>
+          <a:p>
+            <a:r>
+              <a:rPr kumimoji="1" lang="ja-JP" altLang="en-US" dirty="0" smtClean="0"/>
+              <a:t>　ただしそのような</a:t>
+            </a:r>
+            <a:r>
+              <a:rPr kumimoji="1" lang="en-US" altLang="ja-JP" dirty="0" smtClean="0"/>
+              <a:t>week edge</a:t>
+            </a:r>
+            <a:r>
+              <a:rPr kumimoji="1" lang="ja-JP" altLang="en-US" dirty="0" smtClean="0"/>
+              <a:t>は</a:t>
+            </a:r>
+            <a:r>
+              <a:rPr kumimoji="1" lang="en-US" altLang="ja-JP" dirty="0" smtClean="0"/>
+              <a:t>Strong edge</a:t>
+            </a:r>
+            <a:r>
+              <a:rPr kumimoji="1" lang="ja-JP" altLang="en-US" dirty="0" smtClean="0"/>
+              <a:t>に隣接していることが多い。そのため</a:t>
+            </a:r>
+            <a:r>
+              <a:rPr kumimoji="1" lang="en-US" altLang="ja-JP" dirty="0" smtClean="0"/>
+              <a:t>Strong edge</a:t>
+            </a:r>
+            <a:r>
+              <a:rPr kumimoji="1" lang="ja-JP" altLang="en-US" dirty="0" smtClean="0"/>
+              <a:t>が近傍にあればエッジとして受け入れる．</a:t>
+            </a:r>
+            <a:endParaRPr kumimoji="1" lang="en-US" altLang="ja-JP" dirty="0" smtClean="0"/>
+          </a:p>
+          <a:p>
+            <a:endParaRPr kumimoji="1" lang="en-US" altLang="ja-JP" dirty="0" smtClean="0"/>
           </a:p>
           <a:p>
             <a:endParaRPr kumimoji="1" lang="ja-JP" altLang="en-US" dirty="0"/>
+          </a:p>
+        </p:txBody>
+      </p:sp>
+      <p:sp>
+        <p:nvSpPr>
+          <p:cNvPr id="4" name="スライド番号プレースホルダー 3"/>
+          <p:cNvSpPr>
+            <a:spLocks noGrp="1"/>
+          </p:cNvSpPr>
+          <p:nvPr>
+            <p:ph type="sldNum" sz="quarter" idx="10"/>
+          </p:nvPr>
+        </p:nvSpPr>
+        <p:spPr/>
+        <p:txBody>
+          <a:bodyPr/>
+          <a:lstStyle/>
+          <a:p>
+            <a:fld id="{315B3230-1262-4AAB-8ECE-8CE048B285BF}" type="slidenum">
+              <a:rPr kumimoji="1" lang="ja-JP" altLang="en-US" smtClean="0"/>
+              <a:t>28</a:t>
+            </a:fld>
+            <a:endParaRPr kumimoji="1" lang="ja-JP" altLang="en-US"/>
+          </a:p>
+        </p:txBody>
+      </p:sp>
+    </p:spTree>
+    <p:extLst>
+      <p:ext uri="{BB962C8B-B14F-4D97-AF65-F5344CB8AC3E}">
+        <p14:creationId xmlns:p14="http://schemas.microsoft.com/office/powerpoint/2010/main" val="2787350382"/>
+      </p:ext>
+    </p:extLst>
+  </p:cSld>
+  <p:clrMapOvr>
+    <a:masterClrMapping/>
+  </p:clrMapOvr>
+</p:notes>
+</file>
+
+<file path=ppt/notesSlides/notesSlide8.xml><?xml version="1.0" encoding="utf-8"?>
+<p:notes xmlns:a="http://schemas.openxmlformats.org/drawingml/2006/main" xmlns:r="http://schemas.openxmlformats.org/officeDocument/2006/relationships" xmlns:p="http://schemas.openxmlformats.org/presentationml/2006/main">
+  <p:cSld>
+    <p:spTree>
+      <p:nvGrpSpPr>
+        <p:cNvPr id="1" name=""/>
+        <p:cNvGrpSpPr/>
+        <p:nvPr/>
+      </p:nvGrpSpPr>
+      <p:grpSpPr>
+        <a:xfrm>
+          <a:off x="0" y="0"/>
+          <a:ext cx="0" cy="0"/>
+          <a:chOff x="0" y="0"/>
+          <a:chExt cx="0" cy="0"/>
+        </a:xfrm>
+      </p:grpSpPr>
+      <p:sp>
+        <p:nvSpPr>
+          <p:cNvPr id="2" name="スライド イメージ プレースホルダー 1"/>
+          <p:cNvSpPr>
+            <a:spLocks noGrp="1" noRot="1" noChangeAspect="1"/>
+          </p:cNvSpPr>
+          <p:nvPr>
+            <p:ph type="sldImg"/>
+          </p:nvPr>
+        </p:nvSpPr>
+        <p:spPr/>
+      </p:sp>
+      <p:sp>
+        <p:nvSpPr>
+          <p:cNvPr id="3" name="ノート プレースホルダー 2"/>
+          <p:cNvSpPr>
+            <a:spLocks noGrp="1"/>
+          </p:cNvSpPr>
+          <p:nvPr>
+            <p:ph type="body" idx="1"/>
+          </p:nvPr>
+        </p:nvSpPr>
+        <p:spPr/>
+        <p:txBody>
+          <a:bodyPr/>
+          <a:lstStyle/>
+          <a:p>
+            <a:r>
+              <a:rPr kumimoji="1" lang="ja-JP" altLang="en-US" dirty="0" smtClean="0"/>
+              <a:t>最初に利用した資料の影響で、原著と</a:t>
+            </a:r>
+            <a:r>
+              <a:rPr kumimoji="1" lang="en-US" altLang="ja-JP" dirty="0" smtClean="0"/>
+              <a:t>(</a:t>
+            </a:r>
+            <a:r>
+              <a:rPr kumimoji="1" lang="en-US" altLang="ja-JP" dirty="0" err="1" smtClean="0"/>
+              <a:t>u,v</a:t>
+            </a:r>
+            <a:r>
+              <a:rPr kumimoji="1" lang="en-US" altLang="ja-JP" dirty="0" smtClean="0"/>
+              <a:t>) (</a:t>
+            </a:r>
+            <a:r>
+              <a:rPr kumimoji="1" lang="en-US" altLang="ja-JP" dirty="0" err="1" smtClean="0"/>
+              <a:t>x,y</a:t>
+            </a:r>
+            <a:r>
+              <a:rPr kumimoji="1" lang="en-US" altLang="ja-JP" dirty="0" smtClean="0"/>
+              <a:t>)</a:t>
+            </a:r>
+            <a:r>
+              <a:rPr kumimoji="1" lang="ja-JP" altLang="en-US" dirty="0" smtClean="0"/>
+              <a:t>を逆に書いてしまった。</a:t>
+            </a:r>
+            <a:endParaRPr kumimoji="1" lang="en-US" altLang="ja-JP" dirty="0" smtClean="0"/>
+          </a:p>
+          <a:p>
+            <a:endParaRPr kumimoji="1" lang="en-US" altLang="ja-JP" dirty="0" smtClean="0"/>
+          </a:p>
+        </p:txBody>
+      </p:sp>
+      <p:sp>
+        <p:nvSpPr>
+          <p:cNvPr id="4" name="スライド番号プレースホルダー 3"/>
+          <p:cNvSpPr>
+            <a:spLocks noGrp="1"/>
+          </p:cNvSpPr>
+          <p:nvPr>
+            <p:ph type="sldNum" sz="quarter" idx="10"/>
+          </p:nvPr>
+        </p:nvSpPr>
+        <p:spPr/>
+        <p:txBody>
+          <a:bodyPr/>
+          <a:lstStyle/>
+          <a:p>
+            <a:fld id="{315B3230-1262-4AAB-8ECE-8CE048B285BF}" type="slidenum">
+              <a:rPr kumimoji="1" lang="ja-JP" altLang="en-US" smtClean="0"/>
+              <a:t>31</a:t>
+            </a:fld>
+            <a:endParaRPr kumimoji="1" lang="ja-JP" altLang="en-US"/>
+          </a:p>
+        </p:txBody>
+      </p:sp>
+    </p:spTree>
+    <p:extLst>
+      <p:ext uri="{BB962C8B-B14F-4D97-AF65-F5344CB8AC3E}">
+        <p14:creationId xmlns:p14="http://schemas.microsoft.com/office/powerpoint/2010/main" val="3954142454"/>
+      </p:ext>
+    </p:extLst>
+  </p:cSld>
+  <p:clrMapOvr>
+    <a:masterClrMapping/>
+  </p:clrMapOvr>
+</p:notes>
+</file>
+
+<file path=ppt/notesSlides/notesSlide9.xml><?xml version="1.0" encoding="utf-8"?>
+<p:notes xmlns:a="http://schemas.openxmlformats.org/drawingml/2006/main" xmlns:r="http://schemas.openxmlformats.org/officeDocument/2006/relationships" xmlns:p="http://schemas.openxmlformats.org/presentationml/2006/main">
+  <p:cSld>
+    <p:spTree>
+      <p:nvGrpSpPr>
+        <p:cNvPr id="1" name=""/>
+        <p:cNvGrpSpPr/>
+        <p:nvPr/>
+      </p:nvGrpSpPr>
+      <p:grpSpPr>
+        <a:xfrm>
+          <a:off x="0" y="0"/>
+          <a:ext cx="0" cy="0"/>
+          <a:chOff x="0" y="0"/>
+          <a:chExt cx="0" cy="0"/>
+        </a:xfrm>
+      </p:grpSpPr>
+      <p:sp>
+        <p:nvSpPr>
+          <p:cNvPr id="2" name="スライド イメージ プレースホルダー 1"/>
+          <p:cNvSpPr>
+            <a:spLocks noGrp="1" noRot="1" noChangeAspect="1"/>
+          </p:cNvSpPr>
+          <p:nvPr>
+            <p:ph type="sldImg"/>
+          </p:nvPr>
+        </p:nvSpPr>
+        <p:spPr/>
+      </p:sp>
+      <p:sp>
+        <p:nvSpPr>
+          <p:cNvPr id="3" name="ノート プレースホルダー 2"/>
+          <p:cNvSpPr>
+            <a:spLocks noGrp="1"/>
+          </p:cNvSpPr>
+          <p:nvPr>
+            <p:ph type="body" idx="1"/>
+          </p:nvPr>
+        </p:nvSpPr>
+        <p:spPr/>
+        <p:txBody>
+          <a:bodyPr/>
+          <a:lstStyle/>
+          <a:p>
+            <a:endParaRPr kumimoji="1" lang="ja-JP" altLang="en-US"/>
           </a:p>
         </p:txBody>
       </p:sp>
@@ -1462,7 +1889,7 @@
     </p:spTree>
     <p:extLst>
       <p:ext uri="{BB962C8B-B14F-4D97-AF65-F5344CB8AC3E}">
-        <p14:creationId xmlns:p14="http://schemas.microsoft.com/office/powerpoint/2010/main" val="2126326194"/>
+        <p14:creationId xmlns:p14="http://schemas.microsoft.com/office/powerpoint/2010/main" val="3258634913"/>
       </p:ext>
     </p:extLst>
   </p:cSld>
@@ -1611,7 +2038,7 @@
           <a:p>
             <a:fld id="{B10875E1-285E-4E62-A15A-65F7A0855A09}" type="datetimeFigureOut">
               <a:rPr kumimoji="1" lang="ja-JP" altLang="en-US" smtClean="0"/>
-              <a:t>2018/3/19</a:t>
+              <a:t>2018/4/26</a:t>
             </a:fld>
             <a:endParaRPr kumimoji="1" lang="ja-JP" altLang="en-US"/>
           </a:p>
@@ -1837,7 +2264,7 @@
           <a:p>
             <a:fld id="{B10875E1-285E-4E62-A15A-65F7A0855A09}" type="datetimeFigureOut">
               <a:rPr kumimoji="1" lang="ja-JP" altLang="en-US" smtClean="0"/>
-              <a:t>2018/3/19</a:t>
+              <a:t>2018/4/26</a:t>
             </a:fld>
             <a:endParaRPr kumimoji="1" lang="ja-JP" altLang="en-US"/>
           </a:p>
@@ -2073,7 +2500,7 @@
           <a:p>
             <a:fld id="{B10875E1-285E-4E62-A15A-65F7A0855A09}" type="datetimeFigureOut">
               <a:rPr kumimoji="1" lang="ja-JP" altLang="en-US" smtClean="0"/>
-              <a:t>2018/3/19</a:t>
+              <a:t>2018/4/26</a:t>
             </a:fld>
             <a:endParaRPr kumimoji="1" lang="ja-JP" altLang="en-US"/>
           </a:p>
@@ -2299,7 +2726,7 @@
           <a:p>
             <a:fld id="{B10875E1-285E-4E62-A15A-65F7A0855A09}" type="datetimeFigureOut">
               <a:rPr kumimoji="1" lang="ja-JP" altLang="en-US" smtClean="0"/>
-              <a:t>2018/3/19</a:t>
+              <a:t>2018/4/26</a:t>
             </a:fld>
             <a:endParaRPr kumimoji="1" lang="ja-JP" altLang="en-US"/>
           </a:p>
@@ -2569,7 +2996,7 @@
           <a:p>
             <a:fld id="{B10875E1-285E-4E62-A15A-65F7A0855A09}" type="datetimeFigureOut">
               <a:rPr kumimoji="1" lang="ja-JP" altLang="en-US" smtClean="0"/>
-              <a:t>2018/3/19</a:t>
+              <a:t>2018/4/26</a:t>
             </a:fld>
             <a:endParaRPr kumimoji="1" lang="ja-JP" altLang="en-US"/>
           </a:p>
@@ -2978,7 +3405,7 @@
             <a:fld id="{B10875E1-285E-4E62-A15A-65F7A0855A09}" type="datetimeFigureOut">
               <a:rPr lang="ja-JP" altLang="en-US" smtClean="0"/>
               <a:pPr/>
-              <a:t>2018/3/19</a:t>
+              <a:t>2018/4/26</a:t>
             </a:fld>
             <a:endParaRPr lang="ja-JP" altLang="en-US"/>
           </a:p>
@@ -3547,7 +3974,7 @@
             <a:fld id="{B10875E1-285E-4E62-A15A-65F7A0855A09}" type="datetimeFigureOut">
               <a:rPr lang="ja-JP" altLang="en-US" smtClean="0"/>
               <a:pPr/>
-              <a:t>2018/3/19</a:t>
+              <a:t>2018/4/26</a:t>
             </a:fld>
             <a:endParaRPr lang="ja-JP" altLang="en-US"/>
           </a:p>
@@ -3706,7 +4133,7 @@
           <a:p>
             <a:fld id="{B10875E1-285E-4E62-A15A-65F7A0855A09}" type="datetimeFigureOut">
               <a:rPr kumimoji="1" lang="ja-JP" altLang="en-US" smtClean="0"/>
-              <a:t>2018/3/19</a:t>
+              <a:t>2018/4/26</a:t>
             </a:fld>
             <a:endParaRPr kumimoji="1" lang="ja-JP" altLang="en-US"/>
           </a:p>
@@ -3825,7 +4252,7 @@
           <a:p>
             <a:fld id="{B10875E1-285E-4E62-A15A-65F7A0855A09}" type="datetimeFigureOut">
               <a:rPr kumimoji="1" lang="ja-JP" altLang="en-US" smtClean="0"/>
-              <a:t>2018/3/19</a:t>
+              <a:t>2018/4/26</a:t>
             </a:fld>
             <a:endParaRPr kumimoji="1" lang="ja-JP" altLang="en-US"/>
           </a:p>
@@ -4158,7 +4585,7 @@
           <a:p>
             <a:fld id="{B10875E1-285E-4E62-A15A-65F7A0855A09}" type="datetimeFigureOut">
               <a:rPr kumimoji="1" lang="ja-JP" altLang="en-US" smtClean="0"/>
-              <a:t>2018/3/19</a:t>
+              <a:t>2018/4/26</a:t>
             </a:fld>
             <a:endParaRPr kumimoji="1" lang="ja-JP" altLang="en-US"/>
           </a:p>
@@ -4435,7 +4862,7 @@
           <a:p>
             <a:fld id="{B10875E1-285E-4E62-A15A-65F7A0855A09}" type="datetimeFigureOut">
               <a:rPr kumimoji="1" lang="ja-JP" altLang="en-US" smtClean="0"/>
-              <a:t>2018/3/19</a:t>
+              <a:t>2018/4/26</a:t>
             </a:fld>
             <a:endParaRPr kumimoji="1" lang="ja-JP" altLang="en-US"/>
           </a:p>
@@ -5095,7 +5522,19 @@
             </a:r>
             <a:r>
               <a:rPr kumimoji="1" lang="ja-JP" altLang="en-US" sz="2800" dirty="0" smtClean="0"/>
-              <a:t>井尻 敬 </a:t>
+              <a:t>井尻 敬</a:t>
+            </a:r>
+            <a:endParaRPr kumimoji="1" lang="en-US" altLang="ja-JP" sz="2800" dirty="0" smtClean="0"/>
+          </a:p>
+          <a:p>
+            <a:pPr algn="r"/>
+            <a:endParaRPr lang="en-US" altLang="ja-JP" sz="2800" dirty="0"/>
+          </a:p>
+          <a:p>
+            <a:pPr algn="r"/>
+            <a:r>
+              <a:rPr kumimoji="1" lang="ja-JP" altLang="en-US" sz="2800" dirty="0" smtClean="0"/>
+              <a:t> </a:t>
             </a:r>
             <a:endParaRPr kumimoji="1" lang="ja-JP" altLang="en-US" sz="2800" dirty="0"/>
           </a:p>
@@ -6657,6 +7096,13 @@
   <p:clrMapOvr>
     <a:masterClrMapping/>
   </p:clrMapOvr>
+  <p:timing>
+    <p:tnLst>
+      <p:par>
+        <p:cTn id="1" dur="indefinite" restart="never" nodeType="tmRoot"/>
+      </p:par>
+    </p:tnLst>
+  </p:timing>
 </p:sld>
 </file>
 
@@ -8175,6 +8621,13 @@
   <p:clrMapOvr>
     <a:masterClrMapping/>
   </p:clrMapOvr>
+  <p:timing>
+    <p:tnLst>
+      <p:par>
+        <p:cTn id="1" dur="indefinite" restart="never" nodeType="tmRoot"/>
+      </p:par>
+    </p:tnLst>
+  </p:timing>
 </p:sld>
 </file>
 
@@ -8219,7 +8672,15 @@
           <a:p>
             <a:r>
               <a:rPr kumimoji="1" lang="ja-JP" altLang="en-US" sz="3600" dirty="0" smtClean="0"/>
-              <a:t>類似度・相違度の意味的理解</a:t>
+              <a:t>類似度・相違度の</a:t>
+            </a:r>
+            <a:r>
+              <a:rPr lang="ja-JP" altLang="en-US" sz="3600" dirty="0"/>
+              <a:t>定性</a:t>
+            </a:r>
+            <a:r>
+              <a:rPr kumimoji="1" lang="ja-JP" altLang="en-US" sz="3600" dirty="0" smtClean="0"/>
+              <a:t>的理解</a:t>
             </a:r>
             <a:endParaRPr kumimoji="1" lang="ja-JP" altLang="en-US" sz="3600" dirty="0"/>
           </a:p>
@@ -9805,7 +10266,7 @@
             <p:spPr>
               <a:xfrm>
                 <a:off x="8392959" y="4085171"/>
-                <a:ext cx="2336281" cy="400110"/>
+                <a:ext cx="3618683" cy="400110"/>
               </a:xfrm>
               <a:prstGeom prst="rect">
                 <a:avLst/>
@@ -9923,16 +10384,24 @@
                     <a:ea typeface="メイリオ" panose="020B0604030504040204" pitchFamily="50" charset="-128"/>
                     <a:cs typeface="メイリオ" panose="020B0604030504040204" pitchFamily="50" charset="-128"/>
                   </a:rPr>
-                  <a:t>の</a:t>
+                  <a:t>の角度</a:t>
                 </a:r>
                 <a:r>
                   <a:rPr lang="ja-JP" altLang="en-US" sz="2000" dirty="0">
+                    <a:solidFill>
+                      <a:srgbClr val="FF0000"/>
+                    </a:solidFill>
                     <a:latin typeface="メイリオ" panose="020B0604030504040204" pitchFamily="50" charset="-128"/>
                     <a:ea typeface="メイリオ" panose="020B0604030504040204" pitchFamily="50" charset="-128"/>
                     <a:cs typeface="メイリオ" panose="020B0604030504040204" pitchFamily="50" charset="-128"/>
                   </a:rPr>
-                  <a:t>角度</a:t>
+                  <a:t>のコサイン</a:t>
                 </a:r>
+                <a:endParaRPr lang="ja-JP" altLang="en-US" sz="2000" dirty="0">
+                  <a:latin typeface="メイリオ" panose="020B0604030504040204" pitchFamily="50" charset="-128"/>
+                  <a:ea typeface="メイリオ" panose="020B0604030504040204" pitchFamily="50" charset="-128"/>
+                  <a:cs typeface="メイリオ" panose="020B0604030504040204" pitchFamily="50" charset="-128"/>
+                </a:endParaRPr>
               </a:p>
             </p:txBody>
           </p:sp>
@@ -9949,7 +10418,7 @@
             <p:spPr>
               <a:xfrm>
                 <a:off x="8392959" y="4085171"/>
-                <a:ext cx="2336281" cy="400110"/>
+                <a:ext cx="3618683" cy="400110"/>
               </a:xfrm>
               <a:prstGeom prst="rect">
                 <a:avLst/>
@@ -9957,7 +10426,7 @@
               <a:blipFill rotWithShape="0">
                 <a:blip r:embed="rId12"/>
                 <a:stretch>
-                  <a:fillRect t="-7576" r="-2089" b="-25758"/>
+                  <a:fillRect t="-7576" r="-1349" b="-25758"/>
                 </a:stretch>
               </a:blipFill>
             </p:spPr>
@@ -10587,6 +11056,49 @@
           </a:p>
         </p:txBody>
       </p:sp>
+      <p:sp>
+        <p:nvSpPr>
+          <p:cNvPr id="32" name="正方形/長方形 31"/>
+          <p:cNvSpPr/>
+          <p:nvPr/>
+        </p:nvSpPr>
+        <p:spPr>
+          <a:xfrm>
+            <a:off x="10724932" y="-21536"/>
+            <a:ext cx="1467068" cy="400110"/>
+          </a:xfrm>
+          <a:prstGeom prst="rect">
+            <a:avLst/>
+          </a:prstGeom>
+        </p:spPr>
+        <p:txBody>
+          <a:bodyPr wrap="none">
+            <a:spAutoFit/>
+          </a:bodyPr>
+          <a:lstStyle/>
+          <a:p>
+            <a:r>
+              <a:rPr lang="ja-JP" altLang="en-US" sz="2000" dirty="0" smtClean="0">
+                <a:solidFill>
+                  <a:srgbClr val="FF0000"/>
+                </a:solidFill>
+                <a:latin typeface="メイリオ" panose="020B0604030504040204" pitchFamily="50" charset="-128"/>
+                <a:ea typeface="メイリオ" panose="020B0604030504040204" pitchFamily="50" charset="-128"/>
+                <a:cs typeface="メイリオ" panose="020B0604030504040204" pitchFamily="50" charset="-128"/>
+              </a:rPr>
+              <a:t>赤字は訂正</a:t>
+            </a:r>
+            <a:endParaRPr lang="ja-JP" altLang="en-US" sz="2000" dirty="0">
+              <a:solidFill>
+                <a:srgbClr val="FF0000"/>
+              </a:solidFill>
+              <a:latin typeface="メイリオ" panose="020B0604030504040204" pitchFamily="50" charset="-128"/>
+              <a:ea typeface="メイリオ" panose="020B0604030504040204" pitchFamily="50" charset="-128"/>
+              <a:cs typeface="メイリオ" panose="020B0604030504040204" pitchFamily="50" charset="-128"/>
+            </a:endParaRPr>
+          </a:p>
+        </p:txBody>
+      </p:sp>
     </p:spTree>
     <p:extLst>
       <p:ext uri="{BB962C8B-B14F-4D97-AF65-F5344CB8AC3E}">
@@ -10597,6 +11109,13 @@
   <p:clrMapOvr>
     <a:masterClrMapping/>
   </p:clrMapOvr>
+  <p:timing>
+    <p:tnLst>
+      <p:par>
+        <p:cTn id="1" dur="indefinite" restart="never" nodeType="tmRoot"/>
+      </p:par>
+    </p:tnLst>
+  </p:timing>
 </p:sld>
 </file>
 
@@ -10776,6 +11295,13 @@
   <p:clrMapOvr>
     <a:masterClrMapping/>
   </p:clrMapOvr>
+  <p:timing>
+    <p:tnLst>
+      <p:par>
+        <p:cTn id="1" dur="indefinite" restart="never" nodeType="tmRoot"/>
+      </p:par>
+    </p:tnLst>
+  </p:timing>
 </p:sld>
 </file>
 
@@ -10955,8 +11481,12 @@
               <a:t>x</a:t>
             </a:r>
             <a:r>
+              <a:rPr lang="ja-JP" altLang="en-US" sz="2400" dirty="0"/>
+              <a:t>（</a:t>
+            </a:r>
+            <a:r>
               <a:rPr lang="ja-JP" altLang="en-US" sz="2400" dirty="0" smtClean="0"/>
-              <a:t>を実数精度で求める</a:t>
+              <a:t>実数精度）はどこ？</a:t>
             </a:r>
             <a:endParaRPr lang="en-US" altLang="ja-JP" sz="2400" dirty="0" smtClean="0"/>
           </a:p>
@@ -13788,6 +14318,13 @@
   <p:clrMapOvr>
     <a:masterClrMapping/>
   </p:clrMapOvr>
+  <p:timing>
+    <p:tnLst>
+      <p:par>
+        <p:cTn id="1" dur="indefinite" restart="never" nodeType="tmRoot"/>
+      </p:par>
+    </p:tnLst>
+  </p:timing>
 </p:sld>
 </file>
 
@@ -14407,6 +14944,13 @@
   <p:clrMapOvr>
     <a:masterClrMapping/>
   </p:clrMapOvr>
+  <p:timing>
+    <p:tnLst>
+      <p:par>
+        <p:cTn id="1" dur="indefinite" restart="never" nodeType="tmRoot"/>
+      </p:par>
+    </p:tnLst>
+  </p:timing>
 </p:sld>
 </file>
 
@@ -16221,6 +16765,13 @@
   <p:clrMapOvr>
     <a:masterClrMapping/>
   </p:clrMapOvr>
+  <p:timing>
+    <p:tnLst>
+      <p:par>
+        <p:cTn id="1" dur="indefinite" restart="never" nodeType="tmRoot"/>
+      </p:par>
+    </p:tnLst>
+  </p:timing>
 </p:sld>
 </file>
 
@@ -17618,6 +18169,13 @@
   <p:clrMapOvr>
     <a:masterClrMapping/>
   </p:clrMapOvr>
+  <p:timing>
+    <p:tnLst>
+      <p:par>
+        <p:cTn id="1" dur="indefinite" restart="never" nodeType="tmRoot"/>
+      </p:par>
+    </p:tnLst>
+  </p:timing>
 </p:sld>
 </file>
 
@@ -18315,6 +18873,13 @@
   <p:clrMapOvr>
     <a:masterClrMapping/>
   </p:clrMapOvr>
+  <p:timing>
+    <p:tnLst>
+      <p:par>
+        <p:cTn id="1" dur="indefinite" restart="never" nodeType="tmRoot"/>
+      </p:par>
+    </p:tnLst>
+  </p:timing>
 </p:sld>
 </file>
 
@@ -19182,6 +19747,13 @@
   <p:clrMapOvr>
     <a:masterClrMapping/>
   </p:clrMapOvr>
+  <p:timing>
+    <p:tnLst>
+      <p:par>
+        <p:cTn id="1" dur="indefinite" restart="never" nodeType="tmRoot"/>
+      </p:par>
+    </p:tnLst>
+  </p:timing>
 </p:sld>
 </file>
 
@@ -19890,6 +20462,13 @@
   <p:clrMapOvr>
     <a:masterClrMapping/>
   </p:clrMapOvr>
+  <p:timing>
+    <p:tnLst>
+      <p:par>
+        <p:cTn id="1" dur="indefinite" restart="never" nodeType="tmRoot"/>
+      </p:par>
+    </p:tnLst>
+  </p:timing>
 </p:sld>
 </file>
 
@@ -22339,7 +22918,7 @@
                 <a:avLst/>
               </a:prstGeom>
               <a:blipFill rotWithShape="0">
-                <a:blip r:embed="rId2"/>
+                <a:blip r:embed="rId3"/>
                 <a:stretch>
                   <a:fillRect/>
                 </a:stretch>
@@ -22369,7 +22948,7 @@
           <p:nvPr/>
         </p:nvPicPr>
         <p:blipFill rotWithShape="1">
-          <a:blip r:embed="rId3">
+          <a:blip r:embed="rId4">
             <a:duotone>
               <a:schemeClr val="bg2">
                 <a:shade val="45000"/>
@@ -22487,7 +23066,7 @@
                 <a:avLst/>
               </a:prstGeom>
               <a:blipFill rotWithShape="0">
-                <a:blip r:embed="rId4"/>
+                <a:blip r:embed="rId5"/>
                 <a:stretch>
                   <a:fillRect/>
                 </a:stretch>
@@ -22647,7 +23226,7 @@
                   <a:avLst/>
                 </a:prstGeom>
                 <a:blipFill rotWithShape="0">
-                  <a:blip r:embed="rId5"/>
+                  <a:blip r:embed="rId6"/>
                   <a:stretch>
                     <a:fillRect/>
                   </a:stretch>
@@ -23101,7 +23680,7 @@
                   <a:avLst/>
                 </a:prstGeom>
                 <a:blipFill rotWithShape="0">
-                  <a:blip r:embed="rId6"/>
+                  <a:blip r:embed="rId7"/>
                   <a:stretch>
                     <a:fillRect/>
                   </a:stretch>
@@ -23653,7 +24232,7 @@
                   <a:avLst/>
                 </a:prstGeom>
                 <a:blipFill rotWithShape="0">
-                  <a:blip r:embed="rId7"/>
+                  <a:blip r:embed="rId8"/>
                   <a:stretch>
                     <a:fillRect/>
                   </a:stretch>
@@ -24133,7 +24712,7 @@
                   <a:avLst/>
                 </a:prstGeom>
                 <a:blipFill rotWithShape="0">
-                  <a:blip r:embed="rId8"/>
+                  <a:blip r:embed="rId9"/>
                   <a:stretch>
                     <a:fillRect/>
                   </a:stretch>
@@ -24260,7 +24839,7 @@
                   <a:avLst/>
                 </a:prstGeom>
                 <a:blipFill rotWithShape="0">
-                  <a:blip r:embed="rId9"/>
+                  <a:blip r:embed="rId10"/>
                   <a:stretch>
                     <a:fillRect/>
                   </a:stretch>
@@ -24761,8 +25340,12 @@
                   </a:lnSpc>
                 </a:pPr>
                 <a:r>
+                  <a:rPr lang="ja-JP" altLang="en-US" sz="2000" i="1" dirty="0"/>
+                  <a:t>対称</a:t>
+                </a:r>
+                <a:r>
                   <a:rPr lang="ja-JP" altLang="en-US" sz="2000" i="1" dirty="0" smtClean="0"/>
-                  <a:t>対象行列 </a:t>
+                  <a:t>行列 </a:t>
                 </a:r>
                 <a:r>
                   <a:rPr lang="en-US" altLang="ja-JP" sz="2000" dirty="0" smtClean="0">
@@ -24783,8 +25366,8 @@
                   </a:lnSpc>
                 </a:pPr>
                 <a:r>
-                  <a:rPr lang="ja-JP" altLang="en-US" sz="2000" i="1" dirty="0" smtClean="0"/>
-                  <a:t>対象行列 </a:t>
+                  <a:rPr lang="ja-JP" altLang="en-US" sz="2000" i="1" dirty="0"/>
+                  <a:t>対称行列 </a:t>
                 </a:r>
                 <a:r>
                   <a:rPr lang="en-US" altLang="ja-JP" sz="2000" dirty="0" smtClean="0">
@@ -25227,8 +25810,8 @@
                 <a:off x="7683501" y="1280223"/>
                 <a:ext cx="4508499" cy="4904678"/>
               </a:xfrm>
-              <a:blipFill rotWithShape="0">
-                <a:blip r:embed="rId10"/>
+              <a:blipFill>
+                <a:blip r:embed="rId11"/>
                 <a:stretch>
                   <a:fillRect l="-2703" t="-1242"/>
                 </a:stretch>
@@ -25651,2442 +26234,6 @@
 </file>
 
 <file path=ppt/slides/slide24.xml><?xml version="1.0" encoding="utf-8"?>
-<p:sld xmlns:a="http://schemas.openxmlformats.org/drawingml/2006/main" xmlns:r="http://schemas.openxmlformats.org/officeDocument/2006/relationships" xmlns:p="http://schemas.openxmlformats.org/presentationml/2006/main">
-  <p:cSld>
-    <p:spTree>
-      <p:nvGrpSpPr>
-        <p:cNvPr id="1" name=""/>
-        <p:cNvGrpSpPr/>
-        <p:nvPr/>
-      </p:nvGrpSpPr>
-      <p:grpSpPr>
-        <a:xfrm>
-          <a:off x="0" y="0"/>
-          <a:ext cx="0" cy="0"/>
-          <a:chOff x="0" y="0"/>
-          <a:chExt cx="0" cy="0"/>
-        </a:xfrm>
-      </p:grpSpPr>
-      <p:sp>
-        <p:nvSpPr>
-          <p:cNvPr id="2" name="タイトル 1"/>
-          <p:cNvSpPr>
-            <a:spLocks noGrp="1"/>
-          </p:cNvSpPr>
-          <p:nvPr>
-            <p:ph type="title"/>
-          </p:nvPr>
-        </p:nvSpPr>
-        <p:spPr>
-          <a:xfrm>
-            <a:off x="2002971" y="408669"/>
-            <a:ext cx="7576458" cy="733270"/>
-          </a:xfrm>
-        </p:spPr>
-        <p:txBody>
-          <a:bodyPr>
-            <a:normAutofit/>
-          </a:bodyPr>
-          <a:lstStyle/>
-          <a:p>
-            <a:r>
-              <a:rPr kumimoji="1" lang="en-US" altLang="ja-JP" sz="4000" dirty="0" smtClean="0"/>
-              <a:t>Structure tensor matrix (3/3)</a:t>
-            </a:r>
-            <a:endParaRPr kumimoji="1" lang="ja-JP" altLang="en-US" sz="4000" dirty="0"/>
-          </a:p>
-        </p:txBody>
-      </p:sp>
-      <p:pic>
-        <p:nvPicPr>
-          <p:cNvPr id="38" name="図 37"/>
-          <p:cNvPicPr>
-            <a:picLocks noChangeAspect="1"/>
-          </p:cNvPicPr>
-          <p:nvPr/>
-        </p:nvPicPr>
-        <p:blipFill rotWithShape="1">
-          <a:blip r:embed="rId2">
-            <a:extLst>
-              <a:ext uri="{28A0092B-C50C-407E-A947-70E740481C1C}">
-                <a14:useLocalDpi xmlns:a14="http://schemas.microsoft.com/office/drawing/2010/main" val="0"/>
-              </a:ext>
-            </a:extLst>
-          </a:blip>
-          <a:srcRect l="53743" t="32784" r="40924" b="60438"/>
-          <a:stretch/>
-        </p:blipFill>
-        <p:spPr>
-          <a:xfrm>
-            <a:off x="1483634" y="1456417"/>
-            <a:ext cx="1919965" cy="1828801"/>
-          </a:xfrm>
-          <a:prstGeom prst="rect">
-            <a:avLst/>
-          </a:prstGeom>
-        </p:spPr>
-      </p:pic>
-      <p:sp>
-        <p:nvSpPr>
-          <p:cNvPr id="44" name="正方形/長方形 43"/>
-          <p:cNvSpPr/>
-          <p:nvPr/>
-        </p:nvSpPr>
-        <p:spPr>
-          <a:xfrm>
-            <a:off x="2287633" y="2430236"/>
-            <a:ext cx="88900" cy="88900"/>
-          </a:xfrm>
-          <a:prstGeom prst="rect">
-            <a:avLst/>
-          </a:prstGeom>
-        </p:spPr>
-        <p:style>
-          <a:lnRef idx="2">
-            <a:schemeClr val="accent1">
-              <a:shade val="50000"/>
-            </a:schemeClr>
-          </a:lnRef>
-          <a:fillRef idx="1">
-            <a:schemeClr val="accent1"/>
-          </a:fillRef>
-          <a:effectRef idx="0">
-            <a:schemeClr val="accent1"/>
-          </a:effectRef>
-          <a:fontRef idx="minor">
-            <a:schemeClr val="lt1"/>
-          </a:fontRef>
-        </p:style>
-        <p:txBody>
-          <a:bodyPr rtlCol="0" anchor="ctr"/>
-          <a:lstStyle/>
-          <a:p>
-            <a:pPr algn="ctr"/>
-            <a:endParaRPr kumimoji="1" lang="ja-JP" altLang="en-US"/>
-          </a:p>
-        </p:txBody>
-      </p:sp>
-      <p:grpSp>
-        <p:nvGrpSpPr>
-          <p:cNvPr id="89" name="グループ化 88"/>
-          <p:cNvGrpSpPr/>
-          <p:nvPr/>
-        </p:nvGrpSpPr>
-        <p:grpSpPr>
-          <a:xfrm>
-            <a:off x="2197372" y="1374350"/>
-            <a:ext cx="2265611" cy="1602810"/>
-            <a:chOff x="1007201" y="503493"/>
-            <a:chExt cx="2265611" cy="1602810"/>
-          </a:xfrm>
-        </p:grpSpPr>
-        <p:cxnSp>
-          <p:nvCxnSpPr>
-            <p:cNvPr id="7" name="直線矢印コネクタ 6"/>
-            <p:cNvCxnSpPr/>
-            <p:nvPr/>
-          </p:nvCxnSpPr>
-          <p:spPr>
-            <a:xfrm rot="20750078">
-              <a:off x="1271621" y="1496149"/>
-              <a:ext cx="765175" cy="117475"/>
-            </a:xfrm>
-            <a:prstGeom prst="straightConnector1">
-              <a:avLst/>
-            </a:prstGeom>
-            <a:ln w="50800">
-              <a:solidFill>
-                <a:srgbClr val="FFC000"/>
-              </a:solidFill>
-              <a:tailEnd type="stealth" w="lg" len="lg"/>
-            </a:ln>
-          </p:spPr>
-          <p:style>
-            <a:lnRef idx="1">
-              <a:schemeClr val="accent1"/>
-            </a:lnRef>
-            <a:fillRef idx="0">
-              <a:schemeClr val="accent1"/>
-            </a:fillRef>
-            <a:effectRef idx="0">
-              <a:schemeClr val="accent1"/>
-            </a:effectRef>
-            <a:fontRef idx="minor">
-              <a:schemeClr val="tx1"/>
-            </a:fontRef>
-          </p:style>
-        </p:cxnSp>
-        <p:cxnSp>
-          <p:nvCxnSpPr>
-            <p:cNvPr id="40" name="直線矢印コネクタ 39"/>
-            <p:cNvCxnSpPr/>
-            <p:nvPr/>
-          </p:nvCxnSpPr>
-          <p:spPr>
-            <a:xfrm rot="20750078" flipV="1">
-              <a:off x="1025577" y="769424"/>
-              <a:ext cx="124460" cy="725805"/>
-            </a:xfrm>
-            <a:prstGeom prst="straightConnector1">
-              <a:avLst/>
-            </a:prstGeom>
-            <a:ln w="50800">
-              <a:solidFill>
-                <a:srgbClr val="FFC000"/>
-              </a:solidFill>
-              <a:tailEnd type="stealth" w="lg" len="lg"/>
-            </a:ln>
-          </p:spPr>
-          <p:style>
-            <a:lnRef idx="1">
-              <a:schemeClr val="accent1"/>
-            </a:lnRef>
-            <a:fillRef idx="0">
-              <a:schemeClr val="accent1"/>
-            </a:fillRef>
-            <a:effectRef idx="0">
-              <a:schemeClr val="accent1"/>
-            </a:effectRef>
-            <a:fontRef idx="minor">
-              <a:schemeClr val="tx1"/>
-            </a:fontRef>
-          </p:style>
-        </p:cxnSp>
-        <mc:AlternateContent xmlns:mc="http://schemas.openxmlformats.org/markup-compatibility/2006" xmlns:a14="http://schemas.microsoft.com/office/drawing/2010/main">
-          <mc:Choice Requires="a14">
-            <p:sp>
-              <p:nvSpPr>
-                <p:cNvPr id="45" name="正方形/長方形 44"/>
-                <p:cNvSpPr/>
-                <p:nvPr/>
-              </p:nvSpPr>
-              <p:spPr>
-                <a:xfrm>
-                  <a:off x="1670141" y="1097218"/>
-                  <a:ext cx="540789" cy="461665"/>
-                </a:xfrm>
-                <a:prstGeom prst="rect">
-                  <a:avLst/>
-                </a:prstGeom>
-              </p:spPr>
-              <p:txBody>
-                <a:bodyPr wrap="none">
-                  <a:spAutoFit/>
-                </a:bodyPr>
-                <a:lstStyle/>
-                <a:p>
-                  <a:pPr/>
-                  <a14:m>
-                    <m:oMathPara xmlns:m="http://schemas.openxmlformats.org/officeDocument/2006/math">
-                      <m:oMathParaPr>
-                        <m:jc m:val="centerGroup"/>
-                      </m:oMathParaPr>
-                      <m:oMath xmlns:m="http://schemas.openxmlformats.org/officeDocument/2006/math">
-                        <m:sSub>
-                          <m:sSubPr>
-                            <m:ctrlPr>
-                              <a:rPr lang="en-US" altLang="ja-JP" sz="2400" i="1" smtClean="0">
-                                <a:solidFill>
-                                  <a:schemeClr val="tx1"/>
-                                </a:solidFill>
-                                <a:latin typeface="Cambria Math" panose="02040503050406030204" pitchFamily="18" charset="0"/>
-                              </a:rPr>
-                            </m:ctrlPr>
-                          </m:sSubPr>
-                          <m:e>
-                            <m:r>
-                              <a:rPr lang="en-US" altLang="ja-JP" sz="2400" b="1">
-                                <a:solidFill>
-                                  <a:schemeClr val="tx1"/>
-                                </a:solidFill>
-                                <a:latin typeface="Cambria Math" panose="02040503050406030204" pitchFamily="18" charset="0"/>
-                              </a:rPr>
-                              <m:t>𝐯</m:t>
-                            </m:r>
-                          </m:e>
-                          <m:sub>
-                            <m:r>
-                              <a:rPr lang="en-US" altLang="ja-JP" sz="2400" b="0" i="1" smtClean="0">
-                                <a:solidFill>
-                                  <a:schemeClr val="tx1"/>
-                                </a:solidFill>
-                                <a:latin typeface="Cambria Math" panose="02040503050406030204" pitchFamily="18" charset="0"/>
-                              </a:rPr>
-                              <m:t>1</m:t>
-                            </m:r>
-                          </m:sub>
-                        </m:sSub>
-                      </m:oMath>
-                    </m:oMathPara>
-                  </a14:m>
-                  <a:endParaRPr lang="ja-JP" altLang="en-US" sz="2400" dirty="0">
-                    <a:solidFill>
-                      <a:schemeClr val="tx1"/>
-                    </a:solidFill>
-                  </a:endParaRPr>
-                </a:p>
-              </p:txBody>
-            </p:sp>
-          </mc:Choice>
-          <mc:Fallback xmlns="">
-            <p:sp>
-              <p:nvSpPr>
-                <p:cNvPr id="45" name="正方形/長方形 44"/>
-                <p:cNvSpPr>
-                  <a:spLocks noRot="1" noChangeAspect="1" noMove="1" noResize="1" noEditPoints="1" noAdjustHandles="1" noChangeArrowheads="1" noChangeShapeType="1" noTextEdit="1"/>
-                </p:cNvSpPr>
-                <p:nvPr/>
-              </p:nvSpPr>
-              <p:spPr>
-                <a:xfrm>
-                  <a:off x="1670141" y="1097218"/>
-                  <a:ext cx="540789" cy="461665"/>
-                </a:xfrm>
-                <a:prstGeom prst="rect">
-                  <a:avLst/>
-                </a:prstGeom>
-                <a:blipFill rotWithShape="0">
-                  <a:blip r:embed="rId3"/>
-                  <a:stretch>
-                    <a:fillRect/>
-                  </a:stretch>
-                </a:blipFill>
-              </p:spPr>
-              <p:txBody>
-                <a:bodyPr/>
-                <a:lstStyle/>
-                <a:p>
-                  <a:r>
-                    <a:rPr lang="ja-JP" altLang="en-US">
-                      <a:noFill/>
-                    </a:rPr>
-                    <a:t> </a:t>
-                  </a:r>
-                </a:p>
-              </p:txBody>
-            </p:sp>
-          </mc:Fallback>
-        </mc:AlternateContent>
-        <mc:AlternateContent xmlns:mc="http://schemas.openxmlformats.org/markup-compatibility/2006" xmlns:a14="http://schemas.microsoft.com/office/drawing/2010/main">
-          <mc:Choice Requires="a14">
-            <p:sp>
-              <p:nvSpPr>
-                <p:cNvPr id="46" name="正方形/長方形 45"/>
-                <p:cNvSpPr/>
-                <p:nvPr/>
-              </p:nvSpPr>
-              <p:spPr>
-                <a:xfrm>
-                  <a:off x="1007201" y="503493"/>
-                  <a:ext cx="547907" cy="461665"/>
-                </a:xfrm>
-                <a:prstGeom prst="rect">
-                  <a:avLst/>
-                </a:prstGeom>
-              </p:spPr>
-              <p:txBody>
-                <a:bodyPr wrap="none">
-                  <a:spAutoFit/>
-                </a:bodyPr>
-                <a:lstStyle/>
-                <a:p>
-                  <a:pPr/>
-                  <a14:m>
-                    <m:oMathPara xmlns:m="http://schemas.openxmlformats.org/officeDocument/2006/math">
-                      <m:oMathParaPr>
-                        <m:jc m:val="centerGroup"/>
-                      </m:oMathParaPr>
-                      <m:oMath xmlns:m="http://schemas.openxmlformats.org/officeDocument/2006/math">
-                        <m:sSub>
-                          <m:sSubPr>
-                            <m:ctrlPr>
-                              <a:rPr lang="en-US" altLang="ja-JP" sz="2400" i="1" smtClean="0">
-                                <a:solidFill>
-                                  <a:schemeClr val="tx1"/>
-                                </a:solidFill>
-                                <a:latin typeface="Cambria Math" panose="02040503050406030204" pitchFamily="18" charset="0"/>
-                              </a:rPr>
-                            </m:ctrlPr>
-                          </m:sSubPr>
-                          <m:e>
-                            <m:r>
-                              <a:rPr lang="en-US" altLang="ja-JP" sz="2400" b="1">
-                                <a:solidFill>
-                                  <a:schemeClr val="tx1"/>
-                                </a:solidFill>
-                                <a:latin typeface="Cambria Math" panose="02040503050406030204" pitchFamily="18" charset="0"/>
-                              </a:rPr>
-                              <m:t>𝐯</m:t>
-                            </m:r>
-                          </m:e>
-                          <m:sub>
-                            <m:r>
-                              <a:rPr lang="en-US" altLang="ja-JP" sz="2400" b="0" i="1" smtClean="0">
-                                <a:solidFill>
-                                  <a:schemeClr val="tx1"/>
-                                </a:solidFill>
-                                <a:latin typeface="Cambria Math" panose="02040503050406030204" pitchFamily="18" charset="0"/>
-                              </a:rPr>
-                              <m:t>2</m:t>
-                            </m:r>
-                          </m:sub>
-                        </m:sSub>
-                      </m:oMath>
-                    </m:oMathPara>
-                  </a14:m>
-                  <a:endParaRPr lang="ja-JP" altLang="en-US" sz="2400" dirty="0">
-                    <a:solidFill>
-                      <a:schemeClr val="tx1"/>
-                    </a:solidFill>
-                  </a:endParaRPr>
-                </a:p>
-              </p:txBody>
-            </p:sp>
-          </mc:Choice>
-          <mc:Fallback xmlns="">
-            <p:sp>
-              <p:nvSpPr>
-                <p:cNvPr id="46" name="正方形/長方形 45"/>
-                <p:cNvSpPr>
-                  <a:spLocks noRot="1" noChangeAspect="1" noMove="1" noResize="1" noEditPoints="1" noAdjustHandles="1" noChangeArrowheads="1" noChangeShapeType="1" noTextEdit="1"/>
-                </p:cNvSpPr>
-                <p:nvPr/>
-              </p:nvSpPr>
-              <p:spPr>
-                <a:xfrm>
-                  <a:off x="1007201" y="503493"/>
-                  <a:ext cx="547907" cy="461665"/>
-                </a:xfrm>
-                <a:prstGeom prst="rect">
-                  <a:avLst/>
-                </a:prstGeom>
-                <a:blipFill rotWithShape="0">
-                  <a:blip r:embed="rId4"/>
-                  <a:stretch>
-                    <a:fillRect b="-1316"/>
-                  </a:stretch>
-                </a:blipFill>
-              </p:spPr>
-              <p:txBody>
-                <a:bodyPr/>
-                <a:lstStyle/>
-                <a:p>
-                  <a:r>
-                    <a:rPr lang="ja-JP" altLang="en-US">
-                      <a:noFill/>
-                    </a:rPr>
-                    <a:t> </a:t>
-                  </a:r>
-                </a:p>
-              </p:txBody>
-            </p:sp>
-          </mc:Fallback>
-        </mc:AlternateContent>
-        <mc:AlternateContent xmlns:mc="http://schemas.openxmlformats.org/markup-compatibility/2006" xmlns:a14="http://schemas.microsoft.com/office/drawing/2010/main">
-          <mc:Choice Requires="a14">
-            <p:sp>
-              <p:nvSpPr>
-                <p:cNvPr id="50" name="正方形/長方形 49"/>
-                <p:cNvSpPr/>
-                <p:nvPr/>
-              </p:nvSpPr>
-              <p:spPr>
-                <a:xfrm>
-                  <a:off x="2226211" y="987997"/>
-                  <a:ext cx="1042465" cy="523220"/>
-                </a:xfrm>
-                <a:prstGeom prst="rect">
-                  <a:avLst/>
-                </a:prstGeom>
-              </p:spPr>
-              <p:txBody>
-                <a:bodyPr wrap="none">
-                  <a:spAutoFit/>
-                </a:bodyPr>
-                <a:lstStyle/>
-                <a:p>
-                  <a14:m>
-                    <m:oMath xmlns:m="http://schemas.openxmlformats.org/officeDocument/2006/math">
-                      <m:sSub>
-                        <m:sSubPr>
-                          <m:ctrlPr>
-                            <a:rPr lang="en-US" altLang="ja-JP" sz="2800" i="1" smtClean="0">
-                              <a:solidFill>
-                                <a:schemeClr val="tx1"/>
-                              </a:solidFill>
-                              <a:latin typeface="Cambria Math" panose="02040503050406030204" pitchFamily="18" charset="0"/>
-                            </a:rPr>
-                          </m:ctrlPr>
-                        </m:sSubPr>
-                        <m:e>
-                          <m:r>
-                            <a:rPr lang="en-US" altLang="ja-JP" sz="2800" i="1">
-                              <a:solidFill>
-                                <a:schemeClr val="tx1"/>
-                              </a:solidFill>
-                              <a:latin typeface="Cambria Math" panose="02040503050406030204" pitchFamily="18" charset="0"/>
-                            </a:rPr>
-                            <m:t>𝜆</m:t>
-                          </m:r>
-                        </m:e>
-                        <m:sub>
-                          <m:r>
-                            <a:rPr lang="en-US" altLang="ja-JP" sz="2800" b="0" i="1" smtClean="0">
-                              <a:solidFill>
-                                <a:schemeClr val="tx1"/>
-                              </a:solidFill>
-                              <a:latin typeface="Cambria Math" panose="02040503050406030204" pitchFamily="18" charset="0"/>
-                            </a:rPr>
-                            <m:t>1</m:t>
-                          </m:r>
-                        </m:sub>
-                      </m:sSub>
-                    </m:oMath>
-                  </a14:m>
-                  <a:r>
-                    <a:rPr lang="en-US" altLang="ja-JP" sz="2800" dirty="0" smtClean="0">
-                      <a:solidFill>
-                        <a:schemeClr val="tx1"/>
-                      </a:solidFill>
-                      <a:latin typeface="メイリオ" panose="020B0604030504040204" pitchFamily="50" charset="-128"/>
-                      <a:ea typeface="メイリオ" panose="020B0604030504040204" pitchFamily="50" charset="-128"/>
-                      <a:cs typeface="メイリオ" panose="020B0604030504040204" pitchFamily="50" charset="-128"/>
-                    </a:rPr>
-                    <a:t>:</a:t>
-                  </a:r>
-                  <a:r>
-                    <a:rPr lang="ja-JP" altLang="en-US" sz="2800" dirty="0" smtClean="0">
-                      <a:latin typeface="メイリオ" panose="020B0604030504040204" pitchFamily="50" charset="-128"/>
-                      <a:ea typeface="メイリオ" panose="020B0604030504040204" pitchFamily="50" charset="-128"/>
-                      <a:cs typeface="メイリオ" panose="020B0604030504040204" pitchFamily="50" charset="-128"/>
-                    </a:rPr>
-                    <a:t>小</a:t>
-                  </a:r>
-                  <a:endParaRPr lang="ja-JP" altLang="en-US" sz="2800" dirty="0">
-                    <a:solidFill>
-                      <a:schemeClr val="tx1"/>
-                    </a:solidFill>
-                    <a:latin typeface="メイリオ" panose="020B0604030504040204" pitchFamily="50" charset="-128"/>
-                    <a:ea typeface="メイリオ" panose="020B0604030504040204" pitchFamily="50" charset="-128"/>
-                    <a:cs typeface="メイリオ" panose="020B0604030504040204" pitchFamily="50" charset="-128"/>
-                  </a:endParaRPr>
-                </a:p>
-              </p:txBody>
-            </p:sp>
-          </mc:Choice>
-          <mc:Fallback xmlns="">
-            <p:sp>
-              <p:nvSpPr>
-                <p:cNvPr id="50" name="正方形/長方形 49"/>
-                <p:cNvSpPr>
-                  <a:spLocks noRot="1" noChangeAspect="1" noMove="1" noResize="1" noEditPoints="1" noAdjustHandles="1" noChangeArrowheads="1" noChangeShapeType="1" noTextEdit="1"/>
-                </p:cNvSpPr>
-                <p:nvPr/>
-              </p:nvSpPr>
-              <p:spPr>
-                <a:xfrm>
-                  <a:off x="2226211" y="987997"/>
-                  <a:ext cx="1042465" cy="523220"/>
-                </a:xfrm>
-                <a:prstGeom prst="rect">
-                  <a:avLst/>
-                </a:prstGeom>
-                <a:blipFill rotWithShape="0">
-                  <a:blip r:embed="rId5"/>
-                  <a:stretch>
-                    <a:fillRect l="-3509" t="-10465" r="-11111" b="-33721"/>
-                  </a:stretch>
-                </a:blipFill>
-              </p:spPr>
-              <p:txBody>
-                <a:bodyPr/>
-                <a:lstStyle/>
-                <a:p>
-                  <a:r>
-                    <a:rPr lang="ja-JP" altLang="en-US">
-                      <a:noFill/>
-                    </a:rPr>
-                    <a:t> </a:t>
-                  </a:r>
-                </a:p>
-              </p:txBody>
-            </p:sp>
-          </mc:Fallback>
-        </mc:AlternateContent>
-        <mc:AlternateContent xmlns:mc="http://schemas.openxmlformats.org/markup-compatibility/2006" xmlns:a14="http://schemas.microsoft.com/office/drawing/2010/main">
-          <mc:Choice Requires="a14">
-            <p:sp>
-              <p:nvSpPr>
-                <p:cNvPr id="51" name="正方形/長方形 50"/>
-                <p:cNvSpPr/>
-                <p:nvPr/>
-              </p:nvSpPr>
-              <p:spPr>
-                <a:xfrm>
-                  <a:off x="2222075" y="1583083"/>
-                  <a:ext cx="1050737" cy="523220"/>
-                </a:xfrm>
-                <a:prstGeom prst="rect">
-                  <a:avLst/>
-                </a:prstGeom>
-              </p:spPr>
-              <p:txBody>
-                <a:bodyPr wrap="none">
-                  <a:spAutoFit/>
-                </a:bodyPr>
-                <a:lstStyle/>
-                <a:p>
-                  <a14:m>
-                    <m:oMath xmlns:m="http://schemas.openxmlformats.org/officeDocument/2006/math">
-                      <m:sSub>
-                        <m:sSubPr>
-                          <m:ctrlPr>
-                            <a:rPr lang="en-US" altLang="ja-JP" sz="2800" i="1" smtClean="0">
-                              <a:solidFill>
-                                <a:schemeClr val="tx1"/>
-                              </a:solidFill>
-                              <a:latin typeface="Cambria Math" panose="02040503050406030204" pitchFamily="18" charset="0"/>
-                            </a:rPr>
-                          </m:ctrlPr>
-                        </m:sSubPr>
-                        <m:e>
-                          <m:r>
-                            <a:rPr lang="en-US" altLang="ja-JP" sz="2800" i="1">
-                              <a:solidFill>
-                                <a:schemeClr val="tx1"/>
-                              </a:solidFill>
-                              <a:latin typeface="Cambria Math" panose="02040503050406030204" pitchFamily="18" charset="0"/>
-                            </a:rPr>
-                            <m:t>𝜆</m:t>
-                          </m:r>
-                        </m:e>
-                        <m:sub>
-                          <m:r>
-                            <a:rPr lang="en-US" altLang="ja-JP" sz="2800" b="0" i="1" smtClean="0">
-                              <a:solidFill>
-                                <a:schemeClr val="tx1"/>
-                              </a:solidFill>
-                              <a:latin typeface="Cambria Math" panose="02040503050406030204" pitchFamily="18" charset="0"/>
-                            </a:rPr>
-                            <m:t>2</m:t>
-                          </m:r>
-                        </m:sub>
-                      </m:sSub>
-                    </m:oMath>
-                  </a14:m>
-                  <a:r>
-                    <a:rPr lang="en-US" altLang="ja-JP" sz="2800" dirty="0" smtClean="0">
-                      <a:solidFill>
-                        <a:schemeClr val="tx1"/>
-                      </a:solidFill>
-                      <a:latin typeface="メイリオ" panose="020B0604030504040204" pitchFamily="50" charset="-128"/>
-                      <a:ea typeface="メイリオ" panose="020B0604030504040204" pitchFamily="50" charset="-128"/>
-                      <a:cs typeface="メイリオ" panose="020B0604030504040204" pitchFamily="50" charset="-128"/>
-                    </a:rPr>
-                    <a:t>:</a:t>
-                  </a:r>
-                  <a:r>
-                    <a:rPr lang="ja-JP" altLang="en-US" sz="2800" dirty="0">
-                      <a:latin typeface="メイリオ" panose="020B0604030504040204" pitchFamily="50" charset="-128"/>
-                      <a:ea typeface="メイリオ" panose="020B0604030504040204" pitchFamily="50" charset="-128"/>
-                      <a:cs typeface="メイリオ" panose="020B0604030504040204" pitchFamily="50" charset="-128"/>
-                    </a:rPr>
-                    <a:t>小</a:t>
-                  </a:r>
-                  <a:endParaRPr lang="ja-JP" altLang="en-US" sz="2800" dirty="0">
-                    <a:solidFill>
-                      <a:schemeClr val="tx1"/>
-                    </a:solidFill>
-                    <a:latin typeface="メイリオ" panose="020B0604030504040204" pitchFamily="50" charset="-128"/>
-                    <a:ea typeface="メイリオ" panose="020B0604030504040204" pitchFamily="50" charset="-128"/>
-                    <a:cs typeface="メイリオ" panose="020B0604030504040204" pitchFamily="50" charset="-128"/>
-                  </a:endParaRPr>
-                </a:p>
-              </p:txBody>
-            </p:sp>
-          </mc:Choice>
-          <mc:Fallback xmlns="">
-            <p:sp>
-              <p:nvSpPr>
-                <p:cNvPr id="51" name="正方形/長方形 50"/>
-                <p:cNvSpPr>
-                  <a:spLocks noRot="1" noChangeAspect="1" noMove="1" noResize="1" noEditPoints="1" noAdjustHandles="1" noChangeArrowheads="1" noChangeShapeType="1" noTextEdit="1"/>
-                </p:cNvSpPr>
-                <p:nvPr/>
-              </p:nvSpPr>
-              <p:spPr>
-                <a:xfrm>
-                  <a:off x="2222075" y="1583083"/>
-                  <a:ext cx="1050737" cy="523220"/>
-                </a:xfrm>
-                <a:prstGeom prst="rect">
-                  <a:avLst/>
-                </a:prstGeom>
-                <a:blipFill rotWithShape="0">
-                  <a:blip r:embed="rId6"/>
-                  <a:stretch>
-                    <a:fillRect l="-3488" t="-10588" r="-10465" b="-35294"/>
-                  </a:stretch>
-                </a:blipFill>
-              </p:spPr>
-              <p:txBody>
-                <a:bodyPr/>
-                <a:lstStyle/>
-                <a:p>
-                  <a:r>
-                    <a:rPr lang="ja-JP" altLang="en-US">
-                      <a:noFill/>
-                    </a:rPr>
-                    <a:t> </a:t>
-                  </a:r>
-                </a:p>
-              </p:txBody>
-            </p:sp>
-          </mc:Fallback>
-        </mc:AlternateContent>
-      </p:grpSp>
-      <p:pic>
-        <p:nvPicPr>
-          <p:cNvPr id="52" name="図 51"/>
-          <p:cNvPicPr>
-            <a:picLocks noChangeAspect="1"/>
-          </p:cNvPicPr>
-          <p:nvPr/>
-        </p:nvPicPr>
-        <p:blipFill rotWithShape="1">
-          <a:blip r:embed="rId2">
-            <a:extLst>
-              <a:ext uri="{28A0092B-C50C-407E-A947-70E740481C1C}">
-                <a14:useLocalDpi xmlns:a14="http://schemas.microsoft.com/office/drawing/2010/main" val="0"/>
-              </a:ext>
-            </a:extLst>
-          </a:blip>
-          <a:srcRect l="61601" t="25683" r="33066" b="67578"/>
-          <a:stretch/>
-        </p:blipFill>
-        <p:spPr>
-          <a:xfrm>
-            <a:off x="4905832" y="1454882"/>
-            <a:ext cx="1919965" cy="1818290"/>
-          </a:xfrm>
-          <a:prstGeom prst="rect">
-            <a:avLst/>
-          </a:prstGeom>
-        </p:spPr>
-      </p:pic>
-      <p:sp>
-        <p:nvSpPr>
-          <p:cNvPr id="56" name="正方形/長方形 55"/>
-          <p:cNvSpPr/>
-          <p:nvPr/>
-        </p:nvSpPr>
-        <p:spPr>
-          <a:xfrm>
-            <a:off x="5767888" y="2315572"/>
-            <a:ext cx="88900" cy="88900"/>
-          </a:xfrm>
-          <a:prstGeom prst="rect">
-            <a:avLst/>
-          </a:prstGeom>
-        </p:spPr>
-        <p:style>
-          <a:lnRef idx="2">
-            <a:schemeClr val="accent1">
-              <a:shade val="50000"/>
-            </a:schemeClr>
-          </a:lnRef>
-          <a:fillRef idx="1">
-            <a:schemeClr val="accent1"/>
-          </a:fillRef>
-          <a:effectRef idx="0">
-            <a:schemeClr val="accent1"/>
-          </a:effectRef>
-          <a:fontRef idx="minor">
-            <a:schemeClr val="lt1"/>
-          </a:fontRef>
-        </p:style>
-        <p:txBody>
-          <a:bodyPr rtlCol="0" anchor="ctr"/>
-          <a:lstStyle/>
-          <a:p>
-            <a:pPr algn="ctr"/>
-            <a:endParaRPr kumimoji="1" lang="ja-JP" altLang="en-US" sz="2400"/>
-          </a:p>
-        </p:txBody>
-      </p:sp>
-      <p:grpSp>
-        <p:nvGrpSpPr>
-          <p:cNvPr id="90" name="グループ化 89"/>
-          <p:cNvGrpSpPr/>
-          <p:nvPr/>
-        </p:nvGrpSpPr>
-        <p:grpSpPr>
-          <a:xfrm>
-            <a:off x="5778687" y="1432406"/>
-            <a:ext cx="2109668" cy="1456217"/>
-            <a:chOff x="1163144" y="2709664"/>
-            <a:chExt cx="2109668" cy="1456217"/>
-          </a:xfrm>
-        </p:grpSpPr>
-        <p:cxnSp>
-          <p:nvCxnSpPr>
-            <p:cNvPr id="54" name="直線矢印コネクタ 53"/>
-            <p:cNvCxnSpPr/>
-            <p:nvPr/>
-          </p:nvCxnSpPr>
-          <p:spPr>
-            <a:xfrm rot="21392589">
-              <a:off x="1320807" y="3624468"/>
-              <a:ext cx="765175" cy="117475"/>
-            </a:xfrm>
-            <a:prstGeom prst="straightConnector1">
-              <a:avLst/>
-            </a:prstGeom>
-            <a:ln w="50800">
-              <a:solidFill>
-                <a:srgbClr val="FFC000"/>
-              </a:solidFill>
-              <a:tailEnd type="stealth" w="lg" len="lg"/>
-            </a:ln>
-          </p:spPr>
-          <p:style>
-            <a:lnRef idx="1">
-              <a:schemeClr val="accent1"/>
-            </a:lnRef>
-            <a:fillRef idx="0">
-              <a:schemeClr val="accent1"/>
-            </a:fillRef>
-            <a:effectRef idx="0">
-              <a:schemeClr val="accent1"/>
-            </a:effectRef>
-            <a:fontRef idx="minor">
-              <a:schemeClr val="tx1"/>
-            </a:fontRef>
-          </p:style>
-        </p:cxnSp>
-        <p:cxnSp>
-          <p:nvCxnSpPr>
-            <p:cNvPr id="55" name="直線矢印コネクタ 54"/>
-            <p:cNvCxnSpPr/>
-            <p:nvPr/>
-          </p:nvCxnSpPr>
-          <p:spPr>
-            <a:xfrm rot="21392589" flipV="1">
-              <a:off x="1163144" y="2799858"/>
-              <a:ext cx="124460" cy="725805"/>
-            </a:xfrm>
-            <a:prstGeom prst="straightConnector1">
-              <a:avLst/>
-            </a:prstGeom>
-            <a:ln w="50800">
-              <a:solidFill>
-                <a:srgbClr val="FFC000"/>
-              </a:solidFill>
-              <a:tailEnd type="stealth" w="lg" len="lg"/>
-            </a:ln>
-          </p:spPr>
-          <p:style>
-            <a:lnRef idx="1">
-              <a:schemeClr val="accent1"/>
-            </a:lnRef>
-            <a:fillRef idx="0">
-              <a:schemeClr val="accent1"/>
-            </a:fillRef>
-            <a:effectRef idx="0">
-              <a:schemeClr val="accent1"/>
-            </a:effectRef>
-            <a:fontRef idx="minor">
-              <a:schemeClr val="tx1"/>
-            </a:fontRef>
-          </p:style>
-        </p:cxnSp>
-        <mc:AlternateContent xmlns:mc="http://schemas.openxmlformats.org/markup-compatibility/2006" xmlns:a14="http://schemas.microsoft.com/office/drawing/2010/main">
-          <mc:Choice Requires="a14">
-            <p:sp>
-              <p:nvSpPr>
-                <p:cNvPr id="57" name="正方形/長方形 56"/>
-                <p:cNvSpPr/>
-                <p:nvPr/>
-              </p:nvSpPr>
-              <p:spPr>
-                <a:xfrm>
-                  <a:off x="1511664" y="3587869"/>
-                  <a:ext cx="540789" cy="461665"/>
-                </a:xfrm>
-                <a:prstGeom prst="rect">
-                  <a:avLst/>
-                </a:prstGeom>
-              </p:spPr>
-              <p:txBody>
-                <a:bodyPr wrap="none">
-                  <a:spAutoFit/>
-                </a:bodyPr>
-                <a:lstStyle/>
-                <a:p>
-                  <a:pPr/>
-                  <a14:m>
-                    <m:oMathPara xmlns:m="http://schemas.openxmlformats.org/officeDocument/2006/math">
-                      <m:oMathParaPr>
-                        <m:jc m:val="centerGroup"/>
-                      </m:oMathParaPr>
-                      <m:oMath xmlns:m="http://schemas.openxmlformats.org/officeDocument/2006/math">
-                        <m:sSub>
-                          <m:sSubPr>
-                            <m:ctrlPr>
-                              <a:rPr lang="en-US" altLang="ja-JP" sz="2400" i="1" smtClean="0">
-                                <a:solidFill>
-                                  <a:srgbClr val="FFC000"/>
-                                </a:solidFill>
-                                <a:latin typeface="Cambria Math" panose="02040503050406030204" pitchFamily="18" charset="0"/>
-                              </a:rPr>
-                            </m:ctrlPr>
-                          </m:sSubPr>
-                          <m:e>
-                            <m:r>
-                              <a:rPr lang="en-US" altLang="ja-JP" sz="2400" b="1">
-                                <a:solidFill>
-                                  <a:srgbClr val="FFC000"/>
-                                </a:solidFill>
-                                <a:latin typeface="Cambria Math" panose="02040503050406030204" pitchFamily="18" charset="0"/>
-                              </a:rPr>
-                              <m:t>𝐯</m:t>
-                            </m:r>
-                          </m:e>
-                          <m:sub>
-                            <m:r>
-                              <a:rPr lang="en-US" altLang="ja-JP" sz="2400" b="0" i="1" smtClean="0">
-                                <a:solidFill>
-                                  <a:srgbClr val="FFC000"/>
-                                </a:solidFill>
-                                <a:latin typeface="Cambria Math" panose="02040503050406030204" pitchFamily="18" charset="0"/>
-                              </a:rPr>
-                              <m:t>1</m:t>
-                            </m:r>
-                          </m:sub>
-                        </m:sSub>
-                      </m:oMath>
-                    </m:oMathPara>
-                  </a14:m>
-                  <a:endParaRPr lang="ja-JP" altLang="en-US" sz="2400" dirty="0">
-                    <a:solidFill>
-                      <a:srgbClr val="FFC000"/>
-                    </a:solidFill>
-                  </a:endParaRPr>
-                </a:p>
-              </p:txBody>
-            </p:sp>
-          </mc:Choice>
-          <mc:Fallback xmlns="">
-            <p:sp>
-              <p:nvSpPr>
-                <p:cNvPr id="57" name="正方形/長方形 56"/>
-                <p:cNvSpPr>
-                  <a:spLocks noRot="1" noChangeAspect="1" noMove="1" noResize="1" noEditPoints="1" noAdjustHandles="1" noChangeArrowheads="1" noChangeShapeType="1" noTextEdit="1"/>
-                </p:cNvSpPr>
-                <p:nvPr/>
-              </p:nvSpPr>
-              <p:spPr>
-                <a:xfrm>
-                  <a:off x="1511664" y="3587869"/>
-                  <a:ext cx="540789" cy="461665"/>
-                </a:xfrm>
-                <a:prstGeom prst="rect">
-                  <a:avLst/>
-                </a:prstGeom>
-                <a:blipFill rotWithShape="0">
-                  <a:blip r:embed="rId7"/>
-                  <a:stretch>
-                    <a:fillRect b="-1316"/>
-                  </a:stretch>
-                </a:blipFill>
-              </p:spPr>
-              <p:txBody>
-                <a:bodyPr/>
-                <a:lstStyle/>
-                <a:p>
-                  <a:r>
-                    <a:rPr lang="ja-JP" altLang="en-US">
-                      <a:noFill/>
-                    </a:rPr>
-                    <a:t> </a:t>
-                  </a:r>
-                </a:p>
-              </p:txBody>
-            </p:sp>
-          </mc:Fallback>
-        </mc:AlternateContent>
-        <mc:AlternateContent xmlns:mc="http://schemas.openxmlformats.org/markup-compatibility/2006" xmlns:a14="http://schemas.microsoft.com/office/drawing/2010/main">
-          <mc:Choice Requires="a14">
-            <p:sp>
-              <p:nvSpPr>
-                <p:cNvPr id="58" name="正方形/長方形 57"/>
-                <p:cNvSpPr/>
-                <p:nvPr/>
-              </p:nvSpPr>
-              <p:spPr>
-                <a:xfrm>
-                  <a:off x="1275444" y="2709664"/>
-                  <a:ext cx="547907" cy="461665"/>
-                </a:xfrm>
-                <a:prstGeom prst="rect">
-                  <a:avLst/>
-                </a:prstGeom>
-              </p:spPr>
-              <p:txBody>
-                <a:bodyPr wrap="none">
-                  <a:spAutoFit/>
-                </a:bodyPr>
-                <a:lstStyle/>
-                <a:p>
-                  <a:pPr/>
-                  <a14:m>
-                    <m:oMathPara xmlns:m="http://schemas.openxmlformats.org/officeDocument/2006/math">
-                      <m:oMathParaPr>
-                        <m:jc m:val="centerGroup"/>
-                      </m:oMathParaPr>
-                      <m:oMath xmlns:m="http://schemas.openxmlformats.org/officeDocument/2006/math">
-                        <m:sSub>
-                          <m:sSubPr>
-                            <m:ctrlPr>
-                              <a:rPr lang="en-US" altLang="ja-JP" sz="2400" i="1" smtClean="0">
-                                <a:solidFill>
-                                  <a:srgbClr val="FFC000"/>
-                                </a:solidFill>
-                                <a:latin typeface="Cambria Math" panose="02040503050406030204" pitchFamily="18" charset="0"/>
-                              </a:rPr>
-                            </m:ctrlPr>
-                          </m:sSubPr>
-                          <m:e>
-                            <m:r>
-                              <a:rPr lang="en-US" altLang="ja-JP" sz="2400" b="1">
-                                <a:solidFill>
-                                  <a:srgbClr val="FFC000"/>
-                                </a:solidFill>
-                                <a:latin typeface="Cambria Math" panose="02040503050406030204" pitchFamily="18" charset="0"/>
-                              </a:rPr>
-                              <m:t>𝐯</m:t>
-                            </m:r>
-                          </m:e>
-                          <m:sub>
-                            <m:r>
-                              <a:rPr lang="en-US" altLang="ja-JP" sz="2400" b="0" i="1" smtClean="0">
-                                <a:solidFill>
-                                  <a:srgbClr val="FFC000"/>
-                                </a:solidFill>
-                                <a:latin typeface="Cambria Math" panose="02040503050406030204" pitchFamily="18" charset="0"/>
-                              </a:rPr>
-                              <m:t>2</m:t>
-                            </m:r>
-                          </m:sub>
-                        </m:sSub>
-                      </m:oMath>
-                    </m:oMathPara>
-                  </a14:m>
-                  <a:endParaRPr lang="ja-JP" altLang="en-US" sz="2400" dirty="0">
-                    <a:solidFill>
-                      <a:srgbClr val="FFC000"/>
-                    </a:solidFill>
-                  </a:endParaRPr>
-                </a:p>
-              </p:txBody>
-            </p:sp>
-          </mc:Choice>
-          <mc:Fallback xmlns="">
-            <p:sp>
-              <p:nvSpPr>
-                <p:cNvPr id="58" name="正方形/長方形 57"/>
-                <p:cNvSpPr>
-                  <a:spLocks noRot="1" noChangeAspect="1" noMove="1" noResize="1" noEditPoints="1" noAdjustHandles="1" noChangeArrowheads="1" noChangeShapeType="1" noTextEdit="1"/>
-                </p:cNvSpPr>
-                <p:nvPr/>
-              </p:nvSpPr>
-              <p:spPr>
-                <a:xfrm>
-                  <a:off x="1275444" y="2709664"/>
-                  <a:ext cx="547907" cy="461665"/>
-                </a:xfrm>
-                <a:prstGeom prst="rect">
-                  <a:avLst/>
-                </a:prstGeom>
-                <a:blipFill rotWithShape="0">
-                  <a:blip r:embed="rId8"/>
-                  <a:stretch>
-                    <a:fillRect/>
-                  </a:stretch>
-                </a:blipFill>
-              </p:spPr>
-              <p:txBody>
-                <a:bodyPr/>
-                <a:lstStyle/>
-                <a:p>
-                  <a:r>
-                    <a:rPr lang="ja-JP" altLang="en-US">
-                      <a:noFill/>
-                    </a:rPr>
-                    <a:t> </a:t>
-                  </a:r>
-                </a:p>
-              </p:txBody>
-            </p:sp>
-          </mc:Fallback>
-        </mc:AlternateContent>
-        <mc:AlternateContent xmlns:mc="http://schemas.openxmlformats.org/markup-compatibility/2006" xmlns:a14="http://schemas.microsoft.com/office/drawing/2010/main">
-          <mc:Choice Requires="a14">
-            <p:sp>
-              <p:nvSpPr>
-                <p:cNvPr id="59" name="正方形/長方形 58"/>
-                <p:cNvSpPr/>
-                <p:nvPr/>
-              </p:nvSpPr>
-              <p:spPr>
-                <a:xfrm>
-                  <a:off x="2226211" y="3094021"/>
-                  <a:ext cx="1042465" cy="523220"/>
-                </a:xfrm>
-                <a:prstGeom prst="rect">
-                  <a:avLst/>
-                </a:prstGeom>
-              </p:spPr>
-              <p:txBody>
-                <a:bodyPr wrap="none">
-                  <a:spAutoFit/>
-                </a:bodyPr>
-                <a:lstStyle/>
-                <a:p>
-                  <a14:m>
-                    <m:oMath xmlns:m="http://schemas.openxmlformats.org/officeDocument/2006/math">
-                      <m:sSub>
-                        <m:sSubPr>
-                          <m:ctrlPr>
-                            <a:rPr lang="en-US" altLang="ja-JP" sz="2800" i="1" smtClean="0">
-                              <a:solidFill>
-                                <a:schemeClr val="tx1"/>
-                              </a:solidFill>
-                              <a:latin typeface="Cambria Math" panose="02040503050406030204" pitchFamily="18" charset="0"/>
-                            </a:rPr>
-                          </m:ctrlPr>
-                        </m:sSubPr>
-                        <m:e>
-                          <m:r>
-                            <a:rPr lang="en-US" altLang="ja-JP" sz="2800" i="1">
-                              <a:solidFill>
-                                <a:schemeClr val="tx1"/>
-                              </a:solidFill>
-                              <a:latin typeface="Cambria Math" panose="02040503050406030204" pitchFamily="18" charset="0"/>
-                            </a:rPr>
-                            <m:t>𝜆</m:t>
-                          </m:r>
-                        </m:e>
-                        <m:sub>
-                          <m:r>
-                            <a:rPr lang="en-US" altLang="ja-JP" sz="2800" b="0" i="1" smtClean="0">
-                              <a:solidFill>
-                                <a:schemeClr val="tx1"/>
-                              </a:solidFill>
-                              <a:latin typeface="Cambria Math" panose="02040503050406030204" pitchFamily="18" charset="0"/>
-                            </a:rPr>
-                            <m:t>1</m:t>
-                          </m:r>
-                        </m:sub>
-                      </m:sSub>
-                    </m:oMath>
-                  </a14:m>
-                  <a:r>
-                    <a:rPr lang="en-US" altLang="ja-JP" sz="2800" dirty="0" smtClean="0">
-                      <a:solidFill>
-                        <a:schemeClr val="tx1"/>
-                      </a:solidFill>
-                      <a:latin typeface="メイリオ" panose="020B0604030504040204" pitchFamily="50" charset="-128"/>
-                      <a:ea typeface="メイリオ" panose="020B0604030504040204" pitchFamily="50" charset="-128"/>
-                      <a:cs typeface="メイリオ" panose="020B0604030504040204" pitchFamily="50" charset="-128"/>
-                    </a:rPr>
-                    <a:t>:</a:t>
-                  </a:r>
-                  <a:r>
-                    <a:rPr lang="ja-JP" altLang="en-US" sz="2800" dirty="0">
-                      <a:latin typeface="メイリオ" panose="020B0604030504040204" pitchFamily="50" charset="-128"/>
-                      <a:ea typeface="メイリオ" panose="020B0604030504040204" pitchFamily="50" charset="-128"/>
-                      <a:cs typeface="メイリオ" panose="020B0604030504040204" pitchFamily="50" charset="-128"/>
-                    </a:rPr>
-                    <a:t>大</a:t>
-                  </a:r>
-                  <a:endParaRPr lang="ja-JP" altLang="en-US" sz="2800" dirty="0">
-                    <a:solidFill>
-                      <a:schemeClr val="tx1"/>
-                    </a:solidFill>
-                    <a:latin typeface="メイリオ" panose="020B0604030504040204" pitchFamily="50" charset="-128"/>
-                    <a:ea typeface="メイリオ" panose="020B0604030504040204" pitchFamily="50" charset="-128"/>
-                    <a:cs typeface="メイリオ" panose="020B0604030504040204" pitchFamily="50" charset="-128"/>
-                  </a:endParaRPr>
-                </a:p>
-              </p:txBody>
-            </p:sp>
-          </mc:Choice>
-          <mc:Fallback xmlns="">
-            <p:sp>
-              <p:nvSpPr>
-                <p:cNvPr id="59" name="正方形/長方形 58"/>
-                <p:cNvSpPr>
-                  <a:spLocks noRot="1" noChangeAspect="1" noMove="1" noResize="1" noEditPoints="1" noAdjustHandles="1" noChangeArrowheads="1" noChangeShapeType="1" noTextEdit="1"/>
-                </p:cNvSpPr>
-                <p:nvPr/>
-              </p:nvSpPr>
-              <p:spPr>
-                <a:xfrm>
-                  <a:off x="2226211" y="3094021"/>
-                  <a:ext cx="1042465" cy="523220"/>
-                </a:xfrm>
-                <a:prstGeom prst="rect">
-                  <a:avLst/>
-                </a:prstGeom>
-                <a:blipFill rotWithShape="0">
-                  <a:blip r:embed="rId9"/>
-                  <a:stretch>
-                    <a:fillRect l="-3509" t="-9302" r="-11111" b="-33721"/>
-                  </a:stretch>
-                </a:blipFill>
-              </p:spPr>
-              <p:txBody>
-                <a:bodyPr/>
-                <a:lstStyle/>
-                <a:p>
-                  <a:r>
-                    <a:rPr lang="ja-JP" altLang="en-US">
-                      <a:noFill/>
-                    </a:rPr>
-                    <a:t> </a:t>
-                  </a:r>
-                </a:p>
-              </p:txBody>
-            </p:sp>
-          </mc:Fallback>
-        </mc:AlternateContent>
-        <mc:AlternateContent xmlns:mc="http://schemas.openxmlformats.org/markup-compatibility/2006" xmlns:a14="http://schemas.microsoft.com/office/drawing/2010/main">
-          <mc:Choice Requires="a14">
-            <p:sp>
-              <p:nvSpPr>
-                <p:cNvPr id="60" name="正方形/長方形 59"/>
-                <p:cNvSpPr/>
-                <p:nvPr/>
-              </p:nvSpPr>
-              <p:spPr>
-                <a:xfrm>
-                  <a:off x="2222075" y="3642661"/>
-                  <a:ext cx="1050737" cy="523220"/>
-                </a:xfrm>
-                <a:prstGeom prst="rect">
-                  <a:avLst/>
-                </a:prstGeom>
-              </p:spPr>
-              <p:txBody>
-                <a:bodyPr wrap="none">
-                  <a:spAutoFit/>
-                </a:bodyPr>
-                <a:lstStyle/>
-                <a:p>
-                  <a14:m>
-                    <m:oMath xmlns:m="http://schemas.openxmlformats.org/officeDocument/2006/math">
-                      <m:sSub>
-                        <m:sSubPr>
-                          <m:ctrlPr>
-                            <a:rPr lang="en-US" altLang="ja-JP" sz="2800" i="1" smtClean="0">
-                              <a:solidFill>
-                                <a:schemeClr val="tx1"/>
-                              </a:solidFill>
-                              <a:latin typeface="Cambria Math" panose="02040503050406030204" pitchFamily="18" charset="0"/>
-                            </a:rPr>
-                          </m:ctrlPr>
-                        </m:sSubPr>
-                        <m:e>
-                          <m:r>
-                            <a:rPr lang="en-US" altLang="ja-JP" sz="2800" i="1">
-                              <a:solidFill>
-                                <a:schemeClr val="tx1"/>
-                              </a:solidFill>
-                              <a:latin typeface="Cambria Math" panose="02040503050406030204" pitchFamily="18" charset="0"/>
-                            </a:rPr>
-                            <m:t>𝜆</m:t>
-                          </m:r>
-                        </m:e>
-                        <m:sub>
-                          <m:r>
-                            <a:rPr lang="en-US" altLang="ja-JP" sz="2800" b="0" i="1" smtClean="0">
-                              <a:solidFill>
-                                <a:schemeClr val="tx1"/>
-                              </a:solidFill>
-                              <a:latin typeface="Cambria Math" panose="02040503050406030204" pitchFamily="18" charset="0"/>
-                            </a:rPr>
-                            <m:t>2</m:t>
-                          </m:r>
-                        </m:sub>
-                      </m:sSub>
-                    </m:oMath>
-                  </a14:m>
-                  <a:r>
-                    <a:rPr lang="en-US" altLang="ja-JP" sz="2800" dirty="0" smtClean="0">
-                      <a:solidFill>
-                        <a:schemeClr val="tx1"/>
-                      </a:solidFill>
-                      <a:latin typeface="メイリオ" panose="020B0604030504040204" pitchFamily="50" charset="-128"/>
-                      <a:ea typeface="メイリオ" panose="020B0604030504040204" pitchFamily="50" charset="-128"/>
-                      <a:cs typeface="メイリオ" panose="020B0604030504040204" pitchFamily="50" charset="-128"/>
-                    </a:rPr>
-                    <a:t>:</a:t>
-                  </a:r>
-                  <a:r>
-                    <a:rPr lang="ja-JP" altLang="en-US" sz="2800" dirty="0">
-                      <a:latin typeface="メイリオ" panose="020B0604030504040204" pitchFamily="50" charset="-128"/>
-                      <a:ea typeface="メイリオ" panose="020B0604030504040204" pitchFamily="50" charset="-128"/>
-                      <a:cs typeface="メイリオ" panose="020B0604030504040204" pitchFamily="50" charset="-128"/>
-                    </a:rPr>
-                    <a:t>小</a:t>
-                  </a:r>
-                  <a:endParaRPr lang="ja-JP" altLang="en-US" sz="2800" dirty="0">
-                    <a:solidFill>
-                      <a:schemeClr val="tx1"/>
-                    </a:solidFill>
-                    <a:latin typeface="メイリオ" panose="020B0604030504040204" pitchFamily="50" charset="-128"/>
-                    <a:ea typeface="メイリオ" panose="020B0604030504040204" pitchFamily="50" charset="-128"/>
-                    <a:cs typeface="メイリオ" panose="020B0604030504040204" pitchFamily="50" charset="-128"/>
-                  </a:endParaRPr>
-                </a:p>
-              </p:txBody>
-            </p:sp>
-          </mc:Choice>
-          <mc:Fallback xmlns="">
-            <p:sp>
-              <p:nvSpPr>
-                <p:cNvPr id="60" name="正方形/長方形 59"/>
-                <p:cNvSpPr>
-                  <a:spLocks noRot="1" noChangeAspect="1" noMove="1" noResize="1" noEditPoints="1" noAdjustHandles="1" noChangeArrowheads="1" noChangeShapeType="1" noTextEdit="1"/>
-                </p:cNvSpPr>
-                <p:nvPr/>
-              </p:nvSpPr>
-              <p:spPr>
-                <a:xfrm>
-                  <a:off x="2222075" y="3642661"/>
-                  <a:ext cx="1050737" cy="523220"/>
-                </a:xfrm>
-                <a:prstGeom prst="rect">
-                  <a:avLst/>
-                </a:prstGeom>
-                <a:blipFill rotWithShape="0">
-                  <a:blip r:embed="rId10"/>
-                  <a:stretch>
-                    <a:fillRect l="-3488" t="-9302" r="-10465" b="-33721"/>
-                  </a:stretch>
-                </a:blipFill>
-              </p:spPr>
-              <p:txBody>
-                <a:bodyPr/>
-                <a:lstStyle/>
-                <a:p>
-                  <a:r>
-                    <a:rPr lang="ja-JP" altLang="en-US">
-                      <a:noFill/>
-                    </a:rPr>
-                    <a:t> </a:t>
-                  </a:r>
-                </a:p>
-              </p:txBody>
-            </p:sp>
-          </mc:Fallback>
-        </mc:AlternateContent>
-      </p:grpSp>
-      <p:pic>
-        <p:nvPicPr>
-          <p:cNvPr id="62" name="図 61"/>
-          <p:cNvPicPr>
-            <a:picLocks noChangeAspect="1"/>
-          </p:cNvPicPr>
-          <p:nvPr/>
-        </p:nvPicPr>
-        <p:blipFill rotWithShape="1">
-          <a:blip r:embed="rId2">
-            <a:extLst>
-              <a:ext uri="{28A0092B-C50C-407E-A947-70E740481C1C}">
-                <a14:useLocalDpi xmlns:a14="http://schemas.microsoft.com/office/drawing/2010/main" val="0"/>
-              </a:ext>
-            </a:extLst>
-          </a:blip>
-          <a:srcRect l="62030" t="20033" r="32637" b="72917"/>
-          <a:stretch/>
-        </p:blipFill>
-        <p:spPr>
-          <a:xfrm>
-            <a:off x="8260082" y="1428655"/>
-            <a:ext cx="1919965" cy="1902372"/>
-          </a:xfrm>
-          <a:prstGeom prst="rect">
-            <a:avLst/>
-          </a:prstGeom>
-        </p:spPr>
-      </p:pic>
-      <p:sp>
-        <p:nvSpPr>
-          <p:cNvPr id="66" name="正方形/長方形 65"/>
-          <p:cNvSpPr/>
-          <p:nvPr/>
-        </p:nvSpPr>
-        <p:spPr>
-          <a:xfrm>
-            <a:off x="9122138" y="2344400"/>
-            <a:ext cx="88900" cy="88900"/>
-          </a:xfrm>
-          <a:prstGeom prst="rect">
-            <a:avLst/>
-          </a:prstGeom>
-        </p:spPr>
-        <p:style>
-          <a:lnRef idx="2">
-            <a:schemeClr val="accent1">
-              <a:shade val="50000"/>
-            </a:schemeClr>
-          </a:lnRef>
-          <a:fillRef idx="1">
-            <a:schemeClr val="accent1"/>
-          </a:fillRef>
-          <a:effectRef idx="0">
-            <a:schemeClr val="accent1"/>
-          </a:effectRef>
-          <a:fontRef idx="minor">
-            <a:schemeClr val="lt1"/>
-          </a:fontRef>
-        </p:style>
-        <p:txBody>
-          <a:bodyPr rtlCol="0" anchor="ctr"/>
-          <a:lstStyle/>
-          <a:p>
-            <a:pPr algn="ctr"/>
-            <a:endParaRPr kumimoji="1" lang="ja-JP" altLang="en-US" sz="2400"/>
-          </a:p>
-        </p:txBody>
-      </p:sp>
-      <p:grpSp>
-        <p:nvGrpSpPr>
-          <p:cNvPr id="91" name="グループ化 90"/>
-          <p:cNvGrpSpPr/>
-          <p:nvPr/>
-        </p:nvGrpSpPr>
-        <p:grpSpPr>
-          <a:xfrm>
-            <a:off x="9139601" y="1461234"/>
-            <a:ext cx="2101554" cy="1438999"/>
-            <a:chOff x="1171258" y="4857578"/>
-            <a:chExt cx="2101554" cy="1438999"/>
-          </a:xfrm>
-        </p:grpSpPr>
-        <p:grpSp>
-          <p:nvGrpSpPr>
-            <p:cNvPr id="63" name="グループ化 62"/>
-            <p:cNvGrpSpPr/>
-            <p:nvPr/>
-          </p:nvGrpSpPr>
-          <p:grpSpPr>
-            <a:xfrm rot="21392589">
-              <a:off x="1171258" y="4924452"/>
-              <a:ext cx="890587" cy="969962"/>
-              <a:chOff x="2185353" y="1443038"/>
-              <a:chExt cx="890587" cy="969962"/>
-            </a:xfrm>
-          </p:grpSpPr>
-          <p:cxnSp>
-            <p:nvCxnSpPr>
-              <p:cNvPr id="64" name="直線矢印コネクタ 63"/>
-              <p:cNvCxnSpPr/>
-              <p:nvPr/>
-            </p:nvCxnSpPr>
-            <p:spPr>
-              <a:xfrm>
-                <a:off x="2310765" y="2295525"/>
-                <a:ext cx="765175" cy="117475"/>
-              </a:xfrm>
-              <a:prstGeom prst="straightConnector1">
-                <a:avLst/>
-              </a:prstGeom>
-              <a:ln w="50800">
-                <a:solidFill>
-                  <a:srgbClr val="FFC000"/>
-                </a:solidFill>
-                <a:tailEnd type="stealth" w="lg" len="lg"/>
-              </a:ln>
-            </p:spPr>
-            <p:style>
-              <a:lnRef idx="1">
-                <a:schemeClr val="accent1"/>
-              </a:lnRef>
-              <a:fillRef idx="0">
-                <a:schemeClr val="accent1"/>
-              </a:fillRef>
-              <a:effectRef idx="0">
-                <a:schemeClr val="accent1"/>
-              </a:effectRef>
-              <a:fontRef idx="minor">
-                <a:schemeClr val="tx1"/>
-              </a:fontRef>
-            </p:style>
-          </p:cxnSp>
-          <p:cxnSp>
-            <p:nvCxnSpPr>
-              <p:cNvPr id="65" name="直線矢印コネクタ 64"/>
-              <p:cNvCxnSpPr/>
-              <p:nvPr/>
-            </p:nvCxnSpPr>
-            <p:spPr>
-              <a:xfrm flipV="1">
-                <a:off x="2185353" y="1443038"/>
-                <a:ext cx="124460" cy="725805"/>
-              </a:xfrm>
-              <a:prstGeom prst="straightConnector1">
-                <a:avLst/>
-              </a:prstGeom>
-              <a:ln w="50800">
-                <a:solidFill>
-                  <a:srgbClr val="FFC000"/>
-                </a:solidFill>
-                <a:tailEnd type="stealth" w="lg" len="lg"/>
-              </a:ln>
-            </p:spPr>
-            <p:style>
-              <a:lnRef idx="1">
-                <a:schemeClr val="accent1"/>
-              </a:lnRef>
-              <a:fillRef idx="0">
-                <a:schemeClr val="accent1"/>
-              </a:fillRef>
-              <a:effectRef idx="0">
-                <a:schemeClr val="accent1"/>
-              </a:effectRef>
-              <a:fontRef idx="minor">
-                <a:schemeClr val="tx1"/>
-              </a:fontRef>
-            </p:style>
-          </p:cxnSp>
-        </p:grpSp>
-        <mc:AlternateContent xmlns:mc="http://schemas.openxmlformats.org/markup-compatibility/2006" xmlns:a14="http://schemas.microsoft.com/office/drawing/2010/main">
-          <mc:Choice Requires="a14">
-            <p:sp>
-              <p:nvSpPr>
-                <p:cNvPr id="67" name="正方形/長方形 66"/>
-                <p:cNvSpPr/>
-                <p:nvPr/>
-              </p:nvSpPr>
-              <p:spPr>
-                <a:xfrm>
-                  <a:off x="1513114" y="5735783"/>
-                  <a:ext cx="540789" cy="461665"/>
-                </a:xfrm>
-                <a:prstGeom prst="rect">
-                  <a:avLst/>
-                </a:prstGeom>
-              </p:spPr>
-              <p:txBody>
-                <a:bodyPr wrap="none">
-                  <a:spAutoFit/>
-                </a:bodyPr>
-                <a:lstStyle/>
-                <a:p>
-                  <a:pPr/>
-                  <a14:m>
-                    <m:oMathPara xmlns:m="http://schemas.openxmlformats.org/officeDocument/2006/math">
-                      <m:oMathParaPr>
-                        <m:jc m:val="centerGroup"/>
-                      </m:oMathParaPr>
-                      <m:oMath xmlns:m="http://schemas.openxmlformats.org/officeDocument/2006/math">
-                        <m:sSub>
-                          <m:sSubPr>
-                            <m:ctrlPr>
-                              <a:rPr lang="en-US" altLang="ja-JP" sz="2400" i="1" smtClean="0">
-                                <a:solidFill>
-                                  <a:srgbClr val="FFC000"/>
-                                </a:solidFill>
-                                <a:latin typeface="Cambria Math" panose="02040503050406030204" pitchFamily="18" charset="0"/>
-                              </a:rPr>
-                            </m:ctrlPr>
-                          </m:sSubPr>
-                          <m:e>
-                            <m:r>
-                              <a:rPr lang="en-US" altLang="ja-JP" sz="2400" b="1">
-                                <a:solidFill>
-                                  <a:srgbClr val="FFC000"/>
-                                </a:solidFill>
-                                <a:latin typeface="Cambria Math" panose="02040503050406030204" pitchFamily="18" charset="0"/>
-                              </a:rPr>
-                              <m:t>𝐯</m:t>
-                            </m:r>
-                          </m:e>
-                          <m:sub>
-                            <m:r>
-                              <a:rPr lang="en-US" altLang="ja-JP" sz="2400" b="0" i="1" smtClean="0">
-                                <a:solidFill>
-                                  <a:srgbClr val="FFC000"/>
-                                </a:solidFill>
-                                <a:latin typeface="Cambria Math" panose="02040503050406030204" pitchFamily="18" charset="0"/>
-                              </a:rPr>
-                              <m:t>1</m:t>
-                            </m:r>
-                          </m:sub>
-                        </m:sSub>
-                      </m:oMath>
-                    </m:oMathPara>
-                  </a14:m>
-                  <a:endParaRPr lang="ja-JP" altLang="en-US" sz="2400" dirty="0">
-                    <a:solidFill>
-                      <a:srgbClr val="FFC000"/>
-                    </a:solidFill>
-                  </a:endParaRPr>
-                </a:p>
-              </p:txBody>
-            </p:sp>
-          </mc:Choice>
-          <mc:Fallback xmlns="">
-            <p:sp>
-              <p:nvSpPr>
-                <p:cNvPr id="67" name="正方形/長方形 66"/>
-                <p:cNvSpPr>
-                  <a:spLocks noRot="1" noChangeAspect="1" noMove="1" noResize="1" noEditPoints="1" noAdjustHandles="1" noChangeArrowheads="1" noChangeShapeType="1" noTextEdit="1"/>
-                </p:cNvSpPr>
-                <p:nvPr/>
-              </p:nvSpPr>
-              <p:spPr>
-                <a:xfrm>
-                  <a:off x="1513114" y="5735783"/>
-                  <a:ext cx="540789" cy="461665"/>
-                </a:xfrm>
-                <a:prstGeom prst="rect">
-                  <a:avLst/>
-                </a:prstGeom>
-                <a:blipFill rotWithShape="0">
-                  <a:blip r:embed="rId11"/>
-                  <a:stretch>
-                    <a:fillRect b="-1333"/>
-                  </a:stretch>
-                </a:blipFill>
-              </p:spPr>
-              <p:txBody>
-                <a:bodyPr/>
-                <a:lstStyle/>
-                <a:p>
-                  <a:r>
-                    <a:rPr lang="ja-JP" altLang="en-US">
-                      <a:noFill/>
-                    </a:rPr>
-                    <a:t> </a:t>
-                  </a:r>
-                </a:p>
-              </p:txBody>
-            </p:sp>
-          </mc:Fallback>
-        </mc:AlternateContent>
-        <mc:AlternateContent xmlns:mc="http://schemas.openxmlformats.org/markup-compatibility/2006" xmlns:a14="http://schemas.microsoft.com/office/drawing/2010/main">
-          <mc:Choice Requires="a14">
-            <p:sp>
-              <p:nvSpPr>
-                <p:cNvPr id="68" name="正方形/長方形 67"/>
-                <p:cNvSpPr/>
-                <p:nvPr/>
-              </p:nvSpPr>
-              <p:spPr>
-                <a:xfrm>
-                  <a:off x="1276894" y="4857578"/>
-                  <a:ext cx="547907" cy="461665"/>
-                </a:xfrm>
-                <a:prstGeom prst="rect">
-                  <a:avLst/>
-                </a:prstGeom>
-              </p:spPr>
-              <p:txBody>
-                <a:bodyPr wrap="none">
-                  <a:spAutoFit/>
-                </a:bodyPr>
-                <a:lstStyle/>
-                <a:p>
-                  <a:pPr/>
-                  <a14:m>
-                    <m:oMathPara xmlns:m="http://schemas.openxmlformats.org/officeDocument/2006/math">
-                      <m:oMathParaPr>
-                        <m:jc m:val="centerGroup"/>
-                      </m:oMathParaPr>
-                      <m:oMath xmlns:m="http://schemas.openxmlformats.org/officeDocument/2006/math">
-                        <m:sSub>
-                          <m:sSubPr>
-                            <m:ctrlPr>
-                              <a:rPr lang="en-US" altLang="ja-JP" sz="2400" i="1" smtClean="0">
-                                <a:solidFill>
-                                  <a:schemeClr val="tx1"/>
-                                </a:solidFill>
-                                <a:latin typeface="Cambria Math" panose="02040503050406030204" pitchFamily="18" charset="0"/>
-                              </a:rPr>
-                            </m:ctrlPr>
-                          </m:sSubPr>
-                          <m:e>
-                            <m:r>
-                              <a:rPr lang="en-US" altLang="ja-JP" sz="2400" b="1">
-                                <a:solidFill>
-                                  <a:schemeClr val="tx1"/>
-                                </a:solidFill>
-                                <a:latin typeface="Cambria Math" panose="02040503050406030204" pitchFamily="18" charset="0"/>
-                              </a:rPr>
-                              <m:t>𝐯</m:t>
-                            </m:r>
-                          </m:e>
-                          <m:sub>
-                            <m:r>
-                              <a:rPr lang="en-US" altLang="ja-JP" sz="2400" b="0" i="1" smtClean="0">
-                                <a:solidFill>
-                                  <a:schemeClr val="tx1"/>
-                                </a:solidFill>
-                                <a:latin typeface="Cambria Math" panose="02040503050406030204" pitchFamily="18" charset="0"/>
-                              </a:rPr>
-                              <m:t>2</m:t>
-                            </m:r>
-                          </m:sub>
-                        </m:sSub>
-                      </m:oMath>
-                    </m:oMathPara>
-                  </a14:m>
-                  <a:endParaRPr lang="ja-JP" altLang="en-US" sz="2400" dirty="0">
-                    <a:solidFill>
-                      <a:schemeClr val="tx1"/>
-                    </a:solidFill>
-                  </a:endParaRPr>
-                </a:p>
-              </p:txBody>
-            </p:sp>
-          </mc:Choice>
-          <mc:Fallback xmlns="">
-            <p:sp>
-              <p:nvSpPr>
-                <p:cNvPr id="68" name="正方形/長方形 67"/>
-                <p:cNvSpPr>
-                  <a:spLocks noRot="1" noChangeAspect="1" noMove="1" noResize="1" noEditPoints="1" noAdjustHandles="1" noChangeArrowheads="1" noChangeShapeType="1" noTextEdit="1"/>
-                </p:cNvSpPr>
-                <p:nvPr/>
-              </p:nvSpPr>
-              <p:spPr>
-                <a:xfrm>
-                  <a:off x="1276894" y="4857578"/>
-                  <a:ext cx="547907" cy="461665"/>
-                </a:xfrm>
-                <a:prstGeom prst="rect">
-                  <a:avLst/>
-                </a:prstGeom>
-                <a:blipFill rotWithShape="0">
-                  <a:blip r:embed="rId12"/>
-                  <a:stretch>
-                    <a:fillRect b="-1333"/>
-                  </a:stretch>
-                </a:blipFill>
-              </p:spPr>
-              <p:txBody>
-                <a:bodyPr/>
-                <a:lstStyle/>
-                <a:p>
-                  <a:r>
-                    <a:rPr lang="ja-JP" altLang="en-US">
-                      <a:noFill/>
-                    </a:rPr>
-                    <a:t> </a:t>
-                  </a:r>
-                </a:p>
-              </p:txBody>
-            </p:sp>
-          </mc:Fallback>
-        </mc:AlternateContent>
-        <mc:AlternateContent xmlns:mc="http://schemas.openxmlformats.org/markup-compatibility/2006" xmlns:a14="http://schemas.microsoft.com/office/drawing/2010/main">
-          <mc:Choice Requires="a14">
-            <p:sp>
-              <p:nvSpPr>
-                <p:cNvPr id="69" name="正方形/長方形 68"/>
-                <p:cNvSpPr/>
-                <p:nvPr/>
-              </p:nvSpPr>
-              <p:spPr>
-                <a:xfrm>
-                  <a:off x="2226211" y="5236327"/>
-                  <a:ext cx="1042465" cy="523220"/>
-                </a:xfrm>
-                <a:prstGeom prst="rect">
-                  <a:avLst/>
-                </a:prstGeom>
-              </p:spPr>
-              <p:txBody>
-                <a:bodyPr wrap="none">
-                  <a:spAutoFit/>
-                </a:bodyPr>
-                <a:lstStyle/>
-                <a:p>
-                  <a14:m>
-                    <m:oMath xmlns:m="http://schemas.openxmlformats.org/officeDocument/2006/math">
-                      <m:sSub>
-                        <m:sSubPr>
-                          <m:ctrlPr>
-                            <a:rPr lang="en-US" altLang="ja-JP" sz="2800" i="1" smtClean="0">
-                              <a:solidFill>
-                                <a:schemeClr val="tx1"/>
-                              </a:solidFill>
-                              <a:latin typeface="Cambria Math" panose="02040503050406030204" pitchFamily="18" charset="0"/>
-                            </a:rPr>
-                          </m:ctrlPr>
-                        </m:sSubPr>
-                        <m:e>
-                          <m:r>
-                            <a:rPr lang="en-US" altLang="ja-JP" sz="2800" i="1">
-                              <a:solidFill>
-                                <a:schemeClr val="tx1"/>
-                              </a:solidFill>
-                              <a:latin typeface="Cambria Math" panose="02040503050406030204" pitchFamily="18" charset="0"/>
-                            </a:rPr>
-                            <m:t>𝜆</m:t>
-                          </m:r>
-                        </m:e>
-                        <m:sub>
-                          <m:r>
-                            <a:rPr lang="en-US" altLang="ja-JP" sz="2800" b="0" i="1" smtClean="0">
-                              <a:solidFill>
-                                <a:schemeClr val="tx1"/>
-                              </a:solidFill>
-                              <a:latin typeface="Cambria Math" panose="02040503050406030204" pitchFamily="18" charset="0"/>
-                            </a:rPr>
-                            <m:t>1</m:t>
-                          </m:r>
-                        </m:sub>
-                      </m:sSub>
-                    </m:oMath>
-                  </a14:m>
-                  <a:r>
-                    <a:rPr lang="en-US" altLang="ja-JP" sz="2800" dirty="0" smtClean="0">
-                      <a:solidFill>
-                        <a:schemeClr val="tx1"/>
-                      </a:solidFill>
-                      <a:latin typeface="メイリオ" panose="020B0604030504040204" pitchFamily="50" charset="-128"/>
-                      <a:ea typeface="メイリオ" panose="020B0604030504040204" pitchFamily="50" charset="-128"/>
-                      <a:cs typeface="メイリオ" panose="020B0604030504040204" pitchFamily="50" charset="-128"/>
-                    </a:rPr>
-                    <a:t>:</a:t>
-                  </a:r>
-                  <a:r>
-                    <a:rPr lang="ja-JP" altLang="en-US" sz="2800" dirty="0">
-                      <a:latin typeface="メイリオ" panose="020B0604030504040204" pitchFamily="50" charset="-128"/>
-                      <a:ea typeface="メイリオ" panose="020B0604030504040204" pitchFamily="50" charset="-128"/>
-                      <a:cs typeface="メイリオ" panose="020B0604030504040204" pitchFamily="50" charset="-128"/>
-                    </a:rPr>
-                    <a:t>大</a:t>
-                  </a:r>
-                  <a:endParaRPr lang="ja-JP" altLang="en-US" sz="2800" dirty="0">
-                    <a:solidFill>
-                      <a:schemeClr val="tx1"/>
-                    </a:solidFill>
-                    <a:latin typeface="メイリオ" panose="020B0604030504040204" pitchFamily="50" charset="-128"/>
-                    <a:ea typeface="メイリオ" panose="020B0604030504040204" pitchFamily="50" charset="-128"/>
-                    <a:cs typeface="メイリオ" panose="020B0604030504040204" pitchFamily="50" charset="-128"/>
-                  </a:endParaRPr>
-                </a:p>
-              </p:txBody>
-            </p:sp>
-          </mc:Choice>
-          <mc:Fallback xmlns="">
-            <p:sp>
-              <p:nvSpPr>
-                <p:cNvPr id="69" name="正方形/長方形 68"/>
-                <p:cNvSpPr>
-                  <a:spLocks noRot="1" noChangeAspect="1" noMove="1" noResize="1" noEditPoints="1" noAdjustHandles="1" noChangeArrowheads="1" noChangeShapeType="1" noTextEdit="1"/>
-                </p:cNvSpPr>
-                <p:nvPr/>
-              </p:nvSpPr>
-              <p:spPr>
-                <a:xfrm>
-                  <a:off x="2226211" y="5236327"/>
-                  <a:ext cx="1042465" cy="523220"/>
-                </a:xfrm>
-                <a:prstGeom prst="rect">
-                  <a:avLst/>
-                </a:prstGeom>
-                <a:blipFill rotWithShape="0">
-                  <a:blip r:embed="rId13"/>
-                  <a:stretch>
-                    <a:fillRect l="-3509" t="-10465" r="-11111" b="-33721"/>
-                  </a:stretch>
-                </a:blipFill>
-              </p:spPr>
-              <p:txBody>
-                <a:bodyPr/>
-                <a:lstStyle/>
-                <a:p>
-                  <a:r>
-                    <a:rPr lang="ja-JP" altLang="en-US">
-                      <a:noFill/>
-                    </a:rPr>
-                    <a:t> </a:t>
-                  </a:r>
-                </a:p>
-              </p:txBody>
-            </p:sp>
-          </mc:Fallback>
-        </mc:AlternateContent>
-        <mc:AlternateContent xmlns:mc="http://schemas.openxmlformats.org/markup-compatibility/2006" xmlns:a14="http://schemas.microsoft.com/office/drawing/2010/main">
-          <mc:Choice Requires="a14">
-            <p:sp>
-              <p:nvSpPr>
-                <p:cNvPr id="70" name="正方形/長方形 69"/>
-                <p:cNvSpPr/>
-                <p:nvPr/>
-              </p:nvSpPr>
-              <p:spPr>
-                <a:xfrm>
-                  <a:off x="2222075" y="5773357"/>
-                  <a:ext cx="1050737" cy="523220"/>
-                </a:xfrm>
-                <a:prstGeom prst="rect">
-                  <a:avLst/>
-                </a:prstGeom>
-              </p:spPr>
-              <p:txBody>
-                <a:bodyPr wrap="none">
-                  <a:spAutoFit/>
-                </a:bodyPr>
-                <a:lstStyle/>
-                <a:p>
-                  <a14:m>
-                    <m:oMath xmlns:m="http://schemas.openxmlformats.org/officeDocument/2006/math">
-                      <m:sSub>
-                        <m:sSubPr>
-                          <m:ctrlPr>
-                            <a:rPr lang="en-US" altLang="ja-JP" sz="2800" i="1" smtClean="0">
-                              <a:solidFill>
-                                <a:schemeClr val="tx1"/>
-                              </a:solidFill>
-                              <a:latin typeface="Cambria Math" panose="02040503050406030204" pitchFamily="18" charset="0"/>
-                            </a:rPr>
-                          </m:ctrlPr>
-                        </m:sSubPr>
-                        <m:e>
-                          <m:r>
-                            <a:rPr lang="en-US" altLang="ja-JP" sz="2800" i="1">
-                              <a:solidFill>
-                                <a:schemeClr val="tx1"/>
-                              </a:solidFill>
-                              <a:latin typeface="Cambria Math" panose="02040503050406030204" pitchFamily="18" charset="0"/>
-                            </a:rPr>
-                            <m:t>𝜆</m:t>
-                          </m:r>
-                        </m:e>
-                        <m:sub>
-                          <m:r>
-                            <a:rPr lang="en-US" altLang="ja-JP" sz="2800" b="0" i="1" smtClean="0">
-                              <a:solidFill>
-                                <a:schemeClr val="tx1"/>
-                              </a:solidFill>
-                              <a:latin typeface="Cambria Math" panose="02040503050406030204" pitchFamily="18" charset="0"/>
-                            </a:rPr>
-                            <m:t>2</m:t>
-                          </m:r>
-                        </m:sub>
-                      </m:sSub>
-                    </m:oMath>
-                  </a14:m>
-                  <a:r>
-                    <a:rPr lang="en-US" altLang="ja-JP" sz="2800" dirty="0" smtClean="0">
-                      <a:solidFill>
-                        <a:schemeClr val="tx1"/>
-                      </a:solidFill>
-                      <a:latin typeface="メイリオ" panose="020B0604030504040204" pitchFamily="50" charset="-128"/>
-                      <a:ea typeface="メイリオ" panose="020B0604030504040204" pitchFamily="50" charset="-128"/>
-                      <a:cs typeface="メイリオ" panose="020B0604030504040204" pitchFamily="50" charset="-128"/>
-                    </a:rPr>
-                    <a:t>:</a:t>
-                  </a:r>
-                  <a:r>
-                    <a:rPr lang="ja-JP" altLang="en-US" sz="2800" dirty="0">
-                      <a:latin typeface="メイリオ" panose="020B0604030504040204" pitchFamily="50" charset="-128"/>
-                      <a:ea typeface="メイリオ" panose="020B0604030504040204" pitchFamily="50" charset="-128"/>
-                      <a:cs typeface="メイリオ" panose="020B0604030504040204" pitchFamily="50" charset="-128"/>
-                    </a:rPr>
-                    <a:t>大</a:t>
-                  </a:r>
-                  <a:endParaRPr lang="ja-JP" altLang="en-US" sz="2800" dirty="0">
-                    <a:solidFill>
-                      <a:schemeClr val="tx1"/>
-                    </a:solidFill>
-                    <a:latin typeface="メイリオ" panose="020B0604030504040204" pitchFamily="50" charset="-128"/>
-                    <a:ea typeface="メイリオ" panose="020B0604030504040204" pitchFamily="50" charset="-128"/>
-                    <a:cs typeface="メイリオ" panose="020B0604030504040204" pitchFamily="50" charset="-128"/>
-                  </a:endParaRPr>
-                </a:p>
-              </p:txBody>
-            </p:sp>
-          </mc:Choice>
-          <mc:Fallback xmlns="">
-            <p:sp>
-              <p:nvSpPr>
-                <p:cNvPr id="70" name="正方形/長方形 69"/>
-                <p:cNvSpPr>
-                  <a:spLocks noRot="1" noChangeAspect="1" noMove="1" noResize="1" noEditPoints="1" noAdjustHandles="1" noChangeArrowheads="1" noChangeShapeType="1" noTextEdit="1"/>
-                </p:cNvSpPr>
-                <p:nvPr/>
-              </p:nvSpPr>
-              <p:spPr>
-                <a:xfrm>
-                  <a:off x="2222075" y="5773357"/>
-                  <a:ext cx="1050737" cy="523220"/>
-                </a:xfrm>
-                <a:prstGeom prst="rect">
-                  <a:avLst/>
-                </a:prstGeom>
-                <a:blipFill rotWithShape="0">
-                  <a:blip r:embed="rId14"/>
-                  <a:stretch>
-                    <a:fillRect l="-3488" t="-10465" r="-10465" b="-33721"/>
-                  </a:stretch>
-                </a:blipFill>
-              </p:spPr>
-              <p:txBody>
-                <a:bodyPr/>
-                <a:lstStyle/>
-                <a:p>
-                  <a:r>
-                    <a:rPr lang="ja-JP" altLang="en-US">
-                      <a:noFill/>
-                    </a:rPr>
-                    <a:t> </a:t>
-                  </a:r>
-                </a:p>
-              </p:txBody>
-            </p:sp>
-          </mc:Fallback>
-        </mc:AlternateContent>
-      </p:grpSp>
-      <p:sp>
-        <p:nvSpPr>
-          <p:cNvPr id="92" name="コンテンツ プレースホルダー 2"/>
-          <p:cNvSpPr>
-            <a:spLocks noGrp="1"/>
-          </p:cNvSpPr>
-          <p:nvPr>
-            <p:ph idx="1"/>
-          </p:nvPr>
-        </p:nvSpPr>
-        <p:spPr>
-          <a:xfrm>
-            <a:off x="827313" y="3904343"/>
-            <a:ext cx="10929258" cy="2685143"/>
-          </a:xfrm>
-        </p:spPr>
-        <p:txBody>
-          <a:bodyPr/>
-          <a:lstStyle/>
-          <a:p>
-            <a:pPr>
-              <a:lnSpc>
-                <a:spcPct val="100000"/>
-              </a:lnSpc>
-            </a:pPr>
-            <a:r>
-              <a:rPr kumimoji="1" lang="en-US" altLang="ja-JP" dirty="0" smtClean="0"/>
-              <a:t>Structure</a:t>
-            </a:r>
-            <a:r>
-              <a:rPr kumimoji="1" lang="ja-JP" altLang="en-US" dirty="0" smtClean="0"/>
-              <a:t> </a:t>
-            </a:r>
-            <a:r>
-              <a:rPr kumimoji="1" lang="en-US" altLang="ja-JP" dirty="0" smtClean="0"/>
-              <a:t>Tensor</a:t>
-            </a:r>
-            <a:r>
-              <a:rPr kumimoji="1" lang="ja-JP" altLang="en-US" dirty="0" smtClean="0"/>
-              <a:t> </a:t>
-            </a:r>
-            <a:r>
-              <a:rPr kumimoji="1" lang="en-US" altLang="ja-JP" dirty="0" smtClean="0"/>
-              <a:t>Matrix</a:t>
-            </a:r>
-            <a:r>
-              <a:rPr kumimoji="1" lang="ja-JP" altLang="en-US" dirty="0" smtClean="0"/>
-              <a:t>の二つの固有値は，局所領域の輝度値変化の様子に依存して大小が変化する</a:t>
-            </a:r>
-            <a:endParaRPr kumimoji="1" lang="en-US" altLang="ja-JP" dirty="0" smtClean="0"/>
-          </a:p>
-          <a:p>
-            <a:pPr marL="0" indent="0">
-              <a:lnSpc>
-                <a:spcPct val="100000"/>
-              </a:lnSpc>
-              <a:buNone/>
-            </a:pPr>
-            <a:r>
-              <a:rPr kumimoji="1" lang="en-US" altLang="ja-JP" dirty="0" smtClean="0"/>
-              <a:t>	</a:t>
-            </a:r>
-            <a:r>
-              <a:rPr kumimoji="1" lang="ja-JP" altLang="en-US" dirty="0" smtClean="0"/>
-              <a:t>（小</a:t>
-            </a:r>
-            <a:r>
-              <a:rPr kumimoji="1" lang="en-US" altLang="ja-JP" dirty="0" smtClean="0"/>
-              <a:t>, </a:t>
-            </a:r>
-            <a:r>
-              <a:rPr kumimoji="1" lang="ja-JP" altLang="en-US" dirty="0" smtClean="0"/>
-              <a:t>小） </a:t>
-            </a:r>
-            <a:r>
-              <a:rPr kumimoji="1" lang="en-US" altLang="ja-JP" dirty="0" smtClean="0">
-                <a:sym typeface="Wingdings" panose="05000000000000000000" pitchFamily="2" charset="2"/>
-              </a:rPr>
-              <a:t> </a:t>
-            </a:r>
-            <a:r>
-              <a:rPr kumimoji="1" lang="ja-JP" altLang="en-US" dirty="0" smtClean="0">
-                <a:sym typeface="Wingdings" panose="05000000000000000000" pitchFamily="2" charset="2"/>
-              </a:rPr>
-              <a:t>全体的に変化がすくない　 </a:t>
-            </a:r>
-            <a:r>
-              <a:rPr kumimoji="1" lang="en-US" altLang="ja-JP" dirty="0" smtClean="0">
-                <a:sym typeface="Wingdings" panose="05000000000000000000" pitchFamily="2" charset="2"/>
-              </a:rPr>
-              <a:t>: </a:t>
-            </a:r>
-            <a:r>
-              <a:rPr kumimoji="1" lang="ja-JP" altLang="en-US" dirty="0" smtClean="0">
-                <a:sym typeface="Wingdings" panose="05000000000000000000" pitchFamily="2" charset="2"/>
-              </a:rPr>
-              <a:t>フラット</a:t>
-            </a:r>
-            <a:endParaRPr kumimoji="1" lang="en-US" altLang="ja-JP" dirty="0" smtClean="0">
-              <a:sym typeface="Wingdings" panose="05000000000000000000" pitchFamily="2" charset="2"/>
-            </a:endParaRPr>
-          </a:p>
-          <a:p>
-            <a:pPr marL="0" indent="0">
-              <a:lnSpc>
-                <a:spcPct val="100000"/>
-              </a:lnSpc>
-              <a:buNone/>
-            </a:pPr>
-            <a:r>
-              <a:rPr lang="en-US" altLang="ja-JP" dirty="0">
-                <a:sym typeface="Wingdings" panose="05000000000000000000" pitchFamily="2" charset="2"/>
-              </a:rPr>
-              <a:t>	</a:t>
-            </a:r>
-            <a:r>
-              <a:rPr lang="ja-JP" altLang="en-US" dirty="0" smtClean="0"/>
-              <a:t>（大</a:t>
-            </a:r>
-            <a:r>
-              <a:rPr lang="en-US" altLang="ja-JP" dirty="0" smtClean="0"/>
-              <a:t>, </a:t>
-            </a:r>
-            <a:r>
-              <a:rPr lang="ja-JP" altLang="en-US" dirty="0"/>
-              <a:t>小） </a:t>
-            </a:r>
-            <a:r>
-              <a:rPr lang="en-US" altLang="ja-JP" dirty="0">
-                <a:sym typeface="Wingdings" panose="05000000000000000000" pitchFamily="2" charset="2"/>
-              </a:rPr>
-              <a:t> </a:t>
-            </a:r>
-            <a:r>
-              <a:rPr lang="ja-JP" altLang="en-US" dirty="0" smtClean="0">
-                <a:sym typeface="Wingdings" panose="05000000000000000000" pitchFamily="2" charset="2"/>
-              </a:rPr>
-              <a:t>ある方向にのみ大きく変化 </a:t>
-            </a:r>
-            <a:r>
-              <a:rPr lang="en-US" altLang="ja-JP" dirty="0" smtClean="0">
-                <a:sym typeface="Wingdings" panose="05000000000000000000" pitchFamily="2" charset="2"/>
-              </a:rPr>
-              <a:t>: </a:t>
-            </a:r>
-            <a:r>
-              <a:rPr lang="ja-JP" altLang="en-US" dirty="0" smtClean="0">
-                <a:sym typeface="Wingdings" panose="05000000000000000000" pitchFamily="2" charset="2"/>
-              </a:rPr>
-              <a:t>エッジ</a:t>
-            </a:r>
-            <a:endParaRPr lang="ja-JP" altLang="en-US" dirty="0"/>
-          </a:p>
-          <a:p>
-            <a:pPr marL="0" indent="0">
-              <a:lnSpc>
-                <a:spcPct val="100000"/>
-              </a:lnSpc>
-              <a:buNone/>
-            </a:pPr>
-            <a:r>
-              <a:rPr lang="en-US" altLang="ja-JP" dirty="0" smtClean="0"/>
-              <a:t>	</a:t>
-            </a:r>
-            <a:r>
-              <a:rPr lang="ja-JP" altLang="en-US" dirty="0" smtClean="0"/>
-              <a:t>（大</a:t>
-            </a:r>
-            <a:r>
-              <a:rPr lang="en-US" altLang="ja-JP" dirty="0" smtClean="0"/>
-              <a:t>, </a:t>
-            </a:r>
-            <a:r>
-              <a:rPr lang="ja-JP" altLang="en-US" dirty="0" smtClean="0"/>
-              <a:t>大） </a:t>
-            </a:r>
-            <a:r>
-              <a:rPr lang="en-US" altLang="ja-JP" dirty="0">
-                <a:sym typeface="Wingdings" panose="05000000000000000000" pitchFamily="2" charset="2"/>
-              </a:rPr>
-              <a:t> </a:t>
-            </a:r>
-            <a:r>
-              <a:rPr lang="en-US" altLang="ja-JP" dirty="0" smtClean="0">
-                <a:sym typeface="Wingdings" panose="05000000000000000000" pitchFamily="2" charset="2"/>
-              </a:rPr>
-              <a:t>2</a:t>
-            </a:r>
-            <a:r>
-              <a:rPr lang="ja-JP" altLang="en-US" dirty="0" smtClean="0">
-                <a:sym typeface="Wingdings" panose="05000000000000000000" pitchFamily="2" charset="2"/>
-              </a:rPr>
-              <a:t>方向に大きく変化</a:t>
-            </a:r>
-            <a:r>
-              <a:rPr lang="en-US" altLang="ja-JP" dirty="0" smtClean="0">
-                <a:sym typeface="Wingdings" panose="05000000000000000000" pitchFamily="2" charset="2"/>
-              </a:rPr>
-              <a:t>		  : </a:t>
-            </a:r>
-            <a:r>
-              <a:rPr lang="ja-JP" altLang="en-US" b="1" dirty="0" smtClean="0">
-                <a:solidFill>
-                  <a:srgbClr val="FF0000"/>
-                </a:solidFill>
-                <a:sym typeface="Wingdings" panose="05000000000000000000" pitchFamily="2" charset="2"/>
-              </a:rPr>
-              <a:t>コーナー </a:t>
-            </a:r>
-            <a:r>
-              <a:rPr lang="en-US" altLang="ja-JP" dirty="0" smtClean="0">
-                <a:sym typeface="Wingdings" panose="05000000000000000000" pitchFamily="2" charset="2"/>
-              </a:rPr>
-              <a:t>!</a:t>
-            </a:r>
-            <a:endParaRPr lang="ja-JP" altLang="en-US" dirty="0"/>
-          </a:p>
-          <a:p>
-            <a:pPr marL="0" indent="0">
-              <a:lnSpc>
-                <a:spcPct val="100000"/>
-              </a:lnSpc>
-              <a:buNone/>
-            </a:pPr>
-            <a:endParaRPr kumimoji="1" lang="ja-JP" altLang="en-US" dirty="0"/>
-          </a:p>
-        </p:txBody>
-      </p:sp>
-    </p:spTree>
-    <p:extLst>
-      <p:ext uri="{BB962C8B-B14F-4D97-AF65-F5344CB8AC3E}">
-        <p14:creationId xmlns:p14="http://schemas.microsoft.com/office/powerpoint/2010/main" val="1217726688"/>
-      </p:ext>
-    </p:extLst>
-  </p:cSld>
-  <p:clrMapOvr>
-    <a:masterClrMapping/>
-  </p:clrMapOvr>
-  <p:timing>
-    <p:tnLst>
-      <p:par>
-        <p:cTn id="1" dur="indefinite" restart="never" nodeType="tmRoot">
-          <p:childTnLst>
-            <p:seq concurrent="1" nextAc="seek">
-              <p:cTn id="2" dur="indefinite" nodeType="mainSeq">
-                <p:childTnLst>
-                  <p:par>
-                    <p:cTn id="3" fill="hold">
-                      <p:stCondLst>
-                        <p:cond delay="indefinite"/>
-                      </p:stCondLst>
-                      <p:childTnLst>
-                        <p:par>
-                          <p:cTn id="4" fill="hold">
-                            <p:stCondLst>
-                              <p:cond delay="0"/>
-                            </p:stCondLst>
-                            <p:childTnLst>
-                              <p:par>
-                                <p:cTn id="5" presetID="10" presetClass="entr" presetSubtype="0" fill="hold" nodeType="clickEffect">
-                                  <p:stCondLst>
-                                    <p:cond delay="0"/>
-                                  </p:stCondLst>
-                                  <p:childTnLst>
-                                    <p:set>
-                                      <p:cBhvr>
-                                        <p:cTn id="6" dur="1" fill="hold">
-                                          <p:stCondLst>
-                                            <p:cond delay="0"/>
-                                          </p:stCondLst>
-                                        </p:cTn>
-                                        <p:tgtEl>
-                                          <p:spTgt spid="89"/>
-                                        </p:tgtEl>
-                                        <p:attrNameLst>
-                                          <p:attrName>style.visibility</p:attrName>
-                                        </p:attrNameLst>
-                                      </p:cBhvr>
-                                      <p:to>
-                                        <p:strVal val="visible"/>
-                                      </p:to>
-                                    </p:set>
-                                    <p:animEffect transition="in" filter="fade">
-                                      <p:cBhvr>
-                                        <p:cTn id="7" dur="500"/>
-                                        <p:tgtEl>
-                                          <p:spTgt spid="89"/>
-                                        </p:tgtEl>
-                                      </p:cBhvr>
-                                    </p:animEffect>
-                                  </p:childTnLst>
-                                </p:cTn>
-                              </p:par>
-                            </p:childTnLst>
-                          </p:cTn>
-                        </p:par>
-                      </p:childTnLst>
-                    </p:cTn>
-                  </p:par>
-                  <p:par>
-                    <p:cTn id="8" fill="hold">
-                      <p:stCondLst>
-                        <p:cond delay="indefinite"/>
-                      </p:stCondLst>
-                      <p:childTnLst>
-                        <p:par>
-                          <p:cTn id="9" fill="hold">
-                            <p:stCondLst>
-                              <p:cond delay="0"/>
-                            </p:stCondLst>
-                            <p:childTnLst>
-                              <p:par>
-                                <p:cTn id="10" presetID="10" presetClass="entr" presetSubtype="0" fill="hold" nodeType="clickEffect">
-                                  <p:stCondLst>
-                                    <p:cond delay="0"/>
-                                  </p:stCondLst>
-                                  <p:childTnLst>
-                                    <p:set>
-                                      <p:cBhvr>
-                                        <p:cTn id="11" dur="1" fill="hold">
-                                          <p:stCondLst>
-                                            <p:cond delay="0"/>
-                                          </p:stCondLst>
-                                        </p:cTn>
-                                        <p:tgtEl>
-                                          <p:spTgt spid="90"/>
-                                        </p:tgtEl>
-                                        <p:attrNameLst>
-                                          <p:attrName>style.visibility</p:attrName>
-                                        </p:attrNameLst>
-                                      </p:cBhvr>
-                                      <p:to>
-                                        <p:strVal val="visible"/>
-                                      </p:to>
-                                    </p:set>
-                                    <p:animEffect transition="in" filter="fade">
-                                      <p:cBhvr>
-                                        <p:cTn id="12" dur="500"/>
-                                        <p:tgtEl>
-                                          <p:spTgt spid="90"/>
-                                        </p:tgtEl>
-                                      </p:cBhvr>
-                                    </p:animEffect>
-                                  </p:childTnLst>
-                                </p:cTn>
-                              </p:par>
-                            </p:childTnLst>
-                          </p:cTn>
-                        </p:par>
-                      </p:childTnLst>
-                    </p:cTn>
-                  </p:par>
-                  <p:par>
-                    <p:cTn id="13" fill="hold">
-                      <p:stCondLst>
-                        <p:cond delay="indefinite"/>
-                      </p:stCondLst>
-                      <p:childTnLst>
-                        <p:par>
-                          <p:cTn id="14" fill="hold">
-                            <p:stCondLst>
-                              <p:cond delay="0"/>
-                            </p:stCondLst>
-                            <p:childTnLst>
-                              <p:par>
-                                <p:cTn id="15" presetID="10" presetClass="entr" presetSubtype="0" fill="hold" nodeType="clickEffect">
-                                  <p:stCondLst>
-                                    <p:cond delay="0"/>
-                                  </p:stCondLst>
-                                  <p:childTnLst>
-                                    <p:set>
-                                      <p:cBhvr>
-                                        <p:cTn id="16" dur="1" fill="hold">
-                                          <p:stCondLst>
-                                            <p:cond delay="0"/>
-                                          </p:stCondLst>
-                                        </p:cTn>
-                                        <p:tgtEl>
-                                          <p:spTgt spid="91"/>
-                                        </p:tgtEl>
-                                        <p:attrNameLst>
-                                          <p:attrName>style.visibility</p:attrName>
-                                        </p:attrNameLst>
-                                      </p:cBhvr>
-                                      <p:to>
-                                        <p:strVal val="visible"/>
-                                      </p:to>
-                                    </p:set>
-                                    <p:animEffect transition="in" filter="fade">
-                                      <p:cBhvr>
-                                        <p:cTn id="17" dur="500"/>
-                                        <p:tgtEl>
-                                          <p:spTgt spid="91"/>
-                                        </p:tgtEl>
-                                      </p:cBhvr>
-                                    </p:animEffect>
-                                  </p:childTnLst>
-                                </p:cTn>
-                              </p:par>
-                            </p:childTnLst>
-                          </p:cTn>
-                        </p:par>
-                      </p:childTnLst>
-                    </p:cTn>
-                  </p:par>
-                </p:childTnLst>
-              </p:cTn>
-              <p:prevCondLst>
-                <p:cond evt="onPrev" delay="0">
-                  <p:tgtEl>
-                    <p:sldTgt/>
-                  </p:tgtEl>
-                </p:cond>
-              </p:prevCondLst>
-              <p:nextCondLst>
-                <p:cond evt="onNext" delay="0">
-                  <p:tgtEl>
-                    <p:sldTgt/>
-                  </p:tgtEl>
-                </p:cond>
-              </p:nextCondLst>
-            </p:seq>
-          </p:childTnLst>
-        </p:cTn>
-      </p:par>
-    </p:tnLst>
-  </p:timing>
-</p:sld>
-</file>
-
-<file path=ppt/slides/slide25.xml><?xml version="1.0" encoding="utf-8"?>
 <p:sld xmlns:a="http://schemas.openxmlformats.org/drawingml/2006/main" xmlns:r="http://schemas.openxmlformats.org/officeDocument/2006/relationships" xmlns:p="http://schemas.openxmlformats.org/presentationml/2006/main">
   <p:cSld>
     <p:spTree>
@@ -29748,7 +27895,7 @@
 </p:sld>
 </file>
 
-<file path=ppt/slides/slide26.xml><?xml version="1.0" encoding="utf-8"?>
+<file path=ppt/slides/slide25.xml><?xml version="1.0" encoding="utf-8"?>
 <p:sld xmlns:a="http://schemas.openxmlformats.org/drawingml/2006/main" xmlns:r="http://schemas.openxmlformats.org/officeDocument/2006/relationships" xmlns:p="http://schemas.openxmlformats.org/presentationml/2006/main">
   <p:cSld>
     <p:spTree>
@@ -31487,7 +29634,7 @@
 </p:sld>
 </file>
 
-<file path=ppt/slides/slide27.xml><?xml version="1.0" encoding="utf-8"?>
+<file path=ppt/slides/slide26.xml><?xml version="1.0" encoding="utf-8"?>
 <p:sld xmlns:a="http://schemas.openxmlformats.org/drawingml/2006/main" xmlns:r="http://schemas.openxmlformats.org/officeDocument/2006/relationships" xmlns:p="http://schemas.openxmlformats.org/presentationml/2006/main">
   <p:cSld>
     <p:spTree>
@@ -31582,7 +29729,7 @@
 </p:sld>
 </file>
 
-<file path=ppt/slides/slide28.xml><?xml version="1.0" encoding="utf-8"?>
+<file path=ppt/slides/slide27.xml><?xml version="1.0" encoding="utf-8"?>
 <p:sld xmlns:a="http://schemas.openxmlformats.org/drawingml/2006/main" xmlns:r="http://schemas.openxmlformats.org/officeDocument/2006/relationships" xmlns:p="http://schemas.openxmlformats.org/presentationml/2006/main">
   <p:cSld>
     <p:spTree>
@@ -33507,10 +31654,17 @@
   <p:clrMapOvr>
     <a:masterClrMapping/>
   </p:clrMapOvr>
+  <p:timing>
+    <p:tnLst>
+      <p:par>
+        <p:cTn id="1" dur="indefinite" restart="never" nodeType="tmRoot"/>
+      </p:par>
+    </p:tnLst>
+  </p:timing>
 </p:sld>
 </file>
 
-<file path=ppt/slides/slide29.xml><?xml version="1.0" encoding="utf-8"?>
+<file path=ppt/slides/slide28.xml><?xml version="1.0" encoding="utf-8"?>
 <p:sld xmlns:a="http://schemas.openxmlformats.org/drawingml/2006/main" xmlns:r="http://schemas.openxmlformats.org/officeDocument/2006/relationships" xmlns:p="http://schemas.openxmlformats.org/presentationml/2006/main">
   <p:cSld>
     <p:spTree>
@@ -33628,6 +31782,14 @@
               <a:buNone/>
             </a:pPr>
             <a:r>
+              <a:rPr lang="ja-JP" altLang="en-US" sz="1800" dirty="0">
+                <a:solidFill>
+                  <a:srgbClr val="FF0000"/>
+                </a:solidFill>
+              </a:rPr>
+              <a:t>勾配強度画像の</a:t>
+            </a:r>
+            <a:r>
               <a:rPr lang="ja-JP" altLang="en-US" sz="1800" dirty="0" smtClean="0"/>
               <a:t>各画素</a:t>
             </a:r>
@@ -33801,6 +31963,14 @@
               </a:lnSpc>
               <a:buNone/>
             </a:pPr>
+            <a:r>
+              <a:rPr lang="ja-JP" altLang="en-US" sz="1800" dirty="0">
+                <a:solidFill>
+                  <a:srgbClr val="FF0000"/>
+                </a:solidFill>
+              </a:rPr>
+              <a:t>勾配強度画像の</a:t>
+            </a:r>
             <a:r>
               <a:rPr lang="ja-JP" altLang="en-US" sz="1800" dirty="0" smtClean="0"/>
               <a:t>画素</a:t>
@@ -36569,6 +34739,49 @@
           </a:p>
         </p:txBody>
       </p:sp>
+      <p:sp>
+        <p:nvSpPr>
+          <p:cNvPr id="82" name="正方形/長方形 81"/>
+          <p:cNvSpPr/>
+          <p:nvPr/>
+        </p:nvSpPr>
+        <p:spPr>
+          <a:xfrm>
+            <a:off x="10724932" y="-21536"/>
+            <a:ext cx="1467068" cy="400110"/>
+          </a:xfrm>
+          <a:prstGeom prst="rect">
+            <a:avLst/>
+          </a:prstGeom>
+        </p:spPr>
+        <p:txBody>
+          <a:bodyPr wrap="none">
+            <a:spAutoFit/>
+          </a:bodyPr>
+          <a:lstStyle/>
+          <a:p>
+            <a:r>
+              <a:rPr lang="ja-JP" altLang="en-US" sz="2000" dirty="0" smtClean="0">
+                <a:solidFill>
+                  <a:srgbClr val="FF0000"/>
+                </a:solidFill>
+                <a:latin typeface="メイリオ" panose="020B0604030504040204" pitchFamily="50" charset="-128"/>
+                <a:ea typeface="メイリオ" panose="020B0604030504040204" pitchFamily="50" charset="-128"/>
+                <a:cs typeface="メイリオ" panose="020B0604030504040204" pitchFamily="50" charset="-128"/>
+              </a:rPr>
+              <a:t>赤字は訂正</a:t>
+            </a:r>
+            <a:endParaRPr lang="ja-JP" altLang="en-US" sz="2000" dirty="0">
+              <a:solidFill>
+                <a:srgbClr val="FF0000"/>
+              </a:solidFill>
+              <a:latin typeface="メイリオ" panose="020B0604030504040204" pitchFamily="50" charset="-128"/>
+              <a:ea typeface="メイリオ" panose="020B0604030504040204" pitchFamily="50" charset="-128"/>
+              <a:cs typeface="メイリオ" panose="020B0604030504040204" pitchFamily="50" charset="-128"/>
+            </a:endParaRPr>
+          </a:p>
+        </p:txBody>
+      </p:sp>
     </p:spTree>
     <p:extLst>
       <p:ext uri="{BB962C8B-B14F-4D97-AF65-F5344CB8AC3E}">
@@ -36579,6 +34792,112 @@
   <p:clrMapOvr>
     <a:masterClrMapping/>
   </p:clrMapOvr>
+  <p:timing>
+    <p:tnLst>
+      <p:par>
+        <p:cTn id="1" dur="indefinite" restart="never" nodeType="tmRoot"/>
+      </p:par>
+    </p:tnLst>
+  </p:timing>
+</p:sld>
+</file>
+
+<file path=ppt/slides/slide29.xml><?xml version="1.0" encoding="utf-8"?>
+<p:sld xmlns:a="http://schemas.openxmlformats.org/drawingml/2006/main" xmlns:r="http://schemas.openxmlformats.org/officeDocument/2006/relationships" xmlns:p="http://schemas.openxmlformats.org/presentationml/2006/main">
+  <p:cSld>
+    <p:spTree>
+      <p:nvGrpSpPr>
+        <p:cNvPr id="1" name=""/>
+        <p:cNvGrpSpPr/>
+        <p:nvPr/>
+      </p:nvGrpSpPr>
+      <p:grpSpPr>
+        <a:xfrm>
+          <a:off x="0" y="0"/>
+          <a:ext cx="0" cy="0"/>
+          <a:chOff x="0" y="0"/>
+          <a:chExt cx="0" cy="0"/>
+        </a:xfrm>
+      </p:grpSpPr>
+      <p:sp>
+        <p:nvSpPr>
+          <p:cNvPr id="2" name="タイトル 1"/>
+          <p:cNvSpPr>
+            <a:spLocks noGrp="1"/>
+          </p:cNvSpPr>
+          <p:nvPr>
+            <p:ph type="title"/>
+          </p:nvPr>
+        </p:nvSpPr>
+        <p:spPr>
+          <a:xfrm>
+            <a:off x="797764" y="365126"/>
+            <a:ext cx="10953511" cy="733270"/>
+          </a:xfrm>
+        </p:spPr>
+        <p:txBody>
+          <a:bodyPr>
+            <a:normAutofit/>
+          </a:bodyPr>
+          <a:lstStyle/>
+          <a:p>
+            <a:r>
+              <a:rPr lang="en-US" altLang="ja-JP" sz="3600" dirty="0"/>
+              <a:t>Canny</a:t>
+            </a:r>
+            <a:r>
+              <a:rPr lang="ja-JP" altLang="en-US" sz="3600" dirty="0"/>
+              <a:t>の輪郭線検出</a:t>
+            </a:r>
+            <a:r>
+              <a:rPr lang="ja-JP" altLang="en-US" sz="3600" dirty="0" smtClean="0"/>
+              <a:t>アルゴリズム（実装例）</a:t>
+            </a:r>
+            <a:endParaRPr kumimoji="1" lang="ja-JP" altLang="en-US" sz="3600" dirty="0"/>
+          </a:p>
+        </p:txBody>
+      </p:sp>
+      <p:sp>
+        <p:nvSpPr>
+          <p:cNvPr id="3" name="コンテンツ プレースホルダー 2"/>
+          <p:cNvSpPr>
+            <a:spLocks noGrp="1"/>
+          </p:cNvSpPr>
+          <p:nvPr>
+            <p:ph idx="1"/>
+          </p:nvPr>
+        </p:nvSpPr>
+        <p:spPr>
+          <a:xfrm>
+            <a:off x="797764" y="1343722"/>
+            <a:ext cx="10953511" cy="5296829"/>
+          </a:xfrm>
+        </p:spPr>
+        <p:txBody>
+          <a:bodyPr/>
+          <a:lstStyle/>
+          <a:p>
+            <a:endParaRPr kumimoji="1" lang="ja-JP" altLang="en-US"/>
+          </a:p>
+        </p:txBody>
+      </p:sp>
+    </p:spTree>
+    <p:extLst>
+      <p:ext uri="{BB962C8B-B14F-4D97-AF65-F5344CB8AC3E}">
+        <p14:creationId xmlns:p14="http://schemas.microsoft.com/office/powerpoint/2010/main" val="316397449"/>
+      </p:ext>
+    </p:extLst>
+  </p:cSld>
+  <p:clrMapOvr>
+    <a:masterClrMapping/>
+  </p:clrMapOvr>
+  <p:timing>
+    <p:tnLst>
+      <p:par>
+        <p:cTn id="1" dur="indefinite" restart="never" nodeType="tmRoot"/>
+      </p:par>
+    </p:tnLst>
+  </p:timing>
 </p:sld>
 </file>
 
@@ -36701,7 +35020,7 @@
             </a:r>
             <a:r>
               <a:rPr lang="en-US" altLang="ja-JP" b="1" dirty="0" smtClean="0"/>
-              <a:t>9-11</a:t>
+              <a:t>6-8</a:t>
             </a:r>
             <a:r>
               <a:rPr lang="ja-JP" altLang="en-US" b="1" dirty="0" smtClean="0"/>
@@ -36800,27 +35119,27 @@
         </p:nvSpPr>
         <p:spPr>
           <a:xfrm>
-            <a:off x="797764" y="365126"/>
-            <a:ext cx="10953511" cy="733270"/>
+            <a:off x="852616" y="414553"/>
+            <a:ext cx="10882184" cy="733270"/>
           </a:xfrm>
         </p:spPr>
         <p:txBody>
           <a:bodyPr>
-            <a:normAutofit/>
+            <a:noAutofit/>
           </a:bodyPr>
           <a:lstStyle/>
           <a:p>
             <a:r>
-              <a:rPr lang="en-US" altLang="ja-JP" sz="3600" dirty="0"/>
-              <a:t>Canny</a:t>
-            </a:r>
-            <a:r>
-              <a:rPr lang="ja-JP" altLang="en-US" sz="3600" dirty="0"/>
-              <a:t>の輪郭線検出</a:t>
-            </a:r>
-            <a:r>
               <a:rPr lang="ja-JP" altLang="en-US" sz="3600" dirty="0" smtClean="0"/>
-              <a:t>アルゴリズム（実装例）</a:t>
+              <a:t>まとめ </a:t>
+            </a:r>
+            <a:r>
+              <a:rPr lang="en-US" altLang="ja-JP" sz="3600" dirty="0" smtClean="0"/>
+              <a:t>: </a:t>
+            </a:r>
+            <a:r>
+              <a:rPr lang="ja-JP" altLang="en-US" sz="3600" dirty="0" smtClean="0"/>
+              <a:t>コーナー・輪郭検出</a:t>
             </a:r>
             <a:endParaRPr kumimoji="1" lang="ja-JP" altLang="en-US" sz="3600" dirty="0"/>
           </a:p>
@@ -36838,28 +35157,250 @@
         </p:nvSpPr>
         <p:spPr>
           <a:xfrm>
-            <a:off x="797764" y="1343722"/>
-            <a:ext cx="10953511" cy="5296829"/>
+            <a:off x="790832" y="1338749"/>
+            <a:ext cx="11623589" cy="5296829"/>
           </a:xfrm>
         </p:spPr>
         <p:txBody>
-          <a:bodyPr/>
+          <a:bodyPr>
+            <a:normAutofit/>
+          </a:bodyPr>
           <a:lstStyle/>
           <a:p>
-            <a:endParaRPr kumimoji="1" lang="ja-JP" altLang="en-US"/>
+            <a:pPr marL="0" indent="0">
+              <a:buNone/>
+            </a:pPr>
+            <a:r>
+              <a:rPr kumimoji="1" lang="ja-JP" altLang="en-US" sz="3200" b="1" dirty="0" smtClean="0"/>
+              <a:t>コーナー検出</a:t>
+            </a:r>
+            <a:r>
+              <a:rPr kumimoji="1" lang="ja-JP" altLang="en-US" sz="3200" dirty="0" smtClean="0"/>
+              <a:t>：画像中の</a:t>
+            </a:r>
+            <a:r>
+              <a:rPr kumimoji="1" lang="en-US" altLang="ja-JP" sz="3200" dirty="0" smtClean="0"/>
+              <a:t>『</a:t>
+            </a:r>
+            <a:r>
+              <a:rPr kumimoji="1" lang="ja-JP" altLang="en-US" sz="3200" dirty="0" smtClean="0"/>
+              <a:t>角</a:t>
+            </a:r>
+            <a:r>
+              <a:rPr kumimoji="1" lang="en-US" altLang="ja-JP" sz="3200" dirty="0" smtClean="0"/>
+              <a:t>』</a:t>
+            </a:r>
+            <a:r>
+              <a:rPr kumimoji="1" lang="ja-JP" altLang="en-US" sz="3200" dirty="0" smtClean="0"/>
+              <a:t>形状</a:t>
+            </a:r>
+            <a:r>
+              <a:rPr lang="ja-JP" altLang="en-US" sz="3200" dirty="0" smtClean="0"/>
+              <a:t>を検出</a:t>
+            </a:r>
+            <a:endParaRPr lang="en-US" altLang="ja-JP" sz="3200" dirty="0" smtClean="0"/>
+          </a:p>
+          <a:p>
+            <a:pPr lvl="1"/>
+            <a:r>
+              <a:rPr lang="en-US" altLang="ja-JP" sz="2800" b="1" dirty="0">
+                <a:solidFill>
+                  <a:srgbClr val="FF0000"/>
+                </a:solidFill>
+              </a:rPr>
+              <a:t>Harris</a:t>
+            </a:r>
+            <a:r>
+              <a:rPr lang="ja-JP" altLang="en-US" sz="2800" b="1" dirty="0">
+                <a:solidFill>
+                  <a:srgbClr val="FF0000"/>
+                </a:solidFill>
+              </a:rPr>
+              <a:t> </a:t>
+            </a:r>
+            <a:r>
+              <a:rPr lang="en-US" altLang="ja-JP" sz="2800" b="1" dirty="0">
+                <a:solidFill>
+                  <a:srgbClr val="FF0000"/>
+                </a:solidFill>
+              </a:rPr>
+              <a:t>Corner </a:t>
+            </a:r>
+            <a:r>
+              <a:rPr lang="en-US" altLang="ja-JP" sz="2800" b="1" dirty="0" smtClean="0">
+                <a:solidFill>
+                  <a:srgbClr val="FF0000"/>
+                </a:solidFill>
+              </a:rPr>
+              <a:t>detection</a:t>
+            </a:r>
+          </a:p>
+          <a:p>
+            <a:pPr marL="457200" lvl="1" indent="0">
+              <a:buNone/>
+            </a:pPr>
+            <a:r>
+              <a:rPr kumimoji="1" lang="en-US" altLang="ja-JP" sz="2800" dirty="0" smtClean="0">
+                <a:sym typeface="Wingdings" panose="05000000000000000000" pitchFamily="2" charset="2"/>
+              </a:rPr>
+              <a:t> </a:t>
+            </a:r>
+            <a:r>
+              <a:rPr kumimoji="1" lang="en-US" altLang="ja-JP" sz="2800" dirty="0" smtClean="0"/>
+              <a:t>Structure Tensor</a:t>
+            </a:r>
+            <a:r>
+              <a:rPr kumimoji="1" lang="ja-JP" altLang="en-US" sz="2800" dirty="0" smtClean="0"/>
+              <a:t>の固有値</a:t>
+            </a:r>
+            <a:r>
+              <a:rPr lang="ja-JP" altLang="en-US" sz="2800" dirty="0" smtClean="0"/>
+              <a:t>により</a:t>
+            </a:r>
+            <a:r>
+              <a:rPr lang="ja-JP" altLang="en-US" sz="2800" dirty="0"/>
+              <a:t>角</a:t>
+            </a:r>
+            <a:r>
+              <a:rPr kumimoji="1" lang="ja-JP" altLang="en-US" sz="2800" dirty="0" smtClean="0"/>
+              <a:t>らしさを定義</a:t>
+            </a:r>
+            <a:endParaRPr lang="en-US" altLang="ja-JP" sz="2800" dirty="0" smtClean="0"/>
+          </a:p>
+          <a:p>
+            <a:pPr lvl="1"/>
+            <a:r>
+              <a:rPr lang="ja-JP" altLang="en-US" sz="2800" dirty="0" smtClean="0"/>
+              <a:t>様々な手法が知られる</a:t>
+            </a:r>
+            <a:r>
+              <a:rPr lang="en-US" altLang="ja-JP" sz="2000" dirty="0" smtClean="0"/>
+              <a:t>(FAST/SUSAN/</a:t>
+            </a:r>
+            <a:r>
+              <a:rPr lang="ja-JP" altLang="en-US" sz="2000" dirty="0" smtClean="0"/>
+              <a:t>ヘッセ行列</a:t>
+            </a:r>
+            <a:r>
+              <a:rPr lang="en-US" altLang="ja-JP" sz="2000" dirty="0" smtClean="0"/>
+              <a:t>)</a:t>
+            </a:r>
+          </a:p>
+          <a:p>
+            <a:pPr marL="457200" lvl="1" indent="0">
+              <a:buNone/>
+            </a:pPr>
+            <a:endParaRPr lang="en-US" altLang="ja-JP" sz="2000" dirty="0"/>
+          </a:p>
+          <a:p>
+            <a:pPr marL="0" indent="0">
+              <a:buNone/>
+            </a:pPr>
+            <a:r>
+              <a:rPr lang="ja-JP" altLang="en-US" sz="3200" b="1" dirty="0" smtClean="0"/>
+              <a:t>輪郭検出</a:t>
+            </a:r>
+            <a:r>
+              <a:rPr lang="ja-JP" altLang="en-US" sz="3200" dirty="0" smtClean="0"/>
+              <a:t> </a:t>
+            </a:r>
+            <a:r>
+              <a:rPr lang="en-US" altLang="ja-JP" sz="3200" dirty="0" smtClean="0"/>
+              <a:t>: </a:t>
+            </a:r>
+            <a:r>
+              <a:rPr lang="ja-JP" altLang="en-US" sz="3200" dirty="0" smtClean="0"/>
+              <a:t>画像中の物体と物体の境界を検出</a:t>
+            </a:r>
+            <a:endParaRPr lang="en-US" altLang="ja-JP" sz="3200" dirty="0" smtClean="0"/>
+          </a:p>
+          <a:p>
+            <a:pPr lvl="1"/>
+            <a:r>
+              <a:rPr lang="en-US" altLang="ja-JP" sz="2800" b="1" dirty="0" smtClean="0">
+                <a:solidFill>
+                  <a:srgbClr val="FF0000"/>
+                </a:solidFill>
+              </a:rPr>
+              <a:t>Canny Edge Detection</a:t>
+            </a:r>
+          </a:p>
+          <a:p>
+            <a:pPr lvl="2"/>
+            <a:r>
+              <a:rPr lang="ja-JP" altLang="en-US" sz="2400" dirty="0" smtClean="0">
+                <a:sym typeface="Wingdings" panose="05000000000000000000" pitchFamily="2" charset="2"/>
+              </a:rPr>
+              <a:t>微分フィルタによる勾配画像取得</a:t>
+            </a:r>
+            <a:r>
+              <a:rPr lang="en-US" altLang="ja-JP" sz="2400" dirty="0" smtClean="0">
+                <a:sym typeface="Wingdings" panose="05000000000000000000" pitchFamily="2" charset="2"/>
+              </a:rPr>
+              <a:t>	</a:t>
+            </a:r>
+          </a:p>
+          <a:p>
+            <a:pPr lvl="2"/>
+            <a:r>
+              <a:rPr lang="ja-JP" altLang="en-US" sz="2400" dirty="0" smtClean="0">
+                <a:sym typeface="Wingdings" panose="05000000000000000000" pitchFamily="2" charset="2"/>
+              </a:rPr>
+              <a:t>勾配方向を考慮した細線化</a:t>
+            </a:r>
+            <a:endParaRPr lang="en-US" altLang="ja-JP" sz="2400" dirty="0" smtClean="0">
+              <a:sym typeface="Wingdings" panose="05000000000000000000" pitchFamily="2" charset="2"/>
+            </a:endParaRPr>
+          </a:p>
+          <a:p>
+            <a:pPr lvl="2"/>
+            <a:r>
+              <a:rPr lang="ja-JP" altLang="en-US" sz="2400" dirty="0" smtClean="0">
+                <a:sym typeface="Wingdings" panose="05000000000000000000" pitchFamily="2" charset="2"/>
+              </a:rPr>
+              <a:t>二つの閾値処理</a:t>
+            </a:r>
+            <a:endParaRPr lang="en-US" altLang="ja-JP" sz="2800" dirty="0" smtClean="0"/>
+          </a:p>
+          <a:p>
+            <a:pPr lvl="1"/>
+            <a:r>
+              <a:rPr lang="ja-JP" altLang="en-US" sz="2800" dirty="0"/>
+              <a:t>様々な手法が知られる</a:t>
+            </a:r>
+            <a:r>
+              <a:rPr lang="en-US" altLang="ja-JP" sz="2800" dirty="0" smtClean="0"/>
+              <a:t>(Sobel/Hough</a:t>
+            </a:r>
+            <a:r>
+              <a:rPr lang="ja-JP" altLang="en-US" sz="2800" dirty="0" smtClean="0"/>
+              <a:t>変換</a:t>
+            </a:r>
+            <a:r>
+              <a:rPr lang="en-US" altLang="ja-JP" sz="2800" dirty="0" smtClean="0"/>
+              <a:t>…)</a:t>
+            </a:r>
+            <a:endParaRPr lang="en-US" altLang="ja-JP" sz="2800" dirty="0"/>
           </a:p>
         </p:txBody>
       </p:sp>
     </p:spTree>
     <p:extLst>
       <p:ext uri="{BB962C8B-B14F-4D97-AF65-F5344CB8AC3E}">
-        <p14:creationId xmlns:p14="http://schemas.microsoft.com/office/powerpoint/2010/main" val="316397449"/>
+        <p14:creationId xmlns:p14="http://schemas.microsoft.com/office/powerpoint/2010/main" val="773491450"/>
       </p:ext>
     </p:extLst>
   </p:cSld>
   <p:clrMapOvr>
     <a:masterClrMapping/>
   </p:clrMapOvr>
+  <p:timing>
+    <p:tnLst>
+      <p:par>
+        <p:cTn id="1" dur="indefinite" restart="never" nodeType="tmRoot"/>
+      </p:par>
+    </p:tnLst>
+  </p:timing>
 </p:sld>
 </file>
 
@@ -36892,398 +35433,7 @@
         </p:nvSpPr>
         <p:spPr>
           <a:xfrm>
-            <a:off x="852616" y="414553"/>
-            <a:ext cx="10882184" cy="733270"/>
-          </a:xfrm>
-        </p:spPr>
-        <p:txBody>
-          <a:bodyPr>
-            <a:noAutofit/>
-          </a:bodyPr>
-          <a:lstStyle/>
-          <a:p>
-            <a:r>
-              <a:rPr lang="ja-JP" altLang="en-US" sz="3600" dirty="0" smtClean="0"/>
-              <a:t>まとめ </a:t>
-            </a:r>
-            <a:r>
-              <a:rPr lang="en-US" altLang="ja-JP" sz="3600" dirty="0" smtClean="0"/>
-              <a:t>: </a:t>
-            </a:r>
-            <a:r>
-              <a:rPr lang="ja-JP" altLang="en-US" sz="3600" dirty="0" smtClean="0"/>
-              <a:t>コーナー・輪郭検出</a:t>
-            </a:r>
-            <a:endParaRPr kumimoji="1" lang="ja-JP" altLang="en-US" sz="3600" dirty="0"/>
-          </a:p>
-        </p:txBody>
-      </p:sp>
-      <p:sp>
-        <p:nvSpPr>
-          <p:cNvPr id="3" name="コンテンツ プレースホルダー 2"/>
-          <p:cNvSpPr>
-            <a:spLocks noGrp="1"/>
-          </p:cNvSpPr>
-          <p:nvPr>
-            <p:ph idx="1"/>
-          </p:nvPr>
-        </p:nvSpPr>
-        <p:spPr>
-          <a:xfrm>
-            <a:off x="790832" y="1338749"/>
-            <a:ext cx="11623589" cy="5296829"/>
-          </a:xfrm>
-        </p:spPr>
-        <p:txBody>
-          <a:bodyPr>
-            <a:normAutofit/>
-          </a:bodyPr>
-          <a:lstStyle/>
-          <a:p>
-            <a:pPr marL="0" indent="0">
-              <a:buNone/>
-            </a:pPr>
-            <a:r>
-              <a:rPr kumimoji="1" lang="ja-JP" altLang="en-US" sz="3200" b="1" dirty="0" smtClean="0"/>
-              <a:t>コーナー検出</a:t>
-            </a:r>
-            <a:r>
-              <a:rPr kumimoji="1" lang="ja-JP" altLang="en-US" sz="3200" dirty="0" smtClean="0"/>
-              <a:t>：画像中の</a:t>
-            </a:r>
-            <a:r>
-              <a:rPr kumimoji="1" lang="en-US" altLang="ja-JP" sz="3200" dirty="0" smtClean="0"/>
-              <a:t>『</a:t>
-            </a:r>
-            <a:r>
-              <a:rPr kumimoji="1" lang="ja-JP" altLang="en-US" sz="3200" dirty="0" smtClean="0"/>
-              <a:t>角</a:t>
-            </a:r>
-            <a:r>
-              <a:rPr kumimoji="1" lang="en-US" altLang="ja-JP" sz="3200" dirty="0" smtClean="0"/>
-              <a:t>』</a:t>
-            </a:r>
-            <a:r>
-              <a:rPr kumimoji="1" lang="ja-JP" altLang="en-US" sz="3200" dirty="0" smtClean="0"/>
-              <a:t>形状</a:t>
-            </a:r>
-            <a:r>
-              <a:rPr lang="ja-JP" altLang="en-US" sz="3200" dirty="0" smtClean="0"/>
-              <a:t>を検出</a:t>
-            </a:r>
-            <a:endParaRPr lang="en-US" altLang="ja-JP" sz="3200" dirty="0" smtClean="0"/>
-          </a:p>
-          <a:p>
-            <a:pPr lvl="1"/>
-            <a:r>
-              <a:rPr lang="en-US" altLang="ja-JP" sz="2800" b="1" dirty="0">
-                <a:solidFill>
-                  <a:srgbClr val="FF0000"/>
-                </a:solidFill>
-              </a:rPr>
-              <a:t>Harris</a:t>
-            </a:r>
-            <a:r>
-              <a:rPr lang="ja-JP" altLang="en-US" sz="2800" b="1" dirty="0">
-                <a:solidFill>
-                  <a:srgbClr val="FF0000"/>
-                </a:solidFill>
-              </a:rPr>
-              <a:t> </a:t>
-            </a:r>
-            <a:r>
-              <a:rPr lang="en-US" altLang="ja-JP" sz="2800" b="1" dirty="0">
-                <a:solidFill>
-                  <a:srgbClr val="FF0000"/>
-                </a:solidFill>
-              </a:rPr>
-              <a:t>Corner </a:t>
-            </a:r>
-            <a:r>
-              <a:rPr lang="en-US" altLang="ja-JP" sz="2800" b="1" dirty="0" smtClean="0">
-                <a:solidFill>
-                  <a:srgbClr val="FF0000"/>
-                </a:solidFill>
-              </a:rPr>
-              <a:t>detection</a:t>
-            </a:r>
-          </a:p>
-          <a:p>
-            <a:pPr marL="457200" lvl="1" indent="0">
-              <a:buNone/>
-            </a:pPr>
-            <a:r>
-              <a:rPr kumimoji="1" lang="en-US" altLang="ja-JP" sz="2800" dirty="0" smtClean="0">
-                <a:sym typeface="Wingdings" panose="05000000000000000000" pitchFamily="2" charset="2"/>
-              </a:rPr>
-              <a:t> </a:t>
-            </a:r>
-            <a:r>
-              <a:rPr kumimoji="1" lang="en-US" altLang="ja-JP" sz="2800" dirty="0" smtClean="0"/>
-              <a:t>Structure Tensor</a:t>
-            </a:r>
-            <a:r>
-              <a:rPr kumimoji="1" lang="ja-JP" altLang="en-US" sz="2800" dirty="0" smtClean="0"/>
-              <a:t>の固有値</a:t>
-            </a:r>
-            <a:r>
-              <a:rPr lang="ja-JP" altLang="en-US" sz="2800" dirty="0" smtClean="0"/>
-              <a:t>により</a:t>
-            </a:r>
-            <a:r>
-              <a:rPr lang="ja-JP" altLang="en-US" sz="2800" dirty="0"/>
-              <a:t>角</a:t>
-            </a:r>
-            <a:r>
-              <a:rPr kumimoji="1" lang="ja-JP" altLang="en-US" sz="2800" dirty="0" smtClean="0"/>
-              <a:t>らしさを定義</a:t>
-            </a:r>
-            <a:endParaRPr lang="en-US" altLang="ja-JP" sz="2800" dirty="0" smtClean="0"/>
-          </a:p>
-          <a:p>
-            <a:pPr lvl="1"/>
-            <a:r>
-              <a:rPr lang="ja-JP" altLang="en-US" sz="2800" dirty="0" smtClean="0"/>
-              <a:t>様々な手法が知られる</a:t>
-            </a:r>
-            <a:r>
-              <a:rPr lang="en-US" altLang="ja-JP" sz="2000" dirty="0" smtClean="0"/>
-              <a:t>(FAST/SUSAN/</a:t>
-            </a:r>
-            <a:r>
-              <a:rPr lang="ja-JP" altLang="en-US" sz="2000" dirty="0" smtClean="0"/>
-              <a:t>ヘッセ行列</a:t>
-            </a:r>
-            <a:r>
-              <a:rPr lang="en-US" altLang="ja-JP" sz="2000" dirty="0" smtClean="0"/>
-              <a:t>)</a:t>
-            </a:r>
-          </a:p>
-          <a:p>
-            <a:pPr marL="457200" lvl="1" indent="0">
-              <a:buNone/>
-            </a:pPr>
-            <a:endParaRPr lang="en-US" altLang="ja-JP" sz="2000" dirty="0"/>
-          </a:p>
-          <a:p>
-            <a:pPr marL="0" indent="0">
-              <a:buNone/>
-            </a:pPr>
-            <a:r>
-              <a:rPr lang="ja-JP" altLang="en-US" sz="3200" b="1" dirty="0" smtClean="0"/>
-              <a:t>輪郭検出</a:t>
-            </a:r>
-            <a:r>
-              <a:rPr lang="ja-JP" altLang="en-US" sz="3200" dirty="0" smtClean="0"/>
-              <a:t> </a:t>
-            </a:r>
-            <a:r>
-              <a:rPr lang="en-US" altLang="ja-JP" sz="3200" dirty="0" smtClean="0"/>
-              <a:t>: </a:t>
-            </a:r>
-            <a:r>
-              <a:rPr lang="ja-JP" altLang="en-US" sz="3200" dirty="0" smtClean="0"/>
-              <a:t>画像中の物体と物体の境界を検出</a:t>
-            </a:r>
-            <a:endParaRPr lang="en-US" altLang="ja-JP" sz="3200" dirty="0" smtClean="0"/>
-          </a:p>
-          <a:p>
-            <a:pPr lvl="1"/>
-            <a:r>
-              <a:rPr lang="en-US" altLang="ja-JP" sz="2800" b="1" dirty="0" smtClean="0">
-                <a:solidFill>
-                  <a:srgbClr val="FF0000"/>
-                </a:solidFill>
-              </a:rPr>
-              <a:t>Canny Edge Detection</a:t>
-            </a:r>
-          </a:p>
-          <a:p>
-            <a:pPr lvl="2"/>
-            <a:r>
-              <a:rPr lang="ja-JP" altLang="en-US" sz="2400" dirty="0" smtClean="0">
-                <a:sym typeface="Wingdings" panose="05000000000000000000" pitchFamily="2" charset="2"/>
-              </a:rPr>
-              <a:t>微分フィルタによる勾配画像取得</a:t>
-            </a:r>
-            <a:r>
-              <a:rPr lang="en-US" altLang="ja-JP" sz="2400" dirty="0" smtClean="0">
-                <a:sym typeface="Wingdings" panose="05000000000000000000" pitchFamily="2" charset="2"/>
-              </a:rPr>
-              <a:t>	</a:t>
-            </a:r>
-          </a:p>
-          <a:p>
-            <a:pPr lvl="2"/>
-            <a:r>
-              <a:rPr lang="ja-JP" altLang="en-US" sz="2400" dirty="0" smtClean="0">
-                <a:sym typeface="Wingdings" panose="05000000000000000000" pitchFamily="2" charset="2"/>
-              </a:rPr>
-              <a:t>勾配方向を考慮した細線化</a:t>
-            </a:r>
-            <a:endParaRPr lang="en-US" altLang="ja-JP" sz="2400" dirty="0" smtClean="0">
-              <a:sym typeface="Wingdings" panose="05000000000000000000" pitchFamily="2" charset="2"/>
-            </a:endParaRPr>
-          </a:p>
-          <a:p>
-            <a:pPr lvl="2"/>
-            <a:r>
-              <a:rPr lang="ja-JP" altLang="en-US" sz="2400" dirty="0" smtClean="0">
-                <a:sym typeface="Wingdings" panose="05000000000000000000" pitchFamily="2" charset="2"/>
-              </a:rPr>
-              <a:t>二つの閾値処理</a:t>
-            </a:r>
-            <a:endParaRPr lang="en-US" altLang="ja-JP" sz="2800" dirty="0" smtClean="0"/>
-          </a:p>
-          <a:p>
-            <a:pPr lvl="1"/>
-            <a:r>
-              <a:rPr lang="ja-JP" altLang="en-US" sz="2800" dirty="0"/>
-              <a:t>様々な手法が知られる</a:t>
-            </a:r>
-            <a:r>
-              <a:rPr lang="en-US" altLang="ja-JP" sz="2800" dirty="0" smtClean="0"/>
-              <a:t>(Sobel/Hough</a:t>
-            </a:r>
-            <a:r>
-              <a:rPr lang="ja-JP" altLang="en-US" sz="2800" dirty="0" smtClean="0"/>
-              <a:t>変換</a:t>
-            </a:r>
-            <a:r>
-              <a:rPr lang="en-US" altLang="ja-JP" sz="2800" dirty="0" smtClean="0"/>
-              <a:t>…)</a:t>
-            </a:r>
-            <a:endParaRPr lang="en-US" altLang="ja-JP" sz="2800" dirty="0"/>
-          </a:p>
-        </p:txBody>
-      </p:sp>
-    </p:spTree>
-    <p:extLst>
-      <p:ext uri="{BB962C8B-B14F-4D97-AF65-F5344CB8AC3E}">
-        <p14:creationId xmlns:p14="http://schemas.microsoft.com/office/powerpoint/2010/main" val="773491450"/>
-      </p:ext>
-    </p:extLst>
-  </p:cSld>
-  <p:clrMapOvr>
-    <a:masterClrMapping/>
-  </p:clrMapOvr>
-</p:sld>
-</file>
-
-<file path=ppt/slides/slide32.xml><?xml version="1.0" encoding="utf-8"?>
-<p:sld xmlns:a="http://schemas.openxmlformats.org/drawingml/2006/main" xmlns:r="http://schemas.openxmlformats.org/officeDocument/2006/relationships" xmlns:p="http://schemas.openxmlformats.org/presentationml/2006/main">
-  <p:cSld>
-    <p:spTree>
-      <p:nvGrpSpPr>
-        <p:cNvPr id="1" name=""/>
-        <p:cNvGrpSpPr/>
-        <p:nvPr/>
-      </p:nvGrpSpPr>
-      <p:grpSpPr>
-        <a:xfrm>
-          <a:off x="0" y="0"/>
-          <a:ext cx="0" cy="0"/>
-          <a:chOff x="0" y="0"/>
-          <a:chExt cx="0" cy="0"/>
-        </a:xfrm>
-      </p:grpSpPr>
-      <p:sp>
-        <p:nvSpPr>
-          <p:cNvPr id="2" name="タイトル 1"/>
-          <p:cNvSpPr>
-            <a:spLocks noGrp="1"/>
-          </p:cNvSpPr>
-          <p:nvPr>
-            <p:ph type="title"/>
-          </p:nvPr>
-        </p:nvSpPr>
-        <p:spPr>
-          <a:xfrm>
-            <a:off x="278781" y="5999808"/>
-            <a:ext cx="11708780" cy="733270"/>
-          </a:xfrm>
-        </p:spPr>
-        <p:txBody>
-          <a:bodyPr>
-            <a:normAutofit/>
-          </a:bodyPr>
-          <a:lstStyle/>
-          <a:p>
-            <a:pPr algn="r"/>
-            <a:r>
-              <a:rPr lang="ja-JP" altLang="en-US" sz="3600" dirty="0" smtClean="0"/>
-              <a:t>補足</a:t>
-            </a:r>
-            <a:r>
-              <a:rPr lang="ja-JP" altLang="en-US" sz="3600" dirty="0"/>
-              <a:t>資料</a:t>
-            </a:r>
-            <a:endParaRPr kumimoji="1" lang="ja-JP" altLang="en-US" sz="3600" dirty="0"/>
-          </a:p>
-        </p:txBody>
-      </p:sp>
-      <p:sp>
-        <p:nvSpPr>
-          <p:cNvPr id="3" name="コンテンツ プレースホルダー 2"/>
-          <p:cNvSpPr>
-            <a:spLocks noGrp="1"/>
-          </p:cNvSpPr>
-          <p:nvPr>
-            <p:ph idx="1"/>
-          </p:nvPr>
-        </p:nvSpPr>
-        <p:spPr/>
-        <p:txBody>
-          <a:bodyPr/>
-          <a:lstStyle/>
-          <a:p>
-            <a:endParaRPr kumimoji="1" lang="ja-JP" altLang="en-US"/>
-          </a:p>
-        </p:txBody>
-      </p:sp>
-    </p:spTree>
-    <p:extLst>
-      <p:ext uri="{BB962C8B-B14F-4D97-AF65-F5344CB8AC3E}">
-        <p14:creationId xmlns:p14="http://schemas.microsoft.com/office/powerpoint/2010/main" val="2173836773"/>
-      </p:ext>
-    </p:extLst>
-  </p:cSld>
-  <p:clrMapOvr>
-    <a:masterClrMapping/>
-  </p:clrMapOvr>
-</p:sld>
-</file>
-
-<file path=ppt/slides/slide33.xml><?xml version="1.0" encoding="utf-8"?>
-<p:sld xmlns:a="http://schemas.openxmlformats.org/drawingml/2006/main" xmlns:r="http://schemas.openxmlformats.org/officeDocument/2006/relationships" xmlns:p="http://schemas.openxmlformats.org/presentationml/2006/main">
-  <p:cSld>
-    <p:spTree>
-      <p:nvGrpSpPr>
-        <p:cNvPr id="1" name=""/>
-        <p:cNvGrpSpPr/>
-        <p:nvPr/>
-      </p:nvGrpSpPr>
-      <p:grpSpPr>
-        <a:xfrm>
-          <a:off x="0" y="0"/>
-          <a:ext cx="0" cy="0"/>
-          <a:chOff x="0" y="0"/>
-          <a:chExt cx="0" cy="0"/>
-        </a:xfrm>
-      </p:grpSpPr>
-      <p:sp>
-        <p:nvSpPr>
-          <p:cNvPr id="2" name="タイトル 1"/>
-          <p:cNvSpPr>
-            <a:spLocks noGrp="1"/>
-          </p:cNvSpPr>
-          <p:nvPr>
-            <p:ph type="title"/>
-          </p:nvPr>
-        </p:nvSpPr>
-        <p:spPr>
-          <a:xfrm>
-            <a:off x="4019096" y="276226"/>
+            <a:off x="4019096" y="85726"/>
             <a:ext cx="8172904" cy="733270"/>
           </a:xfrm>
         </p:spPr>
@@ -37327,8 +35477,8 @@
             </p:nvSpPr>
             <p:spPr>
               <a:xfrm>
-                <a:off x="4019096" y="1070219"/>
-                <a:ext cx="8013247" cy="2825052"/>
+                <a:off x="4019096" y="1070218"/>
+                <a:ext cx="8013247" cy="2962729"/>
               </a:xfrm>
             </p:spPr>
             <p:txBody>
@@ -37348,43 +35498,11 @@
                 </a:pPr>
                 <a:r>
                   <a:rPr lang="ja-JP" altLang="en-US" sz="2400" dirty="0" smtClean="0"/>
-                  <a:t>画像上で</a:t>
+                  <a:t>窓領域</a:t>
                 </a:r>
                 <a:r>
                   <a:rPr lang="en-US" altLang="ja-JP" sz="2400" dirty="0" smtClean="0"/>
-                  <a:t>『</a:t>
-                </a:r>
-                <a:r>
-                  <a:rPr lang="ja-JP" altLang="en-US" sz="2400" dirty="0" smtClean="0"/>
-                  <a:t>点</a:t>
-                </a:r>
-                <a:r>
-                  <a:rPr lang="en-US" altLang="ja-JP" sz="2400" dirty="0" smtClean="0"/>
-                  <a:t>(</a:t>
-                </a:r>
-                <a:r>
-                  <a:rPr lang="en-US" altLang="ja-JP" sz="2400" i="1" dirty="0" err="1" smtClean="0"/>
-                  <a:t>u</a:t>
-                </a:r>
-                <a:r>
-                  <a:rPr lang="en-US" altLang="ja-JP" sz="2400" dirty="0" err="1" smtClean="0"/>
-                  <a:t>,</a:t>
-                </a:r>
-                <a:r>
-                  <a:rPr lang="en-US" altLang="ja-JP" sz="2400" i="1" dirty="0" err="1" smtClean="0"/>
-                  <a:t>v</a:t>
-                </a:r>
-                <a:r>
-                  <a:rPr lang="en-US" altLang="ja-JP" sz="2400" dirty="0" smtClean="0"/>
-                  <a:t>)</a:t>
-                </a:r>
-                <a:r>
-                  <a:rPr lang="ja-JP" altLang="en-US" sz="2400" dirty="0" smtClean="0"/>
-                  <a:t>を中心とする領域</a:t>
-                </a:r>
-                <a:r>
-                  <a:rPr lang="en-US" altLang="ja-JP" sz="2400" dirty="0" smtClean="0"/>
-                  <a:t>A』</a:t>
+                  <a:t>S</a:t>
                 </a:r>
                 <a:r>
                   <a:rPr lang="ja-JP" altLang="en-US" sz="2400" dirty="0" smtClean="0"/>
@@ -37392,30 +35510,34 @@
                 </a:r>
                 <a:r>
                   <a:rPr lang="en-US" altLang="ja-JP" sz="2400" dirty="0" smtClean="0"/>
-                  <a:t>『</a:t>
+                  <a:t>S</a:t>
+                </a:r>
+                <a:r>
+                  <a:rPr lang="ja-JP" altLang="en-US" sz="2400" dirty="0" err="1" smtClean="0"/>
+                  <a:t>を微</a:t>
                 </a:r>
                 <a:r>
                   <a:rPr lang="ja-JP" altLang="en-US" sz="2400" dirty="0" smtClean="0"/>
-                  <a:t>微少量</a:t>
+                  <a:t>少量</a:t>
                 </a:r>
                 <a:r>
-                  <a:rPr lang="en-US" altLang="ja-JP" sz="2400" dirty="0" smtClean="0"/>
+                  <a:rPr lang="en-US" altLang="ja-JP" sz="2400" dirty="0"/>
                   <a:t>(</a:t>
                 </a:r>
                 <a:r>
-                  <a:rPr lang="en-US" altLang="ja-JP" sz="2400" i="1" dirty="0" err="1" smtClean="0"/>
-                  <a:t>x</a:t>
+                  <a:rPr lang="en-US" altLang="ja-JP" sz="2400" i="1" dirty="0" err="1"/>
+                  <a:t>u</a:t>
                 </a:r>
                 <a:r>
-                  <a:rPr lang="en-US" altLang="ja-JP" sz="2400" dirty="0" err="1" smtClean="0"/>
+                  <a:rPr lang="en-US" altLang="ja-JP" sz="2400" dirty="0" err="1"/>
                   <a:t>,</a:t>
                 </a:r>
                 <a:r>
                   <a:rPr lang="en-US" altLang="ja-JP" sz="2400" i="1" dirty="0" err="1"/>
-                  <a:t>y</a:t>
+                  <a:t>v</a:t>
                 </a:r>
                 <a:r>
-                  <a:rPr lang="en-US" altLang="ja-JP" sz="2400" dirty="0" smtClean="0"/>
+                  <a:rPr lang="en-US" altLang="ja-JP" sz="2400" dirty="0"/>
                   <a:t>)</a:t>
                 </a:r>
                 <a:r>
@@ -37424,15 +35546,15 @@
                 </a:r>
                 <a:r>
                   <a:rPr lang="ja-JP" altLang="en-US" sz="2400" dirty="0" smtClean="0"/>
-                  <a:t>動かした領域</a:t>
+                  <a:t>移動した領域</a:t>
                 </a:r>
                 <a:r>
                   <a:rPr lang="en-US" altLang="ja-JP" sz="2400" dirty="0" smtClean="0"/>
-                  <a:t>B』</a:t>
+                  <a:t>T</a:t>
                 </a:r>
                 <a:r>
                   <a:rPr lang="ja-JP" altLang="en-US" sz="2400" dirty="0" smtClean="0"/>
-                  <a:t>を考える</a:t>
+                  <a:t>を考える．</a:t>
                 </a:r>
                 <a:endParaRPr lang="en-US" altLang="ja-JP" sz="2400" dirty="0" smtClean="0"/>
               </a:p>
@@ -37448,28 +35570,17 @@
                 </a:pPr>
                 <a:r>
                   <a:rPr lang="ja-JP" altLang="en-US" sz="2400" dirty="0" smtClean="0"/>
-                  <a:t>領域</a:t>
+                  <a:t>この</a:t>
                 </a:r>
                 <a:r>
                   <a:rPr lang="en-US" altLang="ja-JP" sz="2400" dirty="0" smtClean="0"/>
-                  <a:t>A</a:t>
+                  <a:t>2</a:t>
                 </a:r>
                 <a:r>
                   <a:rPr lang="ja-JP" altLang="en-US" sz="2400" dirty="0" smtClean="0"/>
-                  <a:t>と</a:t>
+                  <a:t>領域の重み付き二乗誤差は以下の通り．</a:t>
                 </a:r>
-                <a:r>
-                  <a:rPr lang="en-US" altLang="ja-JP" sz="2400" dirty="0" smtClean="0"/>
-                  <a:t>B</a:t>
-                </a:r>
-                <a:r>
-                  <a:rPr lang="ja-JP" altLang="en-US" sz="2400" dirty="0" smtClean="0"/>
-                  <a:t>の差分を，重みを考慮して定義する</a:t>
-                </a:r>
-                <a:r>
-                  <a:rPr lang="en-US" altLang="ja-JP" sz="2400" dirty="0" smtClean="0"/>
-                  <a:t>; </a:t>
-                </a:r>
+                <a:endParaRPr lang="en-US" altLang="ja-JP" sz="2400" dirty="0" smtClean="0"/>
               </a:p>
               <a:p>
                 <a:pPr marL="0" indent="0">
@@ -37506,7 +35617,7 @@
                             <a:rPr kumimoji="1" lang="en-US" altLang="ja-JP" sz="2000" b="0" i="1" smtClean="0">
                               <a:latin typeface="Cambria Math" panose="02040503050406030204" pitchFamily="18" charset="0"/>
                             </a:rPr>
-                            <m:t>𝑥</m:t>
+                            <m:t>𝑢</m:t>
                           </m:r>
                           <m:r>
                             <a:rPr kumimoji="1" lang="en-US" altLang="ja-JP" sz="2000" b="0" i="1" smtClean="0">
@@ -37518,7 +35629,7 @@
                             <a:rPr kumimoji="1" lang="en-US" altLang="ja-JP" sz="2000" b="0" i="1" smtClean="0">
                               <a:latin typeface="Cambria Math" panose="02040503050406030204" pitchFamily="18" charset="0"/>
                             </a:rPr>
-                            <m:t>𝑦</m:t>
+                            <m:t>𝑣</m:t>
                           </m:r>
                         </m:e>
                       </m:d>
@@ -37539,26 +35650,49 @@
                           </m:ctrlPr>
                         </m:naryPr>
                         <m:sub>
+                          <m:d>
+                            <m:dPr>
+                              <m:ctrlPr>
+                                <a:rPr kumimoji="1" lang="en-US" altLang="ja-JP" sz="2000" b="0" i="1" smtClean="0">
+                                  <a:latin typeface="Cambria Math" panose="02040503050406030204" pitchFamily="18" charset="0"/>
+                                </a:rPr>
+                              </m:ctrlPr>
+                            </m:dPr>
+                            <m:e>
+                              <m:r>
+                                <m:rPr>
+                                  <m:brk m:alnAt="7"/>
+                                </m:rPr>
+                                <a:rPr lang="en-US" altLang="ja-JP" sz="2000" i="1">
+                                  <a:latin typeface="Cambria Math" panose="02040503050406030204" pitchFamily="18" charset="0"/>
+                                </a:rPr>
+                                <m:t>𝑥</m:t>
+                              </m:r>
+                              <m:r>
+                                <a:rPr lang="en-US" altLang="ja-JP" sz="2000" i="1">
+                                  <a:latin typeface="Cambria Math" panose="02040503050406030204" pitchFamily="18" charset="0"/>
+                                </a:rPr>
+                                <m:t>,</m:t>
+                              </m:r>
+                              <m:r>
+                                <a:rPr lang="en-US" altLang="ja-JP" sz="2000" i="1">
+                                  <a:latin typeface="Cambria Math" panose="02040503050406030204" pitchFamily="18" charset="0"/>
+                                </a:rPr>
+                                <m:t>𝑦</m:t>
+                              </m:r>
+                            </m:e>
+                          </m:d>
                           <m:r>
-                            <m:rPr>
-                              <m:brk m:alnAt="7"/>
-                            </m:rPr>
                             <a:rPr kumimoji="1" lang="en-US" altLang="ja-JP" sz="2000" b="0" i="1" smtClean="0">
                               <a:latin typeface="Cambria Math" panose="02040503050406030204" pitchFamily="18" charset="0"/>
                             </a:rPr>
-                            <m:t>𝑥</m:t>
+                            <m:t>∈</m:t>
                           </m:r>
                           <m:r>
                             <a:rPr kumimoji="1" lang="en-US" altLang="ja-JP" sz="2000" b="0" i="1" smtClean="0">
                               <a:latin typeface="Cambria Math" panose="02040503050406030204" pitchFamily="18" charset="0"/>
                             </a:rPr>
-                            <m:t>,</m:t>
-                          </m:r>
-                          <m:r>
-                            <a:rPr kumimoji="1" lang="en-US" altLang="ja-JP" sz="2000" b="0" i="1" smtClean="0">
-                              <a:latin typeface="Cambria Math" panose="02040503050406030204" pitchFamily="18" charset="0"/>
-                            </a:rPr>
-                            <m:t>𝑦</m:t>
+                            <m:t>𝑆</m:t>
                           </m:r>
                         </m:sub>
                         <m:sup/>
@@ -37635,19 +35769,19 @@
                                         <a:rPr lang="en-US" altLang="ja-JP" sz="2000" i="1">
                                           <a:latin typeface="Cambria Math" panose="02040503050406030204" pitchFamily="18" charset="0"/>
                                         </a:rPr>
-                                        <m:t>𝑢</m:t>
+                                        <m:t>𝑥</m:t>
                                       </m:r>
                                       <m:r>
-                                        <a:rPr lang="en-US" altLang="ja-JP" sz="2000" i="1">
+                                        <a:rPr lang="en-US" altLang="ja-JP" sz="2000" b="0" i="1" smtClean="0">
                                           <a:latin typeface="Cambria Math" panose="02040503050406030204" pitchFamily="18" charset="0"/>
                                         </a:rPr>
                                         <m:t>+</m:t>
                                       </m:r>
                                       <m:r>
-                                        <a:rPr lang="en-US" altLang="ja-JP" sz="2000" i="1">
+                                        <a:rPr lang="en-US" altLang="ja-JP" sz="2000" b="0" i="1" smtClean="0">
                                           <a:latin typeface="Cambria Math" panose="02040503050406030204" pitchFamily="18" charset="0"/>
                                         </a:rPr>
-                                        <m:t>𝑥</m:t>
+                                        <m:t>𝑢</m:t>
                                       </m:r>
                                       <m:r>
                                         <a:rPr lang="en-US" altLang="ja-JP" sz="2000" i="1">
@@ -37659,19 +35793,19 @@
                                         <a:rPr lang="en-US" altLang="ja-JP" sz="2000" i="1">
                                           <a:latin typeface="Cambria Math" panose="02040503050406030204" pitchFamily="18" charset="0"/>
                                         </a:rPr>
-                                        <m:t>𝑣</m:t>
+                                        <m:t>𝑦</m:t>
                                       </m:r>
                                       <m:r>
-                                        <a:rPr lang="en-US" altLang="ja-JP" sz="2000" i="1">
+                                        <a:rPr lang="en-US" altLang="ja-JP" sz="2000" b="0" i="1" smtClean="0">
                                           <a:latin typeface="Cambria Math" panose="02040503050406030204" pitchFamily="18" charset="0"/>
                                         </a:rPr>
                                         <m:t>+</m:t>
                                       </m:r>
                                       <m:r>
-                                        <a:rPr lang="en-US" altLang="ja-JP" sz="2000" i="1">
+                                        <a:rPr lang="en-US" altLang="ja-JP" sz="2000" b="0" i="1" smtClean="0">
                                           <a:latin typeface="Cambria Math" panose="02040503050406030204" pitchFamily="18" charset="0"/>
                                         </a:rPr>
-                                        <m:t>𝑦</m:t>
+                                        <m:t>𝑣</m:t>
                                       </m:r>
                                     </m:e>
                                   </m:d>
@@ -37734,7 +35868,7 @@
                         <a:rPr kumimoji="1" lang="en-US" altLang="ja-JP" sz="2000" b="0" i="1" smtClean="0">
                           <a:latin typeface="Cambria Math" panose="02040503050406030204" pitchFamily="18" charset="0"/>
                         </a:rPr>
-                        <m:t>          </m:t>
+                        <m:t> </m:t>
                       </m:r>
                       <m:r>
                         <a:rPr lang="ja-JP" altLang="en-US" sz="2000" i="1">
@@ -37751,6 +35885,46 @@
                     </m:oMath>
                   </m:oMathPara>
                 </a14:m>
+                <a:endParaRPr kumimoji="1" lang="en-US" altLang="ja-JP" sz="2400" b="0" dirty="0" smtClean="0"/>
+              </a:p>
+              <a:p>
+                <a:pPr marL="0" indent="0">
+                  <a:lnSpc>
+                    <a:spcPct val="100000"/>
+                  </a:lnSpc>
+                  <a:spcBef>
+                    <a:spcPts val="1200"/>
+                  </a:spcBef>
+                  <a:buNone/>
+                </a:pPr>
+                <a:r>
+                  <a:rPr kumimoji="1" lang="ja-JP" altLang="en-US" sz="2400" b="0" dirty="0" smtClean="0"/>
+                  <a:t>これは</a:t>
+                </a:r>
+                <a:r>
+                  <a:rPr kumimoji="1" lang="en-US" altLang="ja-JP" sz="2400" b="0" dirty="0" smtClean="0"/>
+                  <a:t>S</a:t>
+                </a:r>
+                <a:r>
+                  <a:rPr kumimoji="1" lang="ja-JP" altLang="en-US" sz="2400" b="0" dirty="0" smtClean="0"/>
+                  <a:t>を</a:t>
+                </a:r>
+                <a:r>
+                  <a:rPr kumimoji="1" lang="en-US" altLang="ja-JP" sz="2400" b="0" dirty="0" smtClean="0"/>
+                  <a:t>(</a:t>
+                </a:r>
+                <a:r>
+                  <a:rPr kumimoji="1" lang="en-US" altLang="ja-JP" sz="2400" b="0" i="1" dirty="0" err="1" smtClean="0"/>
+                  <a:t>u,v</a:t>
+                </a:r>
+                <a:r>
+                  <a:rPr kumimoji="1" lang="en-US" altLang="ja-JP" sz="2400" b="0" dirty="0" smtClean="0"/>
+                  <a:t>)</a:t>
+                </a:r>
+                <a:r>
+                  <a:rPr kumimoji="1" lang="ja-JP" altLang="en-US" sz="2400" b="0" dirty="0" smtClean="0"/>
+                  <a:t>だけずらした際の画像の変化量を示す</a:t>
+                </a:r>
                 <a:endParaRPr kumimoji="1" lang="en-US" altLang="ja-JP" sz="2400" b="0" dirty="0" smtClean="0"/>
               </a:p>
               <a:p>
@@ -37813,13 +35987,13 @@
             </p:nvSpPr>
             <p:spPr>
               <a:xfrm>
-                <a:off x="4019096" y="1070219"/>
-                <a:ext cx="8013247" cy="2825052"/>
+                <a:off x="4019096" y="1070218"/>
+                <a:ext cx="8013247" cy="2962729"/>
               </a:xfrm>
               <a:blipFill rotWithShape="0">
-                <a:blip r:embed="rId2"/>
+                <a:blip r:embed="rId3"/>
                 <a:stretch>
-                  <a:fillRect l="-1141" t="-1728" r="-152"/>
+                  <a:fillRect l="-1141" t="-1646"/>
                 </a:stretch>
               </a:blipFill>
             </p:spPr>
@@ -37846,10 +36020,10 @@
         </p:nvGrpSpPr>
         <p:grpSpPr>
           <a:xfrm>
-            <a:off x="297866" y="333829"/>
-            <a:ext cx="3443321" cy="3296896"/>
-            <a:chOff x="399467" y="1145541"/>
-            <a:chExt cx="3020008" cy="2891584"/>
+            <a:off x="456277" y="333828"/>
+            <a:ext cx="3284910" cy="3296896"/>
+            <a:chOff x="538403" y="1145540"/>
+            <a:chExt cx="2881072" cy="2891584"/>
           </a:xfrm>
         </p:grpSpPr>
         <p:grpSp>
@@ -37860,10 +36034,10 @@
           </p:nvGrpSpPr>
           <p:grpSpPr>
             <a:xfrm>
-              <a:off x="559997" y="1145541"/>
-              <a:ext cx="2859478" cy="2891584"/>
-              <a:chOff x="588572" y="1355091"/>
-              <a:chExt cx="2264385" cy="2289809"/>
+              <a:off x="559998" y="1145540"/>
+              <a:ext cx="2859477" cy="2891584"/>
+              <a:chOff x="588572" y="1355090"/>
+              <a:chExt cx="2264384" cy="2289809"/>
             </a:xfrm>
           </p:grpSpPr>
           <p:pic>
@@ -37875,7 +36049,7 @@
               <p:nvPr/>
             </p:nvPicPr>
             <p:blipFill rotWithShape="1">
-              <a:blip r:embed="rId3">
+              <a:blip r:embed="rId4">
                 <a:extLst>
                   <a:ext uri="{28A0092B-C50C-407E-A947-70E740481C1C}">
                     <a14:useLocalDpi xmlns:a14="http://schemas.microsoft.com/office/drawing/2010/main" val="0"/>
@@ -37887,8 +36061,8 @@
             </p:blipFill>
             <p:spPr>
               <a:xfrm>
-                <a:off x="588572" y="1355091"/>
-                <a:ext cx="2264385" cy="2289809"/>
+                <a:off x="588572" y="1355090"/>
+                <a:ext cx="2264384" cy="2289809"/>
               </a:xfrm>
               <a:prstGeom prst="rect">
                 <a:avLst/>
@@ -37903,60 +36077,12 @@
             </p:nvGrpSpPr>
             <p:grpSpPr>
               <a:xfrm>
-                <a:off x="1347788" y="2138363"/>
-                <a:ext cx="704850" cy="704850"/>
-                <a:chOff x="1347788" y="2138363"/>
-                <a:chExt cx="704850" cy="704850"/>
+                <a:off x="1347788" y="1972918"/>
+                <a:ext cx="919313" cy="870295"/>
+                <a:chOff x="1347788" y="1972918"/>
+                <a:chExt cx="919313" cy="870295"/>
               </a:xfrm>
             </p:grpSpPr>
-            <p:sp>
-              <p:nvSpPr>
-                <p:cNvPr id="5" name="円/楕円 4"/>
-                <p:cNvSpPr/>
-                <p:nvPr/>
-              </p:nvSpPr>
-              <p:spPr>
-                <a:xfrm>
-                  <a:off x="1677353" y="2467928"/>
-                  <a:ext cx="45720" cy="45720"/>
-                </a:xfrm>
-                <a:prstGeom prst="ellipse">
-                  <a:avLst/>
-                </a:prstGeom>
-                <a:solidFill>
-                  <a:srgbClr val="FF0000"/>
-                </a:solidFill>
-                <a:ln>
-                  <a:solidFill>
-                    <a:srgbClr val="FF0000"/>
-                  </a:solidFill>
-                </a:ln>
-              </p:spPr>
-              <p:style>
-                <a:lnRef idx="2">
-                  <a:schemeClr val="accent1">
-                    <a:shade val="50000"/>
-                  </a:schemeClr>
-                </a:lnRef>
-                <a:fillRef idx="1">
-                  <a:schemeClr val="accent1"/>
-                </a:fillRef>
-                <a:effectRef idx="0">
-                  <a:schemeClr val="accent1"/>
-                </a:effectRef>
-                <a:fontRef idx="minor">
-                  <a:schemeClr val="lt1"/>
-                </a:fontRef>
-              </p:style>
-              <p:txBody>
-                <a:bodyPr rtlCol="0" anchor="ctr"/>
-                <a:lstStyle/>
-                <a:p>
-                  <a:pPr algn="ctr"/>
-                  <a:endParaRPr kumimoji="1" lang="ja-JP" altLang="en-US"/>
-                </a:p>
-              </p:txBody>
-            </p:sp>
             <p:sp>
               <p:nvSpPr>
                 <p:cNvPr id="6" name="正方形/長方形 5"/>
@@ -38003,78 +36129,15 @@
                 </a:p>
               </p:txBody>
             </p:sp>
-          </p:grpSp>
-          <p:grpSp>
-            <p:nvGrpSpPr>
-              <p:cNvPr id="12" name="グループ化 11"/>
-              <p:cNvGrpSpPr/>
-              <p:nvPr/>
-            </p:nvGrpSpPr>
-            <p:grpSpPr>
-              <a:xfrm>
-                <a:off x="1513675" y="1854692"/>
-                <a:ext cx="704850" cy="704850"/>
-                <a:chOff x="1332700" y="2121392"/>
-                <a:chExt cx="704850" cy="704850"/>
-              </a:xfrm>
-            </p:grpSpPr>
             <p:sp>
               <p:nvSpPr>
-                <p:cNvPr id="13" name="円/楕円 12"/>
+                <p:cNvPr id="22" name="正方形/長方形 21"/>
                 <p:cNvSpPr/>
                 <p:nvPr/>
               </p:nvSpPr>
               <p:spPr>
                 <a:xfrm>
-                  <a:off x="1662265" y="2450957"/>
-                  <a:ext cx="45720" cy="45720"/>
-                </a:xfrm>
-                <a:prstGeom prst="ellipse">
-                  <a:avLst/>
-                </a:prstGeom>
-                <a:solidFill>
-                  <a:srgbClr val="00B050"/>
-                </a:solidFill>
-                <a:ln>
-                  <a:solidFill>
-                    <a:srgbClr val="00B050"/>
-                  </a:solidFill>
-                </a:ln>
-              </p:spPr>
-              <p:style>
-                <a:lnRef idx="2">
-                  <a:schemeClr val="accent1">
-                    <a:shade val="50000"/>
-                  </a:schemeClr>
-                </a:lnRef>
-                <a:fillRef idx="1">
-                  <a:schemeClr val="accent1"/>
-                </a:fillRef>
-                <a:effectRef idx="0">
-                  <a:schemeClr val="accent1"/>
-                </a:effectRef>
-                <a:fontRef idx="minor">
-                  <a:schemeClr val="lt1"/>
-                </a:fontRef>
-              </p:style>
-              <p:txBody>
-                <a:bodyPr rtlCol="0" anchor="ctr"/>
-                <a:lstStyle/>
-                <a:p>
-                  <a:pPr algn="ctr"/>
-                  <a:endParaRPr kumimoji="1" lang="ja-JP" altLang="en-US"/>
-                </a:p>
-              </p:txBody>
-            </p:sp>
-            <p:sp>
-              <p:nvSpPr>
-                <p:cNvPr id="14" name="正方形/長方形 13"/>
-                <p:cNvSpPr/>
-                <p:nvPr/>
-              </p:nvSpPr>
-              <p:spPr>
-                <a:xfrm>
-                  <a:off x="1332700" y="2121392"/>
+                  <a:off x="1562251" y="1972918"/>
                   <a:ext cx="704850" cy="704850"/>
                 </a:xfrm>
                 <a:prstGeom prst="rect">
@@ -38083,7 +36146,7 @@
                 <a:noFill/>
                 <a:ln w="22225">
                   <a:solidFill>
-                    <a:srgbClr val="00B050"/>
+                    <a:srgbClr val="FF0000"/>
                   </a:solidFill>
                 </a:ln>
               </p:spPr>
@@ -38123,36 +36186,7 @@
           <p:spPr>
             <a:xfrm>
               <a:off x="1165117" y="2701409"/>
-              <a:ext cx="495649" cy="707886"/>
-            </a:xfrm>
-            <a:prstGeom prst="rect">
-              <a:avLst/>
-            </a:prstGeom>
-          </p:spPr>
-          <p:txBody>
-            <a:bodyPr wrap="none">
-              <a:spAutoFit/>
-            </a:bodyPr>
-            <a:lstStyle/>
-            <a:p>
-              <a:r>
-                <a:rPr lang="en-US" altLang="ja-JP" sz="4000" b="1" dirty="0"/>
-                <a:t>A</a:t>
-              </a:r>
-              <a:endParaRPr lang="ja-JP" altLang="en-US" sz="4000" b="1" dirty="0"/>
-            </a:p>
-          </p:txBody>
-        </p:sp>
-        <p:sp>
-          <p:nvSpPr>
-            <p:cNvPr id="17" name="正方形/長方形 16"/>
-            <p:cNvSpPr/>
-            <p:nvPr/>
-          </p:nvSpPr>
-          <p:spPr>
-            <a:xfrm>
-              <a:off x="1288942" y="1434584"/>
-              <a:ext cx="471604" cy="707886"/>
+              <a:ext cx="374260" cy="620860"/>
             </a:xfrm>
             <a:prstGeom prst="rect">
               <a:avLst/>
@@ -38166,7 +36200,7 @@
             <a:p>
               <a:r>
                 <a:rPr lang="en-US" altLang="ja-JP" sz="4000" b="1" dirty="0" smtClean="0"/>
-                <a:t>B</a:t>
+                <a:t>S</a:t>
               </a:r>
               <a:endParaRPr lang="ja-JP" altLang="en-US" sz="4000" b="1" dirty="0"/>
             </a:p>
@@ -38180,8 +36214,8 @@
           </p:nvSpPr>
           <p:spPr>
             <a:xfrm>
-              <a:off x="574567" y="2428994"/>
-              <a:ext cx="670376" cy="400110"/>
+              <a:off x="538403" y="1624272"/>
+              <a:ext cx="734180" cy="458897"/>
             </a:xfrm>
             <a:prstGeom prst="rect">
               <a:avLst/>
@@ -38194,55 +36228,18 @@
             <a:lstStyle/>
             <a:p>
               <a:r>
-                <a:rPr lang="en-US" altLang="ja-JP" sz="2000" dirty="0" smtClean="0"/>
+                <a:rPr lang="en-US" altLang="ja-JP" sz="2800" dirty="0" smtClean="0"/>
                 <a:t>(</a:t>
               </a:r>
               <a:r>
-                <a:rPr lang="en-US" altLang="ja-JP" sz="2000" i="1" dirty="0" err="1" smtClean="0"/>
+                <a:rPr lang="en-US" altLang="ja-JP" sz="2800" i="1" dirty="0" err="1" smtClean="0"/>
                 <a:t>u,v</a:t>
               </a:r>
               <a:r>
-                <a:rPr lang="en-US" altLang="ja-JP" sz="2000" dirty="0" smtClean="0"/>
+                <a:rPr lang="en-US" altLang="ja-JP" sz="2800" dirty="0" smtClean="0"/>
                 <a:t>)</a:t>
               </a:r>
-              <a:endParaRPr lang="ja-JP" altLang="en-US" sz="2000" dirty="0"/>
-            </a:p>
-          </p:txBody>
-        </p:sp>
-        <p:sp>
-          <p:nvSpPr>
-            <p:cNvPr id="19" name="正方形/長方形 18"/>
-            <p:cNvSpPr/>
-            <p:nvPr/>
-          </p:nvSpPr>
-          <p:spPr>
-            <a:xfrm>
-              <a:off x="399467" y="1736845"/>
-              <a:ext cx="630301" cy="400110"/>
-            </a:xfrm>
-            <a:prstGeom prst="rect">
-              <a:avLst/>
-            </a:prstGeom>
-          </p:spPr>
-          <p:txBody>
-            <a:bodyPr wrap="none">
-              <a:spAutoFit/>
-            </a:bodyPr>
-            <a:lstStyle/>
-            <a:p>
-              <a:r>
-                <a:rPr lang="en-US" altLang="ja-JP" sz="2000" dirty="0" smtClean="0"/>
-                <a:t>(</a:t>
-              </a:r>
-              <a:r>
-                <a:rPr lang="en-US" altLang="ja-JP" sz="2000" i="1" dirty="0" err="1" smtClean="0"/>
-                <a:t>x,y</a:t>
-              </a:r>
-              <a:r>
-                <a:rPr lang="en-US" altLang="ja-JP" sz="2000" dirty="0" smtClean="0"/>
-                <a:t>)</a:t>
-              </a:r>
-              <a:endParaRPr lang="ja-JP" altLang="en-US" sz="2000" dirty="0"/>
+              <a:endParaRPr lang="ja-JP" altLang="en-US" sz="2800" dirty="0"/>
             </a:p>
           </p:txBody>
         </p:sp>
@@ -38254,8 +36251,8 @@
           </p:nvCxnSpPr>
           <p:spPr>
             <a:xfrm flipV="1">
-              <a:off x="1975691" y="2253806"/>
-              <a:ext cx="179549" cy="311320"/>
+              <a:off x="1514284" y="1921281"/>
+              <a:ext cx="270825" cy="219781"/>
             </a:xfrm>
             <a:prstGeom prst="straightConnector1">
               <a:avLst/>
@@ -38289,9 +36286,9 @@
             <p:nvPr/>
           </p:nvSpPr>
           <p:spPr>
-            <a:xfrm>
-              <a:off x="1119188" y="2512140"/>
-              <a:ext cx="807243" cy="81041"/>
+            <a:xfrm rot="1015020">
+              <a:off x="1194530" y="1901674"/>
+              <a:ext cx="436319" cy="40098"/>
             </a:xfrm>
             <a:custGeom>
               <a:avLst/>
@@ -38368,85 +36365,30 @@
         </p:sp>
         <p:sp>
           <p:nvSpPr>
-            <p:cNvPr id="24" name="フリーフォーム 23"/>
+            <p:cNvPr id="27" name="正方形/長方形 26"/>
             <p:cNvSpPr/>
             <p:nvPr/>
           </p:nvSpPr>
           <p:spPr>
-            <a:xfrm rot="1313205">
-              <a:off x="890359" y="2076366"/>
-              <a:ext cx="1235280" cy="114490"/>
+            <a:xfrm>
+              <a:off x="1818478" y="1430330"/>
+              <a:ext cx="384101" cy="620860"/>
             </a:xfrm>
-            <a:custGeom>
+            <a:prstGeom prst="rect">
               <a:avLst/>
-              <a:gdLst>
-                <a:gd name="connsiteX0" fmla="*/ 807243 w 807243"/>
-                <a:gd name="connsiteY0" fmla="*/ 69135 h 81041"/>
-                <a:gd name="connsiteX1" fmla="*/ 330993 w 807243"/>
-                <a:gd name="connsiteY1" fmla="*/ 79 h 81041"/>
-                <a:gd name="connsiteX2" fmla="*/ 0 w 807243"/>
-                <a:gd name="connsiteY2" fmla="*/ 81041 h 81041"/>
-              </a:gdLst>
-              <a:ahLst/>
-              <a:cxnLst>
-                <a:cxn ang="0">
-                  <a:pos x="connsiteX0" y="connsiteY0"/>
-                </a:cxn>
-                <a:cxn ang="0">
-                  <a:pos x="connsiteX1" y="connsiteY1"/>
-                </a:cxn>
-                <a:cxn ang="0">
-                  <a:pos x="connsiteX2" y="connsiteY2"/>
-                </a:cxn>
-              </a:cxnLst>
-              <a:rect l="l" t="t" r="r" b="b"/>
-              <a:pathLst>
-                <a:path w="807243" h="81041">
-                  <a:moveTo>
-                    <a:pt x="807243" y="69135"/>
-                  </a:moveTo>
-                  <a:cubicBezTo>
-                    <a:pt x="636388" y="33615"/>
-                    <a:pt x="465533" y="-1905"/>
-                    <a:pt x="330993" y="79"/>
-                  </a:cubicBezTo>
-                  <a:cubicBezTo>
-                    <a:pt x="196452" y="2063"/>
-                    <a:pt x="98226" y="41552"/>
-                    <a:pt x="0" y="81041"/>
-                  </a:cubicBezTo>
-                </a:path>
-              </a:pathLst>
-            </a:custGeom>
-            <a:noFill/>
-            <a:ln>
-              <a:solidFill>
-                <a:schemeClr val="tx1"/>
-              </a:solidFill>
-            </a:ln>
+            </a:prstGeom>
           </p:spPr>
-          <p:style>
-            <a:lnRef idx="2">
-              <a:schemeClr val="accent1">
-                <a:shade val="50000"/>
-              </a:schemeClr>
-            </a:lnRef>
-            <a:fillRef idx="1">
-              <a:schemeClr val="accent1"/>
-            </a:fillRef>
-            <a:effectRef idx="0">
-              <a:schemeClr val="accent1"/>
-            </a:effectRef>
-            <a:fontRef idx="minor">
-              <a:schemeClr val="lt1"/>
-            </a:fontRef>
-          </p:style>
           <p:txBody>
-            <a:bodyPr rtlCol="0" anchor="ctr"/>
+            <a:bodyPr wrap="none">
+              <a:spAutoFit/>
+            </a:bodyPr>
             <a:lstStyle/>
             <a:p>
-              <a:pPr algn="ctr"/>
-              <a:endParaRPr kumimoji="1" lang="ja-JP" altLang="en-US"/>
+              <a:r>
+                <a:rPr lang="en-US" altLang="ja-JP" sz="4000" b="1" dirty="0" smtClean="0"/>
+                <a:t>T</a:t>
+              </a:r>
+              <a:endParaRPr lang="ja-JP" altLang="en-US" sz="4000" b="1" dirty="0"/>
             </a:p>
           </p:txBody>
         </p:sp>
@@ -38655,7 +36597,19 @@
                   <a:rPr lang="ja-JP" altLang="en-US" sz="2400" i="1" dirty="0" smtClean="0">
                     <a:latin typeface="Cambria Math" panose="02040503050406030204" pitchFamily="18" charset="0"/>
                   </a:rPr>
-                  <a:t>テーラー展開し二次以降の項を無視すると，以下の変形が得られる</a:t>
+                  <a:t>テーラー展開し</a:t>
+                </a:r>
+                <a:r>
+                  <a:rPr lang="en-US" altLang="ja-JP" sz="2400" dirty="0" smtClean="0">
+                    <a:latin typeface="Cambria Math" panose="02040503050406030204" pitchFamily="18" charset="0"/>
+                  </a:rPr>
+                  <a:t>2</a:t>
+                </a:r>
+                <a:r>
+                  <a:rPr lang="ja-JP" altLang="en-US" sz="2400" i="1" dirty="0" smtClean="0">
+                    <a:latin typeface="Cambria Math" panose="02040503050406030204" pitchFamily="18" charset="0"/>
+                  </a:rPr>
+                  <a:t>次以降の項を無視すると，以下の変形が得られる</a:t>
                 </a:r>
                 <a:endParaRPr lang="en-US" altLang="ja-JP" sz="2400" i="1" dirty="0" smtClean="0">
                   <a:latin typeface="Cambria Math" panose="02040503050406030204" pitchFamily="18" charset="0"/>
@@ -38701,19 +36655,19 @@
                           <a:rPr lang="en-US" altLang="ja-JP" sz="2400" i="1">
                             <a:latin typeface="Cambria Math" panose="02040503050406030204" pitchFamily="18" charset="0"/>
                           </a:rPr>
-                          <m:t>𝑢</m:t>
+                          <m:t>𝑥</m:t>
                         </m:r>
                         <m:r>
-                          <a:rPr lang="en-US" altLang="ja-JP" sz="2400" i="1">
+                          <a:rPr lang="en-US" altLang="ja-JP" sz="2400" b="0" i="1" smtClean="0">
                             <a:latin typeface="Cambria Math" panose="02040503050406030204" pitchFamily="18" charset="0"/>
                           </a:rPr>
                           <m:t>+</m:t>
                         </m:r>
                         <m:r>
-                          <a:rPr lang="en-US" altLang="ja-JP" sz="2400" i="1">
+                          <a:rPr lang="en-US" altLang="ja-JP" sz="2400" b="0" i="1" smtClean="0">
                             <a:latin typeface="Cambria Math" panose="02040503050406030204" pitchFamily="18" charset="0"/>
                           </a:rPr>
-                          <m:t>𝑥</m:t>
+                          <m:t>𝑢</m:t>
                         </m:r>
                         <m:r>
                           <a:rPr lang="en-US" altLang="ja-JP" sz="2400" i="1">
@@ -38725,19 +36679,19 @@
                           <a:rPr lang="en-US" altLang="ja-JP" sz="2400" i="1">
                             <a:latin typeface="Cambria Math" panose="02040503050406030204" pitchFamily="18" charset="0"/>
                           </a:rPr>
-                          <m:t>𝑣</m:t>
+                          <m:t>𝑦</m:t>
                         </m:r>
                         <m:r>
-                          <a:rPr lang="en-US" altLang="ja-JP" sz="2400" i="1">
+                          <a:rPr lang="en-US" altLang="ja-JP" sz="2400" b="0" i="1" smtClean="0">
                             <a:latin typeface="Cambria Math" panose="02040503050406030204" pitchFamily="18" charset="0"/>
                           </a:rPr>
                           <m:t>+</m:t>
                         </m:r>
                         <m:r>
-                          <a:rPr lang="en-US" altLang="ja-JP" sz="2400" i="1">
+                          <a:rPr lang="en-US" altLang="ja-JP" sz="2400" b="0" i="1" smtClean="0">
                             <a:latin typeface="Cambria Math" panose="02040503050406030204" pitchFamily="18" charset="0"/>
                           </a:rPr>
-                          <m:t>𝑦</m:t>
+                          <m:t>𝑣</m:t>
                         </m:r>
                       </m:e>
                     </m:d>
@@ -38770,7 +36724,7 @@
                             <a:latin typeface="Cambria Math" panose="02040503050406030204" pitchFamily="18" charset="0"/>
                             <a:ea typeface="Cambria Math" panose="02040503050406030204" pitchFamily="18" charset="0"/>
                           </a:rPr>
-                          <m:t>𝑢</m:t>
+                          <m:t>𝑥</m:t>
                         </m:r>
                         <m:r>
                           <a:rPr lang="en-US" altLang="ja-JP" sz="2400" b="0" i="1" smtClean="0">
@@ -38784,7 +36738,7 @@
                             <a:latin typeface="Cambria Math" panose="02040503050406030204" pitchFamily="18" charset="0"/>
                             <a:ea typeface="Cambria Math" panose="02040503050406030204" pitchFamily="18" charset="0"/>
                           </a:rPr>
-                          <m:t>𝑣</m:t>
+                          <m:t>𝑦</m:t>
                         </m:r>
                       </m:e>
                     </m:d>
@@ -38800,7 +36754,7 @@
                         <a:latin typeface="Cambria Math" panose="02040503050406030204" pitchFamily="18" charset="0"/>
                         <a:ea typeface="Cambria Math" panose="02040503050406030204" pitchFamily="18" charset="0"/>
                       </a:rPr>
-                      <m:t>𝑥</m:t>
+                      <m:t>𝑢</m:t>
                     </m:r>
                     <m:sSub>
                       <m:sSubPr>
@@ -38845,7 +36799,7 @@
                             <a:latin typeface="Cambria Math" panose="02040503050406030204" pitchFamily="18" charset="0"/>
                             <a:ea typeface="Cambria Math" panose="02040503050406030204" pitchFamily="18" charset="0"/>
                           </a:rPr>
-                          <m:t>𝑢</m:t>
+                          <m:t>𝑥</m:t>
                         </m:r>
                         <m:r>
                           <a:rPr lang="en-US" altLang="ja-JP" sz="2400" b="0" i="1" smtClean="0">
@@ -38859,7 +36813,7 @@
                             <a:latin typeface="Cambria Math" panose="02040503050406030204" pitchFamily="18" charset="0"/>
                             <a:ea typeface="Cambria Math" panose="02040503050406030204" pitchFamily="18" charset="0"/>
                           </a:rPr>
-                          <m:t>𝑣</m:t>
+                          <m:t>𝑦</m:t>
                         </m:r>
                       </m:e>
                     </m:d>
@@ -38875,7 +36829,7 @@
                         <a:latin typeface="Cambria Math" panose="02040503050406030204" pitchFamily="18" charset="0"/>
                         <a:ea typeface="Cambria Math" panose="02040503050406030204" pitchFamily="18" charset="0"/>
                       </a:rPr>
-                      <m:t>𝑦</m:t>
+                      <m:t>𝑣</m:t>
                     </m:r>
                     <m:sSub>
                       <m:sSubPr>
@@ -38920,7 +36874,7 @@
                             <a:latin typeface="Cambria Math" panose="02040503050406030204" pitchFamily="18" charset="0"/>
                             <a:ea typeface="Cambria Math" panose="02040503050406030204" pitchFamily="18" charset="0"/>
                           </a:rPr>
-                          <m:t>𝑢</m:t>
+                          <m:t>𝑥</m:t>
                         </m:r>
                         <m:r>
                           <a:rPr lang="en-US" altLang="ja-JP" sz="2400" b="0" i="1" smtClean="0">
@@ -38934,7 +36888,7 @@
                             <a:latin typeface="Cambria Math" panose="02040503050406030204" pitchFamily="18" charset="0"/>
                             <a:ea typeface="Cambria Math" panose="02040503050406030204" pitchFamily="18" charset="0"/>
                           </a:rPr>
-                          <m:t>𝑣</m:t>
+                          <m:t>𝑦</m:t>
                         </m:r>
                       </m:e>
                     </m:d>
@@ -38981,7 +36935,7 @@
                 </a:r>
                 <a:r>
                   <a:rPr lang="en-US" altLang="ja-JP" sz="2400" dirty="0" smtClean="0"/>
-                  <a:t>Structure Tensor Matrix</a:t>
+                  <a:t>Structure Tensor Matrix A </a:t>
                 </a:r>
                 <a:r>
                   <a:rPr lang="ja-JP" altLang="en-US" sz="2400" dirty="0" smtClean="0"/>
@@ -39024,10 +36978,10 @@
                         </m:dPr>
                         <m:e>
                           <m:r>
-                            <a:rPr lang="en-US" altLang="ja-JP" sz="2400" i="1">
+                            <a:rPr lang="en-US" altLang="ja-JP" sz="2400" b="0" i="1" smtClean="0">
                               <a:latin typeface="Cambria Math" panose="02040503050406030204" pitchFamily="18" charset="0"/>
                             </a:rPr>
-                            <m:t>𝑥</m:t>
+                            <m:t>𝑢</m:t>
                           </m:r>
                           <m:r>
                             <a:rPr lang="en-US" altLang="ja-JP" sz="2400" i="1">
@@ -39036,10 +36990,10 @@
                             <m:t>,</m:t>
                           </m:r>
                           <m:r>
-                            <a:rPr lang="en-US" altLang="ja-JP" sz="2400" i="1">
+                            <a:rPr lang="en-US" altLang="ja-JP" sz="2400" b="0" i="1" smtClean="0">
                               <a:latin typeface="Cambria Math" panose="02040503050406030204" pitchFamily="18" charset="0"/>
                             </a:rPr>
-                            <m:t>𝑦</m:t>
+                            <m:t>𝑣</m:t>
                           </m:r>
                         </m:e>
                       </m:d>
@@ -39062,7 +37016,7 @@
                             <a:rPr lang="en-US" altLang="ja-JP" sz="2400" b="0" i="1" smtClean="0">
                               <a:latin typeface="Cambria Math" panose="02040503050406030204" pitchFamily="18" charset="0"/>
                             </a:rPr>
-                            <m:t>𝑥</m:t>
+                            <m:t>𝑢</m:t>
                           </m:r>
                           <m:r>
                             <a:rPr lang="en-US" altLang="ja-JP" sz="2400" b="0" i="1" smtClean="0">
@@ -39074,7 +37028,7 @@
                             <a:rPr lang="en-US" altLang="ja-JP" sz="2400" b="0" i="1" smtClean="0">
                               <a:latin typeface="Cambria Math" panose="02040503050406030204" pitchFamily="18" charset="0"/>
                             </a:rPr>
-                            <m:t>𝑦</m:t>
+                            <m:t>𝑣</m:t>
                           </m:r>
                         </m:e>
                       </m:d>
@@ -39112,13 +37066,10 @@
                             <m:mr>
                               <m:e>
                                 <m:r>
-                                  <m:rPr>
-                                    <m:brk m:alnAt="7"/>
-                                  </m:rPr>
                                   <a:rPr lang="en-US" altLang="ja-JP" sz="2400" b="0" i="1" smtClean="0">
                                     <a:latin typeface="Cambria Math" panose="02040503050406030204" pitchFamily="18" charset="0"/>
                                   </a:rPr>
-                                  <m:t>𝑥</m:t>
+                                  <m:t>𝑢</m:t>
                                 </m:r>
                               </m:e>
                             </m:mr>
@@ -39128,7 +37079,7 @@
                                   <a:rPr lang="en-US" altLang="ja-JP" sz="2400" b="0" i="1" smtClean="0">
                                     <a:latin typeface="Cambria Math" panose="02040503050406030204" pitchFamily="18" charset="0"/>
                                   </a:rPr>
-                                  <m:t>𝑦</m:t>
+                                  <m:t>𝑣</m:t>
                                 </m:r>
                               </m:e>
                             </m:mr>
@@ -39164,26 +37115,49 @@
                           </m:ctrlPr>
                         </m:naryPr>
                         <m:sub>
+                          <m:d>
+                            <m:dPr>
+                              <m:ctrlPr>
+                                <a:rPr lang="en-US" altLang="ja-JP" sz="2400" i="1">
+                                  <a:latin typeface="Cambria Math" panose="02040503050406030204" pitchFamily="18" charset="0"/>
+                                </a:rPr>
+                              </m:ctrlPr>
+                            </m:dPr>
+                            <m:e>
+                              <m:r>
+                                <m:rPr>
+                                  <m:brk m:alnAt="7"/>
+                                </m:rPr>
+                                <a:rPr lang="en-US" altLang="ja-JP" sz="2400" i="1">
+                                  <a:latin typeface="Cambria Math" panose="02040503050406030204" pitchFamily="18" charset="0"/>
+                                </a:rPr>
+                                <m:t>𝑥</m:t>
+                              </m:r>
+                              <m:r>
+                                <a:rPr lang="en-US" altLang="ja-JP" sz="2400" i="1">
+                                  <a:latin typeface="Cambria Math" panose="02040503050406030204" pitchFamily="18" charset="0"/>
+                                </a:rPr>
+                                <m:t>,</m:t>
+                              </m:r>
+                              <m:r>
+                                <a:rPr lang="en-US" altLang="ja-JP" sz="2400" i="1">
+                                  <a:latin typeface="Cambria Math" panose="02040503050406030204" pitchFamily="18" charset="0"/>
+                                </a:rPr>
+                                <m:t>𝑦</m:t>
+                              </m:r>
+                            </m:e>
+                          </m:d>
                           <m:r>
-                            <m:rPr>
-                              <m:brk m:alnAt="7"/>
-                            </m:rPr>
                             <a:rPr lang="en-US" altLang="ja-JP" sz="2400" i="1">
                               <a:latin typeface="Cambria Math" panose="02040503050406030204" pitchFamily="18" charset="0"/>
                             </a:rPr>
-                            <m:t>𝑥</m:t>
+                            <m:t>∈</m:t>
                           </m:r>
                           <m:r>
                             <a:rPr lang="en-US" altLang="ja-JP" sz="2400" i="1">
                               <a:latin typeface="Cambria Math" panose="02040503050406030204" pitchFamily="18" charset="0"/>
                             </a:rPr>
-                            <m:t>,</m:t>
-                          </m:r>
-                          <m:r>
-                            <a:rPr lang="en-US" altLang="ja-JP" sz="2400" i="1">
-                              <a:latin typeface="Cambria Math" panose="02040503050406030204" pitchFamily="18" charset="0"/>
-                            </a:rPr>
-                            <m:t>𝑦</m:t>
+                            <m:t>𝑆</m:t>
                           </m:r>
                         </m:sub>
                         <m:sup/>
@@ -39526,10 +37500,10 @@
               <a:prstGeom prst="rect">
                 <a:avLst/>
               </a:prstGeom>
-              <a:blipFill rotWithShape="0">
-                <a:blip r:embed="rId4"/>
+              <a:blipFill>
+                <a:blip r:embed="rId5"/>
                 <a:stretch>
-                  <a:fillRect l="-852" t="-1296"/>
+                  <a:fillRect l="-852" t="-2808"/>
                 </a:stretch>
               </a:blipFill>
             </p:spPr>
@@ -39548,10 +37522,172 @@
           </p:sp>
         </mc:Fallback>
       </mc:AlternateContent>
+      <p:sp>
+        <p:nvSpPr>
+          <p:cNvPr id="8" name="スライド番号プレースホルダー 7"/>
+          <p:cNvSpPr>
+            <a:spLocks noGrp="1"/>
+          </p:cNvSpPr>
+          <p:nvPr>
+            <p:ph type="sldNum" sz="quarter" idx="12"/>
+          </p:nvPr>
+        </p:nvSpPr>
+        <p:spPr/>
+        <p:txBody>
+          <a:bodyPr/>
+          <a:lstStyle/>
+          <a:p>
+            <a:fld id="{F35DE295-420C-4265-BE54-AE59FA4027A6}" type="slidenum">
+              <a:rPr kumimoji="1" lang="ja-JP" altLang="en-US" smtClean="0"/>
+              <a:t>31</a:t>
+            </a:fld>
+            <a:endParaRPr kumimoji="1" lang="ja-JP" altLang="en-US"/>
+          </a:p>
+        </p:txBody>
+      </p:sp>
+      <p:sp>
+        <p:nvSpPr>
+          <p:cNvPr id="9" name="正方形/長方形 8"/>
+          <p:cNvSpPr/>
+          <p:nvPr/>
+        </p:nvSpPr>
+        <p:spPr>
+          <a:xfrm>
+            <a:off x="10609516" y="-2502"/>
+            <a:ext cx="1582484" cy="369332"/>
+          </a:xfrm>
+          <a:prstGeom prst="rect">
+            <a:avLst/>
+          </a:prstGeom>
+        </p:spPr>
+        <p:txBody>
+          <a:bodyPr wrap="none">
+            <a:spAutoFit/>
+          </a:bodyPr>
+          <a:lstStyle/>
+          <a:p>
+            <a:r>
+              <a:rPr lang="en-US" altLang="ja-JP" b="1" dirty="0" smtClean="0">
+                <a:solidFill>
+                  <a:srgbClr val="FF0000"/>
+                </a:solidFill>
+              </a:rPr>
+              <a:t>20171026</a:t>
+            </a:r>
+            <a:r>
+              <a:rPr lang="ja-JP" altLang="en-US" b="1" dirty="0" smtClean="0">
+                <a:solidFill>
+                  <a:srgbClr val="FF0000"/>
+                </a:solidFill>
+              </a:rPr>
+              <a:t>修正</a:t>
+            </a:r>
+            <a:endParaRPr lang="ja-JP" altLang="en-US" b="1" dirty="0">
+              <a:solidFill>
+                <a:srgbClr val="FF0000"/>
+              </a:solidFill>
+            </a:endParaRPr>
+          </a:p>
+        </p:txBody>
+      </p:sp>
+      <p:sp>
+        <p:nvSpPr>
+          <p:cNvPr id="11" name="正方形/長方形 10"/>
+          <p:cNvSpPr/>
+          <p:nvPr/>
+        </p:nvSpPr>
+        <p:spPr>
+          <a:xfrm>
+            <a:off x="7485327" y="671822"/>
+            <a:ext cx="4706673" cy="369332"/>
+          </a:xfrm>
+          <a:prstGeom prst="rect">
+            <a:avLst/>
+          </a:prstGeom>
+        </p:spPr>
+        <p:txBody>
+          <a:bodyPr wrap="none">
+            <a:spAutoFit/>
+          </a:bodyPr>
+          <a:lstStyle/>
+          <a:p>
+            <a:r>
+              <a:rPr lang="en-US" altLang="ja-JP" dirty="0" smtClean="0"/>
+              <a:t>[A </a:t>
+            </a:r>
+            <a:r>
+              <a:rPr lang="en-US" altLang="ja-JP" dirty="0"/>
+              <a:t>Combined Corner and Edge Detector in </a:t>
+            </a:r>
+            <a:r>
+              <a:rPr lang="en-US" altLang="ja-JP" dirty="0" smtClean="0"/>
+              <a:t>1988]</a:t>
+            </a:r>
+            <a:endParaRPr lang="ja-JP" altLang="en-US" dirty="0"/>
+          </a:p>
+        </p:txBody>
+      </p:sp>
+      <p:sp>
+        <p:nvSpPr>
+          <p:cNvPr id="19" name="タイトル 1"/>
+          <p:cNvSpPr txBox="1">
+            <a:spLocks/>
+          </p:cNvSpPr>
+          <p:nvPr/>
+        </p:nvSpPr>
+        <p:spPr>
+          <a:xfrm>
+            <a:off x="213755" y="-178130"/>
+            <a:ext cx="2071665" cy="733270"/>
+          </a:xfrm>
+          <a:prstGeom prst="rect">
+            <a:avLst/>
+          </a:prstGeom>
+        </p:spPr>
+        <p:txBody>
+          <a:bodyPr vert="horz" lIns="91440" tIns="45720" rIns="91440" bIns="45720" rtlCol="0" anchor="ctr">
+            <a:normAutofit/>
+          </a:bodyPr>
+          <a:lstStyle>
+            <a:lvl1pPr algn="l" defTabSz="914400" rtl="0" eaLnBrk="1" latinLnBrk="0" hangingPunct="1">
+              <a:lnSpc>
+                <a:spcPct val="90000"/>
+              </a:lnSpc>
+              <a:spcBef>
+                <a:spcPct val="0"/>
+              </a:spcBef>
+              <a:buNone/>
+              <a:defRPr kumimoji="1" sz="4400" kern="1200">
+                <a:solidFill>
+                  <a:schemeClr val="tx1"/>
+                </a:solidFill>
+                <a:latin typeface="メイリオ" panose="020B0604030504040204" pitchFamily="50" charset="-128"/>
+                <a:ea typeface="メイリオ" panose="020B0604030504040204" pitchFamily="50" charset="-128"/>
+                <a:cs typeface="メイリオ" panose="020B0604030504040204" pitchFamily="50" charset="-128"/>
+              </a:defRPr>
+            </a:lvl1pPr>
+          </a:lstStyle>
+          <a:p>
+            <a:r>
+              <a:rPr lang="ja-JP" altLang="en-US" sz="2000" b="1" dirty="0" smtClean="0">
+                <a:solidFill>
+                  <a:srgbClr val="FF0000"/>
+                </a:solidFill>
+              </a:rPr>
+              <a:t>補足資料</a:t>
+            </a:r>
+            <a:endParaRPr lang="ja-JP" altLang="en-US" sz="2000" b="1" dirty="0">
+              <a:solidFill>
+                <a:srgbClr val="FF0000"/>
+              </a:solidFill>
+            </a:endParaRPr>
+          </a:p>
+        </p:txBody>
+      </p:sp>
     </p:spTree>
     <p:extLst>
       <p:ext uri="{BB962C8B-B14F-4D97-AF65-F5344CB8AC3E}">
-        <p14:creationId xmlns:p14="http://schemas.microsoft.com/office/powerpoint/2010/main" val="1737715215"/>
+        <p14:creationId xmlns:p14="http://schemas.microsoft.com/office/powerpoint/2010/main" val="4119758349"/>
       </p:ext>
     </p:extLst>
   </p:cSld>
@@ -39576,7 +37712,7 @@
 </p:sld>
 </file>
 
-<file path=ppt/slides/slide34.xml><?xml version="1.0" encoding="utf-8"?>
+<file path=ppt/slides/slide32.xml><?xml version="1.0" encoding="utf-8"?>
 <p:sld xmlns:a="http://schemas.openxmlformats.org/drawingml/2006/main" xmlns:r="http://schemas.openxmlformats.org/officeDocument/2006/relationships" xmlns:p="http://schemas.openxmlformats.org/presentationml/2006/main">
   <p:cSld>
     <p:spTree>
@@ -39635,1309 +37771,6 @@
           </a:p>
         </p:txBody>
       </p:sp>
-      <mc:AlternateContent xmlns:mc="http://schemas.openxmlformats.org/markup-compatibility/2006" xmlns:a14="http://schemas.microsoft.com/office/drawing/2010/main">
-        <mc:Choice Requires="a14">
-          <p:sp>
-            <p:nvSpPr>
-              <p:cNvPr id="3" name="コンテンツ プレースホルダー 2"/>
-              <p:cNvSpPr>
-                <a:spLocks noGrp="1"/>
-              </p:cNvSpPr>
-              <p:nvPr>
-                <p:ph idx="1"/>
-              </p:nvPr>
-            </p:nvSpPr>
-            <p:spPr>
-              <a:xfrm>
-                <a:off x="4019097" y="1070219"/>
-                <a:ext cx="7435618" cy="2500884"/>
-              </a:xfrm>
-            </p:spPr>
-            <p:txBody>
-              <a:bodyPr>
-                <a:normAutofit/>
-              </a:bodyPr>
-              <a:lstStyle/>
-              <a:p>
-                <a:pPr marL="0" indent="0">
-                  <a:lnSpc>
-                    <a:spcPct val="100000"/>
-                  </a:lnSpc>
-                  <a:spcBef>
-                    <a:spcPts val="1200"/>
-                  </a:spcBef>
-                  <a:buNone/>
-                </a:pPr>
-                <a:r>
-                  <a:rPr lang="ja-JP" altLang="en-US" sz="2000" dirty="0" smtClean="0"/>
-                  <a:t>画像上で</a:t>
-                </a:r>
-                <a:r>
-                  <a:rPr lang="en-US" altLang="ja-JP" sz="2000" dirty="0" smtClean="0"/>
-                  <a:t>『</a:t>
-                </a:r>
-                <a:r>
-                  <a:rPr lang="ja-JP" altLang="en-US" sz="2000" dirty="0" smtClean="0"/>
-                  <a:t>点</a:t>
-                </a:r>
-                <a:r>
-                  <a:rPr lang="en-US" altLang="ja-JP" sz="2000" dirty="0" smtClean="0"/>
-                  <a:t>(</a:t>
-                </a:r>
-                <a:r>
-                  <a:rPr lang="en-US" altLang="ja-JP" sz="2000" i="1" dirty="0" err="1" smtClean="0"/>
-                  <a:t>u</a:t>
-                </a:r>
-                <a:r>
-                  <a:rPr lang="en-US" altLang="ja-JP" sz="2000" dirty="0" err="1" smtClean="0"/>
-                  <a:t>,</a:t>
-                </a:r>
-                <a:r>
-                  <a:rPr lang="en-US" altLang="ja-JP" sz="2000" i="1" dirty="0" err="1" smtClean="0"/>
-                  <a:t>v</a:t>
-                </a:r>
-                <a:r>
-                  <a:rPr lang="en-US" altLang="ja-JP" sz="2000" dirty="0" smtClean="0"/>
-                  <a:t>)</a:t>
-                </a:r>
-                <a:r>
-                  <a:rPr lang="ja-JP" altLang="en-US" sz="2000" dirty="0" smtClean="0"/>
-                  <a:t>を中心とする領域</a:t>
-                </a:r>
-                <a:r>
-                  <a:rPr lang="en-US" altLang="ja-JP" sz="2000" dirty="0" smtClean="0"/>
-                  <a:t>A』</a:t>
-                </a:r>
-                <a:r>
-                  <a:rPr lang="ja-JP" altLang="en-US" sz="2000" dirty="0" smtClean="0"/>
-                  <a:t>と</a:t>
-                </a:r>
-                <a:r>
-                  <a:rPr lang="en-US" altLang="ja-JP" sz="2000" dirty="0" smtClean="0"/>
-                  <a:t>『</a:t>
-                </a:r>
-                <a:r>
-                  <a:rPr lang="ja-JP" altLang="en-US" sz="2000" dirty="0" smtClean="0"/>
-                  <a:t>微少量</a:t>
-                </a:r>
-                <a:r>
-                  <a:rPr lang="en-US" altLang="ja-JP" sz="2000" dirty="0" smtClean="0"/>
-                  <a:t>(</a:t>
-                </a:r>
-                <a:r>
-                  <a:rPr lang="en-US" altLang="ja-JP" sz="2000" i="1" dirty="0" err="1" smtClean="0"/>
-                  <a:t>x</a:t>
-                </a:r>
-                <a:r>
-                  <a:rPr lang="en-US" altLang="ja-JP" sz="2000" dirty="0" err="1" smtClean="0"/>
-                  <a:t>,</a:t>
-                </a:r>
-                <a:r>
-                  <a:rPr lang="en-US" altLang="ja-JP" sz="2000" i="1" dirty="0" err="1"/>
-                  <a:t>y</a:t>
-                </a:r>
-                <a:r>
-                  <a:rPr lang="en-US" altLang="ja-JP" sz="2000" dirty="0" smtClean="0"/>
-                  <a:t>)</a:t>
-                </a:r>
-                <a:r>
-                  <a:rPr lang="ja-JP" altLang="en-US" sz="2000" dirty="0" err="1" smtClean="0"/>
-                  <a:t>だけ</a:t>
-                </a:r>
-                <a:r>
-                  <a:rPr lang="ja-JP" altLang="en-US" sz="2000" dirty="0" smtClean="0"/>
-                  <a:t>動かした領域</a:t>
-                </a:r>
-                <a:r>
-                  <a:rPr lang="en-US" altLang="ja-JP" sz="2000" dirty="0" smtClean="0"/>
-                  <a:t>B』</a:t>
-                </a:r>
-                <a:r>
-                  <a:rPr lang="ja-JP" altLang="en-US" sz="2000" dirty="0" smtClean="0"/>
-                  <a:t>の差は以下の通り</a:t>
-                </a:r>
-                <a:endParaRPr lang="en-US" altLang="ja-JP" sz="2000" dirty="0" smtClean="0"/>
-              </a:p>
-              <a:p>
-                <a:pPr marL="0" indent="0">
-                  <a:lnSpc>
-                    <a:spcPct val="100000"/>
-                  </a:lnSpc>
-                  <a:spcBef>
-                    <a:spcPts val="1200"/>
-                  </a:spcBef>
-                  <a:buNone/>
-                </a:pPr>
-                <a:endParaRPr lang="en-US" altLang="ja-JP" sz="1000" dirty="0" smtClean="0"/>
-              </a:p>
-              <a:p>
-                <a:pPr marL="0" indent="0">
-                  <a:lnSpc>
-                    <a:spcPct val="100000"/>
-                  </a:lnSpc>
-                  <a:spcBef>
-                    <a:spcPts val="1200"/>
-                  </a:spcBef>
-                  <a:buNone/>
-                </a:pPr>
-                <a14:m>
-                  <m:oMathPara xmlns:m="http://schemas.openxmlformats.org/officeDocument/2006/math">
-                    <m:oMathParaPr>
-                      <m:jc m:val="centerGroup"/>
-                    </m:oMathParaPr>
-                    <m:oMath xmlns:m="http://schemas.openxmlformats.org/officeDocument/2006/math">
-                      <m:r>
-                        <a:rPr lang="en-US" altLang="ja-JP" sz="2000" i="1">
-                          <a:latin typeface="Cambria Math" panose="02040503050406030204" pitchFamily="18" charset="0"/>
-                        </a:rPr>
-                        <m:t>𝐷</m:t>
-                      </m:r>
-                      <m:d>
-                        <m:dPr>
-                          <m:ctrlPr>
-                            <a:rPr lang="en-US" altLang="ja-JP" sz="2000" i="1">
-                              <a:latin typeface="Cambria Math" panose="02040503050406030204" pitchFamily="18" charset="0"/>
-                            </a:rPr>
-                          </m:ctrlPr>
-                        </m:dPr>
-                        <m:e>
-                          <m:r>
-                            <a:rPr lang="en-US" altLang="ja-JP" sz="2000" i="1">
-                              <a:latin typeface="Cambria Math" panose="02040503050406030204" pitchFamily="18" charset="0"/>
-                            </a:rPr>
-                            <m:t>𝑥</m:t>
-                          </m:r>
-                          <m:r>
-                            <a:rPr lang="en-US" altLang="ja-JP" sz="2000" i="1">
-                              <a:latin typeface="Cambria Math" panose="02040503050406030204" pitchFamily="18" charset="0"/>
-                            </a:rPr>
-                            <m:t>,</m:t>
-                          </m:r>
-                          <m:r>
-                            <a:rPr lang="en-US" altLang="ja-JP" sz="2000" i="1">
-                              <a:latin typeface="Cambria Math" panose="02040503050406030204" pitchFamily="18" charset="0"/>
-                            </a:rPr>
-                            <m:t>𝑦</m:t>
-                          </m:r>
-                        </m:e>
-                      </m:d>
-                      <m:r>
-                        <a:rPr lang="en-US" altLang="ja-JP" sz="2000" i="1">
-                          <a:latin typeface="Cambria Math" panose="02040503050406030204" pitchFamily="18" charset="0"/>
-                        </a:rPr>
-                        <m:t>=</m:t>
-                      </m:r>
-                      <m:d>
-                        <m:dPr>
-                          <m:ctrlPr>
-                            <a:rPr lang="en-US" altLang="ja-JP" sz="2000" i="1">
-                              <a:latin typeface="Cambria Math" panose="02040503050406030204" pitchFamily="18" charset="0"/>
-                            </a:rPr>
-                          </m:ctrlPr>
-                        </m:dPr>
-                        <m:e>
-                          <m:r>
-                            <a:rPr lang="en-US" altLang="ja-JP" sz="2000" i="1">
-                              <a:latin typeface="Cambria Math" panose="02040503050406030204" pitchFamily="18" charset="0"/>
-                            </a:rPr>
-                            <m:t>𝑥</m:t>
-                          </m:r>
-                          <m:r>
-                            <a:rPr lang="en-US" altLang="ja-JP" sz="2000" i="1">
-                              <a:latin typeface="Cambria Math" panose="02040503050406030204" pitchFamily="18" charset="0"/>
-                            </a:rPr>
-                            <m:t>,</m:t>
-                          </m:r>
-                          <m:r>
-                            <a:rPr lang="en-US" altLang="ja-JP" sz="2000" i="1">
-                              <a:latin typeface="Cambria Math" panose="02040503050406030204" pitchFamily="18" charset="0"/>
-                            </a:rPr>
-                            <m:t>𝑦</m:t>
-                          </m:r>
-                        </m:e>
-                      </m:d>
-                      <m:r>
-                        <a:rPr lang="en-US" altLang="ja-JP" sz="2000" b="1">
-                          <a:latin typeface="Cambria Math" panose="02040503050406030204" pitchFamily="18" charset="0"/>
-                        </a:rPr>
-                        <m:t>𝐀</m:t>
-                      </m:r>
-                      <m:d>
-                        <m:dPr>
-                          <m:ctrlPr>
-                            <a:rPr lang="en-US" altLang="ja-JP" sz="2000" b="1" i="1">
-                              <a:latin typeface="Cambria Math" panose="02040503050406030204" pitchFamily="18" charset="0"/>
-                            </a:rPr>
-                          </m:ctrlPr>
-                        </m:dPr>
-                        <m:e>
-                          <m:m>
-                            <m:mPr>
-                              <m:mcs>
-                                <m:mc>
-                                  <m:mcPr>
-                                    <m:count m:val="1"/>
-                                    <m:mcJc m:val="center"/>
-                                  </m:mcPr>
-                                </m:mc>
-                              </m:mcs>
-                              <m:ctrlPr>
-                                <a:rPr lang="en-US" altLang="ja-JP" sz="2000" i="1">
-                                  <a:latin typeface="Cambria Math" panose="02040503050406030204" pitchFamily="18" charset="0"/>
-                                </a:rPr>
-                              </m:ctrlPr>
-                            </m:mPr>
-                            <m:mr>
-                              <m:e>
-                                <m:r>
-                                  <m:rPr>
-                                    <m:brk m:alnAt="7"/>
-                                  </m:rPr>
-                                  <a:rPr lang="en-US" altLang="ja-JP" sz="2000" i="1">
-                                    <a:latin typeface="Cambria Math" panose="02040503050406030204" pitchFamily="18" charset="0"/>
-                                  </a:rPr>
-                                  <m:t>𝑥</m:t>
-                                </m:r>
-                              </m:e>
-                            </m:mr>
-                            <m:mr>
-                              <m:e>
-                                <m:r>
-                                  <a:rPr lang="en-US" altLang="ja-JP" sz="2000" i="1">
-                                    <a:latin typeface="Cambria Math" panose="02040503050406030204" pitchFamily="18" charset="0"/>
-                                  </a:rPr>
-                                  <m:t>𝑦</m:t>
-                                </m:r>
-                              </m:e>
-                            </m:mr>
-                          </m:m>
-                        </m:e>
-                      </m:d>
-                      <m:r>
-                        <a:rPr lang="en-US" altLang="ja-JP" sz="2000" b="1">
-                          <a:latin typeface="Cambria Math" panose="02040503050406030204" pitchFamily="18" charset="0"/>
-                        </a:rPr>
-                        <m:t>,   </m:t>
-                      </m:r>
-                      <m:r>
-                        <a:rPr lang="en-US" altLang="ja-JP" sz="2000" b="1">
-                          <a:latin typeface="Cambria Math" panose="02040503050406030204" pitchFamily="18" charset="0"/>
-                        </a:rPr>
-                        <m:t>𝐀</m:t>
-                      </m:r>
-                      <m:r>
-                        <a:rPr lang="en-US" altLang="ja-JP" sz="2000" i="1">
-                          <a:latin typeface="Cambria Math" panose="02040503050406030204" pitchFamily="18" charset="0"/>
-                        </a:rPr>
-                        <m:t>=</m:t>
-                      </m:r>
-                      <m:nary>
-                        <m:naryPr>
-                          <m:chr m:val="∑"/>
-                          <m:supHide m:val="on"/>
-                          <m:ctrlPr>
-                            <a:rPr lang="en-US" altLang="ja-JP" sz="2000" i="1">
-                              <a:latin typeface="Cambria Math" panose="02040503050406030204" pitchFamily="18" charset="0"/>
-                            </a:rPr>
-                          </m:ctrlPr>
-                        </m:naryPr>
-                        <m:sub>
-                          <m:r>
-                            <m:rPr>
-                              <m:brk m:alnAt="7"/>
-                            </m:rPr>
-                            <a:rPr lang="en-US" altLang="ja-JP" sz="2000" i="1">
-                              <a:latin typeface="Cambria Math" panose="02040503050406030204" pitchFamily="18" charset="0"/>
-                            </a:rPr>
-                            <m:t>𝑥</m:t>
-                          </m:r>
-                          <m:r>
-                            <a:rPr lang="en-US" altLang="ja-JP" sz="2000" i="1">
-                              <a:latin typeface="Cambria Math" panose="02040503050406030204" pitchFamily="18" charset="0"/>
-                            </a:rPr>
-                            <m:t>,</m:t>
-                          </m:r>
-                          <m:r>
-                            <a:rPr lang="en-US" altLang="ja-JP" sz="2000" i="1">
-                              <a:latin typeface="Cambria Math" panose="02040503050406030204" pitchFamily="18" charset="0"/>
-                            </a:rPr>
-                            <m:t>𝑦</m:t>
-                          </m:r>
-                        </m:sub>
-                        <m:sup/>
-                        <m:e>
-                          <m:r>
-                            <a:rPr lang="en-US" altLang="ja-JP" sz="2000" i="1">
-                              <a:latin typeface="Cambria Math" panose="02040503050406030204" pitchFamily="18" charset="0"/>
-                            </a:rPr>
-                            <m:t>𝐺</m:t>
-                          </m:r>
-                          <m:d>
-                            <m:dPr>
-                              <m:ctrlPr>
-                                <a:rPr lang="en-US" altLang="ja-JP" sz="2000" i="1">
-                                  <a:latin typeface="Cambria Math" panose="02040503050406030204" pitchFamily="18" charset="0"/>
-                                </a:rPr>
-                              </m:ctrlPr>
-                            </m:dPr>
-                            <m:e>
-                              <m:r>
-                                <a:rPr lang="en-US" altLang="ja-JP" sz="2000" i="1">
-                                  <a:latin typeface="Cambria Math" panose="02040503050406030204" pitchFamily="18" charset="0"/>
-                                </a:rPr>
-                                <m:t>𝑥</m:t>
-                              </m:r>
-                              <m:r>
-                                <a:rPr lang="en-US" altLang="ja-JP" sz="2000" i="1">
-                                  <a:latin typeface="Cambria Math" panose="02040503050406030204" pitchFamily="18" charset="0"/>
-                                </a:rPr>
-                                <m:t>,</m:t>
-                              </m:r>
-                              <m:r>
-                                <a:rPr lang="en-US" altLang="ja-JP" sz="2000" i="1">
-                                  <a:latin typeface="Cambria Math" panose="02040503050406030204" pitchFamily="18" charset="0"/>
-                                </a:rPr>
-                                <m:t>𝑦</m:t>
-                              </m:r>
-                            </m:e>
-                          </m:d>
-                        </m:e>
-                      </m:nary>
-                      <m:d>
-                        <m:dPr>
-                          <m:ctrlPr>
-                            <a:rPr lang="en-US" altLang="ja-JP" sz="2000" i="1">
-                              <a:latin typeface="Cambria Math" panose="02040503050406030204" pitchFamily="18" charset="0"/>
-                            </a:rPr>
-                          </m:ctrlPr>
-                        </m:dPr>
-                        <m:e>
-                          <m:m>
-                            <m:mPr>
-                              <m:mcs>
-                                <m:mc>
-                                  <m:mcPr>
-                                    <m:count m:val="2"/>
-                                    <m:mcJc m:val="center"/>
-                                  </m:mcPr>
-                                </m:mc>
-                              </m:mcs>
-                              <m:ctrlPr>
-                                <a:rPr lang="en-US" altLang="ja-JP" sz="2000" i="1">
-                                  <a:latin typeface="Cambria Math" panose="02040503050406030204" pitchFamily="18" charset="0"/>
-                                </a:rPr>
-                              </m:ctrlPr>
-                            </m:mPr>
-                            <m:mr>
-                              <m:e>
-                                <m:sSub>
-                                  <m:sSubPr>
-                                    <m:ctrlPr>
-                                      <a:rPr lang="en-US" altLang="ja-JP" sz="2000" i="1">
-                                        <a:latin typeface="Cambria Math" panose="02040503050406030204" pitchFamily="18" charset="0"/>
-                                      </a:rPr>
-                                    </m:ctrlPr>
-                                  </m:sSubPr>
-                                  <m:e>
-                                    <m:r>
-                                      <m:rPr>
-                                        <m:brk m:alnAt="7"/>
-                                      </m:rPr>
-                                      <a:rPr lang="en-US" altLang="ja-JP" sz="2000" i="1">
-                                        <a:latin typeface="Cambria Math" panose="02040503050406030204" pitchFamily="18" charset="0"/>
-                                      </a:rPr>
-                                      <m:t>𝐼</m:t>
-                                    </m:r>
-                                  </m:e>
-                                  <m:sub>
-                                    <m:r>
-                                      <m:rPr>
-                                        <m:brk m:alnAt="7"/>
-                                      </m:rPr>
-                                      <a:rPr lang="en-US" altLang="ja-JP" sz="2000" i="1">
-                                        <a:latin typeface="Cambria Math" panose="02040503050406030204" pitchFamily="18" charset="0"/>
-                                      </a:rPr>
-                                      <m:t>𝑥</m:t>
-                                    </m:r>
-                                  </m:sub>
-                                </m:sSub>
-                                <m:sSub>
-                                  <m:sSubPr>
-                                    <m:ctrlPr>
-                                      <a:rPr lang="en-US" altLang="ja-JP" sz="2000" i="1">
-                                        <a:latin typeface="Cambria Math" panose="02040503050406030204" pitchFamily="18" charset="0"/>
-                                      </a:rPr>
-                                    </m:ctrlPr>
-                                  </m:sSubPr>
-                                  <m:e>
-                                    <m:r>
-                                      <m:rPr>
-                                        <m:brk m:alnAt="7"/>
-                                      </m:rPr>
-                                      <a:rPr lang="en-US" altLang="ja-JP" sz="2000" i="1">
-                                        <a:latin typeface="Cambria Math" panose="02040503050406030204" pitchFamily="18" charset="0"/>
-                                      </a:rPr>
-                                      <m:t>𝐼</m:t>
-                                    </m:r>
-                                  </m:e>
-                                  <m:sub>
-                                    <m:r>
-                                      <m:rPr>
-                                        <m:brk m:alnAt="7"/>
-                                      </m:rPr>
-                                      <a:rPr lang="en-US" altLang="ja-JP" sz="2000" i="1">
-                                        <a:latin typeface="Cambria Math" panose="02040503050406030204" pitchFamily="18" charset="0"/>
-                                      </a:rPr>
-                                      <m:t>𝑥</m:t>
-                                    </m:r>
-                                  </m:sub>
-                                </m:sSub>
-                              </m:e>
-                              <m:e>
-                                <m:sSub>
-                                  <m:sSubPr>
-                                    <m:ctrlPr>
-                                      <a:rPr lang="en-US" altLang="ja-JP" sz="2000" i="1">
-                                        <a:latin typeface="Cambria Math" panose="02040503050406030204" pitchFamily="18" charset="0"/>
-                                      </a:rPr>
-                                    </m:ctrlPr>
-                                  </m:sSubPr>
-                                  <m:e>
-                                    <m:r>
-                                      <m:rPr>
-                                        <m:brk m:alnAt="7"/>
-                                      </m:rPr>
-                                      <a:rPr lang="en-US" altLang="ja-JP" sz="2000" i="1">
-                                        <a:latin typeface="Cambria Math" panose="02040503050406030204" pitchFamily="18" charset="0"/>
-                                      </a:rPr>
-                                      <m:t>𝐼</m:t>
-                                    </m:r>
-                                  </m:e>
-                                  <m:sub>
-                                    <m:r>
-                                      <m:rPr>
-                                        <m:brk m:alnAt="7"/>
-                                      </m:rPr>
-                                      <a:rPr lang="en-US" altLang="ja-JP" sz="2000" i="1">
-                                        <a:latin typeface="Cambria Math" panose="02040503050406030204" pitchFamily="18" charset="0"/>
-                                      </a:rPr>
-                                      <m:t>𝑥</m:t>
-                                    </m:r>
-                                  </m:sub>
-                                </m:sSub>
-                                <m:sSub>
-                                  <m:sSubPr>
-                                    <m:ctrlPr>
-                                      <a:rPr lang="en-US" altLang="ja-JP" sz="2000" i="1">
-                                        <a:latin typeface="Cambria Math" panose="02040503050406030204" pitchFamily="18" charset="0"/>
-                                      </a:rPr>
-                                    </m:ctrlPr>
-                                  </m:sSubPr>
-                                  <m:e>
-                                    <m:r>
-                                      <m:rPr>
-                                        <m:brk m:alnAt="7"/>
-                                      </m:rPr>
-                                      <a:rPr lang="en-US" altLang="ja-JP" sz="2000" i="1">
-                                        <a:latin typeface="Cambria Math" panose="02040503050406030204" pitchFamily="18" charset="0"/>
-                                      </a:rPr>
-                                      <m:t>𝐼</m:t>
-                                    </m:r>
-                                  </m:e>
-                                  <m:sub>
-                                    <m:r>
-                                      <a:rPr lang="en-US" altLang="ja-JP" sz="2000" i="1">
-                                        <a:latin typeface="Cambria Math" panose="02040503050406030204" pitchFamily="18" charset="0"/>
-                                      </a:rPr>
-                                      <m:t>𝑦</m:t>
-                                    </m:r>
-                                  </m:sub>
-                                </m:sSub>
-                              </m:e>
-                            </m:mr>
-                            <m:mr>
-                              <m:e>
-                                <m:sSub>
-                                  <m:sSubPr>
-                                    <m:ctrlPr>
-                                      <a:rPr lang="en-US" altLang="ja-JP" sz="2000" i="1">
-                                        <a:latin typeface="Cambria Math" panose="02040503050406030204" pitchFamily="18" charset="0"/>
-                                      </a:rPr>
-                                    </m:ctrlPr>
-                                  </m:sSubPr>
-                                  <m:e>
-                                    <m:r>
-                                      <m:rPr>
-                                        <m:brk m:alnAt="7"/>
-                                      </m:rPr>
-                                      <a:rPr lang="en-US" altLang="ja-JP" sz="2000" i="1">
-                                        <a:latin typeface="Cambria Math" panose="02040503050406030204" pitchFamily="18" charset="0"/>
-                                      </a:rPr>
-                                      <m:t>𝐼</m:t>
-                                    </m:r>
-                                  </m:e>
-                                  <m:sub>
-                                    <m:r>
-                                      <m:rPr>
-                                        <m:brk m:alnAt="7"/>
-                                      </m:rPr>
-                                      <a:rPr lang="en-US" altLang="ja-JP" sz="2000" i="1">
-                                        <a:latin typeface="Cambria Math" panose="02040503050406030204" pitchFamily="18" charset="0"/>
-                                      </a:rPr>
-                                      <m:t>𝑥</m:t>
-                                    </m:r>
-                                  </m:sub>
-                                </m:sSub>
-                                <m:sSub>
-                                  <m:sSubPr>
-                                    <m:ctrlPr>
-                                      <a:rPr lang="en-US" altLang="ja-JP" sz="2000" i="1">
-                                        <a:latin typeface="Cambria Math" panose="02040503050406030204" pitchFamily="18" charset="0"/>
-                                      </a:rPr>
-                                    </m:ctrlPr>
-                                  </m:sSubPr>
-                                  <m:e>
-                                    <m:r>
-                                      <m:rPr>
-                                        <m:brk m:alnAt="7"/>
-                                      </m:rPr>
-                                      <a:rPr lang="en-US" altLang="ja-JP" sz="2000" i="1">
-                                        <a:latin typeface="Cambria Math" panose="02040503050406030204" pitchFamily="18" charset="0"/>
-                                      </a:rPr>
-                                      <m:t>𝐼</m:t>
-                                    </m:r>
-                                  </m:e>
-                                  <m:sub>
-                                    <m:r>
-                                      <a:rPr lang="en-US" altLang="ja-JP" sz="2000" i="1">
-                                        <a:latin typeface="Cambria Math" panose="02040503050406030204" pitchFamily="18" charset="0"/>
-                                      </a:rPr>
-                                      <m:t>𝑦</m:t>
-                                    </m:r>
-                                  </m:sub>
-                                </m:sSub>
-                              </m:e>
-                              <m:e>
-                                <m:sSub>
-                                  <m:sSubPr>
-                                    <m:ctrlPr>
-                                      <a:rPr lang="en-US" altLang="ja-JP" sz="2000" i="1">
-                                        <a:latin typeface="Cambria Math" panose="02040503050406030204" pitchFamily="18" charset="0"/>
-                                      </a:rPr>
-                                    </m:ctrlPr>
-                                  </m:sSubPr>
-                                  <m:e>
-                                    <m:r>
-                                      <m:rPr>
-                                        <m:brk m:alnAt="7"/>
-                                      </m:rPr>
-                                      <a:rPr lang="en-US" altLang="ja-JP" sz="2000" i="1">
-                                        <a:latin typeface="Cambria Math" panose="02040503050406030204" pitchFamily="18" charset="0"/>
-                                      </a:rPr>
-                                      <m:t>𝐼</m:t>
-                                    </m:r>
-                                  </m:e>
-                                  <m:sub>
-                                    <m:r>
-                                      <a:rPr lang="en-US" altLang="ja-JP" sz="2000" i="1">
-                                        <a:latin typeface="Cambria Math" panose="02040503050406030204" pitchFamily="18" charset="0"/>
-                                      </a:rPr>
-                                      <m:t>𝑦</m:t>
-                                    </m:r>
-                                  </m:sub>
-                                </m:sSub>
-                                <m:sSub>
-                                  <m:sSubPr>
-                                    <m:ctrlPr>
-                                      <a:rPr lang="en-US" altLang="ja-JP" sz="2000" i="1">
-                                        <a:latin typeface="Cambria Math" panose="02040503050406030204" pitchFamily="18" charset="0"/>
-                                      </a:rPr>
-                                    </m:ctrlPr>
-                                  </m:sSubPr>
-                                  <m:e>
-                                    <m:r>
-                                      <m:rPr>
-                                        <m:brk m:alnAt="7"/>
-                                      </m:rPr>
-                                      <a:rPr lang="en-US" altLang="ja-JP" sz="2000" i="1">
-                                        <a:latin typeface="Cambria Math" panose="02040503050406030204" pitchFamily="18" charset="0"/>
-                                      </a:rPr>
-                                      <m:t>𝐼</m:t>
-                                    </m:r>
-                                  </m:e>
-                                  <m:sub>
-                                    <m:r>
-                                      <a:rPr lang="en-US" altLang="ja-JP" sz="2000" i="1">
-                                        <a:latin typeface="Cambria Math" panose="02040503050406030204" pitchFamily="18" charset="0"/>
-                                      </a:rPr>
-                                      <m:t>𝑦</m:t>
-                                    </m:r>
-                                  </m:sub>
-                                </m:sSub>
-                              </m:e>
-                            </m:mr>
-                          </m:m>
-                        </m:e>
-                      </m:d>
-                    </m:oMath>
-                  </m:oMathPara>
-                </a14:m>
-                <a:endParaRPr lang="en-US" altLang="ja-JP" sz="2000" dirty="0"/>
-              </a:p>
-            </p:txBody>
-          </p:sp>
-        </mc:Choice>
-        <mc:Fallback xmlns="">
-          <p:sp>
-            <p:nvSpPr>
-              <p:cNvPr id="3" name="コンテンツ プレースホルダー 2"/>
-              <p:cNvSpPr>
-                <a:spLocks noGrp="1" noRot="1" noChangeAspect="1" noMove="1" noResize="1" noEditPoints="1" noAdjustHandles="1" noChangeArrowheads="1" noChangeShapeType="1" noTextEdit="1"/>
-              </p:cNvSpPr>
-              <p:nvPr>
-                <p:ph idx="1"/>
-              </p:nvPr>
-            </p:nvSpPr>
-            <p:spPr>
-              <a:xfrm>
-                <a:off x="4019097" y="1070219"/>
-                <a:ext cx="7435618" cy="2500884"/>
-              </a:xfrm>
-              <a:blipFill rotWithShape="0">
-                <a:blip r:embed="rId2"/>
-                <a:stretch>
-                  <a:fillRect l="-820" t="-1707" r="-656"/>
-                </a:stretch>
-              </a:blipFill>
-            </p:spPr>
-            <p:txBody>
-              <a:bodyPr/>
-              <a:lstStyle/>
-              <a:p>
-                <a:r>
-                  <a:rPr lang="ja-JP" altLang="en-US">
-                    <a:noFill/>
-                  </a:rPr>
-                  <a:t> </a:t>
-                </a:r>
-              </a:p>
-            </p:txBody>
-          </p:sp>
-        </mc:Fallback>
-      </mc:AlternateContent>
-      <p:grpSp>
-        <p:nvGrpSpPr>
-          <p:cNvPr id="26" name="グループ化 25"/>
-          <p:cNvGrpSpPr/>
-          <p:nvPr/>
-        </p:nvGrpSpPr>
-        <p:grpSpPr>
-          <a:xfrm>
-            <a:off x="297866" y="333829"/>
-            <a:ext cx="3443321" cy="3296896"/>
-            <a:chOff x="399467" y="1145541"/>
-            <a:chExt cx="3020008" cy="2891584"/>
-          </a:xfrm>
-        </p:grpSpPr>
-        <p:grpSp>
-          <p:nvGrpSpPr>
-            <p:cNvPr id="15" name="グループ化 14"/>
-            <p:cNvGrpSpPr/>
-            <p:nvPr/>
-          </p:nvGrpSpPr>
-          <p:grpSpPr>
-            <a:xfrm>
-              <a:off x="559997" y="1145541"/>
-              <a:ext cx="2859478" cy="2891584"/>
-              <a:chOff x="588572" y="1355091"/>
-              <a:chExt cx="2264385" cy="2289809"/>
-            </a:xfrm>
-          </p:grpSpPr>
-          <p:pic>
-            <p:nvPicPr>
-              <p:cNvPr id="4" name="図 3"/>
-              <p:cNvPicPr>
-                <a:picLocks noChangeAspect="1"/>
-              </p:cNvPicPr>
-              <p:nvPr/>
-            </p:nvPicPr>
-            <p:blipFill rotWithShape="1">
-              <a:blip r:embed="rId3">
-                <a:extLst>
-                  <a:ext uri="{28A0092B-C50C-407E-A947-70E740481C1C}">
-                    <a14:useLocalDpi xmlns:a14="http://schemas.microsoft.com/office/drawing/2010/main" val="0"/>
-                  </a:ext>
-                </a:extLst>
-              </a:blip>
-              <a:srcRect l="61147" t="28862" r="33520" b="63944"/>
-              <a:stretch/>
-            </p:blipFill>
-            <p:spPr>
-              <a:xfrm>
-                <a:off x="588572" y="1355091"/>
-                <a:ext cx="2264385" cy="2289809"/>
-              </a:xfrm>
-              <a:prstGeom prst="rect">
-                <a:avLst/>
-              </a:prstGeom>
-            </p:spPr>
-          </p:pic>
-          <p:grpSp>
-            <p:nvGrpSpPr>
-              <p:cNvPr id="7" name="グループ化 6"/>
-              <p:cNvGrpSpPr/>
-              <p:nvPr/>
-            </p:nvGrpSpPr>
-            <p:grpSpPr>
-              <a:xfrm>
-                <a:off x="1347788" y="2138363"/>
-                <a:ext cx="704850" cy="704850"/>
-                <a:chOff x="1347788" y="2138363"/>
-                <a:chExt cx="704850" cy="704850"/>
-              </a:xfrm>
-            </p:grpSpPr>
-            <p:sp>
-              <p:nvSpPr>
-                <p:cNvPr id="5" name="円/楕円 4"/>
-                <p:cNvSpPr/>
-                <p:nvPr/>
-              </p:nvSpPr>
-              <p:spPr>
-                <a:xfrm>
-                  <a:off x="1677353" y="2467928"/>
-                  <a:ext cx="45720" cy="45720"/>
-                </a:xfrm>
-                <a:prstGeom prst="ellipse">
-                  <a:avLst/>
-                </a:prstGeom>
-                <a:solidFill>
-                  <a:srgbClr val="FF0000"/>
-                </a:solidFill>
-                <a:ln>
-                  <a:solidFill>
-                    <a:srgbClr val="FF0000"/>
-                  </a:solidFill>
-                </a:ln>
-              </p:spPr>
-              <p:style>
-                <a:lnRef idx="2">
-                  <a:schemeClr val="accent1">
-                    <a:shade val="50000"/>
-                  </a:schemeClr>
-                </a:lnRef>
-                <a:fillRef idx="1">
-                  <a:schemeClr val="accent1"/>
-                </a:fillRef>
-                <a:effectRef idx="0">
-                  <a:schemeClr val="accent1"/>
-                </a:effectRef>
-                <a:fontRef idx="minor">
-                  <a:schemeClr val="lt1"/>
-                </a:fontRef>
-              </p:style>
-              <p:txBody>
-                <a:bodyPr rtlCol="0" anchor="ctr"/>
-                <a:lstStyle/>
-                <a:p>
-                  <a:pPr algn="ctr"/>
-                  <a:endParaRPr kumimoji="1" lang="ja-JP" altLang="en-US"/>
-                </a:p>
-              </p:txBody>
-            </p:sp>
-            <p:sp>
-              <p:nvSpPr>
-                <p:cNvPr id="6" name="正方形/長方形 5"/>
-                <p:cNvSpPr/>
-                <p:nvPr/>
-              </p:nvSpPr>
-              <p:spPr>
-                <a:xfrm>
-                  <a:off x="1347788" y="2138363"/>
-                  <a:ext cx="704850" cy="704850"/>
-                </a:xfrm>
-                <a:prstGeom prst="rect">
-                  <a:avLst/>
-                </a:prstGeom>
-                <a:noFill/>
-                <a:ln w="22225">
-                  <a:solidFill>
-                    <a:srgbClr val="FF0000"/>
-                  </a:solidFill>
-                </a:ln>
-              </p:spPr>
-              <p:style>
-                <a:lnRef idx="2">
-                  <a:schemeClr val="accent1">
-                    <a:shade val="50000"/>
-                  </a:schemeClr>
-                </a:lnRef>
-                <a:fillRef idx="1">
-                  <a:schemeClr val="accent1"/>
-                </a:fillRef>
-                <a:effectRef idx="0">
-                  <a:schemeClr val="accent1"/>
-                </a:effectRef>
-                <a:fontRef idx="minor">
-                  <a:schemeClr val="lt1"/>
-                </a:fontRef>
-              </p:style>
-              <p:txBody>
-                <a:bodyPr rtlCol="0" anchor="ctr"/>
-                <a:lstStyle/>
-                <a:p>
-                  <a:pPr algn="ctr"/>
-                  <a:endParaRPr kumimoji="1" lang="ja-JP" altLang="en-US"/>
-                </a:p>
-              </p:txBody>
-            </p:sp>
-          </p:grpSp>
-          <p:grpSp>
-            <p:nvGrpSpPr>
-              <p:cNvPr id="12" name="グループ化 11"/>
-              <p:cNvGrpSpPr/>
-              <p:nvPr/>
-            </p:nvGrpSpPr>
-            <p:grpSpPr>
-              <a:xfrm>
-                <a:off x="1513675" y="1854692"/>
-                <a:ext cx="704850" cy="704850"/>
-                <a:chOff x="1332700" y="2121392"/>
-                <a:chExt cx="704850" cy="704850"/>
-              </a:xfrm>
-            </p:grpSpPr>
-            <p:sp>
-              <p:nvSpPr>
-                <p:cNvPr id="13" name="円/楕円 12"/>
-                <p:cNvSpPr/>
-                <p:nvPr/>
-              </p:nvSpPr>
-              <p:spPr>
-                <a:xfrm>
-                  <a:off x="1662265" y="2450957"/>
-                  <a:ext cx="45720" cy="45720"/>
-                </a:xfrm>
-                <a:prstGeom prst="ellipse">
-                  <a:avLst/>
-                </a:prstGeom>
-                <a:solidFill>
-                  <a:srgbClr val="00B050"/>
-                </a:solidFill>
-                <a:ln>
-                  <a:solidFill>
-                    <a:srgbClr val="00B050"/>
-                  </a:solidFill>
-                </a:ln>
-              </p:spPr>
-              <p:style>
-                <a:lnRef idx="2">
-                  <a:schemeClr val="accent1">
-                    <a:shade val="50000"/>
-                  </a:schemeClr>
-                </a:lnRef>
-                <a:fillRef idx="1">
-                  <a:schemeClr val="accent1"/>
-                </a:fillRef>
-                <a:effectRef idx="0">
-                  <a:schemeClr val="accent1"/>
-                </a:effectRef>
-                <a:fontRef idx="minor">
-                  <a:schemeClr val="lt1"/>
-                </a:fontRef>
-              </p:style>
-              <p:txBody>
-                <a:bodyPr rtlCol="0" anchor="ctr"/>
-                <a:lstStyle/>
-                <a:p>
-                  <a:pPr algn="ctr"/>
-                  <a:endParaRPr kumimoji="1" lang="ja-JP" altLang="en-US"/>
-                </a:p>
-              </p:txBody>
-            </p:sp>
-            <p:sp>
-              <p:nvSpPr>
-                <p:cNvPr id="14" name="正方形/長方形 13"/>
-                <p:cNvSpPr/>
-                <p:nvPr/>
-              </p:nvSpPr>
-              <p:spPr>
-                <a:xfrm>
-                  <a:off x="1332700" y="2121392"/>
-                  <a:ext cx="704850" cy="704850"/>
-                </a:xfrm>
-                <a:prstGeom prst="rect">
-                  <a:avLst/>
-                </a:prstGeom>
-                <a:noFill/>
-                <a:ln w="22225">
-                  <a:solidFill>
-                    <a:srgbClr val="00B050"/>
-                  </a:solidFill>
-                </a:ln>
-              </p:spPr>
-              <p:style>
-                <a:lnRef idx="2">
-                  <a:schemeClr val="accent1">
-                    <a:shade val="50000"/>
-                  </a:schemeClr>
-                </a:lnRef>
-                <a:fillRef idx="1">
-                  <a:schemeClr val="accent1"/>
-                </a:fillRef>
-                <a:effectRef idx="0">
-                  <a:schemeClr val="accent1"/>
-                </a:effectRef>
-                <a:fontRef idx="minor">
-                  <a:schemeClr val="lt1"/>
-                </a:fontRef>
-              </p:style>
-              <p:txBody>
-                <a:bodyPr rtlCol="0" anchor="ctr"/>
-                <a:lstStyle/>
-                <a:p>
-                  <a:pPr algn="ctr"/>
-                  <a:endParaRPr kumimoji="1" lang="ja-JP" altLang="en-US"/>
-                </a:p>
-              </p:txBody>
-            </p:sp>
-          </p:grpSp>
-        </p:grpSp>
-        <p:sp>
-          <p:nvSpPr>
-            <p:cNvPr id="16" name="正方形/長方形 15"/>
-            <p:cNvSpPr/>
-            <p:nvPr/>
-          </p:nvSpPr>
-          <p:spPr>
-            <a:xfrm>
-              <a:off x="1165117" y="2701409"/>
-              <a:ext cx="495649" cy="707886"/>
-            </a:xfrm>
-            <a:prstGeom prst="rect">
-              <a:avLst/>
-            </a:prstGeom>
-          </p:spPr>
-          <p:txBody>
-            <a:bodyPr wrap="none">
-              <a:spAutoFit/>
-            </a:bodyPr>
-            <a:lstStyle/>
-            <a:p>
-              <a:r>
-                <a:rPr lang="en-US" altLang="ja-JP" sz="4000" b="1" dirty="0"/>
-                <a:t>A</a:t>
-              </a:r>
-              <a:endParaRPr lang="ja-JP" altLang="en-US" sz="4000" b="1" dirty="0"/>
-            </a:p>
-          </p:txBody>
-        </p:sp>
-        <p:sp>
-          <p:nvSpPr>
-            <p:cNvPr id="17" name="正方形/長方形 16"/>
-            <p:cNvSpPr/>
-            <p:nvPr/>
-          </p:nvSpPr>
-          <p:spPr>
-            <a:xfrm>
-              <a:off x="1288942" y="1434584"/>
-              <a:ext cx="471604" cy="707886"/>
-            </a:xfrm>
-            <a:prstGeom prst="rect">
-              <a:avLst/>
-            </a:prstGeom>
-          </p:spPr>
-          <p:txBody>
-            <a:bodyPr wrap="none">
-              <a:spAutoFit/>
-            </a:bodyPr>
-            <a:lstStyle/>
-            <a:p>
-              <a:r>
-                <a:rPr lang="en-US" altLang="ja-JP" sz="4000" b="1" dirty="0" smtClean="0"/>
-                <a:t>B</a:t>
-              </a:r>
-              <a:endParaRPr lang="ja-JP" altLang="en-US" sz="4000" b="1" dirty="0"/>
-            </a:p>
-          </p:txBody>
-        </p:sp>
-        <p:sp>
-          <p:nvSpPr>
-            <p:cNvPr id="18" name="正方形/長方形 17"/>
-            <p:cNvSpPr/>
-            <p:nvPr/>
-          </p:nvSpPr>
-          <p:spPr>
-            <a:xfrm>
-              <a:off x="574567" y="2428994"/>
-              <a:ext cx="670376" cy="400110"/>
-            </a:xfrm>
-            <a:prstGeom prst="rect">
-              <a:avLst/>
-            </a:prstGeom>
-          </p:spPr>
-          <p:txBody>
-            <a:bodyPr wrap="none">
-              <a:spAutoFit/>
-            </a:bodyPr>
-            <a:lstStyle/>
-            <a:p>
-              <a:r>
-                <a:rPr lang="en-US" altLang="ja-JP" sz="2000" dirty="0" smtClean="0"/>
-                <a:t>(</a:t>
-              </a:r>
-              <a:r>
-                <a:rPr lang="en-US" altLang="ja-JP" sz="2000" i="1" dirty="0" err="1" smtClean="0"/>
-                <a:t>u,v</a:t>
-              </a:r>
-              <a:r>
-                <a:rPr lang="en-US" altLang="ja-JP" sz="2000" dirty="0" smtClean="0"/>
-                <a:t>)</a:t>
-              </a:r>
-              <a:endParaRPr lang="ja-JP" altLang="en-US" sz="2000" dirty="0"/>
-            </a:p>
-          </p:txBody>
-        </p:sp>
-        <p:sp>
-          <p:nvSpPr>
-            <p:cNvPr id="19" name="正方形/長方形 18"/>
-            <p:cNvSpPr/>
-            <p:nvPr/>
-          </p:nvSpPr>
-          <p:spPr>
-            <a:xfrm>
-              <a:off x="399467" y="1736845"/>
-              <a:ext cx="630301" cy="400110"/>
-            </a:xfrm>
-            <a:prstGeom prst="rect">
-              <a:avLst/>
-            </a:prstGeom>
-          </p:spPr>
-          <p:txBody>
-            <a:bodyPr wrap="none">
-              <a:spAutoFit/>
-            </a:bodyPr>
-            <a:lstStyle/>
-            <a:p>
-              <a:r>
-                <a:rPr lang="en-US" altLang="ja-JP" sz="2000" dirty="0" smtClean="0"/>
-                <a:t>(</a:t>
-              </a:r>
-              <a:r>
-                <a:rPr lang="en-US" altLang="ja-JP" sz="2000" i="1" dirty="0" err="1" smtClean="0"/>
-                <a:t>x,y</a:t>
-              </a:r>
-              <a:r>
-                <a:rPr lang="en-US" altLang="ja-JP" sz="2000" dirty="0" smtClean="0"/>
-                <a:t>)</a:t>
-              </a:r>
-              <a:endParaRPr lang="ja-JP" altLang="en-US" sz="2000" dirty="0"/>
-            </a:p>
-          </p:txBody>
-        </p:sp>
-        <p:cxnSp>
-          <p:nvCxnSpPr>
-            <p:cNvPr id="21" name="直線矢印コネクタ 20"/>
-            <p:cNvCxnSpPr/>
-            <p:nvPr/>
-          </p:nvCxnSpPr>
-          <p:spPr>
-            <a:xfrm flipV="1">
-              <a:off x="1975691" y="2253806"/>
-              <a:ext cx="179549" cy="311320"/>
-            </a:xfrm>
-            <a:prstGeom prst="straightConnector1">
-              <a:avLst/>
-            </a:prstGeom>
-            <a:ln>
-              <a:solidFill>
-                <a:srgbClr val="FFFF00"/>
-              </a:solidFill>
-              <a:tailEnd type="triangle"/>
-            </a:ln>
-          </p:spPr>
-          <p:style>
-            <a:lnRef idx="1">
-              <a:schemeClr val="accent1"/>
-            </a:lnRef>
-            <a:fillRef idx="0">
-              <a:schemeClr val="accent1"/>
-            </a:fillRef>
-            <a:effectRef idx="0">
-              <a:schemeClr val="accent1"/>
-            </a:effectRef>
-            <a:fontRef idx="minor">
-              <a:schemeClr val="tx1"/>
-            </a:fontRef>
-          </p:style>
-        </p:cxnSp>
-        <p:sp>
-          <p:nvSpPr>
-            <p:cNvPr id="23" name="フリーフォーム 22"/>
-            <p:cNvSpPr/>
-            <p:nvPr/>
-          </p:nvSpPr>
-          <p:spPr>
-            <a:xfrm>
-              <a:off x="1119188" y="2512140"/>
-              <a:ext cx="807243" cy="81041"/>
-            </a:xfrm>
-            <a:custGeom>
-              <a:avLst/>
-              <a:gdLst>
-                <a:gd name="connsiteX0" fmla="*/ 807243 w 807243"/>
-                <a:gd name="connsiteY0" fmla="*/ 69135 h 81041"/>
-                <a:gd name="connsiteX1" fmla="*/ 330993 w 807243"/>
-                <a:gd name="connsiteY1" fmla="*/ 79 h 81041"/>
-                <a:gd name="connsiteX2" fmla="*/ 0 w 807243"/>
-                <a:gd name="connsiteY2" fmla="*/ 81041 h 81041"/>
-              </a:gdLst>
-              <a:ahLst/>
-              <a:cxnLst>
-                <a:cxn ang="0">
-                  <a:pos x="connsiteX0" y="connsiteY0"/>
-                </a:cxn>
-                <a:cxn ang="0">
-                  <a:pos x="connsiteX1" y="connsiteY1"/>
-                </a:cxn>
-                <a:cxn ang="0">
-                  <a:pos x="connsiteX2" y="connsiteY2"/>
-                </a:cxn>
-              </a:cxnLst>
-              <a:rect l="l" t="t" r="r" b="b"/>
-              <a:pathLst>
-                <a:path w="807243" h="81041">
-                  <a:moveTo>
-                    <a:pt x="807243" y="69135"/>
-                  </a:moveTo>
-                  <a:cubicBezTo>
-                    <a:pt x="636388" y="33615"/>
-                    <a:pt x="465533" y="-1905"/>
-                    <a:pt x="330993" y="79"/>
-                  </a:cubicBezTo>
-                  <a:cubicBezTo>
-                    <a:pt x="196452" y="2063"/>
-                    <a:pt x="98226" y="41552"/>
-                    <a:pt x="0" y="81041"/>
-                  </a:cubicBezTo>
-                </a:path>
-              </a:pathLst>
-            </a:custGeom>
-            <a:noFill/>
-            <a:ln>
-              <a:solidFill>
-                <a:schemeClr val="tx1"/>
-              </a:solidFill>
-            </a:ln>
-          </p:spPr>
-          <p:style>
-            <a:lnRef idx="2">
-              <a:schemeClr val="accent1">
-                <a:shade val="50000"/>
-              </a:schemeClr>
-            </a:lnRef>
-            <a:fillRef idx="1">
-              <a:schemeClr val="accent1"/>
-            </a:fillRef>
-            <a:effectRef idx="0">
-              <a:schemeClr val="accent1"/>
-            </a:effectRef>
-            <a:fontRef idx="minor">
-              <a:schemeClr val="lt1"/>
-            </a:fontRef>
-          </p:style>
-          <p:txBody>
-            <a:bodyPr rtlCol="0" anchor="ctr"/>
-            <a:lstStyle/>
-            <a:p>
-              <a:pPr algn="ctr"/>
-              <a:endParaRPr kumimoji="1" lang="ja-JP" altLang="en-US"/>
-            </a:p>
-          </p:txBody>
-        </p:sp>
-        <p:sp>
-          <p:nvSpPr>
-            <p:cNvPr id="24" name="フリーフォーム 23"/>
-            <p:cNvSpPr/>
-            <p:nvPr/>
-          </p:nvSpPr>
-          <p:spPr>
-            <a:xfrm rot="1313205">
-              <a:off x="890359" y="2076366"/>
-              <a:ext cx="1235280" cy="114490"/>
-            </a:xfrm>
-            <a:custGeom>
-              <a:avLst/>
-              <a:gdLst>
-                <a:gd name="connsiteX0" fmla="*/ 807243 w 807243"/>
-                <a:gd name="connsiteY0" fmla="*/ 69135 h 81041"/>
-                <a:gd name="connsiteX1" fmla="*/ 330993 w 807243"/>
-                <a:gd name="connsiteY1" fmla="*/ 79 h 81041"/>
-                <a:gd name="connsiteX2" fmla="*/ 0 w 807243"/>
-                <a:gd name="connsiteY2" fmla="*/ 81041 h 81041"/>
-              </a:gdLst>
-              <a:ahLst/>
-              <a:cxnLst>
-                <a:cxn ang="0">
-                  <a:pos x="connsiteX0" y="connsiteY0"/>
-                </a:cxn>
-                <a:cxn ang="0">
-                  <a:pos x="connsiteX1" y="connsiteY1"/>
-                </a:cxn>
-                <a:cxn ang="0">
-                  <a:pos x="connsiteX2" y="connsiteY2"/>
-                </a:cxn>
-              </a:cxnLst>
-              <a:rect l="l" t="t" r="r" b="b"/>
-              <a:pathLst>
-                <a:path w="807243" h="81041">
-                  <a:moveTo>
-                    <a:pt x="807243" y="69135"/>
-                  </a:moveTo>
-                  <a:cubicBezTo>
-                    <a:pt x="636388" y="33615"/>
-                    <a:pt x="465533" y="-1905"/>
-                    <a:pt x="330993" y="79"/>
-                  </a:cubicBezTo>
-                  <a:cubicBezTo>
-                    <a:pt x="196452" y="2063"/>
-                    <a:pt x="98226" y="41552"/>
-                    <a:pt x="0" y="81041"/>
-                  </a:cubicBezTo>
-                </a:path>
-              </a:pathLst>
-            </a:custGeom>
-            <a:noFill/>
-            <a:ln>
-              <a:solidFill>
-                <a:schemeClr val="tx1"/>
-              </a:solidFill>
-            </a:ln>
-          </p:spPr>
-          <p:style>
-            <a:lnRef idx="2">
-              <a:schemeClr val="accent1">
-                <a:shade val="50000"/>
-              </a:schemeClr>
-            </a:lnRef>
-            <a:fillRef idx="1">
-              <a:schemeClr val="accent1"/>
-            </a:fillRef>
-            <a:effectRef idx="0">
-              <a:schemeClr val="accent1"/>
-            </a:effectRef>
-            <a:fontRef idx="minor">
-              <a:schemeClr val="lt1"/>
-            </a:fontRef>
-          </p:style>
-          <p:txBody>
-            <a:bodyPr rtlCol="0" anchor="ctr"/>
-            <a:lstStyle/>
-            <a:p>
-              <a:pPr algn="ctr"/>
-              <a:endParaRPr kumimoji="1" lang="ja-JP" altLang="en-US"/>
-            </a:p>
-          </p:txBody>
-        </p:sp>
-      </p:grpSp>
       <p:sp>
         <p:nvSpPr>
           <p:cNvPr id="25" name="コンテンツ プレースホルダー 2"/>
@@ -41201,12 +38034,12 @@
                   <a:t>(</a:t>
                 </a:r>
                 <a:r>
-                  <a:rPr lang="en-US" altLang="ja-JP" dirty="0" err="1" smtClean="0">
+                  <a:rPr lang="en-US" altLang="ja-JP" i="1" dirty="0" err="1" smtClean="0">
                     <a:latin typeface="メイリオ" panose="020B0604030504040204" pitchFamily="50" charset="-128"/>
                     <a:ea typeface="メイリオ" panose="020B0604030504040204" pitchFamily="50" charset="-128"/>
                     <a:cs typeface="メイリオ" panose="020B0604030504040204" pitchFamily="50" charset="-128"/>
                   </a:rPr>
-                  <a:t>x,y</a:t>
+                  <a:t>u,v</a:t>
                 </a:r>
                 <a:r>
                   <a:rPr lang="en-US" altLang="ja-JP" dirty="0" smtClean="0">
@@ -41267,10 +38100,10 @@
                             </m:dPr>
                             <m:e>
                               <m:r>
-                                <a:rPr lang="en-US" altLang="ja-JP" i="1">
+                                <a:rPr lang="en-US" altLang="ja-JP" b="0" i="1" smtClean="0">
                                   <a:latin typeface="Cambria Math" panose="02040503050406030204" pitchFamily="18" charset="0"/>
                                 </a:rPr>
-                                <m:t>𝑥</m:t>
+                                <m:t>𝑢</m:t>
                               </m:r>
                               <m:r>
                                 <a:rPr lang="en-US" altLang="ja-JP" i="1">
@@ -41279,10 +38112,10 @@
                                 <m:t>,</m:t>
                               </m:r>
                               <m:r>
-                                <a:rPr lang="en-US" altLang="ja-JP" i="1">
+                                <a:rPr lang="en-US" altLang="ja-JP" b="0" i="1" smtClean="0">
                                   <a:latin typeface="Cambria Math" panose="02040503050406030204" pitchFamily="18" charset="0"/>
                                 </a:rPr>
-                                <m:t>𝑦</m:t>
+                                <m:t>𝑣</m:t>
                               </m:r>
                             </m:e>
                           </m:d>
@@ -41320,23 +38153,20 @@
                                 <m:mr>
                                   <m:e>
                                     <m:r>
-                                      <m:rPr>
-                                        <m:brk m:alnAt="7"/>
-                                      </m:rPr>
-                                      <a:rPr lang="en-US" altLang="ja-JP" i="1">
+                                      <a:rPr lang="en-US" altLang="ja-JP" b="0" i="1" smtClean="0">
                                         <a:latin typeface="Cambria Math" panose="02040503050406030204" pitchFamily="18" charset="0"/>
                                       </a:rPr>
-                                      <m:t>𝑥</m:t>
+                                      <m:t>𝑢</m:t>
                                     </m:r>
                                   </m:e>
                                 </m:mr>
                                 <m:mr>
                                   <m:e>
                                     <m:r>
-                                      <a:rPr lang="en-US" altLang="ja-JP" i="1">
+                                      <a:rPr lang="en-US" altLang="ja-JP" b="0" i="1" smtClean="0">
                                         <a:latin typeface="Cambria Math" panose="02040503050406030204" pitchFamily="18" charset="0"/>
                                       </a:rPr>
-                                      <m:t>𝑦</m:t>
+                                      <m:t>𝑣</m:t>
                                     </m:r>
                                   </m:e>
                                 </m:mr>
@@ -41355,10 +38185,10 @@
                             </m:dPr>
                             <m:e>
                               <m:r>
-                                <a:rPr lang="en-US" altLang="ja-JP" i="1">
+                                <a:rPr lang="en-US" altLang="ja-JP" b="0" i="1" smtClean="0">
                                   <a:latin typeface="Cambria Math" panose="02040503050406030204" pitchFamily="18" charset="0"/>
                                 </a:rPr>
-                                <m:t>𝑥</m:t>
+                                <m:t>𝑢</m:t>
                               </m:r>
                               <m:r>
                                 <a:rPr lang="en-US" altLang="ja-JP" i="1">
@@ -41367,10 +38197,10 @@
                                 <m:t>,</m:t>
                               </m:r>
                               <m:r>
-                                <a:rPr lang="en-US" altLang="ja-JP" i="1">
+                                <a:rPr lang="en-US" altLang="ja-JP" b="0" i="1" smtClean="0">
                                   <a:latin typeface="Cambria Math" panose="02040503050406030204" pitchFamily="18" charset="0"/>
                                 </a:rPr>
-                                <m:t>𝑦</m:t>
+                                <m:t>𝑣</m:t>
                               </m:r>
                             </m:e>
                           </m:d>
@@ -41402,23 +38232,20 @@
                                 <m:mr>
                                   <m:e>
                                     <m:r>
-                                      <m:rPr>
-                                        <m:brk m:alnAt="7"/>
-                                      </m:rPr>
-                                      <a:rPr lang="en-US" altLang="ja-JP" i="1">
+                                      <a:rPr lang="en-US" altLang="ja-JP" b="0" i="1" smtClean="0">
                                         <a:latin typeface="Cambria Math" panose="02040503050406030204" pitchFamily="18" charset="0"/>
                                       </a:rPr>
-                                      <m:t>𝑥</m:t>
+                                      <m:t>𝑢</m:t>
                                     </m:r>
                                   </m:e>
                                 </m:mr>
                                 <m:mr>
                                   <m:e>
                                     <m:r>
-                                      <a:rPr lang="en-US" altLang="ja-JP" i="1">
+                                      <a:rPr lang="en-US" altLang="ja-JP" b="0" i="1" smtClean="0">
                                         <a:latin typeface="Cambria Math" panose="02040503050406030204" pitchFamily="18" charset="0"/>
                                       </a:rPr>
-                                      <m:t>𝑦</m:t>
+                                      <m:t>𝑣</m:t>
                                     </m:r>
                                   </m:e>
                                 </m:mr>
@@ -41464,7 +38291,7 @@
                     <a:ea typeface="メイリオ" panose="020B0604030504040204" pitchFamily="50" charset="-128"/>
                     <a:cs typeface="メイリオ" panose="020B0604030504040204" pitchFamily="50" charset="-128"/>
                   </a:rPr>
-                  <a:t>x,y</a:t>
+                  <a:t>u,v</a:t>
                 </a:r>
                 <a:r>
                   <a:rPr lang="en-US" altLang="ja-JP" dirty="0" smtClean="0">
@@ -41782,12 +38609,12 @@
                   <a:t>(</a:t>
                 </a:r>
                 <a:r>
-                  <a:rPr lang="en-US" altLang="ja-JP" dirty="0" err="1" smtClean="0">
+                  <a:rPr lang="en-US" altLang="ja-JP" i="1" dirty="0" err="1" smtClean="0">
                     <a:latin typeface="メイリオ" panose="020B0604030504040204" pitchFamily="50" charset="-128"/>
                     <a:ea typeface="メイリオ" panose="020B0604030504040204" pitchFamily="50" charset="-128"/>
                     <a:cs typeface="メイリオ" panose="020B0604030504040204" pitchFamily="50" charset="-128"/>
                   </a:rPr>
-                  <a:t>x,y</a:t>
+                  <a:t>u,v</a:t>
                 </a:r>
                 <a:r>
                   <a:rPr lang="en-US" altLang="ja-JP" dirty="0" smtClean="0">
@@ -41871,7 +38698,7 @@
                   <a:t>た</a:t>
                 </a:r>
                 <a:r>
-                  <a:rPr lang="en-US" altLang="ja-JP" dirty="0">
+                  <a:rPr lang="en-US" altLang="ja-JP" dirty="0" smtClean="0">
                     <a:latin typeface="メイリオ" panose="020B0604030504040204" pitchFamily="50" charset="-128"/>
                     <a:ea typeface="メイリオ" panose="020B0604030504040204" pitchFamily="50" charset="-128"/>
                     <a:cs typeface="メイリオ" panose="020B0604030504040204" pitchFamily="50" charset="-128"/>
@@ -41879,15 +38706,15 @@
                   <a:t>(</a:t>
                 </a:r>
                 <a:r>
-                  <a:rPr lang="en-US" altLang="ja-JP" dirty="0" err="1">
+                  <a:rPr lang="en-US" altLang="ja-JP" i="1" dirty="0" err="1" smtClean="0">
                     <a:latin typeface="メイリオ" panose="020B0604030504040204" pitchFamily="50" charset="-128"/>
                     <a:ea typeface="メイリオ" panose="020B0604030504040204" pitchFamily="50" charset="-128"/>
                     <a:cs typeface="メイリオ" panose="020B0604030504040204" pitchFamily="50" charset="-128"/>
                   </a:rPr>
-                  <a:t>x,y</a:t>
+                  <a:t>u,v</a:t>
                 </a:r>
                 <a:r>
-                  <a:rPr lang="en-US" altLang="ja-JP" dirty="0">
+                  <a:rPr lang="en-US" altLang="ja-JP" dirty="0" smtClean="0">
                     <a:latin typeface="メイリオ" panose="020B0604030504040204" pitchFamily="50" charset="-128"/>
                     <a:ea typeface="メイリオ" panose="020B0604030504040204" pitchFamily="50" charset="-128"/>
                     <a:cs typeface="メイリオ" panose="020B0604030504040204" pitchFamily="50" charset="-128"/>
@@ -41965,10 +38792,10 @@
               <a:prstGeom prst="rect">
                 <a:avLst/>
               </a:prstGeom>
-              <a:blipFill rotWithShape="0">
-                <a:blip r:embed="rId4"/>
+              <a:blipFill>
+                <a:blip r:embed="rId3"/>
                 <a:stretch>
-                  <a:fillRect l="-626" t="-852" r="-861" b="-2215"/>
+                  <a:fillRect l="-626" t="-852" r="-1017"/>
                 </a:stretch>
               </a:blipFill>
             </p:spPr>
@@ -41987,10 +38814,1143 @@
           </p:sp>
         </mc:Fallback>
       </mc:AlternateContent>
+      <p:sp>
+        <p:nvSpPr>
+          <p:cNvPr id="9" name="スライド番号プレースホルダー 8"/>
+          <p:cNvSpPr>
+            <a:spLocks noGrp="1"/>
+          </p:cNvSpPr>
+          <p:nvPr>
+            <p:ph type="sldNum" sz="quarter" idx="12"/>
+          </p:nvPr>
+        </p:nvSpPr>
+        <p:spPr/>
+        <p:txBody>
+          <a:bodyPr/>
+          <a:lstStyle/>
+          <a:p>
+            <a:fld id="{F35DE295-420C-4265-BE54-AE59FA4027A6}" type="slidenum">
+              <a:rPr kumimoji="1" lang="ja-JP" altLang="en-US" smtClean="0"/>
+              <a:t>32</a:t>
+            </a:fld>
+            <a:endParaRPr kumimoji="1" lang="ja-JP" altLang="en-US"/>
+          </a:p>
+        </p:txBody>
+      </p:sp>
+      <p:grpSp>
+        <p:nvGrpSpPr>
+          <p:cNvPr id="27" name="グループ化 26"/>
+          <p:cNvGrpSpPr/>
+          <p:nvPr/>
+        </p:nvGrpSpPr>
+        <p:grpSpPr>
+          <a:xfrm>
+            <a:off x="456277" y="333828"/>
+            <a:ext cx="3284910" cy="3296896"/>
+            <a:chOff x="538403" y="1145540"/>
+            <a:chExt cx="2881072" cy="2891584"/>
+          </a:xfrm>
+        </p:grpSpPr>
+        <p:grpSp>
+          <p:nvGrpSpPr>
+            <p:cNvPr id="28" name="グループ化 27"/>
+            <p:cNvGrpSpPr/>
+            <p:nvPr/>
+          </p:nvGrpSpPr>
+          <p:grpSpPr>
+            <a:xfrm>
+              <a:off x="559998" y="1145540"/>
+              <a:ext cx="2859477" cy="2891584"/>
+              <a:chOff x="588572" y="1355090"/>
+              <a:chExt cx="2264384" cy="2289809"/>
+            </a:xfrm>
+          </p:grpSpPr>
+          <p:pic>
+            <p:nvPicPr>
+              <p:cNvPr id="34" name="図 33"/>
+              <p:cNvPicPr>
+                <a:picLocks noChangeAspect="1"/>
+              </p:cNvPicPr>
+              <p:nvPr/>
+            </p:nvPicPr>
+            <p:blipFill rotWithShape="1">
+              <a:blip r:embed="rId4">
+                <a:extLst>
+                  <a:ext uri="{28A0092B-C50C-407E-A947-70E740481C1C}">
+                    <a14:useLocalDpi xmlns:a14="http://schemas.microsoft.com/office/drawing/2010/main" val="0"/>
+                  </a:ext>
+                </a:extLst>
+              </a:blip>
+              <a:srcRect l="61147" t="28862" r="33520" b="63944"/>
+              <a:stretch/>
+            </p:blipFill>
+            <p:spPr>
+              <a:xfrm>
+                <a:off x="588572" y="1355090"/>
+                <a:ext cx="2264384" cy="2289809"/>
+              </a:xfrm>
+              <a:prstGeom prst="rect">
+                <a:avLst/>
+              </a:prstGeom>
+            </p:spPr>
+          </p:pic>
+          <p:grpSp>
+            <p:nvGrpSpPr>
+              <p:cNvPr id="35" name="グループ化 34"/>
+              <p:cNvGrpSpPr/>
+              <p:nvPr/>
+            </p:nvGrpSpPr>
+            <p:grpSpPr>
+              <a:xfrm>
+                <a:off x="1347788" y="1972918"/>
+                <a:ext cx="919313" cy="870295"/>
+                <a:chOff x="1347788" y="1972918"/>
+                <a:chExt cx="919313" cy="870295"/>
+              </a:xfrm>
+            </p:grpSpPr>
+            <p:sp>
+              <p:nvSpPr>
+                <p:cNvPr id="36" name="正方形/長方形 35"/>
+                <p:cNvSpPr/>
+                <p:nvPr/>
+              </p:nvSpPr>
+              <p:spPr>
+                <a:xfrm>
+                  <a:off x="1347788" y="2138363"/>
+                  <a:ext cx="704850" cy="704850"/>
+                </a:xfrm>
+                <a:prstGeom prst="rect">
+                  <a:avLst/>
+                </a:prstGeom>
+                <a:noFill/>
+                <a:ln w="22225">
+                  <a:solidFill>
+                    <a:srgbClr val="FF0000"/>
+                  </a:solidFill>
+                </a:ln>
+              </p:spPr>
+              <p:style>
+                <a:lnRef idx="2">
+                  <a:schemeClr val="accent1">
+                    <a:shade val="50000"/>
+                  </a:schemeClr>
+                </a:lnRef>
+                <a:fillRef idx="1">
+                  <a:schemeClr val="accent1"/>
+                </a:fillRef>
+                <a:effectRef idx="0">
+                  <a:schemeClr val="accent1"/>
+                </a:effectRef>
+                <a:fontRef idx="minor">
+                  <a:schemeClr val="lt1"/>
+                </a:fontRef>
+              </p:style>
+              <p:txBody>
+                <a:bodyPr rtlCol="0" anchor="ctr"/>
+                <a:lstStyle/>
+                <a:p>
+                  <a:pPr algn="ctr"/>
+                  <a:endParaRPr kumimoji="1" lang="ja-JP" altLang="en-US"/>
+                </a:p>
+              </p:txBody>
+            </p:sp>
+            <p:sp>
+              <p:nvSpPr>
+                <p:cNvPr id="37" name="正方形/長方形 36"/>
+                <p:cNvSpPr/>
+                <p:nvPr/>
+              </p:nvSpPr>
+              <p:spPr>
+                <a:xfrm>
+                  <a:off x="1562251" y="1972918"/>
+                  <a:ext cx="704850" cy="704850"/>
+                </a:xfrm>
+                <a:prstGeom prst="rect">
+                  <a:avLst/>
+                </a:prstGeom>
+                <a:noFill/>
+                <a:ln w="22225">
+                  <a:solidFill>
+                    <a:srgbClr val="FF0000"/>
+                  </a:solidFill>
+                </a:ln>
+              </p:spPr>
+              <p:style>
+                <a:lnRef idx="2">
+                  <a:schemeClr val="accent1">
+                    <a:shade val="50000"/>
+                  </a:schemeClr>
+                </a:lnRef>
+                <a:fillRef idx="1">
+                  <a:schemeClr val="accent1"/>
+                </a:fillRef>
+                <a:effectRef idx="0">
+                  <a:schemeClr val="accent1"/>
+                </a:effectRef>
+                <a:fontRef idx="minor">
+                  <a:schemeClr val="lt1"/>
+                </a:fontRef>
+              </p:style>
+              <p:txBody>
+                <a:bodyPr rtlCol="0" anchor="ctr"/>
+                <a:lstStyle/>
+                <a:p>
+                  <a:pPr algn="ctr"/>
+                  <a:endParaRPr kumimoji="1" lang="ja-JP" altLang="en-US"/>
+                </a:p>
+              </p:txBody>
+            </p:sp>
+          </p:grpSp>
+        </p:grpSp>
+        <p:sp>
+          <p:nvSpPr>
+            <p:cNvPr id="29" name="正方形/長方形 28"/>
+            <p:cNvSpPr/>
+            <p:nvPr/>
+          </p:nvSpPr>
+          <p:spPr>
+            <a:xfrm>
+              <a:off x="1165117" y="2701409"/>
+              <a:ext cx="374260" cy="620860"/>
+            </a:xfrm>
+            <a:prstGeom prst="rect">
+              <a:avLst/>
+            </a:prstGeom>
+          </p:spPr>
+          <p:txBody>
+            <a:bodyPr wrap="none">
+              <a:spAutoFit/>
+            </a:bodyPr>
+            <a:lstStyle/>
+            <a:p>
+              <a:r>
+                <a:rPr lang="en-US" altLang="ja-JP" sz="4000" b="1" dirty="0" smtClean="0"/>
+                <a:t>S</a:t>
+              </a:r>
+              <a:endParaRPr lang="ja-JP" altLang="en-US" sz="4000" b="1" dirty="0"/>
+            </a:p>
+          </p:txBody>
+        </p:sp>
+        <p:sp>
+          <p:nvSpPr>
+            <p:cNvPr id="30" name="正方形/長方形 29"/>
+            <p:cNvSpPr/>
+            <p:nvPr/>
+          </p:nvSpPr>
+          <p:spPr>
+            <a:xfrm>
+              <a:off x="538403" y="1624272"/>
+              <a:ext cx="734180" cy="458897"/>
+            </a:xfrm>
+            <a:prstGeom prst="rect">
+              <a:avLst/>
+            </a:prstGeom>
+          </p:spPr>
+          <p:txBody>
+            <a:bodyPr wrap="none">
+              <a:spAutoFit/>
+            </a:bodyPr>
+            <a:lstStyle/>
+            <a:p>
+              <a:r>
+                <a:rPr lang="en-US" altLang="ja-JP" sz="2800" dirty="0" smtClean="0"/>
+                <a:t>(</a:t>
+              </a:r>
+              <a:r>
+                <a:rPr lang="en-US" altLang="ja-JP" sz="2800" i="1" dirty="0" err="1" smtClean="0"/>
+                <a:t>u,v</a:t>
+              </a:r>
+              <a:r>
+                <a:rPr lang="en-US" altLang="ja-JP" sz="2800" dirty="0" smtClean="0"/>
+                <a:t>)</a:t>
+              </a:r>
+              <a:endParaRPr lang="ja-JP" altLang="en-US" sz="2800" dirty="0"/>
+            </a:p>
+          </p:txBody>
+        </p:sp>
+        <p:cxnSp>
+          <p:nvCxnSpPr>
+            <p:cNvPr id="31" name="直線矢印コネクタ 30"/>
+            <p:cNvCxnSpPr/>
+            <p:nvPr/>
+          </p:nvCxnSpPr>
+          <p:spPr>
+            <a:xfrm flipV="1">
+              <a:off x="1514284" y="1921281"/>
+              <a:ext cx="270825" cy="219781"/>
+            </a:xfrm>
+            <a:prstGeom prst="straightConnector1">
+              <a:avLst/>
+            </a:prstGeom>
+            <a:ln>
+              <a:solidFill>
+                <a:srgbClr val="FFFF00"/>
+              </a:solidFill>
+              <a:tailEnd type="triangle"/>
+            </a:ln>
+          </p:spPr>
+          <p:style>
+            <a:lnRef idx="1">
+              <a:schemeClr val="accent1"/>
+            </a:lnRef>
+            <a:fillRef idx="0">
+              <a:schemeClr val="accent1"/>
+            </a:fillRef>
+            <a:effectRef idx="0">
+              <a:schemeClr val="accent1"/>
+            </a:effectRef>
+            <a:fontRef idx="minor">
+              <a:schemeClr val="tx1"/>
+            </a:fontRef>
+          </p:style>
+        </p:cxnSp>
+        <p:sp>
+          <p:nvSpPr>
+            <p:cNvPr id="32" name="フリーフォーム 31"/>
+            <p:cNvSpPr/>
+            <p:nvPr/>
+          </p:nvSpPr>
+          <p:spPr>
+            <a:xfrm rot="1015020">
+              <a:off x="1194530" y="1901674"/>
+              <a:ext cx="436319" cy="40098"/>
+            </a:xfrm>
+            <a:custGeom>
+              <a:avLst/>
+              <a:gdLst>
+                <a:gd name="connsiteX0" fmla="*/ 807243 w 807243"/>
+                <a:gd name="connsiteY0" fmla="*/ 69135 h 81041"/>
+                <a:gd name="connsiteX1" fmla="*/ 330993 w 807243"/>
+                <a:gd name="connsiteY1" fmla="*/ 79 h 81041"/>
+                <a:gd name="connsiteX2" fmla="*/ 0 w 807243"/>
+                <a:gd name="connsiteY2" fmla="*/ 81041 h 81041"/>
+              </a:gdLst>
+              <a:ahLst/>
+              <a:cxnLst>
+                <a:cxn ang="0">
+                  <a:pos x="connsiteX0" y="connsiteY0"/>
+                </a:cxn>
+                <a:cxn ang="0">
+                  <a:pos x="connsiteX1" y="connsiteY1"/>
+                </a:cxn>
+                <a:cxn ang="0">
+                  <a:pos x="connsiteX2" y="connsiteY2"/>
+                </a:cxn>
+              </a:cxnLst>
+              <a:rect l="l" t="t" r="r" b="b"/>
+              <a:pathLst>
+                <a:path w="807243" h="81041">
+                  <a:moveTo>
+                    <a:pt x="807243" y="69135"/>
+                  </a:moveTo>
+                  <a:cubicBezTo>
+                    <a:pt x="636388" y="33615"/>
+                    <a:pt x="465533" y="-1905"/>
+                    <a:pt x="330993" y="79"/>
+                  </a:cubicBezTo>
+                  <a:cubicBezTo>
+                    <a:pt x="196452" y="2063"/>
+                    <a:pt x="98226" y="41552"/>
+                    <a:pt x="0" y="81041"/>
+                  </a:cubicBezTo>
+                </a:path>
+              </a:pathLst>
+            </a:custGeom>
+            <a:noFill/>
+            <a:ln>
+              <a:solidFill>
+                <a:schemeClr val="tx1"/>
+              </a:solidFill>
+            </a:ln>
+          </p:spPr>
+          <p:style>
+            <a:lnRef idx="2">
+              <a:schemeClr val="accent1">
+                <a:shade val="50000"/>
+              </a:schemeClr>
+            </a:lnRef>
+            <a:fillRef idx="1">
+              <a:schemeClr val="accent1"/>
+            </a:fillRef>
+            <a:effectRef idx="0">
+              <a:schemeClr val="accent1"/>
+            </a:effectRef>
+            <a:fontRef idx="minor">
+              <a:schemeClr val="lt1"/>
+            </a:fontRef>
+          </p:style>
+          <p:txBody>
+            <a:bodyPr rtlCol="0" anchor="ctr"/>
+            <a:lstStyle/>
+            <a:p>
+              <a:pPr algn="ctr"/>
+              <a:endParaRPr kumimoji="1" lang="ja-JP" altLang="en-US"/>
+            </a:p>
+          </p:txBody>
+        </p:sp>
+        <p:sp>
+          <p:nvSpPr>
+            <p:cNvPr id="33" name="正方形/長方形 32"/>
+            <p:cNvSpPr/>
+            <p:nvPr/>
+          </p:nvSpPr>
+          <p:spPr>
+            <a:xfrm>
+              <a:off x="1818478" y="1430330"/>
+              <a:ext cx="384101" cy="620860"/>
+            </a:xfrm>
+            <a:prstGeom prst="rect">
+              <a:avLst/>
+            </a:prstGeom>
+          </p:spPr>
+          <p:txBody>
+            <a:bodyPr wrap="none">
+              <a:spAutoFit/>
+            </a:bodyPr>
+            <a:lstStyle/>
+            <a:p>
+              <a:r>
+                <a:rPr lang="en-US" altLang="ja-JP" sz="4000" b="1" dirty="0" smtClean="0"/>
+                <a:t>T</a:t>
+              </a:r>
+              <a:endParaRPr lang="ja-JP" altLang="en-US" sz="4000" b="1" dirty="0"/>
+            </a:p>
+          </p:txBody>
+        </p:sp>
+      </p:grpSp>
+      <mc:AlternateContent xmlns:mc="http://schemas.openxmlformats.org/markup-compatibility/2006" xmlns:a14="http://schemas.microsoft.com/office/drawing/2010/main">
+        <mc:Choice Requires="a14">
+          <p:sp>
+            <p:nvSpPr>
+              <p:cNvPr id="38" name="コンテンツ プレースホルダー 2"/>
+              <p:cNvSpPr>
+                <a:spLocks noGrp="1"/>
+              </p:cNvSpPr>
+              <p:nvPr>
+                <p:ph idx="1"/>
+              </p:nvPr>
+            </p:nvSpPr>
+            <p:spPr>
+              <a:xfrm>
+                <a:off x="4019096" y="1070218"/>
+                <a:ext cx="8013247" cy="1915205"/>
+              </a:xfrm>
+            </p:spPr>
+            <p:txBody>
+              <a:bodyPr>
+                <a:normAutofit/>
+              </a:bodyPr>
+              <a:lstStyle/>
+              <a:p>
+                <a:pPr marL="0" indent="0">
+                  <a:lnSpc>
+                    <a:spcPct val="100000"/>
+                  </a:lnSpc>
+                  <a:spcBef>
+                    <a:spcPts val="1200"/>
+                  </a:spcBef>
+                  <a:buNone/>
+                </a:pPr>
+                <a:r>
+                  <a:rPr lang="ja-JP" altLang="en-US" sz="2400" dirty="0" smtClean="0"/>
+                  <a:t>窓領域</a:t>
+                </a:r>
+                <a:r>
+                  <a:rPr lang="en-US" altLang="ja-JP" sz="2400" dirty="0" smtClean="0"/>
+                  <a:t>S</a:t>
+                </a:r>
+                <a:r>
+                  <a:rPr lang="ja-JP" altLang="en-US" sz="2400" dirty="0" smtClean="0"/>
+                  <a:t>と</a:t>
+                </a:r>
+                <a:r>
+                  <a:rPr lang="en-US" altLang="ja-JP" sz="2400" dirty="0" smtClean="0"/>
+                  <a:t>S</a:t>
+                </a:r>
+                <a:r>
+                  <a:rPr lang="ja-JP" altLang="en-US" sz="2400" dirty="0" smtClean="0"/>
+                  <a:t>を</a:t>
+                </a:r>
+                <a:r>
+                  <a:rPr lang="en-US" altLang="ja-JP" sz="2400" dirty="0" smtClean="0"/>
+                  <a:t>(</a:t>
+                </a:r>
+                <a:r>
+                  <a:rPr lang="en-US" altLang="ja-JP" sz="2400" i="1" dirty="0" err="1"/>
+                  <a:t>u</a:t>
+                </a:r>
+                <a:r>
+                  <a:rPr lang="en-US" altLang="ja-JP" sz="2400" dirty="0" err="1"/>
+                  <a:t>,</a:t>
+                </a:r>
+                <a:r>
+                  <a:rPr lang="en-US" altLang="ja-JP" sz="2400" i="1" dirty="0" err="1"/>
+                  <a:t>v</a:t>
+                </a:r>
+                <a:r>
+                  <a:rPr lang="en-US" altLang="ja-JP" sz="2400" dirty="0"/>
+                  <a:t>)</a:t>
+                </a:r>
+                <a:r>
+                  <a:rPr lang="ja-JP" altLang="en-US" sz="2400" dirty="0" err="1" smtClean="0"/>
+                  <a:t>だけ</a:t>
+                </a:r>
+                <a:r>
+                  <a:rPr lang="ja-JP" altLang="en-US" sz="2400" dirty="0" smtClean="0"/>
+                  <a:t>移動した領域</a:t>
+                </a:r>
+                <a:r>
+                  <a:rPr lang="en-US" altLang="ja-JP" sz="2400" dirty="0" smtClean="0"/>
+                  <a:t>T</a:t>
+                </a:r>
+                <a:r>
+                  <a:rPr lang="ja-JP" altLang="en-US" sz="2400" dirty="0" smtClean="0"/>
+                  <a:t>の二乗誤差は以下の通り</a:t>
+                </a:r>
+                <a:endParaRPr lang="en-US" altLang="ja-JP" sz="2400" dirty="0" smtClean="0"/>
+              </a:p>
+              <a:p>
+                <a:pPr marL="0" indent="0">
+                  <a:lnSpc>
+                    <a:spcPct val="100000"/>
+                  </a:lnSpc>
+                  <a:spcBef>
+                    <a:spcPts val="1200"/>
+                  </a:spcBef>
+                  <a:buNone/>
+                </a:pPr>
+                <a14:m>
+                  <m:oMathPara xmlns:m="http://schemas.openxmlformats.org/officeDocument/2006/math">
+                    <m:oMathParaPr>
+                      <m:jc m:val="centerGroup"/>
+                    </m:oMathParaPr>
+                    <m:oMath xmlns:m="http://schemas.openxmlformats.org/officeDocument/2006/math">
+                      <m:r>
+                        <a:rPr lang="en-US" altLang="ja-JP" sz="2400" i="1">
+                          <a:latin typeface="Cambria Math" panose="02040503050406030204" pitchFamily="18" charset="0"/>
+                        </a:rPr>
+                        <m:t>𝐷</m:t>
+                      </m:r>
+                      <m:d>
+                        <m:dPr>
+                          <m:ctrlPr>
+                            <a:rPr lang="en-US" altLang="ja-JP" sz="2400" i="1">
+                              <a:latin typeface="Cambria Math" panose="02040503050406030204" pitchFamily="18" charset="0"/>
+                            </a:rPr>
+                          </m:ctrlPr>
+                        </m:dPr>
+                        <m:e>
+                          <m:r>
+                            <a:rPr lang="en-US" altLang="ja-JP" sz="2400" i="1">
+                              <a:latin typeface="Cambria Math" panose="02040503050406030204" pitchFamily="18" charset="0"/>
+                            </a:rPr>
+                            <m:t>𝑢</m:t>
+                          </m:r>
+                          <m:r>
+                            <a:rPr lang="en-US" altLang="ja-JP" sz="2400" i="1">
+                              <a:latin typeface="Cambria Math" panose="02040503050406030204" pitchFamily="18" charset="0"/>
+                            </a:rPr>
+                            <m:t>,</m:t>
+                          </m:r>
+                          <m:r>
+                            <a:rPr lang="en-US" altLang="ja-JP" sz="2400" i="1">
+                              <a:latin typeface="Cambria Math" panose="02040503050406030204" pitchFamily="18" charset="0"/>
+                            </a:rPr>
+                            <m:t>𝑣</m:t>
+                          </m:r>
+                        </m:e>
+                      </m:d>
+                      <m:r>
+                        <a:rPr lang="en-US" altLang="ja-JP" sz="2400" i="1">
+                          <a:latin typeface="Cambria Math" panose="02040503050406030204" pitchFamily="18" charset="0"/>
+                        </a:rPr>
+                        <m:t>=</m:t>
+                      </m:r>
+                      <m:d>
+                        <m:dPr>
+                          <m:ctrlPr>
+                            <a:rPr lang="en-US" altLang="ja-JP" sz="2400" i="1">
+                              <a:latin typeface="Cambria Math" panose="02040503050406030204" pitchFamily="18" charset="0"/>
+                            </a:rPr>
+                          </m:ctrlPr>
+                        </m:dPr>
+                        <m:e>
+                          <m:r>
+                            <a:rPr lang="en-US" altLang="ja-JP" sz="2400" i="1">
+                              <a:latin typeface="Cambria Math" panose="02040503050406030204" pitchFamily="18" charset="0"/>
+                            </a:rPr>
+                            <m:t>𝑢</m:t>
+                          </m:r>
+                          <m:r>
+                            <a:rPr lang="en-US" altLang="ja-JP" sz="2400" i="1">
+                              <a:latin typeface="Cambria Math" panose="02040503050406030204" pitchFamily="18" charset="0"/>
+                            </a:rPr>
+                            <m:t>,</m:t>
+                          </m:r>
+                          <m:r>
+                            <a:rPr lang="en-US" altLang="ja-JP" sz="2400" i="1">
+                              <a:latin typeface="Cambria Math" panose="02040503050406030204" pitchFamily="18" charset="0"/>
+                            </a:rPr>
+                            <m:t>𝑣</m:t>
+                          </m:r>
+                        </m:e>
+                      </m:d>
+                      <m:r>
+                        <a:rPr lang="en-US" altLang="ja-JP" sz="2400" b="1">
+                          <a:latin typeface="Cambria Math" panose="02040503050406030204" pitchFamily="18" charset="0"/>
+                        </a:rPr>
+                        <m:t>𝐀</m:t>
+                      </m:r>
+                      <m:d>
+                        <m:dPr>
+                          <m:ctrlPr>
+                            <a:rPr lang="en-US" altLang="ja-JP" sz="2400" b="1" i="1">
+                              <a:latin typeface="Cambria Math" panose="02040503050406030204" pitchFamily="18" charset="0"/>
+                            </a:rPr>
+                          </m:ctrlPr>
+                        </m:dPr>
+                        <m:e>
+                          <m:m>
+                            <m:mPr>
+                              <m:mcs>
+                                <m:mc>
+                                  <m:mcPr>
+                                    <m:count m:val="1"/>
+                                    <m:mcJc m:val="center"/>
+                                  </m:mcPr>
+                                </m:mc>
+                              </m:mcs>
+                              <m:ctrlPr>
+                                <a:rPr lang="en-US" altLang="ja-JP" sz="2400" i="1">
+                                  <a:latin typeface="Cambria Math" panose="02040503050406030204" pitchFamily="18" charset="0"/>
+                                </a:rPr>
+                              </m:ctrlPr>
+                            </m:mPr>
+                            <m:mr>
+                              <m:e>
+                                <m:r>
+                                  <a:rPr lang="en-US" altLang="ja-JP" sz="2400" i="1">
+                                    <a:latin typeface="Cambria Math" panose="02040503050406030204" pitchFamily="18" charset="0"/>
+                                  </a:rPr>
+                                  <m:t>𝑢</m:t>
+                                </m:r>
+                              </m:e>
+                            </m:mr>
+                            <m:mr>
+                              <m:e>
+                                <m:r>
+                                  <a:rPr lang="en-US" altLang="ja-JP" sz="2400" i="1">
+                                    <a:latin typeface="Cambria Math" panose="02040503050406030204" pitchFamily="18" charset="0"/>
+                                  </a:rPr>
+                                  <m:t>𝑣</m:t>
+                                </m:r>
+                              </m:e>
+                            </m:mr>
+                          </m:m>
+                        </m:e>
+                      </m:d>
+                      <m:r>
+                        <a:rPr lang="en-US" altLang="ja-JP" sz="2400" smtClean="0">
+                          <a:latin typeface="Cambria Math" panose="02040503050406030204" pitchFamily="18" charset="0"/>
+                        </a:rPr>
+                        <m:t>, </m:t>
+                      </m:r>
+                      <m:r>
+                        <a:rPr lang="en-US" altLang="ja-JP" sz="2400" b="1" i="1" smtClean="0">
+                          <a:latin typeface="Cambria Math" panose="02040503050406030204" pitchFamily="18" charset="0"/>
+                        </a:rPr>
+                        <m:t> </m:t>
+                      </m:r>
+                      <m:r>
+                        <a:rPr lang="en-US" altLang="ja-JP" sz="2400" b="1">
+                          <a:latin typeface="Cambria Math" panose="02040503050406030204" pitchFamily="18" charset="0"/>
+                        </a:rPr>
+                        <m:t>𝐀</m:t>
+                      </m:r>
+                      <m:r>
+                        <a:rPr lang="en-US" altLang="ja-JP" sz="2400" i="1">
+                          <a:latin typeface="Cambria Math" panose="02040503050406030204" pitchFamily="18" charset="0"/>
+                        </a:rPr>
+                        <m:t>=</m:t>
+                      </m:r>
+                      <m:nary>
+                        <m:naryPr>
+                          <m:chr m:val="∑"/>
+                          <m:supHide m:val="on"/>
+                          <m:ctrlPr>
+                            <a:rPr lang="en-US" altLang="ja-JP" sz="2400" i="1">
+                              <a:latin typeface="Cambria Math" panose="02040503050406030204" pitchFamily="18" charset="0"/>
+                            </a:rPr>
+                          </m:ctrlPr>
+                        </m:naryPr>
+                        <m:sub>
+                          <m:d>
+                            <m:dPr>
+                              <m:ctrlPr>
+                                <a:rPr lang="en-US" altLang="ja-JP" sz="2400" i="1">
+                                  <a:latin typeface="Cambria Math" panose="02040503050406030204" pitchFamily="18" charset="0"/>
+                                </a:rPr>
+                              </m:ctrlPr>
+                            </m:dPr>
+                            <m:e>
+                              <m:r>
+                                <m:rPr>
+                                  <m:brk m:alnAt="7"/>
+                                </m:rPr>
+                                <a:rPr lang="en-US" altLang="ja-JP" sz="2400" i="1">
+                                  <a:latin typeface="Cambria Math" panose="02040503050406030204" pitchFamily="18" charset="0"/>
+                                </a:rPr>
+                                <m:t>𝑥</m:t>
+                              </m:r>
+                              <m:r>
+                                <a:rPr lang="en-US" altLang="ja-JP" sz="2400" i="1">
+                                  <a:latin typeface="Cambria Math" panose="02040503050406030204" pitchFamily="18" charset="0"/>
+                                </a:rPr>
+                                <m:t>,</m:t>
+                              </m:r>
+                              <m:r>
+                                <a:rPr lang="en-US" altLang="ja-JP" sz="2400" i="1">
+                                  <a:latin typeface="Cambria Math" panose="02040503050406030204" pitchFamily="18" charset="0"/>
+                                </a:rPr>
+                                <m:t>𝑦</m:t>
+                              </m:r>
+                            </m:e>
+                          </m:d>
+                          <m:r>
+                            <a:rPr lang="en-US" altLang="ja-JP" sz="2400" i="1">
+                              <a:latin typeface="Cambria Math" panose="02040503050406030204" pitchFamily="18" charset="0"/>
+                            </a:rPr>
+                            <m:t>∈</m:t>
+                          </m:r>
+                          <m:r>
+                            <a:rPr lang="en-US" altLang="ja-JP" sz="2400" i="1">
+                              <a:latin typeface="Cambria Math" panose="02040503050406030204" pitchFamily="18" charset="0"/>
+                            </a:rPr>
+                            <m:t>𝑆</m:t>
+                          </m:r>
+                        </m:sub>
+                        <m:sup/>
+                        <m:e>
+                          <m:r>
+                            <a:rPr lang="en-US" altLang="ja-JP" sz="2400" i="1">
+                              <a:latin typeface="Cambria Math" panose="02040503050406030204" pitchFamily="18" charset="0"/>
+                            </a:rPr>
+                            <m:t>𝐺</m:t>
+                          </m:r>
+                          <m:d>
+                            <m:dPr>
+                              <m:ctrlPr>
+                                <a:rPr lang="en-US" altLang="ja-JP" sz="2400" i="1">
+                                  <a:latin typeface="Cambria Math" panose="02040503050406030204" pitchFamily="18" charset="0"/>
+                                </a:rPr>
+                              </m:ctrlPr>
+                            </m:dPr>
+                            <m:e>
+                              <m:r>
+                                <a:rPr lang="en-US" altLang="ja-JP" sz="2400" i="1">
+                                  <a:latin typeface="Cambria Math" panose="02040503050406030204" pitchFamily="18" charset="0"/>
+                                </a:rPr>
+                                <m:t>𝑥</m:t>
+                              </m:r>
+                              <m:r>
+                                <a:rPr lang="en-US" altLang="ja-JP" sz="2400" i="1">
+                                  <a:latin typeface="Cambria Math" panose="02040503050406030204" pitchFamily="18" charset="0"/>
+                                </a:rPr>
+                                <m:t>,</m:t>
+                              </m:r>
+                              <m:r>
+                                <a:rPr lang="en-US" altLang="ja-JP" sz="2400" i="1">
+                                  <a:latin typeface="Cambria Math" panose="02040503050406030204" pitchFamily="18" charset="0"/>
+                                </a:rPr>
+                                <m:t>𝑦</m:t>
+                              </m:r>
+                            </m:e>
+                          </m:d>
+                        </m:e>
+                      </m:nary>
+                      <m:d>
+                        <m:dPr>
+                          <m:ctrlPr>
+                            <a:rPr lang="en-US" altLang="ja-JP" sz="2400" i="1">
+                              <a:latin typeface="Cambria Math" panose="02040503050406030204" pitchFamily="18" charset="0"/>
+                            </a:rPr>
+                          </m:ctrlPr>
+                        </m:dPr>
+                        <m:e>
+                          <m:m>
+                            <m:mPr>
+                              <m:mcs>
+                                <m:mc>
+                                  <m:mcPr>
+                                    <m:count m:val="2"/>
+                                    <m:mcJc m:val="center"/>
+                                  </m:mcPr>
+                                </m:mc>
+                              </m:mcs>
+                              <m:ctrlPr>
+                                <a:rPr lang="en-US" altLang="ja-JP" sz="2400" i="1">
+                                  <a:latin typeface="Cambria Math" panose="02040503050406030204" pitchFamily="18" charset="0"/>
+                                </a:rPr>
+                              </m:ctrlPr>
+                            </m:mPr>
+                            <m:mr>
+                              <m:e>
+                                <m:sSub>
+                                  <m:sSubPr>
+                                    <m:ctrlPr>
+                                      <a:rPr lang="en-US" altLang="ja-JP" sz="2400" i="1">
+                                        <a:latin typeface="Cambria Math" panose="02040503050406030204" pitchFamily="18" charset="0"/>
+                                      </a:rPr>
+                                    </m:ctrlPr>
+                                  </m:sSubPr>
+                                  <m:e>
+                                    <m:r>
+                                      <m:rPr>
+                                        <m:brk m:alnAt="7"/>
+                                      </m:rPr>
+                                      <a:rPr lang="en-US" altLang="ja-JP" sz="2400" i="1">
+                                        <a:latin typeface="Cambria Math" panose="02040503050406030204" pitchFamily="18" charset="0"/>
+                                      </a:rPr>
+                                      <m:t>𝐼</m:t>
+                                    </m:r>
+                                  </m:e>
+                                  <m:sub>
+                                    <m:r>
+                                      <m:rPr>
+                                        <m:brk m:alnAt="7"/>
+                                      </m:rPr>
+                                      <a:rPr lang="en-US" altLang="ja-JP" sz="2400" i="1">
+                                        <a:latin typeface="Cambria Math" panose="02040503050406030204" pitchFamily="18" charset="0"/>
+                                      </a:rPr>
+                                      <m:t>𝑥</m:t>
+                                    </m:r>
+                                  </m:sub>
+                                </m:sSub>
+                                <m:sSub>
+                                  <m:sSubPr>
+                                    <m:ctrlPr>
+                                      <a:rPr lang="en-US" altLang="ja-JP" sz="2400" i="1">
+                                        <a:latin typeface="Cambria Math" panose="02040503050406030204" pitchFamily="18" charset="0"/>
+                                      </a:rPr>
+                                    </m:ctrlPr>
+                                  </m:sSubPr>
+                                  <m:e>
+                                    <m:r>
+                                      <m:rPr>
+                                        <m:brk m:alnAt="7"/>
+                                      </m:rPr>
+                                      <a:rPr lang="en-US" altLang="ja-JP" sz="2400" i="1">
+                                        <a:latin typeface="Cambria Math" panose="02040503050406030204" pitchFamily="18" charset="0"/>
+                                      </a:rPr>
+                                      <m:t>𝐼</m:t>
+                                    </m:r>
+                                  </m:e>
+                                  <m:sub>
+                                    <m:r>
+                                      <m:rPr>
+                                        <m:brk m:alnAt="7"/>
+                                      </m:rPr>
+                                      <a:rPr lang="en-US" altLang="ja-JP" sz="2400" i="1">
+                                        <a:latin typeface="Cambria Math" panose="02040503050406030204" pitchFamily="18" charset="0"/>
+                                      </a:rPr>
+                                      <m:t>𝑥</m:t>
+                                    </m:r>
+                                  </m:sub>
+                                </m:sSub>
+                              </m:e>
+                              <m:e>
+                                <m:sSub>
+                                  <m:sSubPr>
+                                    <m:ctrlPr>
+                                      <a:rPr lang="en-US" altLang="ja-JP" sz="2400" i="1">
+                                        <a:latin typeface="Cambria Math" panose="02040503050406030204" pitchFamily="18" charset="0"/>
+                                      </a:rPr>
+                                    </m:ctrlPr>
+                                  </m:sSubPr>
+                                  <m:e>
+                                    <m:r>
+                                      <m:rPr>
+                                        <m:brk m:alnAt="7"/>
+                                      </m:rPr>
+                                      <a:rPr lang="en-US" altLang="ja-JP" sz="2400" i="1">
+                                        <a:latin typeface="Cambria Math" panose="02040503050406030204" pitchFamily="18" charset="0"/>
+                                      </a:rPr>
+                                      <m:t>𝐼</m:t>
+                                    </m:r>
+                                  </m:e>
+                                  <m:sub>
+                                    <m:r>
+                                      <m:rPr>
+                                        <m:brk m:alnAt="7"/>
+                                      </m:rPr>
+                                      <a:rPr lang="en-US" altLang="ja-JP" sz="2400" i="1">
+                                        <a:latin typeface="Cambria Math" panose="02040503050406030204" pitchFamily="18" charset="0"/>
+                                      </a:rPr>
+                                      <m:t>𝑥</m:t>
+                                    </m:r>
+                                  </m:sub>
+                                </m:sSub>
+                                <m:sSub>
+                                  <m:sSubPr>
+                                    <m:ctrlPr>
+                                      <a:rPr lang="en-US" altLang="ja-JP" sz="2400" i="1">
+                                        <a:latin typeface="Cambria Math" panose="02040503050406030204" pitchFamily="18" charset="0"/>
+                                      </a:rPr>
+                                    </m:ctrlPr>
+                                  </m:sSubPr>
+                                  <m:e>
+                                    <m:r>
+                                      <m:rPr>
+                                        <m:brk m:alnAt="7"/>
+                                      </m:rPr>
+                                      <a:rPr lang="en-US" altLang="ja-JP" sz="2400" i="1">
+                                        <a:latin typeface="Cambria Math" panose="02040503050406030204" pitchFamily="18" charset="0"/>
+                                      </a:rPr>
+                                      <m:t>𝐼</m:t>
+                                    </m:r>
+                                  </m:e>
+                                  <m:sub>
+                                    <m:r>
+                                      <a:rPr lang="en-US" altLang="ja-JP" sz="2400" i="1">
+                                        <a:latin typeface="Cambria Math" panose="02040503050406030204" pitchFamily="18" charset="0"/>
+                                      </a:rPr>
+                                      <m:t>𝑦</m:t>
+                                    </m:r>
+                                  </m:sub>
+                                </m:sSub>
+                              </m:e>
+                            </m:mr>
+                            <m:mr>
+                              <m:e>
+                                <m:sSub>
+                                  <m:sSubPr>
+                                    <m:ctrlPr>
+                                      <a:rPr lang="en-US" altLang="ja-JP" sz="2400" i="1">
+                                        <a:latin typeface="Cambria Math" panose="02040503050406030204" pitchFamily="18" charset="0"/>
+                                      </a:rPr>
+                                    </m:ctrlPr>
+                                  </m:sSubPr>
+                                  <m:e>
+                                    <m:r>
+                                      <m:rPr>
+                                        <m:brk m:alnAt="7"/>
+                                      </m:rPr>
+                                      <a:rPr lang="en-US" altLang="ja-JP" sz="2400" i="1">
+                                        <a:latin typeface="Cambria Math" panose="02040503050406030204" pitchFamily="18" charset="0"/>
+                                      </a:rPr>
+                                      <m:t>𝐼</m:t>
+                                    </m:r>
+                                  </m:e>
+                                  <m:sub>
+                                    <m:r>
+                                      <m:rPr>
+                                        <m:brk m:alnAt="7"/>
+                                      </m:rPr>
+                                      <a:rPr lang="en-US" altLang="ja-JP" sz="2400" i="1">
+                                        <a:latin typeface="Cambria Math" panose="02040503050406030204" pitchFamily="18" charset="0"/>
+                                      </a:rPr>
+                                      <m:t>𝑥</m:t>
+                                    </m:r>
+                                  </m:sub>
+                                </m:sSub>
+                                <m:sSub>
+                                  <m:sSubPr>
+                                    <m:ctrlPr>
+                                      <a:rPr lang="en-US" altLang="ja-JP" sz="2400" i="1">
+                                        <a:latin typeface="Cambria Math" panose="02040503050406030204" pitchFamily="18" charset="0"/>
+                                      </a:rPr>
+                                    </m:ctrlPr>
+                                  </m:sSubPr>
+                                  <m:e>
+                                    <m:r>
+                                      <m:rPr>
+                                        <m:brk m:alnAt="7"/>
+                                      </m:rPr>
+                                      <a:rPr lang="en-US" altLang="ja-JP" sz="2400" i="1">
+                                        <a:latin typeface="Cambria Math" panose="02040503050406030204" pitchFamily="18" charset="0"/>
+                                      </a:rPr>
+                                      <m:t>𝐼</m:t>
+                                    </m:r>
+                                  </m:e>
+                                  <m:sub>
+                                    <m:r>
+                                      <a:rPr lang="en-US" altLang="ja-JP" sz="2400" i="1">
+                                        <a:latin typeface="Cambria Math" panose="02040503050406030204" pitchFamily="18" charset="0"/>
+                                      </a:rPr>
+                                      <m:t>𝑦</m:t>
+                                    </m:r>
+                                  </m:sub>
+                                </m:sSub>
+                              </m:e>
+                              <m:e>
+                                <m:sSub>
+                                  <m:sSubPr>
+                                    <m:ctrlPr>
+                                      <a:rPr lang="en-US" altLang="ja-JP" sz="2400" i="1">
+                                        <a:latin typeface="Cambria Math" panose="02040503050406030204" pitchFamily="18" charset="0"/>
+                                      </a:rPr>
+                                    </m:ctrlPr>
+                                  </m:sSubPr>
+                                  <m:e>
+                                    <m:r>
+                                      <m:rPr>
+                                        <m:brk m:alnAt="7"/>
+                                      </m:rPr>
+                                      <a:rPr lang="en-US" altLang="ja-JP" sz="2400" i="1">
+                                        <a:latin typeface="Cambria Math" panose="02040503050406030204" pitchFamily="18" charset="0"/>
+                                      </a:rPr>
+                                      <m:t>𝐼</m:t>
+                                    </m:r>
+                                  </m:e>
+                                  <m:sub>
+                                    <m:r>
+                                      <a:rPr lang="en-US" altLang="ja-JP" sz="2400" i="1">
+                                        <a:latin typeface="Cambria Math" panose="02040503050406030204" pitchFamily="18" charset="0"/>
+                                      </a:rPr>
+                                      <m:t>𝑦</m:t>
+                                    </m:r>
+                                  </m:sub>
+                                </m:sSub>
+                                <m:sSub>
+                                  <m:sSubPr>
+                                    <m:ctrlPr>
+                                      <a:rPr lang="en-US" altLang="ja-JP" sz="2400" i="1">
+                                        <a:latin typeface="Cambria Math" panose="02040503050406030204" pitchFamily="18" charset="0"/>
+                                      </a:rPr>
+                                    </m:ctrlPr>
+                                  </m:sSubPr>
+                                  <m:e>
+                                    <m:r>
+                                      <m:rPr>
+                                        <m:brk m:alnAt="7"/>
+                                      </m:rPr>
+                                      <a:rPr lang="en-US" altLang="ja-JP" sz="2400" i="1">
+                                        <a:latin typeface="Cambria Math" panose="02040503050406030204" pitchFamily="18" charset="0"/>
+                                      </a:rPr>
+                                      <m:t>𝐼</m:t>
+                                    </m:r>
+                                  </m:e>
+                                  <m:sub>
+                                    <m:r>
+                                      <a:rPr lang="en-US" altLang="ja-JP" sz="2400" i="1">
+                                        <a:latin typeface="Cambria Math" panose="02040503050406030204" pitchFamily="18" charset="0"/>
+                                      </a:rPr>
+                                      <m:t>𝑦</m:t>
+                                    </m:r>
+                                  </m:sub>
+                                </m:sSub>
+                              </m:e>
+                            </m:mr>
+                          </m:m>
+                        </m:e>
+                      </m:d>
+                    </m:oMath>
+                  </m:oMathPara>
+                </a14:m>
+                <a:endParaRPr lang="en-US" altLang="ja-JP" sz="2400" dirty="0" smtClean="0"/>
+              </a:p>
+            </p:txBody>
+          </p:sp>
+        </mc:Choice>
+        <mc:Fallback xmlns="">
+          <p:sp>
+            <p:nvSpPr>
+              <p:cNvPr id="38" name="コンテンツ プレースホルダー 2"/>
+              <p:cNvSpPr>
+                <a:spLocks noGrp="1" noRot="1" noChangeAspect="1" noMove="1" noResize="1" noEditPoints="1" noAdjustHandles="1" noChangeArrowheads="1" noChangeShapeType="1" noTextEdit="1"/>
+              </p:cNvSpPr>
+              <p:nvPr>
+                <p:ph idx="1"/>
+              </p:nvPr>
+            </p:nvSpPr>
+            <p:spPr>
+              <a:xfrm>
+                <a:off x="4019096" y="1070218"/>
+                <a:ext cx="8013247" cy="1915205"/>
+              </a:xfrm>
+              <a:blipFill>
+                <a:blip r:embed="rId5"/>
+                <a:stretch>
+                  <a:fillRect l="-1141" t="-2548"/>
+                </a:stretch>
+              </a:blipFill>
+            </p:spPr>
+            <p:txBody>
+              <a:bodyPr/>
+              <a:lstStyle/>
+              <a:p>
+                <a:r>
+                  <a:rPr lang="ja-JP" altLang="en-US">
+                    <a:noFill/>
+                  </a:rPr>
+                  <a:t> </a:t>
+                </a:r>
+              </a:p>
+            </p:txBody>
+          </p:sp>
+        </mc:Fallback>
+      </mc:AlternateContent>
+      <p:sp>
+        <p:nvSpPr>
+          <p:cNvPr id="18" name="タイトル 1"/>
+          <p:cNvSpPr txBox="1">
+            <a:spLocks/>
+          </p:cNvSpPr>
+          <p:nvPr/>
+        </p:nvSpPr>
+        <p:spPr>
+          <a:xfrm>
+            <a:off x="213755" y="-178130"/>
+            <a:ext cx="2071665" cy="733270"/>
+          </a:xfrm>
+          <a:prstGeom prst="rect">
+            <a:avLst/>
+          </a:prstGeom>
+        </p:spPr>
+        <p:txBody>
+          <a:bodyPr vert="horz" lIns="91440" tIns="45720" rIns="91440" bIns="45720" rtlCol="0" anchor="ctr">
+            <a:normAutofit/>
+          </a:bodyPr>
+          <a:lstStyle>
+            <a:lvl1pPr algn="l" defTabSz="914400" rtl="0" eaLnBrk="1" latinLnBrk="0" hangingPunct="1">
+              <a:lnSpc>
+                <a:spcPct val="90000"/>
+              </a:lnSpc>
+              <a:spcBef>
+                <a:spcPct val="0"/>
+              </a:spcBef>
+              <a:buNone/>
+              <a:defRPr kumimoji="1" sz="4400" kern="1200">
+                <a:solidFill>
+                  <a:schemeClr val="tx1"/>
+                </a:solidFill>
+                <a:latin typeface="メイリオ" panose="020B0604030504040204" pitchFamily="50" charset="-128"/>
+                <a:ea typeface="メイリオ" panose="020B0604030504040204" pitchFamily="50" charset="-128"/>
+                <a:cs typeface="メイリオ" panose="020B0604030504040204" pitchFamily="50" charset="-128"/>
+              </a:defRPr>
+            </a:lvl1pPr>
+          </a:lstStyle>
+          <a:p>
+            <a:r>
+              <a:rPr lang="ja-JP" altLang="en-US" sz="2000" b="1" dirty="0" smtClean="0">
+                <a:solidFill>
+                  <a:srgbClr val="FF0000"/>
+                </a:solidFill>
+              </a:rPr>
+              <a:t>補足資料</a:t>
+            </a:r>
+            <a:endParaRPr lang="ja-JP" altLang="en-US" sz="2000" b="1" dirty="0">
+              <a:solidFill>
+                <a:srgbClr val="FF0000"/>
+              </a:solidFill>
+            </a:endParaRPr>
+          </a:p>
+        </p:txBody>
+      </p:sp>
     </p:spTree>
     <p:extLst>
       <p:ext uri="{BB962C8B-B14F-4D97-AF65-F5344CB8AC3E}">
-        <p14:creationId xmlns:p14="http://schemas.microsoft.com/office/powerpoint/2010/main" val="180304081"/>
+        <p14:creationId xmlns:p14="http://schemas.microsoft.com/office/powerpoint/2010/main" val="2532168903"/>
       </p:ext>
     </p:extLst>
   </p:cSld>
@@ -44558,6 +42518,13 @@
   <p:clrMapOvr>
     <a:masterClrMapping/>
   </p:clrMapOvr>
+  <p:timing>
+    <p:tnLst>
+      <p:par>
+        <p:cTn id="1" dur="indefinite" restart="never" nodeType="tmRoot"/>
+      </p:par>
+    </p:tnLst>
+  </p:timing>
 </p:sld>
 </file>
 
@@ -44914,6 +42881,13 @@
   <p:clrMapOvr>
     <a:masterClrMapping/>
   </p:clrMapOvr>
+  <p:timing>
+    <p:tnLst>
+      <p:par>
+        <p:cTn id="1" dur="indefinite" restart="never" nodeType="tmRoot"/>
+      </p:par>
+    </p:tnLst>
+  </p:timing>
 </p:sld>
 </file>
 
@@ -45076,6 +43050,13 @@
   <p:clrMapOvr>
     <a:masterClrMapping/>
   </p:clrMapOvr>
+  <p:timing>
+    <p:tnLst>
+      <p:par>
+        <p:cTn id="1" dur="indefinite" restart="never" nodeType="tmRoot"/>
+      </p:par>
+    </p:tnLst>
+  </p:timing>
 </p:sld>
 </file>
 
@@ -45942,6 +43923,13 @@
   <p:clrMapOvr>
     <a:masterClrMapping/>
   </p:clrMapOvr>
+  <p:timing>
+    <p:tnLst>
+      <p:par>
+        <p:cTn id="1" dur="indefinite" restart="never" nodeType="tmRoot"/>
+      </p:par>
+    </p:tnLst>
+  </p:timing>
 </p:sld>
 </file>
 
@@ -47337,6 +45325,13 @@
   <p:clrMapOvr>
     <a:masterClrMapping/>
   </p:clrMapOvr>
+  <p:timing>
+    <p:tnLst>
+      <p:par>
+        <p:cTn id="1" dur="indefinite" restart="never" nodeType="tmRoot"/>
+      </p:par>
+    </p:tnLst>
+  </p:timing>
 </p:sld>
 </file>
 
